--- a/slides/Intro to Hyperlink.pptx
+++ b/slides/Intro to Hyperlink.pptx
@@ -298,7 +298,7 @@
               <a:pPr>
                 <a:defRPr/>
               </a:pPr>
-              <a:t>1/25/2012</a:t>
+              <a:t>3/6/2012</a:t>
             </a:fld>
             <a:endParaRPr lang="en-US" dirty="0"/>
           </a:p>
@@ -1693,6 +1693,13 @@
   <p:clrMapOvr>
     <a:masterClrMapping/>
   </p:clrMapOvr>
+  <p:timing>
+    <p:tnLst>
+      <p:par>
+        <p:cTn id="1" dur="indefinite" restart="never" nodeType="tmRoot"/>
+      </p:par>
+    </p:tnLst>
+  </p:timing>
 </p:sldLayout>
 </file>
 
@@ -2103,8 +2110,8 @@
         </p:nvSpPr>
         <p:spPr>
           <a:xfrm>
-            <a:off x="7930120" y="6498264"/>
-            <a:ext cx="856260" cy="276999"/>
+            <a:off x="7419752" y="6498264"/>
+            <a:ext cx="1357103" cy="276999"/>
           </a:xfrm>
           <a:prstGeom prst="rect">
             <a:avLst/>
@@ -2128,6 +2135,26 @@
               </a:spcAft>
               <a:defRPr/>
             </a:pPr>
+            <a:r>
+              <a:rPr lang="en-US" sz="1200" b="1" dirty="0" smtClean="0">
+                <a:ln w="10541" cmpd="sng">
+                  <a:solidFill>
+                    <a:srgbClr val="7D7D7D">
+                      <a:tint val="100000"/>
+                      <a:shade val="100000"/>
+                      <a:satMod val="110000"/>
+                    </a:srgbClr>
+                  </a:solidFill>
+                  <a:prstDash val="solid"/>
+                </a:ln>
+                <a:solidFill>
+                  <a:srgbClr val="000000"/>
+                </a:solidFill>
+                <a:latin typeface="Calibri"/>
+                <a:cs typeface="Arial" charset="0"/>
+              </a:rPr>
+              <a:t>Multicore </a:t>
+            </a:r>
             <a:r>
               <a:rPr lang="en-US" sz="1200" b="1" dirty="0">
                 <a:ln w="10541" cmpd="sng">
@@ -2146,7 +2173,7 @@
                 <a:latin typeface="Calibri"/>
                 <a:cs typeface="Arial" charset="0"/>
               </a:rPr>
-              <a:t>CI Training</a:t>
+              <a:t>Training</a:t>
             </a:r>
           </a:p>
         </p:txBody>
@@ -12824,19 +12851,7 @@
               <a:rPr lang="en-US" sz="4400" dirty="0" smtClean="0">
                 <a:latin typeface="+mj-lt"/>
               </a:rPr>
-              <a:t>Remote/Rx </a:t>
-            </a:r>
-            <a:r>
-              <a:rPr lang="en-US" sz="4400" dirty="0" smtClean="0">
-                <a:latin typeface="+mj-lt"/>
-              </a:rPr>
-              <a:t>Side</a:t>
-            </a:r>
-            <a:r>
-              <a:rPr lang="en-US" sz="4400" dirty="0" smtClean="0">
-                <a:latin typeface="+mj-lt"/>
-              </a:rPr>
-              <a:t>: Example </a:t>
+              <a:t>Remote/Rx Side: Example </a:t>
             </a:r>
             <a:endParaRPr lang="en-US" sz="4400" dirty="0">
               <a:latin typeface="+mj-lt"/>
@@ -16979,19 +16994,7 @@
               <a:rPr lang="en-US" dirty="0" smtClean="0">
                 <a:latin typeface="+mj-lt"/>
               </a:rPr>
-              <a:t>8 segments, each segment of size </a:t>
-            </a:r>
-            <a:r>
-              <a:rPr lang="en-US" dirty="0" smtClean="0">
-                <a:latin typeface="+mj-lt"/>
-              </a:rPr>
-              <a:t>0x0100_0000 </a:t>
-            </a:r>
-            <a:r>
-              <a:rPr lang="en-US" dirty="0" smtClean="0">
-                <a:latin typeface="+mj-lt"/>
-              </a:rPr>
-              <a:t>(16M)</a:t>
+              <a:t>8 segments, each segment of size 0x0100_0000 (16M)</a:t>
             </a:r>
           </a:p>
           <a:p>
@@ -17005,53 +17008,8 @@
               <a:rPr lang="en-US" dirty="0" smtClean="0">
                 <a:latin typeface="+mj-lt"/>
               </a:rPr>
-              <a:t>Addresses start at </a:t>
-            </a:r>
-            <a:r>
-              <a:rPr lang="en-US" dirty="0" smtClean="0">
-                <a:latin typeface="+mj-lt"/>
-              </a:rPr>
-              <a:t>0x8000_0000</a:t>
-            </a:r>
-            <a:r>
-              <a:rPr lang="en-US" dirty="0" smtClean="0">
-                <a:latin typeface="+mj-lt"/>
-              </a:rPr>
-              <a:t>, </a:t>
-            </a:r>
-            <a:r>
-              <a:rPr lang="en-US" dirty="0" smtClean="0">
-                <a:latin typeface="+mj-lt"/>
-              </a:rPr>
-              <a:t>0x8200_0000</a:t>
-            </a:r>
-            <a:r>
-              <a:rPr lang="en-US" dirty="0" smtClean="0">
-                <a:latin typeface="+mj-lt"/>
-              </a:rPr>
-              <a:t>, </a:t>
-            </a:r>
-            <a:r>
-              <a:rPr lang="en-US" dirty="0" smtClean="0">
-                <a:latin typeface="+mj-lt"/>
-              </a:rPr>
-              <a:t>0x8400_0000</a:t>
-            </a:r>
-            <a:r>
-              <a:rPr lang="en-US" dirty="0" smtClean="0">
-                <a:latin typeface="+mj-lt"/>
-              </a:rPr>
-              <a:t>, to </a:t>
-            </a:r>
-            <a:r>
-              <a:rPr lang="en-US" dirty="0" smtClean="0">
-                <a:latin typeface="+mj-lt"/>
-              </a:rPr>
-              <a:t>0x8E00_0000</a:t>
-            </a:r>
-            <a:endParaRPr lang="en-US" dirty="0" smtClean="0">
-              <a:latin typeface="+mj-lt"/>
-            </a:endParaRPr>
+              <a:t>Addresses start at 0x8000_0000, 0x8200_0000, 0x8400_0000, to 0x8E00_0000</a:t>
+            </a:r>
           </a:p>
           <a:p>
             <a:pPr marL="342900" indent="-342900">
@@ -17064,35 +17022,14 @@
               <a:rPr lang="en-US" dirty="0" err="1" smtClean="0">
                 <a:latin typeface="+mj-lt"/>
               </a:rPr>
-              <a:t>t</a:t>
-            </a:r>
-            <a:r>
-              <a:rPr lang="en-US" dirty="0" err="1" smtClean="0">
-                <a:latin typeface="+mj-lt"/>
-              </a:rPr>
-              <a:t>xigmask</a:t>
+              <a:t>txigmask</a:t>
             </a:r>
             <a:r>
               <a:rPr lang="en-US" dirty="0" smtClean="0">
                 <a:latin typeface="+mj-lt"/>
               </a:rPr>
-              <a:t> </a:t>
-            </a:r>
-            <a:r>
-              <a:rPr lang="en-US" dirty="0" smtClean="0">
-                <a:latin typeface="+mj-lt"/>
-              </a:rPr>
-              <a:t>= 7 mask </a:t>
-            </a:r>
-            <a:r>
-              <a:rPr lang="en-US" dirty="0" smtClean="0">
-                <a:latin typeface="+mj-lt"/>
-              </a:rPr>
-              <a:t>0x00FF_FFFF</a:t>
-            </a:r>
-            <a:endParaRPr lang="en-US" dirty="0" smtClean="0">
-              <a:latin typeface="+mj-lt"/>
-            </a:endParaRPr>
+              <a:t> = 7 mask 0x00FF_FFFF</a:t>
+            </a:r>
           </a:p>
           <a:p>
             <a:pPr marL="342900" indent="-342900">
@@ -17105,35 +17042,14 @@
               <a:rPr lang="en-US" dirty="0" err="1" smtClean="0">
                 <a:latin typeface="+mj-lt"/>
               </a:rPr>
-              <a:t>r</a:t>
-            </a:r>
-            <a:r>
-              <a:rPr lang="en-US" dirty="0" err="1" smtClean="0">
-                <a:latin typeface="+mj-lt"/>
-              </a:rPr>
-              <a:t>xsegsel</a:t>
+              <a:t>rxsegsel</a:t>
             </a:r>
             <a:r>
               <a:rPr lang="en-US" dirty="0" smtClean="0">
                 <a:latin typeface="+mj-lt"/>
               </a:rPr>
-              <a:t> </a:t>
-            </a:r>
-            <a:r>
-              <a:rPr lang="en-US" dirty="0" smtClean="0">
-                <a:latin typeface="+mj-lt"/>
-              </a:rPr>
-              <a:t>= 8 mask </a:t>
-            </a:r>
-            <a:r>
-              <a:rPr lang="en-US" dirty="0" smtClean="0">
-                <a:latin typeface="+mj-lt"/>
-              </a:rPr>
-              <a:t>0x00FF_FFFF</a:t>
-            </a:r>
-            <a:endParaRPr lang="en-US" dirty="0" smtClean="0">
-              <a:latin typeface="+mj-lt"/>
-            </a:endParaRPr>
+              <a:t> = 8 mask 0x00FF_FFFF</a:t>
+            </a:r>
           </a:p>
           <a:p>
             <a:pPr marL="342900" indent="-342900">
@@ -17146,17 +17062,8 @@
               <a:rPr lang="en-US" dirty="0" smtClean="0">
                 <a:latin typeface="+mj-lt"/>
               </a:rPr>
-              <a:t>24 bits offset – </a:t>
-            </a:r>
-            <a:r>
-              <a:rPr lang="en-US" dirty="0" smtClean="0">
-                <a:latin typeface="+mj-lt"/>
-              </a:rPr>
-              <a:t>0x067_89a0</a:t>
-            </a:r>
-            <a:endParaRPr lang="en-US" dirty="0" smtClean="0">
-              <a:latin typeface="+mj-lt"/>
-            </a:endParaRPr>
+              <a:t>24 bits offset – 0x067_89a0</a:t>
+            </a:r>
           </a:p>
           <a:p>
             <a:pPr marL="342900" indent="-342900">
@@ -17189,19 +17096,7 @@
               <a:rPr lang="en-US" dirty="0" smtClean="0">
                 <a:latin typeface="+mj-lt"/>
               </a:rPr>
-              <a:t>Row 5	</a:t>
-            </a:r>
-            <a:r>
-              <a:rPr lang="en-US" dirty="0" smtClean="0">
-                <a:latin typeface="+mj-lt"/>
-              </a:rPr>
-              <a:t>0x8A00_0000</a:t>
-            </a:r>
-            <a:r>
-              <a:rPr lang="en-US" dirty="0" smtClean="0">
-                <a:latin typeface="+mj-lt"/>
-              </a:rPr>
-              <a:t>	Size 23</a:t>
+              <a:t>Row 5	0x8A00_0000	Size 23</a:t>
             </a:r>
             <a:br>
               <a:rPr lang="en-US" dirty="0" smtClean="0">
@@ -17221,41 +17116,8 @@
               <a:rPr lang="en-US" dirty="0" smtClean="0">
                 <a:latin typeface="+mj-lt"/>
               </a:rPr>
-              <a:t>On the receive side, the address is </a:t>
-            </a:r>
-            <a:r>
-              <a:rPr lang="en-US" dirty="0" smtClean="0">
-                <a:latin typeface="+mj-lt"/>
-              </a:rPr>
-              <a:t>0x8A00_0000 </a:t>
-            </a:r>
-            <a:r>
-              <a:rPr lang="en-US" dirty="0" smtClean="0">
-                <a:latin typeface="+mj-lt"/>
-              </a:rPr>
-              <a:t>+ </a:t>
-            </a:r>
-            <a:r>
-              <a:rPr lang="en-US" dirty="0" smtClean="0">
-                <a:latin typeface="+mj-lt"/>
-              </a:rPr>
-              <a:t>0x0067_89A0 </a:t>
-            </a:r>
-            <a:r>
-              <a:rPr lang="en-US" dirty="0" smtClean="0">
-                <a:latin typeface="+mj-lt"/>
-              </a:rPr>
-              <a:t>= </a:t>
-            </a:r>
-            <a:r>
-              <a:rPr lang="en-US" dirty="0" smtClean="0">
-                <a:latin typeface="+mj-lt"/>
-              </a:rPr>
-              <a:t>0x8A67_89A0</a:t>
-            </a:r>
-            <a:endParaRPr lang="en-US" dirty="0" smtClean="0">
-              <a:latin typeface="+mj-lt"/>
-            </a:endParaRPr>
+              <a:t>On the receive side, the address is 0x8A00_0000 + 0x0067_89A0 = 0x8A67_89A0</a:t>
+            </a:r>
           </a:p>
         </p:txBody>
       </p:sp>
@@ -17784,19 +17646,7 @@
               <a:rPr lang="en-US" dirty="0" smtClean="0">
                 <a:latin typeface="+mj-lt"/>
               </a:rPr>
-              <a:t>8 segments, 7 each of size </a:t>
-            </a:r>
-            <a:r>
-              <a:rPr lang="en-US" dirty="0" smtClean="0">
-                <a:latin typeface="+mj-lt"/>
-              </a:rPr>
-              <a:t>0x0100_0000 </a:t>
-            </a:r>
-            <a:r>
-              <a:rPr lang="en-US" dirty="0" smtClean="0">
-                <a:latin typeface="+mj-lt"/>
-              </a:rPr>
-              <a:t>(16M)</a:t>
+              <a:t>8 segments, 7 each of size 0x0100_0000 (16M)</a:t>
             </a:r>
           </a:p>
           <a:p>
@@ -17810,55 +17660,7 @@
               <a:rPr lang="en-US" dirty="0" smtClean="0">
                 <a:latin typeface="+mj-lt"/>
               </a:rPr>
-              <a:t>Addresses start at </a:t>
-            </a:r>
-            <a:r>
-              <a:rPr lang="en-US" dirty="0" smtClean="0">
-                <a:latin typeface="+mj-lt"/>
-              </a:rPr>
-              <a:t>0x8000_0000</a:t>
-            </a:r>
-            <a:r>
-              <a:rPr lang="en-US" dirty="0" smtClean="0">
-                <a:latin typeface="+mj-lt"/>
-              </a:rPr>
-              <a:t>, </a:t>
-            </a:r>
-            <a:r>
-              <a:rPr lang="en-US" dirty="0" smtClean="0">
-                <a:latin typeface="+mj-lt"/>
-              </a:rPr>
-              <a:t>0x8100_0000</a:t>
-            </a:r>
-            <a:r>
-              <a:rPr lang="en-US" dirty="0" smtClean="0">
-                <a:latin typeface="+mj-lt"/>
-              </a:rPr>
-              <a:t>, </a:t>
-            </a:r>
-            <a:r>
-              <a:rPr lang="en-US" dirty="0" smtClean="0">
-                <a:latin typeface="+mj-lt"/>
-              </a:rPr>
-              <a:t>0x8200_0000</a:t>
-            </a:r>
-            <a:r>
-              <a:rPr lang="en-US" dirty="0" smtClean="0">
-                <a:latin typeface="+mj-lt"/>
-              </a:rPr>
-              <a:t>, to </a:t>
-            </a:r>
-            <a:r>
-              <a:rPr lang="en-US" dirty="0" smtClean="0">
-                <a:latin typeface="+mj-lt"/>
-              </a:rPr>
-              <a:t>0x8600_0000</a:t>
-            </a:r>
-            <a:r>
-              <a:rPr lang="en-US" dirty="0" smtClean="0">
-                <a:latin typeface="+mj-lt"/>
-              </a:rPr>
-              <a:t>.</a:t>
+              <a:t>Addresses start at 0x8000_0000, 0x8100_0000, 0x8200_0000, to 0x8600_0000.</a:t>
             </a:r>
           </a:p>
           <a:p>
@@ -17878,25 +17680,7 @@
               <a:rPr lang="en-US" dirty="0" smtClean="0">
                 <a:latin typeface="+mj-lt"/>
               </a:rPr>
-              <a:t> = 8 mask </a:t>
-            </a:r>
-            <a:r>
-              <a:rPr lang="en-US" dirty="0" smtClean="0">
-                <a:latin typeface="+mj-lt"/>
-              </a:rPr>
-              <a:t>0x01FF_FFFF  </a:t>
-            </a:r>
-            <a:r>
-              <a:rPr lang="en-US" dirty="0" smtClean="0">
-                <a:latin typeface="+mj-lt"/>
-              </a:rPr>
-              <a:t>Rxsegsel = 9 mask </a:t>
-            </a:r>
-            <a:r>
-              <a:rPr lang="en-US" dirty="0" smtClean="0">
-                <a:latin typeface="+mj-lt"/>
-              </a:rPr>
-              <a:t>0x01FF_FFFF</a:t>
+              <a:t> = 8 mask 0x01FF_FFFF  Rxsegsel = 9 mask 0x01FF_FFFF</a:t>
             </a:r>
             <a:endParaRPr lang="en-US" dirty="0">
               <a:latin typeface="+mj-lt"/>
@@ -17978,13 +17762,7 @@
               <a:rPr lang="en-US" dirty="0" smtClean="0">
                 <a:latin typeface="+mj-lt"/>
               </a:rPr>
-              <a:t>s</a:t>
-            </a:r>
-            <a:r>
-              <a:rPr lang="en-US" dirty="0" smtClean="0">
-                <a:latin typeface="+mj-lt"/>
-              </a:rPr>
-              <a:t>egment </a:t>
+              <a:t>segment </a:t>
             </a:r>
             <a:r>
               <a:rPr lang="en-US" dirty="0">
@@ -18013,19 +17791,7 @@
               <a:rPr lang="en-US" dirty="0" smtClean="0">
                 <a:latin typeface="+mj-lt"/>
               </a:rPr>
-              <a:t>Row 2	</a:t>
-            </a:r>
-            <a:r>
-              <a:rPr lang="en-US" dirty="0" smtClean="0">
-                <a:latin typeface="+mj-lt"/>
-              </a:rPr>
-              <a:t>0x8200_0000</a:t>
-            </a:r>
-            <a:r>
-              <a:rPr lang="en-US" dirty="0" smtClean="0">
-                <a:latin typeface="+mj-lt"/>
-              </a:rPr>
-              <a:t>	Size 23</a:t>
+              <a:t>Row 2	0x8200_0000	Size 23</a:t>
             </a:r>
           </a:p>
           <a:p>
@@ -18046,41 +17812,8 @@
               <a:rPr lang="en-US" dirty="0" smtClean="0">
                 <a:latin typeface="+mj-lt"/>
               </a:rPr>
-              <a:t>On the receive side, the address is </a:t>
-            </a:r>
-            <a:r>
-              <a:rPr lang="en-US" dirty="0" smtClean="0">
-                <a:latin typeface="+mj-lt"/>
-              </a:rPr>
-              <a:t>0x8200_0000 </a:t>
-            </a:r>
-            <a:r>
-              <a:rPr lang="en-US" dirty="0" smtClean="0">
-                <a:latin typeface="+mj-lt"/>
-              </a:rPr>
-              <a:t>+ </a:t>
-            </a:r>
-            <a:r>
-              <a:rPr lang="en-US" dirty="0" smtClean="0">
-                <a:latin typeface="+mj-lt"/>
-              </a:rPr>
-              <a:t>0x0067_89A0 </a:t>
-            </a:r>
-            <a:r>
-              <a:rPr lang="en-US" dirty="0" smtClean="0">
-                <a:latin typeface="+mj-lt"/>
-              </a:rPr>
-              <a:t>= </a:t>
-            </a:r>
-            <a:r>
-              <a:rPr lang="en-US" dirty="0" smtClean="0">
-                <a:latin typeface="+mj-lt"/>
-              </a:rPr>
-              <a:t>0x8267_89A0 </a:t>
-            </a:r>
-            <a:endParaRPr lang="en-US" dirty="0" smtClean="0">
-              <a:latin typeface="+mj-lt"/>
-            </a:endParaRPr>
+              <a:t>On the receive side, the address is 0x8200_0000 + 0x0067_89A0 = 0x8267_89A0 </a:t>
+            </a:r>
           </a:p>
         </p:txBody>
       </p:sp>
@@ -44368,43 +44101,7 @@
               <a:rPr lang="en-US" dirty="0" smtClean="0">
                 <a:latin typeface="+mj-lt"/>
               </a:rPr>
-              <a:t>Addresses start at </a:t>
-            </a:r>
-            <a:r>
-              <a:rPr lang="en-US" dirty="0" smtClean="0">
-                <a:latin typeface="+mj-lt"/>
-              </a:rPr>
-              <a:t>0x8000_0000</a:t>
-            </a:r>
-            <a:r>
-              <a:rPr lang="en-US" dirty="0" smtClean="0">
-                <a:latin typeface="+mj-lt"/>
-              </a:rPr>
-              <a:t>, </a:t>
-            </a:r>
-            <a:r>
-              <a:rPr lang="en-US" dirty="0" smtClean="0">
-                <a:latin typeface="+mj-lt"/>
-              </a:rPr>
-              <a:t>0x8080_0000</a:t>
-            </a:r>
-            <a:r>
-              <a:rPr lang="en-US" dirty="0" smtClean="0">
-                <a:latin typeface="+mj-lt"/>
-              </a:rPr>
-              <a:t>, </a:t>
-            </a:r>
-            <a:r>
-              <a:rPr lang="en-US" dirty="0" smtClean="0">
-                <a:latin typeface="+mj-lt"/>
-              </a:rPr>
-              <a:t>0x8100_0000</a:t>
-            </a:r>
-            <a:r>
-              <a:rPr lang="en-US" dirty="0" smtClean="0">
-                <a:latin typeface="+mj-lt"/>
-              </a:rPr>
-              <a:t>, etc.</a:t>
+              <a:t>Addresses start at 0x8000_0000, 0x8080_0000, 0x8100_0000, etc.</a:t>
             </a:r>
           </a:p>
           <a:p>
@@ -44452,17 +44149,8 @@
               <a:rPr lang="en-US" dirty="0" smtClean="0">
                 <a:latin typeface="+mj-lt"/>
               </a:rPr>
-              <a:t> = 5 mask </a:t>
-            </a:r>
-            <a:r>
-              <a:rPr lang="en-US" dirty="0" smtClean="0">
-                <a:latin typeface="+mj-lt"/>
-              </a:rPr>
-              <a:t>0x003F_FFFF</a:t>
-            </a:r>
-            <a:endParaRPr lang="en-US" dirty="0" smtClean="0">
-              <a:latin typeface="+mj-lt"/>
-            </a:endParaRPr>
+              <a:t> = 5 mask 0x003F_FFFF</a:t>
+            </a:r>
           </a:p>
           <a:p>
             <a:pPr marL="342900" indent="-342900">
@@ -44481,13 +44169,7 @@
               <a:rPr lang="en-US" dirty="0" smtClean="0">
                 <a:latin typeface="+mj-lt"/>
               </a:rPr>
-              <a:t> = 6 mask </a:t>
-            </a:r>
-            <a:r>
-              <a:rPr lang="en-US" dirty="0" smtClean="0">
-                <a:latin typeface="+mj-lt"/>
-              </a:rPr>
-              <a:t>0x003F_FFFF</a:t>
+              <a:t> = 6 mask 0x003F_FFFF</a:t>
             </a:r>
             <a:endParaRPr lang="en-US" dirty="0">
               <a:latin typeface="+mj-lt"/>
@@ -44518,9 +44200,6 @@
               </a:rPr>
               <a:t>0x0027_89A0 </a:t>
             </a:r>
-            <a:endParaRPr lang="en-US" dirty="0" smtClean="0">
-              <a:latin typeface="+mj-lt"/>
-            </a:endParaRPr>
           </a:p>
           <a:p>
             <a:pPr marL="342900" indent="-342900">
@@ -44554,19 +44233,7 @@
               <a:rPr lang="en-US" dirty="0" smtClean="0">
                 <a:latin typeface="+mj-lt"/>
               </a:rPr>
-              <a:t>Row 21	</a:t>
-            </a:r>
-            <a:r>
-              <a:rPr lang="en-US" dirty="0" smtClean="0">
-                <a:latin typeface="+mj-lt"/>
-              </a:rPr>
-              <a:t>0x8A80_0000</a:t>
-            </a:r>
-            <a:r>
-              <a:rPr lang="en-US" dirty="0" smtClean="0">
-                <a:latin typeface="+mj-lt"/>
-              </a:rPr>
-              <a:t>	Size 21</a:t>
+              <a:t>Row 21	0x8A80_0000	Size 21</a:t>
             </a:r>
           </a:p>
           <a:p>
@@ -44580,13 +44247,7 @@
               <a:rPr lang="en-US" dirty="0" smtClean="0">
                 <a:latin typeface="+mj-lt"/>
               </a:rPr>
-              <a:t>On the receive side, the address is </a:t>
-            </a:r>
-            <a:r>
-              <a:rPr lang="en-US" dirty="0" smtClean="0">
-                <a:latin typeface="+mj-lt"/>
-              </a:rPr>
-              <a:t>0x8a80_0000 </a:t>
+              <a:t>On the receive side, the address is 0x8a80_0000 </a:t>
             </a:r>
             <a:r>
               <a:rPr lang="en-US" dirty="0">
@@ -44926,37 +44587,7 @@
               <a:rPr lang="en-US" sz="1900" i="1" dirty="0" smtClean="0">
                 <a:latin typeface="+mj-lt"/>
               </a:rPr>
-              <a:t>Enabling </a:t>
-            </a:r>
-            <a:r>
-              <a:rPr lang="en-US" sz="1900" i="1" dirty="0" smtClean="0">
-                <a:latin typeface="+mj-lt"/>
-              </a:rPr>
-              <a:t>power to peripherals </a:t>
-            </a:r>
-            <a:r>
-              <a:rPr lang="en-US" sz="1900" i="1" dirty="0" smtClean="0">
-                <a:latin typeface="+mj-lt"/>
-              </a:rPr>
-              <a:t>involves </a:t>
-            </a:r>
-            <a:r>
-              <a:rPr lang="en-US" sz="1900" i="1" dirty="0" smtClean="0">
-                <a:latin typeface="+mj-lt"/>
-              </a:rPr>
-              <a:t>the following </a:t>
-            </a:r>
-            <a:r>
-              <a:rPr lang="en-US" sz="1900" i="1" dirty="0" smtClean="0">
-                <a:latin typeface="+mj-lt"/>
-              </a:rPr>
-              <a:t>four functions</a:t>
-            </a:r>
-            <a:r>
-              <a:rPr lang="en-US" sz="1900" i="1" dirty="0" smtClean="0">
-                <a:latin typeface="+mj-lt"/>
-              </a:rPr>
-              <a:t>:</a:t>
+              <a:t>Enabling power to peripherals involves the following four functions:</a:t>
             </a:r>
           </a:p>
           <a:p>
@@ -45523,7 +45154,7 @@
             </a:r>
             <a:r>
               <a:rPr lang="en-US" sz="1400" dirty="0" smtClean="0">
-                <a:hlinkClick r:id="rId5" action="ppaction://hlinkfile"/>
+                <a:hlinkClick r:id="rId3" action="ppaction://hlinkfile"/>
               </a:rPr>
               <a:t>Hyplnk_close</a:t>
             </a:r>
@@ -45576,7 +45207,7 @@
             </a:r>
             <a:r>
               <a:rPr lang="en-US" sz="1400" dirty="0" smtClean="0">
-                <a:hlinkClick r:id="rId6" action="ppaction://hlinkfile"/>
+                <a:hlinkClick r:id="rId3" action="ppaction://hlinkfile"/>
               </a:rPr>
               <a:t>Hyplnk_readRegs</a:t>
             </a:r>
@@ -45596,7 +45227,7 @@
             </a:r>
             <a:r>
               <a:rPr lang="en-US" sz="1400" dirty="0" smtClean="0">
-                <a:hlinkClick r:id="rId7" action="ppaction://hlinkfile"/>
+                <a:hlinkClick r:id="rId5" action="ppaction://hlinkfile"/>
               </a:rPr>
               <a:t>hyplnkLocation_e</a:t>
             </a:r>
@@ -45606,7 +45237,7 @@
             </a:r>
             <a:r>
               <a:rPr lang="en-US" sz="1400" dirty="0" smtClean="0">
-                <a:hlinkClick r:id="rId8" action="ppaction://hlinkfile"/>
+                <a:hlinkClick r:id="rId6" action="ppaction://hlinkfile"/>
               </a:rPr>
               <a:t>hyplnkRegisters_t</a:t>
             </a:r>
@@ -45651,7 +45282,7 @@
             </a:r>
             <a:r>
               <a:rPr lang="en-US" sz="1400" dirty="0" smtClean="0">
-                <a:hlinkClick r:id="rId9" action="ppaction://hlinkfile"/>
+                <a:hlinkClick r:id="rId3" action="ppaction://hlinkfile"/>
               </a:rPr>
               <a:t>Hyplnk_writeRegs</a:t>
             </a:r>
@@ -45671,7 +45302,7 @@
             </a:r>
             <a:r>
               <a:rPr lang="en-US" sz="1400" dirty="0" smtClean="0">
-                <a:hlinkClick r:id="rId7" action="ppaction://hlinkfile"/>
+                <a:hlinkClick r:id="rId5" action="ppaction://hlinkfile"/>
               </a:rPr>
               <a:t>hyplnkLocation_e</a:t>
             </a:r>
@@ -45681,7 +45312,7 @@
             </a:r>
             <a:r>
               <a:rPr lang="en-US" sz="1400" dirty="0" smtClean="0">
-                <a:hlinkClick r:id="rId8" action="ppaction://hlinkfile"/>
+                <a:hlinkClick r:id="rId6" action="ppaction://hlinkfile"/>
               </a:rPr>
               <a:t>hyplnkRegisters_t</a:t>
             </a:r>
@@ -45726,7 +45357,7 @@
             </a:r>
             <a:r>
               <a:rPr lang="en-US" sz="1400" dirty="0" smtClean="0">
-                <a:hlinkClick r:id="rId10" action="ppaction://hlinkfile"/>
+                <a:hlinkClick r:id="rId3" action="ppaction://hlinkfile"/>
               </a:rPr>
               <a:t>Hyplnk_getWindow</a:t>
             </a:r>
@@ -45773,7 +45404,7 @@
             </a:r>
             <a:r>
               <a:rPr lang="en-US" sz="1400" dirty="0" smtClean="0">
-                <a:hlinkClick r:id="rId11" action="ppaction://hlinkfile"/>
+                <a:hlinkClick r:id="rId3" action="ppaction://hlinkfile"/>
               </a:rPr>
               <a:t>Hyplnk_getVersion</a:t>
             </a:r>
@@ -45810,7 +45441,7 @@
             </a:r>
             <a:r>
               <a:rPr lang="en-US" sz="1400" dirty="0" smtClean="0">
-                <a:hlinkClick r:id="rId12" action="ppaction://hlinkfile"/>
+                <a:hlinkClick r:id="rId3" action="ppaction://hlinkfile"/>
               </a:rPr>
               <a:t>Hyplnk_getVersionStr</a:t>
             </a:r>
@@ -45929,49 +45560,7 @@
               <a:rPr lang="en-US" sz="2600" dirty="0" smtClean="0">
                 <a:latin typeface="+mj-lt"/>
               </a:rPr>
-              <a:t>Configuration functions are part of the HyperLink example in the PDK release and can be </a:t>
-            </a:r>
-            <a:r>
-              <a:rPr lang="en-US" sz="2600" dirty="0" smtClean="0">
-                <a:latin typeface="+mj-lt"/>
-              </a:rPr>
-              <a:t>used</a:t>
-            </a:r>
-            <a:r>
-              <a:rPr lang="en-US" sz="2600" dirty="0" smtClean="0">
-                <a:latin typeface="+mj-lt"/>
-              </a:rPr>
-              <a:t> </a:t>
-            </a:r>
-            <a:r>
-              <a:rPr lang="en-US" sz="2600" dirty="0" smtClean="0">
-                <a:latin typeface="+mj-lt"/>
-              </a:rPr>
-              <a:t>“</a:t>
-            </a:r>
-            <a:r>
-              <a:rPr lang="en-US" sz="2600" dirty="0" smtClean="0">
-                <a:latin typeface="+mj-lt"/>
-              </a:rPr>
-              <a:t>as is” </a:t>
-            </a:r>
-            <a:r>
-              <a:rPr lang="en-US" sz="2600" dirty="0" smtClean="0">
-                <a:latin typeface="+mj-lt"/>
-              </a:rPr>
-              <a:t>or </a:t>
-            </a:r>
-            <a:r>
-              <a:rPr lang="en-US" sz="2600" dirty="0" smtClean="0">
-                <a:latin typeface="+mj-lt"/>
-              </a:rPr>
-              <a:t>be modified </a:t>
-            </a:r>
-            <a:r>
-              <a:rPr lang="en-US" sz="2600" dirty="0" smtClean="0">
-                <a:latin typeface="+mj-lt"/>
-              </a:rPr>
-              <a:t>by users.</a:t>
+              <a:t>Configuration functions are part of the HyperLink example in the PDK release and can be used “as is” or be modified by users.</a:t>
             </a:r>
           </a:p>
           <a:p>
@@ -46871,41 +46460,8 @@
               <a:rPr lang="en-US" sz="2000" dirty="0" smtClean="0">
                 <a:latin typeface="+mj-lt"/>
               </a:rPr>
-              <a:t>Included in </a:t>
-            </a:r>
-            <a:r>
-              <a:rPr lang="en-US" sz="2000" dirty="0" smtClean="0">
-                <a:latin typeface="+mj-lt"/>
-              </a:rPr>
-              <a:t>the PDK (Platform Development Kit) release </a:t>
-            </a:r>
-            <a:r>
-              <a:rPr lang="en-US" sz="2000" dirty="0" smtClean="0">
-                <a:latin typeface="+mj-lt"/>
-              </a:rPr>
-              <a:t>are</a:t>
-            </a:r>
-            <a:r>
-              <a:rPr lang="en-US" sz="2000" dirty="0" smtClean="0">
-                <a:latin typeface="+mj-lt"/>
-              </a:rPr>
-              <a:t> </a:t>
-            </a:r>
-            <a:r>
-              <a:rPr lang="en-US" sz="2000" dirty="0" smtClean="0">
-                <a:latin typeface="+mj-lt"/>
-              </a:rPr>
-              <a:t>a set of examples for each of the </a:t>
-            </a:r>
-            <a:r>
-              <a:rPr lang="en-US" sz="2000" dirty="0" smtClean="0">
-                <a:latin typeface="+mj-lt"/>
-              </a:rPr>
-              <a:t>peripherals.</a:t>
-            </a:r>
-            <a:endParaRPr lang="en-US" sz="2000" dirty="0" smtClean="0">
-              <a:latin typeface="+mj-lt"/>
-            </a:endParaRPr>
+              <a:t>Included in the PDK (Platform Development Kit) release are a set of examples for each of the peripherals.</a:t>
+            </a:r>
           </a:p>
           <a:p>
             <a:pPr marL="514350" indent="-514350" eaLnBrk="1" fontAlgn="auto" hangingPunct="1">
@@ -46924,47 +46480,26 @@
               <a:rPr lang="en-US" sz="2000" smtClean="0">
                 <a:latin typeface="+mj-lt"/>
               </a:rPr>
-              <a:t>as </a:t>
+              <a:t>as a single-EVM </a:t>
+            </a:r>
+            <a:r>
+              <a:rPr lang="en-US" sz="2000" dirty="0" smtClean="0">
+                <a:latin typeface="+mj-lt"/>
+              </a:rPr>
+              <a:t>loopback or between </a:t>
             </a:r>
             <a:r>
               <a:rPr lang="en-US" sz="2000" smtClean="0">
                 <a:latin typeface="+mj-lt"/>
               </a:rPr>
-              <a:t>a single-EVM </a:t>
+              <a:t>two C66x EVM </a:t>
             </a:r>
             <a:r>
               <a:rPr lang="en-US" sz="2000" dirty="0" smtClean="0">
                 <a:latin typeface="+mj-lt"/>
               </a:rPr>
-              <a:t>loopback </a:t>
-            </a:r>
-            <a:r>
-              <a:rPr lang="en-US" sz="2000" dirty="0" smtClean="0">
-                <a:latin typeface="+mj-lt"/>
-              </a:rPr>
-              <a:t>or between </a:t>
-            </a:r>
-            <a:r>
-              <a:rPr lang="en-US" sz="2000" smtClean="0">
-                <a:latin typeface="+mj-lt"/>
-              </a:rPr>
-              <a:t>two </a:t>
-            </a:r>
-            <a:r>
-              <a:rPr lang="en-US" sz="2000" smtClean="0">
-                <a:latin typeface="+mj-lt"/>
-              </a:rPr>
-              <a:t>C66x EVM </a:t>
-            </a:r>
-            <a:r>
-              <a:rPr lang="en-US" sz="2000" dirty="0" smtClean="0">
-                <a:latin typeface="+mj-lt"/>
-              </a:rPr>
               <a:t>boards.</a:t>
             </a:r>
-            <a:endParaRPr lang="en-US" sz="2000" dirty="0" smtClean="0">
-              <a:latin typeface="+mj-lt"/>
-            </a:endParaRPr>
           </a:p>
           <a:p>
             <a:pPr marL="514350" indent="-514350" eaLnBrk="1" fontAlgn="auto" hangingPunct="1">

--- a/slides/Intro to Hyperlink.pptx
+++ b/slides/Intro to Hyperlink.pptx
@@ -41,7 +41,7 @@
     <p:sldId id="364" r:id="rId32"/>
     <p:sldId id="332" r:id="rId33"/>
     <p:sldId id="365" r:id="rId34"/>
-    <p:sldId id="346" r:id="rId35"/>
+    <p:sldId id="369" r:id="rId35"/>
     <p:sldId id="366" r:id="rId36"/>
     <p:sldId id="329" r:id="rId37"/>
     <p:sldId id="367" r:id="rId38"/>
@@ -298,7 +298,7 @@
               <a:pPr>
                 <a:defRPr/>
               </a:pPr>
-              <a:t>3/6/2012</a:t>
+              <a:t>3/21/2012</a:t>
             </a:fld>
             <a:endParaRPr lang="en-US" dirty="0"/>
           </a:p>
@@ -744,7 +744,2833 @@
 </p:notes>
 </file>
 
+<file path=ppt/notesSlides/notesSlide10.xml><?xml version="1.0" encoding="utf-8"?>
+<p:notes xmlns:a="http://schemas.openxmlformats.org/drawingml/2006/main" xmlns:r="http://schemas.openxmlformats.org/officeDocument/2006/relationships" xmlns:p="http://schemas.openxmlformats.org/presentationml/2006/main">
+  <p:cSld>
+    <p:spTree>
+      <p:nvGrpSpPr>
+        <p:cNvPr id="1" name=""/>
+        <p:cNvGrpSpPr/>
+        <p:nvPr/>
+      </p:nvGrpSpPr>
+      <p:grpSpPr>
+        <a:xfrm>
+          <a:off x="0" y="0"/>
+          <a:ext cx="0" cy="0"/>
+          <a:chOff x="0" y="0"/>
+          <a:chExt cx="0" cy="0"/>
+        </a:xfrm>
+      </p:grpSpPr>
+      <p:sp>
+        <p:nvSpPr>
+          <p:cNvPr id="2" name="Slide Image Placeholder 1"/>
+          <p:cNvSpPr>
+            <a:spLocks noGrp="1" noRot="1" noChangeAspect="1"/>
+          </p:cNvSpPr>
+          <p:nvPr>
+            <p:ph type="sldImg"/>
+          </p:nvPr>
+        </p:nvSpPr>
+        <p:spPr/>
+      </p:sp>
+      <p:sp>
+        <p:nvSpPr>
+          <p:cNvPr id="3" name="Notes Placeholder 2"/>
+          <p:cNvSpPr>
+            <a:spLocks noGrp="1"/>
+          </p:cNvSpPr>
+          <p:nvPr>
+            <p:ph type="body" idx="1"/>
+          </p:nvPr>
+        </p:nvSpPr>
+        <p:spPr/>
+        <p:txBody>
+          <a:bodyPr>
+            <a:normAutofit/>
+          </a:bodyPr>
+          <a:lstStyle/>
+          <a:p>
+            <a:endParaRPr lang="en-US"/>
+          </a:p>
+        </p:txBody>
+      </p:sp>
+      <p:sp>
+        <p:nvSpPr>
+          <p:cNvPr id="4" name="Slide Number Placeholder 3"/>
+          <p:cNvSpPr>
+            <a:spLocks noGrp="1"/>
+          </p:cNvSpPr>
+          <p:nvPr>
+            <p:ph type="sldNum" sz="quarter" idx="10"/>
+          </p:nvPr>
+        </p:nvSpPr>
+        <p:spPr/>
+        <p:txBody>
+          <a:bodyPr/>
+          <a:lstStyle/>
+          <a:p>
+            <a:pPr>
+              <a:defRPr/>
+            </a:pPr>
+            <a:fld id="{8B2AE985-CEB1-47DB-AC87-FA613AA66B3B}" type="slidenum">
+              <a:rPr lang="en-US" smtClean="0"/>
+              <a:pPr>
+                <a:defRPr/>
+              </a:pPr>
+              <a:t>10</a:t>
+            </a:fld>
+            <a:endParaRPr lang="en-US" dirty="0"/>
+          </a:p>
+        </p:txBody>
+      </p:sp>
+    </p:spTree>
+  </p:cSld>
+  <p:clrMapOvr>
+    <a:masterClrMapping/>
+  </p:clrMapOvr>
+</p:notes>
+</file>
+
+<file path=ppt/notesSlides/notesSlide11.xml><?xml version="1.0" encoding="utf-8"?>
+<p:notes xmlns:a="http://schemas.openxmlformats.org/drawingml/2006/main" xmlns:r="http://schemas.openxmlformats.org/officeDocument/2006/relationships" xmlns:p="http://schemas.openxmlformats.org/presentationml/2006/main">
+  <p:cSld>
+    <p:spTree>
+      <p:nvGrpSpPr>
+        <p:cNvPr id="1" name=""/>
+        <p:cNvGrpSpPr/>
+        <p:nvPr/>
+      </p:nvGrpSpPr>
+      <p:grpSpPr>
+        <a:xfrm>
+          <a:off x="0" y="0"/>
+          <a:ext cx="0" cy="0"/>
+          <a:chOff x="0" y="0"/>
+          <a:chExt cx="0" cy="0"/>
+        </a:xfrm>
+      </p:grpSpPr>
+      <p:sp>
+        <p:nvSpPr>
+          <p:cNvPr id="55298" name="Rectangle 7"/>
+          <p:cNvSpPr>
+            <a:spLocks noGrp="1" noChangeArrowheads="1"/>
+          </p:cNvSpPr>
+          <p:nvPr>
+            <p:ph type="sldNum" sz="quarter" idx="5"/>
+          </p:nvPr>
+        </p:nvSpPr>
+        <p:spPr bwMode="auto">
+          <a:noFill/>
+          <a:ln>
+            <a:miter lim="800000"/>
+            <a:headEnd/>
+            <a:tailEnd/>
+          </a:ln>
+        </p:spPr>
+        <p:txBody>
+          <a:bodyPr wrap="square" numCol="1" anchorCtr="0" compatLnSpc="1">
+            <a:prstTxWarp prst="textNoShape">
+              <a:avLst/>
+            </a:prstTxWarp>
+          </a:bodyPr>
+          <a:lstStyle/>
+          <a:p>
+            <a:pPr fontAlgn="base">
+              <a:spcBef>
+                <a:spcPct val="0"/>
+              </a:spcBef>
+              <a:spcAft>
+                <a:spcPct val="0"/>
+              </a:spcAft>
+            </a:pPr>
+            <a:fld id="{7185C480-A9AC-4091-9762-70B9D1AADA10}" type="slidenum">
+              <a:rPr lang="en-US" smtClean="0">
+                <a:latin typeface="Arial" charset="0"/>
+              </a:rPr>
+              <a:pPr fontAlgn="base">
+                <a:spcBef>
+                  <a:spcPct val="0"/>
+                </a:spcBef>
+                <a:spcAft>
+                  <a:spcPct val="0"/>
+                </a:spcAft>
+              </a:pPr>
+              <a:t>11</a:t>
+            </a:fld>
+            <a:endParaRPr lang="en-US" dirty="0" smtClean="0">
+              <a:latin typeface="Arial" charset="0"/>
+            </a:endParaRPr>
+          </a:p>
+        </p:txBody>
+      </p:sp>
+      <p:sp>
+        <p:nvSpPr>
+          <p:cNvPr id="55299" name="Rectangle 2"/>
+          <p:cNvSpPr>
+            <a:spLocks noGrp="1" noRot="1" noChangeAspect="1" noChangeArrowheads="1" noTextEdit="1"/>
+          </p:cNvSpPr>
+          <p:nvPr>
+            <p:ph type="sldImg"/>
+          </p:nvPr>
+        </p:nvSpPr>
+        <p:spPr bwMode="auto">
+          <a:noFill/>
+          <a:ln>
+            <a:solidFill>
+              <a:srgbClr val="000000"/>
+            </a:solidFill>
+            <a:miter lim="800000"/>
+            <a:headEnd/>
+            <a:tailEnd/>
+          </a:ln>
+        </p:spPr>
+      </p:sp>
+      <p:sp>
+        <p:nvSpPr>
+          <p:cNvPr id="55300" name="Rectangle 3"/>
+          <p:cNvSpPr>
+            <a:spLocks noGrp="1" noChangeArrowheads="1"/>
+          </p:cNvSpPr>
+          <p:nvPr>
+            <p:ph type="body" idx="1"/>
+          </p:nvPr>
+        </p:nvSpPr>
+        <p:spPr bwMode="auto">
+          <a:noFill/>
+        </p:spPr>
+        <p:txBody>
+          <a:bodyPr wrap="square" numCol="1" anchor="t" anchorCtr="0" compatLnSpc="1">
+            <a:prstTxWarp prst="textNoShape">
+              <a:avLst/>
+            </a:prstTxWarp>
+          </a:bodyPr>
+          <a:lstStyle/>
+          <a:p>
+            <a:pPr eaLnBrk="1" hangingPunct="1"/>
+            <a:endParaRPr lang="en-US" dirty="0" smtClean="0">
+              <a:latin typeface="Arial" charset="0"/>
+            </a:endParaRPr>
+          </a:p>
+        </p:txBody>
+      </p:sp>
+    </p:spTree>
+  </p:cSld>
+  <p:clrMapOvr>
+    <a:masterClrMapping/>
+  </p:clrMapOvr>
+</p:notes>
+</file>
+
+<file path=ppt/notesSlides/notesSlide12.xml><?xml version="1.0" encoding="utf-8"?>
+<p:notes xmlns:a="http://schemas.openxmlformats.org/drawingml/2006/main" xmlns:r="http://schemas.openxmlformats.org/officeDocument/2006/relationships" xmlns:p="http://schemas.openxmlformats.org/presentationml/2006/main">
+  <p:cSld>
+    <p:spTree>
+      <p:nvGrpSpPr>
+        <p:cNvPr id="1" name=""/>
+        <p:cNvGrpSpPr/>
+        <p:nvPr/>
+      </p:nvGrpSpPr>
+      <p:grpSpPr>
+        <a:xfrm>
+          <a:off x="0" y="0"/>
+          <a:ext cx="0" cy="0"/>
+          <a:chOff x="0" y="0"/>
+          <a:chExt cx="0" cy="0"/>
+        </a:xfrm>
+      </p:grpSpPr>
+      <p:sp>
+        <p:nvSpPr>
+          <p:cNvPr id="2" name="Slide Image Placeholder 1"/>
+          <p:cNvSpPr>
+            <a:spLocks noGrp="1" noRot="1" noChangeAspect="1"/>
+          </p:cNvSpPr>
+          <p:nvPr>
+            <p:ph type="sldImg"/>
+          </p:nvPr>
+        </p:nvSpPr>
+        <p:spPr/>
+      </p:sp>
+      <p:sp>
+        <p:nvSpPr>
+          <p:cNvPr id="3" name="Notes Placeholder 2"/>
+          <p:cNvSpPr>
+            <a:spLocks noGrp="1"/>
+          </p:cNvSpPr>
+          <p:nvPr>
+            <p:ph type="body" idx="1"/>
+          </p:nvPr>
+        </p:nvSpPr>
+        <p:spPr/>
+        <p:txBody>
+          <a:bodyPr>
+            <a:normAutofit/>
+          </a:bodyPr>
+          <a:lstStyle/>
+          <a:p>
+            <a:endParaRPr lang="en-US"/>
+          </a:p>
+        </p:txBody>
+      </p:sp>
+      <p:sp>
+        <p:nvSpPr>
+          <p:cNvPr id="4" name="Slide Number Placeholder 3"/>
+          <p:cNvSpPr>
+            <a:spLocks noGrp="1"/>
+          </p:cNvSpPr>
+          <p:nvPr>
+            <p:ph type="sldNum" sz="quarter" idx="10"/>
+          </p:nvPr>
+        </p:nvSpPr>
+        <p:spPr/>
+        <p:txBody>
+          <a:bodyPr/>
+          <a:lstStyle/>
+          <a:p>
+            <a:pPr>
+              <a:defRPr/>
+            </a:pPr>
+            <a:fld id="{8B2AE985-CEB1-47DB-AC87-FA613AA66B3B}" type="slidenum">
+              <a:rPr lang="en-US" smtClean="0"/>
+              <a:pPr>
+                <a:defRPr/>
+              </a:pPr>
+              <a:t>12</a:t>
+            </a:fld>
+            <a:endParaRPr lang="en-US" dirty="0"/>
+          </a:p>
+        </p:txBody>
+      </p:sp>
+    </p:spTree>
+  </p:cSld>
+  <p:clrMapOvr>
+    <a:masterClrMapping/>
+  </p:clrMapOvr>
+</p:notes>
+</file>
+
+<file path=ppt/notesSlides/notesSlide13.xml><?xml version="1.0" encoding="utf-8"?>
+<p:notes xmlns:a="http://schemas.openxmlformats.org/drawingml/2006/main" xmlns:r="http://schemas.openxmlformats.org/officeDocument/2006/relationships" xmlns:p="http://schemas.openxmlformats.org/presentationml/2006/main">
+  <p:cSld>
+    <p:spTree>
+      <p:nvGrpSpPr>
+        <p:cNvPr id="1" name=""/>
+        <p:cNvGrpSpPr/>
+        <p:nvPr/>
+      </p:nvGrpSpPr>
+      <p:grpSpPr>
+        <a:xfrm>
+          <a:off x="0" y="0"/>
+          <a:ext cx="0" cy="0"/>
+          <a:chOff x="0" y="0"/>
+          <a:chExt cx="0" cy="0"/>
+        </a:xfrm>
+      </p:grpSpPr>
+      <p:sp>
+        <p:nvSpPr>
+          <p:cNvPr id="2" name="Slide Image Placeholder 1"/>
+          <p:cNvSpPr>
+            <a:spLocks noGrp="1" noRot="1" noChangeAspect="1"/>
+          </p:cNvSpPr>
+          <p:nvPr>
+            <p:ph type="sldImg"/>
+          </p:nvPr>
+        </p:nvSpPr>
+        <p:spPr/>
+      </p:sp>
+      <p:sp>
+        <p:nvSpPr>
+          <p:cNvPr id="3" name="Notes Placeholder 2"/>
+          <p:cNvSpPr>
+            <a:spLocks noGrp="1"/>
+          </p:cNvSpPr>
+          <p:nvPr>
+            <p:ph type="body" idx="1"/>
+          </p:nvPr>
+        </p:nvSpPr>
+        <p:spPr/>
+        <p:txBody>
+          <a:bodyPr>
+            <a:normAutofit/>
+          </a:bodyPr>
+          <a:lstStyle/>
+          <a:p>
+            <a:endParaRPr lang="en-US"/>
+          </a:p>
+        </p:txBody>
+      </p:sp>
+      <p:sp>
+        <p:nvSpPr>
+          <p:cNvPr id="4" name="Slide Number Placeholder 3"/>
+          <p:cNvSpPr>
+            <a:spLocks noGrp="1"/>
+          </p:cNvSpPr>
+          <p:nvPr>
+            <p:ph type="sldNum" sz="quarter" idx="10"/>
+          </p:nvPr>
+        </p:nvSpPr>
+        <p:spPr/>
+        <p:txBody>
+          <a:bodyPr/>
+          <a:lstStyle/>
+          <a:p>
+            <a:pPr>
+              <a:defRPr/>
+            </a:pPr>
+            <a:fld id="{8B2AE985-CEB1-47DB-AC87-FA613AA66B3B}" type="slidenum">
+              <a:rPr lang="en-US" smtClean="0"/>
+              <a:pPr>
+                <a:defRPr/>
+              </a:pPr>
+              <a:t>13</a:t>
+            </a:fld>
+            <a:endParaRPr lang="en-US" dirty="0"/>
+          </a:p>
+        </p:txBody>
+      </p:sp>
+    </p:spTree>
+  </p:cSld>
+  <p:clrMapOvr>
+    <a:masterClrMapping/>
+  </p:clrMapOvr>
+</p:notes>
+</file>
+
+<file path=ppt/notesSlides/notesSlide14.xml><?xml version="1.0" encoding="utf-8"?>
+<p:notes xmlns:a="http://schemas.openxmlformats.org/drawingml/2006/main" xmlns:r="http://schemas.openxmlformats.org/officeDocument/2006/relationships" xmlns:p="http://schemas.openxmlformats.org/presentationml/2006/main">
+  <p:cSld>
+    <p:spTree>
+      <p:nvGrpSpPr>
+        <p:cNvPr id="1" name=""/>
+        <p:cNvGrpSpPr/>
+        <p:nvPr/>
+      </p:nvGrpSpPr>
+      <p:grpSpPr>
+        <a:xfrm>
+          <a:off x="0" y="0"/>
+          <a:ext cx="0" cy="0"/>
+          <a:chOff x="0" y="0"/>
+          <a:chExt cx="0" cy="0"/>
+        </a:xfrm>
+      </p:grpSpPr>
+      <p:sp>
+        <p:nvSpPr>
+          <p:cNvPr id="2" name="Slide Image Placeholder 1"/>
+          <p:cNvSpPr>
+            <a:spLocks noGrp="1" noRot="1" noChangeAspect="1"/>
+          </p:cNvSpPr>
+          <p:nvPr>
+            <p:ph type="sldImg"/>
+          </p:nvPr>
+        </p:nvSpPr>
+        <p:spPr/>
+      </p:sp>
+      <p:sp>
+        <p:nvSpPr>
+          <p:cNvPr id="3" name="Notes Placeholder 2"/>
+          <p:cNvSpPr>
+            <a:spLocks noGrp="1"/>
+          </p:cNvSpPr>
+          <p:nvPr>
+            <p:ph type="body" idx="1"/>
+          </p:nvPr>
+        </p:nvSpPr>
+        <p:spPr/>
+        <p:txBody>
+          <a:bodyPr>
+            <a:normAutofit/>
+          </a:bodyPr>
+          <a:lstStyle/>
+          <a:p>
+            <a:endParaRPr lang="en-US"/>
+          </a:p>
+        </p:txBody>
+      </p:sp>
+      <p:sp>
+        <p:nvSpPr>
+          <p:cNvPr id="4" name="Slide Number Placeholder 3"/>
+          <p:cNvSpPr>
+            <a:spLocks noGrp="1"/>
+          </p:cNvSpPr>
+          <p:nvPr>
+            <p:ph type="sldNum" sz="quarter" idx="10"/>
+          </p:nvPr>
+        </p:nvSpPr>
+        <p:spPr/>
+        <p:txBody>
+          <a:bodyPr/>
+          <a:lstStyle/>
+          <a:p>
+            <a:pPr>
+              <a:defRPr/>
+            </a:pPr>
+            <a:fld id="{8B2AE985-CEB1-47DB-AC87-FA613AA66B3B}" type="slidenum">
+              <a:rPr lang="en-US" smtClean="0"/>
+              <a:pPr>
+                <a:defRPr/>
+              </a:pPr>
+              <a:t>14</a:t>
+            </a:fld>
+            <a:endParaRPr lang="en-US" dirty="0"/>
+          </a:p>
+        </p:txBody>
+      </p:sp>
+    </p:spTree>
+  </p:cSld>
+  <p:clrMapOvr>
+    <a:masterClrMapping/>
+  </p:clrMapOvr>
+</p:notes>
+</file>
+
+<file path=ppt/notesSlides/notesSlide15.xml><?xml version="1.0" encoding="utf-8"?>
+<p:notes xmlns:a="http://schemas.openxmlformats.org/drawingml/2006/main" xmlns:r="http://schemas.openxmlformats.org/officeDocument/2006/relationships" xmlns:p="http://schemas.openxmlformats.org/presentationml/2006/main">
+  <p:cSld>
+    <p:spTree>
+      <p:nvGrpSpPr>
+        <p:cNvPr id="1" name=""/>
+        <p:cNvGrpSpPr/>
+        <p:nvPr/>
+      </p:nvGrpSpPr>
+      <p:grpSpPr>
+        <a:xfrm>
+          <a:off x="0" y="0"/>
+          <a:ext cx="0" cy="0"/>
+          <a:chOff x="0" y="0"/>
+          <a:chExt cx="0" cy="0"/>
+        </a:xfrm>
+      </p:grpSpPr>
+      <p:sp>
+        <p:nvSpPr>
+          <p:cNvPr id="2" name="Slide Image Placeholder 1"/>
+          <p:cNvSpPr>
+            <a:spLocks noGrp="1" noRot="1" noChangeAspect="1"/>
+          </p:cNvSpPr>
+          <p:nvPr>
+            <p:ph type="sldImg"/>
+          </p:nvPr>
+        </p:nvSpPr>
+        <p:spPr/>
+      </p:sp>
+      <p:sp>
+        <p:nvSpPr>
+          <p:cNvPr id="3" name="Notes Placeholder 2"/>
+          <p:cNvSpPr>
+            <a:spLocks noGrp="1"/>
+          </p:cNvSpPr>
+          <p:nvPr>
+            <p:ph type="body" idx="1"/>
+          </p:nvPr>
+        </p:nvSpPr>
+        <p:spPr/>
+        <p:txBody>
+          <a:bodyPr>
+            <a:normAutofit/>
+          </a:bodyPr>
+          <a:lstStyle/>
+          <a:p>
+            <a:endParaRPr lang="en-US"/>
+          </a:p>
+        </p:txBody>
+      </p:sp>
+      <p:sp>
+        <p:nvSpPr>
+          <p:cNvPr id="4" name="Slide Number Placeholder 3"/>
+          <p:cNvSpPr>
+            <a:spLocks noGrp="1"/>
+          </p:cNvSpPr>
+          <p:nvPr>
+            <p:ph type="sldNum" sz="quarter" idx="10"/>
+          </p:nvPr>
+        </p:nvSpPr>
+        <p:spPr/>
+        <p:txBody>
+          <a:bodyPr/>
+          <a:lstStyle/>
+          <a:p>
+            <a:pPr>
+              <a:defRPr/>
+            </a:pPr>
+            <a:fld id="{8B2AE985-CEB1-47DB-AC87-FA613AA66B3B}" type="slidenum">
+              <a:rPr lang="en-US" smtClean="0"/>
+              <a:pPr>
+                <a:defRPr/>
+              </a:pPr>
+              <a:t>15</a:t>
+            </a:fld>
+            <a:endParaRPr lang="en-US" dirty="0"/>
+          </a:p>
+        </p:txBody>
+      </p:sp>
+    </p:spTree>
+  </p:cSld>
+  <p:clrMapOvr>
+    <a:masterClrMapping/>
+  </p:clrMapOvr>
+</p:notes>
+</file>
+
+<file path=ppt/notesSlides/notesSlide16.xml><?xml version="1.0" encoding="utf-8"?>
+<p:notes xmlns:a="http://schemas.openxmlformats.org/drawingml/2006/main" xmlns:r="http://schemas.openxmlformats.org/officeDocument/2006/relationships" xmlns:p="http://schemas.openxmlformats.org/presentationml/2006/main">
+  <p:cSld>
+    <p:spTree>
+      <p:nvGrpSpPr>
+        <p:cNvPr id="1" name=""/>
+        <p:cNvGrpSpPr/>
+        <p:nvPr/>
+      </p:nvGrpSpPr>
+      <p:grpSpPr>
+        <a:xfrm>
+          <a:off x="0" y="0"/>
+          <a:ext cx="0" cy="0"/>
+          <a:chOff x="0" y="0"/>
+          <a:chExt cx="0" cy="0"/>
+        </a:xfrm>
+      </p:grpSpPr>
+      <p:sp>
+        <p:nvSpPr>
+          <p:cNvPr id="2" name="Slide Image Placeholder 1"/>
+          <p:cNvSpPr>
+            <a:spLocks noGrp="1" noRot="1" noChangeAspect="1"/>
+          </p:cNvSpPr>
+          <p:nvPr>
+            <p:ph type="sldImg"/>
+          </p:nvPr>
+        </p:nvSpPr>
+        <p:spPr/>
+      </p:sp>
+      <p:sp>
+        <p:nvSpPr>
+          <p:cNvPr id="3" name="Notes Placeholder 2"/>
+          <p:cNvSpPr>
+            <a:spLocks noGrp="1"/>
+          </p:cNvSpPr>
+          <p:nvPr>
+            <p:ph type="body" idx="1"/>
+          </p:nvPr>
+        </p:nvSpPr>
+        <p:spPr/>
+        <p:txBody>
+          <a:bodyPr>
+            <a:normAutofit/>
+          </a:bodyPr>
+          <a:lstStyle/>
+          <a:p>
+            <a:endParaRPr lang="en-US"/>
+          </a:p>
+        </p:txBody>
+      </p:sp>
+      <p:sp>
+        <p:nvSpPr>
+          <p:cNvPr id="4" name="Slide Number Placeholder 3"/>
+          <p:cNvSpPr>
+            <a:spLocks noGrp="1"/>
+          </p:cNvSpPr>
+          <p:nvPr>
+            <p:ph type="sldNum" sz="quarter" idx="10"/>
+          </p:nvPr>
+        </p:nvSpPr>
+        <p:spPr/>
+        <p:txBody>
+          <a:bodyPr/>
+          <a:lstStyle/>
+          <a:p>
+            <a:pPr>
+              <a:defRPr/>
+            </a:pPr>
+            <a:fld id="{8B2AE985-CEB1-47DB-AC87-FA613AA66B3B}" type="slidenum">
+              <a:rPr lang="en-US" smtClean="0"/>
+              <a:pPr>
+                <a:defRPr/>
+              </a:pPr>
+              <a:t>16</a:t>
+            </a:fld>
+            <a:endParaRPr lang="en-US" dirty="0"/>
+          </a:p>
+        </p:txBody>
+      </p:sp>
+    </p:spTree>
+  </p:cSld>
+  <p:clrMapOvr>
+    <a:masterClrMapping/>
+  </p:clrMapOvr>
+</p:notes>
+</file>
+
+<file path=ppt/notesSlides/notesSlide17.xml><?xml version="1.0" encoding="utf-8"?>
+<p:notes xmlns:a="http://schemas.openxmlformats.org/drawingml/2006/main" xmlns:r="http://schemas.openxmlformats.org/officeDocument/2006/relationships" xmlns:p="http://schemas.openxmlformats.org/presentationml/2006/main">
+  <p:cSld>
+    <p:spTree>
+      <p:nvGrpSpPr>
+        <p:cNvPr id="1" name=""/>
+        <p:cNvGrpSpPr/>
+        <p:nvPr/>
+      </p:nvGrpSpPr>
+      <p:grpSpPr>
+        <a:xfrm>
+          <a:off x="0" y="0"/>
+          <a:ext cx="0" cy="0"/>
+          <a:chOff x="0" y="0"/>
+          <a:chExt cx="0" cy="0"/>
+        </a:xfrm>
+      </p:grpSpPr>
+      <p:sp>
+        <p:nvSpPr>
+          <p:cNvPr id="2" name="Slide Image Placeholder 1"/>
+          <p:cNvSpPr>
+            <a:spLocks noGrp="1" noRot="1" noChangeAspect="1"/>
+          </p:cNvSpPr>
+          <p:nvPr>
+            <p:ph type="sldImg"/>
+          </p:nvPr>
+        </p:nvSpPr>
+        <p:spPr/>
+      </p:sp>
+      <p:sp>
+        <p:nvSpPr>
+          <p:cNvPr id="3" name="Notes Placeholder 2"/>
+          <p:cNvSpPr>
+            <a:spLocks noGrp="1"/>
+          </p:cNvSpPr>
+          <p:nvPr>
+            <p:ph type="body" idx="1"/>
+          </p:nvPr>
+        </p:nvSpPr>
+        <p:spPr/>
+        <p:txBody>
+          <a:bodyPr>
+            <a:normAutofit/>
+          </a:bodyPr>
+          <a:lstStyle/>
+          <a:p>
+            <a:endParaRPr lang="en-US"/>
+          </a:p>
+        </p:txBody>
+      </p:sp>
+      <p:sp>
+        <p:nvSpPr>
+          <p:cNvPr id="4" name="Slide Number Placeholder 3"/>
+          <p:cNvSpPr>
+            <a:spLocks noGrp="1"/>
+          </p:cNvSpPr>
+          <p:nvPr>
+            <p:ph type="sldNum" sz="quarter" idx="10"/>
+          </p:nvPr>
+        </p:nvSpPr>
+        <p:spPr/>
+        <p:txBody>
+          <a:bodyPr/>
+          <a:lstStyle/>
+          <a:p>
+            <a:pPr>
+              <a:defRPr/>
+            </a:pPr>
+            <a:fld id="{8B2AE985-CEB1-47DB-AC87-FA613AA66B3B}" type="slidenum">
+              <a:rPr lang="en-US" smtClean="0"/>
+              <a:pPr>
+                <a:defRPr/>
+              </a:pPr>
+              <a:t>17</a:t>
+            </a:fld>
+            <a:endParaRPr lang="en-US" dirty="0"/>
+          </a:p>
+        </p:txBody>
+      </p:sp>
+    </p:spTree>
+  </p:cSld>
+  <p:clrMapOvr>
+    <a:masterClrMapping/>
+  </p:clrMapOvr>
+</p:notes>
+</file>
+
+<file path=ppt/notesSlides/notesSlide18.xml><?xml version="1.0" encoding="utf-8"?>
+<p:notes xmlns:a="http://schemas.openxmlformats.org/drawingml/2006/main" xmlns:r="http://schemas.openxmlformats.org/officeDocument/2006/relationships" xmlns:p="http://schemas.openxmlformats.org/presentationml/2006/main">
+  <p:cSld>
+    <p:spTree>
+      <p:nvGrpSpPr>
+        <p:cNvPr id="1" name=""/>
+        <p:cNvGrpSpPr/>
+        <p:nvPr/>
+      </p:nvGrpSpPr>
+      <p:grpSpPr>
+        <a:xfrm>
+          <a:off x="0" y="0"/>
+          <a:ext cx="0" cy="0"/>
+          <a:chOff x="0" y="0"/>
+          <a:chExt cx="0" cy="0"/>
+        </a:xfrm>
+      </p:grpSpPr>
+      <p:sp>
+        <p:nvSpPr>
+          <p:cNvPr id="2" name="Slide Image Placeholder 1"/>
+          <p:cNvSpPr>
+            <a:spLocks noGrp="1" noRot="1" noChangeAspect="1"/>
+          </p:cNvSpPr>
+          <p:nvPr>
+            <p:ph type="sldImg"/>
+          </p:nvPr>
+        </p:nvSpPr>
+        <p:spPr/>
+      </p:sp>
+      <p:sp>
+        <p:nvSpPr>
+          <p:cNvPr id="3" name="Notes Placeholder 2"/>
+          <p:cNvSpPr>
+            <a:spLocks noGrp="1"/>
+          </p:cNvSpPr>
+          <p:nvPr>
+            <p:ph type="body" idx="1"/>
+          </p:nvPr>
+        </p:nvSpPr>
+        <p:spPr/>
+        <p:txBody>
+          <a:bodyPr>
+            <a:normAutofit/>
+          </a:bodyPr>
+          <a:lstStyle/>
+          <a:p>
+            <a:endParaRPr lang="en-US"/>
+          </a:p>
+        </p:txBody>
+      </p:sp>
+      <p:sp>
+        <p:nvSpPr>
+          <p:cNvPr id="4" name="Slide Number Placeholder 3"/>
+          <p:cNvSpPr>
+            <a:spLocks noGrp="1"/>
+          </p:cNvSpPr>
+          <p:nvPr>
+            <p:ph type="sldNum" sz="quarter" idx="10"/>
+          </p:nvPr>
+        </p:nvSpPr>
+        <p:spPr/>
+        <p:txBody>
+          <a:bodyPr/>
+          <a:lstStyle/>
+          <a:p>
+            <a:pPr>
+              <a:defRPr/>
+            </a:pPr>
+            <a:fld id="{8B2AE985-CEB1-47DB-AC87-FA613AA66B3B}" type="slidenum">
+              <a:rPr lang="en-US" smtClean="0"/>
+              <a:pPr>
+                <a:defRPr/>
+              </a:pPr>
+              <a:t>18</a:t>
+            </a:fld>
+            <a:endParaRPr lang="en-US" dirty="0"/>
+          </a:p>
+        </p:txBody>
+      </p:sp>
+    </p:spTree>
+  </p:cSld>
+  <p:clrMapOvr>
+    <a:masterClrMapping/>
+  </p:clrMapOvr>
+</p:notes>
+</file>
+
+<file path=ppt/notesSlides/notesSlide19.xml><?xml version="1.0" encoding="utf-8"?>
+<p:notes xmlns:a="http://schemas.openxmlformats.org/drawingml/2006/main" xmlns:r="http://schemas.openxmlformats.org/officeDocument/2006/relationships" xmlns:p="http://schemas.openxmlformats.org/presentationml/2006/main">
+  <p:cSld>
+    <p:spTree>
+      <p:nvGrpSpPr>
+        <p:cNvPr id="1" name=""/>
+        <p:cNvGrpSpPr/>
+        <p:nvPr/>
+      </p:nvGrpSpPr>
+      <p:grpSpPr>
+        <a:xfrm>
+          <a:off x="0" y="0"/>
+          <a:ext cx="0" cy="0"/>
+          <a:chOff x="0" y="0"/>
+          <a:chExt cx="0" cy="0"/>
+        </a:xfrm>
+      </p:grpSpPr>
+      <p:sp>
+        <p:nvSpPr>
+          <p:cNvPr id="2" name="Slide Image Placeholder 1"/>
+          <p:cNvSpPr>
+            <a:spLocks noGrp="1" noRot="1" noChangeAspect="1"/>
+          </p:cNvSpPr>
+          <p:nvPr>
+            <p:ph type="sldImg"/>
+          </p:nvPr>
+        </p:nvSpPr>
+        <p:spPr/>
+      </p:sp>
+      <p:sp>
+        <p:nvSpPr>
+          <p:cNvPr id="3" name="Notes Placeholder 2"/>
+          <p:cNvSpPr>
+            <a:spLocks noGrp="1"/>
+          </p:cNvSpPr>
+          <p:nvPr>
+            <p:ph type="body" idx="1"/>
+          </p:nvPr>
+        </p:nvSpPr>
+        <p:spPr/>
+        <p:txBody>
+          <a:bodyPr>
+            <a:normAutofit/>
+          </a:bodyPr>
+          <a:lstStyle/>
+          <a:p>
+            <a:endParaRPr lang="en-US"/>
+          </a:p>
+        </p:txBody>
+      </p:sp>
+      <p:sp>
+        <p:nvSpPr>
+          <p:cNvPr id="4" name="Slide Number Placeholder 3"/>
+          <p:cNvSpPr>
+            <a:spLocks noGrp="1"/>
+          </p:cNvSpPr>
+          <p:nvPr>
+            <p:ph type="sldNum" sz="quarter" idx="10"/>
+          </p:nvPr>
+        </p:nvSpPr>
+        <p:spPr/>
+        <p:txBody>
+          <a:bodyPr/>
+          <a:lstStyle/>
+          <a:p>
+            <a:pPr>
+              <a:defRPr/>
+            </a:pPr>
+            <a:fld id="{8B2AE985-CEB1-47DB-AC87-FA613AA66B3B}" type="slidenum">
+              <a:rPr lang="en-US" smtClean="0"/>
+              <a:pPr>
+                <a:defRPr/>
+              </a:pPr>
+              <a:t>19</a:t>
+            </a:fld>
+            <a:endParaRPr lang="en-US" dirty="0"/>
+          </a:p>
+        </p:txBody>
+      </p:sp>
+    </p:spTree>
+  </p:cSld>
+  <p:clrMapOvr>
+    <a:masterClrMapping/>
+  </p:clrMapOvr>
+</p:notes>
+</file>
+
 <file path=ppt/notesSlides/notesSlide2.xml><?xml version="1.0" encoding="utf-8"?>
+<p:notes xmlns:a="http://schemas.openxmlformats.org/drawingml/2006/main" xmlns:r="http://schemas.openxmlformats.org/officeDocument/2006/relationships" xmlns:p="http://schemas.openxmlformats.org/presentationml/2006/main">
+  <p:cSld>
+    <p:spTree>
+      <p:nvGrpSpPr>
+        <p:cNvPr id="1" name=""/>
+        <p:cNvGrpSpPr/>
+        <p:nvPr/>
+      </p:nvGrpSpPr>
+      <p:grpSpPr>
+        <a:xfrm>
+          <a:off x="0" y="0"/>
+          <a:ext cx="0" cy="0"/>
+          <a:chOff x="0" y="0"/>
+          <a:chExt cx="0" cy="0"/>
+        </a:xfrm>
+      </p:grpSpPr>
+      <p:sp>
+        <p:nvSpPr>
+          <p:cNvPr id="2" name="Slide Image Placeholder 1"/>
+          <p:cNvSpPr>
+            <a:spLocks noGrp="1" noRot="1" noChangeAspect="1"/>
+          </p:cNvSpPr>
+          <p:nvPr>
+            <p:ph type="sldImg"/>
+          </p:nvPr>
+        </p:nvSpPr>
+        <p:spPr/>
+      </p:sp>
+      <p:sp>
+        <p:nvSpPr>
+          <p:cNvPr id="3" name="Notes Placeholder 2"/>
+          <p:cNvSpPr>
+            <a:spLocks noGrp="1"/>
+          </p:cNvSpPr>
+          <p:nvPr>
+            <p:ph type="body" idx="1"/>
+          </p:nvPr>
+        </p:nvSpPr>
+        <p:spPr/>
+        <p:txBody>
+          <a:bodyPr>
+            <a:normAutofit/>
+          </a:bodyPr>
+          <a:lstStyle/>
+          <a:p>
+            <a:endParaRPr lang="en-US"/>
+          </a:p>
+        </p:txBody>
+      </p:sp>
+      <p:sp>
+        <p:nvSpPr>
+          <p:cNvPr id="4" name="Slide Number Placeholder 3"/>
+          <p:cNvSpPr>
+            <a:spLocks noGrp="1"/>
+          </p:cNvSpPr>
+          <p:nvPr>
+            <p:ph type="sldNum" sz="quarter" idx="10"/>
+          </p:nvPr>
+        </p:nvSpPr>
+        <p:spPr/>
+        <p:txBody>
+          <a:bodyPr/>
+          <a:lstStyle/>
+          <a:p>
+            <a:pPr>
+              <a:defRPr/>
+            </a:pPr>
+            <a:fld id="{8B2AE985-CEB1-47DB-AC87-FA613AA66B3B}" type="slidenum">
+              <a:rPr lang="en-US" smtClean="0"/>
+              <a:pPr>
+                <a:defRPr/>
+              </a:pPr>
+              <a:t>2</a:t>
+            </a:fld>
+            <a:endParaRPr lang="en-US" dirty="0"/>
+          </a:p>
+        </p:txBody>
+      </p:sp>
+    </p:spTree>
+  </p:cSld>
+  <p:clrMapOvr>
+    <a:masterClrMapping/>
+  </p:clrMapOvr>
+</p:notes>
+</file>
+
+<file path=ppt/notesSlides/notesSlide20.xml><?xml version="1.0" encoding="utf-8"?>
+<p:notes xmlns:a="http://schemas.openxmlformats.org/drawingml/2006/main" xmlns:r="http://schemas.openxmlformats.org/officeDocument/2006/relationships" xmlns:p="http://schemas.openxmlformats.org/presentationml/2006/main">
+  <p:cSld>
+    <p:spTree>
+      <p:nvGrpSpPr>
+        <p:cNvPr id="1" name=""/>
+        <p:cNvGrpSpPr/>
+        <p:nvPr/>
+      </p:nvGrpSpPr>
+      <p:grpSpPr>
+        <a:xfrm>
+          <a:off x="0" y="0"/>
+          <a:ext cx="0" cy="0"/>
+          <a:chOff x="0" y="0"/>
+          <a:chExt cx="0" cy="0"/>
+        </a:xfrm>
+      </p:grpSpPr>
+      <p:sp>
+        <p:nvSpPr>
+          <p:cNvPr id="2" name="Slide Image Placeholder 1"/>
+          <p:cNvSpPr>
+            <a:spLocks noGrp="1" noRot="1" noChangeAspect="1"/>
+          </p:cNvSpPr>
+          <p:nvPr>
+            <p:ph type="sldImg"/>
+          </p:nvPr>
+        </p:nvSpPr>
+        <p:spPr/>
+      </p:sp>
+      <p:sp>
+        <p:nvSpPr>
+          <p:cNvPr id="3" name="Notes Placeholder 2"/>
+          <p:cNvSpPr>
+            <a:spLocks noGrp="1"/>
+          </p:cNvSpPr>
+          <p:nvPr>
+            <p:ph type="body" idx="1"/>
+          </p:nvPr>
+        </p:nvSpPr>
+        <p:spPr/>
+        <p:txBody>
+          <a:bodyPr>
+            <a:normAutofit/>
+          </a:bodyPr>
+          <a:lstStyle/>
+          <a:p>
+            <a:endParaRPr lang="en-US"/>
+          </a:p>
+        </p:txBody>
+      </p:sp>
+      <p:sp>
+        <p:nvSpPr>
+          <p:cNvPr id="4" name="Slide Number Placeholder 3"/>
+          <p:cNvSpPr>
+            <a:spLocks noGrp="1"/>
+          </p:cNvSpPr>
+          <p:nvPr>
+            <p:ph type="sldNum" sz="quarter" idx="10"/>
+          </p:nvPr>
+        </p:nvSpPr>
+        <p:spPr/>
+        <p:txBody>
+          <a:bodyPr/>
+          <a:lstStyle/>
+          <a:p>
+            <a:pPr>
+              <a:defRPr/>
+            </a:pPr>
+            <a:fld id="{8B2AE985-CEB1-47DB-AC87-FA613AA66B3B}" type="slidenum">
+              <a:rPr lang="en-US" smtClean="0"/>
+              <a:pPr>
+                <a:defRPr/>
+              </a:pPr>
+              <a:t>20</a:t>
+            </a:fld>
+            <a:endParaRPr lang="en-US" dirty="0"/>
+          </a:p>
+        </p:txBody>
+      </p:sp>
+    </p:spTree>
+  </p:cSld>
+  <p:clrMapOvr>
+    <a:masterClrMapping/>
+  </p:clrMapOvr>
+</p:notes>
+</file>
+
+<file path=ppt/notesSlides/notesSlide21.xml><?xml version="1.0" encoding="utf-8"?>
+<p:notes xmlns:a="http://schemas.openxmlformats.org/drawingml/2006/main" xmlns:r="http://schemas.openxmlformats.org/officeDocument/2006/relationships" xmlns:p="http://schemas.openxmlformats.org/presentationml/2006/main">
+  <p:cSld>
+    <p:spTree>
+      <p:nvGrpSpPr>
+        <p:cNvPr id="1" name=""/>
+        <p:cNvGrpSpPr/>
+        <p:nvPr/>
+      </p:nvGrpSpPr>
+      <p:grpSpPr>
+        <a:xfrm>
+          <a:off x="0" y="0"/>
+          <a:ext cx="0" cy="0"/>
+          <a:chOff x="0" y="0"/>
+          <a:chExt cx="0" cy="0"/>
+        </a:xfrm>
+      </p:grpSpPr>
+      <p:sp>
+        <p:nvSpPr>
+          <p:cNvPr id="2" name="Slide Image Placeholder 1"/>
+          <p:cNvSpPr>
+            <a:spLocks noGrp="1" noRot="1" noChangeAspect="1"/>
+          </p:cNvSpPr>
+          <p:nvPr>
+            <p:ph type="sldImg"/>
+          </p:nvPr>
+        </p:nvSpPr>
+        <p:spPr/>
+      </p:sp>
+      <p:sp>
+        <p:nvSpPr>
+          <p:cNvPr id="3" name="Notes Placeholder 2"/>
+          <p:cNvSpPr>
+            <a:spLocks noGrp="1"/>
+          </p:cNvSpPr>
+          <p:nvPr>
+            <p:ph type="body" idx="1"/>
+          </p:nvPr>
+        </p:nvSpPr>
+        <p:spPr/>
+        <p:txBody>
+          <a:bodyPr>
+            <a:normAutofit/>
+          </a:bodyPr>
+          <a:lstStyle/>
+          <a:p>
+            <a:endParaRPr lang="en-US"/>
+          </a:p>
+        </p:txBody>
+      </p:sp>
+      <p:sp>
+        <p:nvSpPr>
+          <p:cNvPr id="4" name="Slide Number Placeholder 3"/>
+          <p:cNvSpPr>
+            <a:spLocks noGrp="1"/>
+          </p:cNvSpPr>
+          <p:nvPr>
+            <p:ph type="sldNum" sz="quarter" idx="10"/>
+          </p:nvPr>
+        </p:nvSpPr>
+        <p:spPr/>
+        <p:txBody>
+          <a:bodyPr/>
+          <a:lstStyle/>
+          <a:p>
+            <a:pPr>
+              <a:defRPr/>
+            </a:pPr>
+            <a:fld id="{8B2AE985-CEB1-47DB-AC87-FA613AA66B3B}" type="slidenum">
+              <a:rPr lang="en-US" smtClean="0"/>
+              <a:pPr>
+                <a:defRPr/>
+              </a:pPr>
+              <a:t>21</a:t>
+            </a:fld>
+            <a:endParaRPr lang="en-US" dirty="0"/>
+          </a:p>
+        </p:txBody>
+      </p:sp>
+    </p:spTree>
+  </p:cSld>
+  <p:clrMapOvr>
+    <a:masterClrMapping/>
+  </p:clrMapOvr>
+</p:notes>
+</file>
+
+<file path=ppt/notesSlides/notesSlide22.xml><?xml version="1.0" encoding="utf-8"?>
+<p:notes xmlns:a="http://schemas.openxmlformats.org/drawingml/2006/main" xmlns:r="http://schemas.openxmlformats.org/officeDocument/2006/relationships" xmlns:p="http://schemas.openxmlformats.org/presentationml/2006/main">
+  <p:cSld>
+    <p:spTree>
+      <p:nvGrpSpPr>
+        <p:cNvPr id="1" name=""/>
+        <p:cNvGrpSpPr/>
+        <p:nvPr/>
+      </p:nvGrpSpPr>
+      <p:grpSpPr>
+        <a:xfrm>
+          <a:off x="0" y="0"/>
+          <a:ext cx="0" cy="0"/>
+          <a:chOff x="0" y="0"/>
+          <a:chExt cx="0" cy="0"/>
+        </a:xfrm>
+      </p:grpSpPr>
+      <p:sp>
+        <p:nvSpPr>
+          <p:cNvPr id="2" name="Slide Image Placeholder 1"/>
+          <p:cNvSpPr>
+            <a:spLocks noGrp="1" noRot="1" noChangeAspect="1"/>
+          </p:cNvSpPr>
+          <p:nvPr>
+            <p:ph type="sldImg"/>
+          </p:nvPr>
+        </p:nvSpPr>
+        <p:spPr/>
+      </p:sp>
+      <p:sp>
+        <p:nvSpPr>
+          <p:cNvPr id="3" name="Notes Placeholder 2"/>
+          <p:cNvSpPr>
+            <a:spLocks noGrp="1"/>
+          </p:cNvSpPr>
+          <p:nvPr>
+            <p:ph type="body" idx="1"/>
+          </p:nvPr>
+        </p:nvSpPr>
+        <p:spPr/>
+        <p:txBody>
+          <a:bodyPr>
+            <a:normAutofit/>
+          </a:bodyPr>
+          <a:lstStyle/>
+          <a:p>
+            <a:endParaRPr lang="en-US"/>
+          </a:p>
+        </p:txBody>
+      </p:sp>
+      <p:sp>
+        <p:nvSpPr>
+          <p:cNvPr id="4" name="Slide Number Placeholder 3"/>
+          <p:cNvSpPr>
+            <a:spLocks noGrp="1"/>
+          </p:cNvSpPr>
+          <p:nvPr>
+            <p:ph type="sldNum" sz="quarter" idx="10"/>
+          </p:nvPr>
+        </p:nvSpPr>
+        <p:spPr/>
+        <p:txBody>
+          <a:bodyPr/>
+          <a:lstStyle/>
+          <a:p>
+            <a:pPr>
+              <a:defRPr/>
+            </a:pPr>
+            <a:fld id="{8B2AE985-CEB1-47DB-AC87-FA613AA66B3B}" type="slidenum">
+              <a:rPr lang="en-US" smtClean="0"/>
+              <a:pPr>
+                <a:defRPr/>
+              </a:pPr>
+              <a:t>22</a:t>
+            </a:fld>
+            <a:endParaRPr lang="en-US" dirty="0"/>
+          </a:p>
+        </p:txBody>
+      </p:sp>
+    </p:spTree>
+  </p:cSld>
+  <p:clrMapOvr>
+    <a:masterClrMapping/>
+  </p:clrMapOvr>
+</p:notes>
+</file>
+
+<file path=ppt/notesSlides/notesSlide23.xml><?xml version="1.0" encoding="utf-8"?>
+<p:notes xmlns:a="http://schemas.openxmlformats.org/drawingml/2006/main" xmlns:r="http://schemas.openxmlformats.org/officeDocument/2006/relationships" xmlns:p="http://schemas.openxmlformats.org/presentationml/2006/main">
+  <p:cSld>
+    <p:spTree>
+      <p:nvGrpSpPr>
+        <p:cNvPr id="1" name=""/>
+        <p:cNvGrpSpPr/>
+        <p:nvPr/>
+      </p:nvGrpSpPr>
+      <p:grpSpPr>
+        <a:xfrm>
+          <a:off x="0" y="0"/>
+          <a:ext cx="0" cy="0"/>
+          <a:chOff x="0" y="0"/>
+          <a:chExt cx="0" cy="0"/>
+        </a:xfrm>
+      </p:grpSpPr>
+      <p:sp>
+        <p:nvSpPr>
+          <p:cNvPr id="2" name="Slide Image Placeholder 1"/>
+          <p:cNvSpPr>
+            <a:spLocks noGrp="1" noRot="1" noChangeAspect="1"/>
+          </p:cNvSpPr>
+          <p:nvPr>
+            <p:ph type="sldImg"/>
+          </p:nvPr>
+        </p:nvSpPr>
+        <p:spPr/>
+      </p:sp>
+      <p:sp>
+        <p:nvSpPr>
+          <p:cNvPr id="3" name="Notes Placeholder 2"/>
+          <p:cNvSpPr>
+            <a:spLocks noGrp="1"/>
+          </p:cNvSpPr>
+          <p:nvPr>
+            <p:ph type="body" idx="1"/>
+          </p:nvPr>
+        </p:nvSpPr>
+        <p:spPr/>
+        <p:txBody>
+          <a:bodyPr>
+            <a:normAutofit/>
+          </a:bodyPr>
+          <a:lstStyle/>
+          <a:p>
+            <a:endParaRPr lang="en-US"/>
+          </a:p>
+        </p:txBody>
+      </p:sp>
+      <p:sp>
+        <p:nvSpPr>
+          <p:cNvPr id="4" name="Slide Number Placeholder 3"/>
+          <p:cNvSpPr>
+            <a:spLocks noGrp="1"/>
+          </p:cNvSpPr>
+          <p:nvPr>
+            <p:ph type="sldNum" sz="quarter" idx="10"/>
+          </p:nvPr>
+        </p:nvSpPr>
+        <p:spPr/>
+        <p:txBody>
+          <a:bodyPr/>
+          <a:lstStyle/>
+          <a:p>
+            <a:pPr>
+              <a:defRPr/>
+            </a:pPr>
+            <a:fld id="{8B2AE985-CEB1-47DB-AC87-FA613AA66B3B}" type="slidenum">
+              <a:rPr lang="en-US" smtClean="0"/>
+              <a:pPr>
+                <a:defRPr/>
+              </a:pPr>
+              <a:t>23</a:t>
+            </a:fld>
+            <a:endParaRPr lang="en-US" dirty="0"/>
+          </a:p>
+        </p:txBody>
+      </p:sp>
+    </p:spTree>
+  </p:cSld>
+  <p:clrMapOvr>
+    <a:masterClrMapping/>
+  </p:clrMapOvr>
+</p:notes>
+</file>
+
+<file path=ppt/notesSlides/notesSlide24.xml><?xml version="1.0" encoding="utf-8"?>
+<p:notes xmlns:a="http://schemas.openxmlformats.org/drawingml/2006/main" xmlns:r="http://schemas.openxmlformats.org/officeDocument/2006/relationships" xmlns:p="http://schemas.openxmlformats.org/presentationml/2006/main">
+  <p:cSld>
+    <p:spTree>
+      <p:nvGrpSpPr>
+        <p:cNvPr id="1" name=""/>
+        <p:cNvGrpSpPr/>
+        <p:nvPr/>
+      </p:nvGrpSpPr>
+      <p:grpSpPr>
+        <a:xfrm>
+          <a:off x="0" y="0"/>
+          <a:ext cx="0" cy="0"/>
+          <a:chOff x="0" y="0"/>
+          <a:chExt cx="0" cy="0"/>
+        </a:xfrm>
+      </p:grpSpPr>
+      <p:sp>
+        <p:nvSpPr>
+          <p:cNvPr id="2" name="Slide Image Placeholder 1"/>
+          <p:cNvSpPr>
+            <a:spLocks noGrp="1" noRot="1" noChangeAspect="1"/>
+          </p:cNvSpPr>
+          <p:nvPr>
+            <p:ph type="sldImg"/>
+          </p:nvPr>
+        </p:nvSpPr>
+        <p:spPr/>
+      </p:sp>
+      <p:sp>
+        <p:nvSpPr>
+          <p:cNvPr id="3" name="Notes Placeholder 2"/>
+          <p:cNvSpPr>
+            <a:spLocks noGrp="1"/>
+          </p:cNvSpPr>
+          <p:nvPr>
+            <p:ph type="body" idx="1"/>
+          </p:nvPr>
+        </p:nvSpPr>
+        <p:spPr/>
+        <p:txBody>
+          <a:bodyPr>
+            <a:normAutofit/>
+          </a:bodyPr>
+          <a:lstStyle/>
+          <a:p>
+            <a:endParaRPr lang="en-US"/>
+          </a:p>
+        </p:txBody>
+      </p:sp>
+      <p:sp>
+        <p:nvSpPr>
+          <p:cNvPr id="4" name="Slide Number Placeholder 3"/>
+          <p:cNvSpPr>
+            <a:spLocks noGrp="1"/>
+          </p:cNvSpPr>
+          <p:nvPr>
+            <p:ph type="sldNum" sz="quarter" idx="10"/>
+          </p:nvPr>
+        </p:nvSpPr>
+        <p:spPr/>
+        <p:txBody>
+          <a:bodyPr/>
+          <a:lstStyle/>
+          <a:p>
+            <a:pPr>
+              <a:defRPr/>
+            </a:pPr>
+            <a:fld id="{8B2AE985-CEB1-47DB-AC87-FA613AA66B3B}" type="slidenum">
+              <a:rPr lang="en-US" smtClean="0"/>
+              <a:pPr>
+                <a:defRPr/>
+              </a:pPr>
+              <a:t>24</a:t>
+            </a:fld>
+            <a:endParaRPr lang="en-US" dirty="0"/>
+          </a:p>
+        </p:txBody>
+      </p:sp>
+    </p:spTree>
+  </p:cSld>
+  <p:clrMapOvr>
+    <a:masterClrMapping/>
+  </p:clrMapOvr>
+</p:notes>
+</file>
+
+<file path=ppt/notesSlides/notesSlide25.xml><?xml version="1.0" encoding="utf-8"?>
+<p:notes xmlns:a="http://schemas.openxmlformats.org/drawingml/2006/main" xmlns:r="http://schemas.openxmlformats.org/officeDocument/2006/relationships" xmlns:p="http://schemas.openxmlformats.org/presentationml/2006/main">
+  <p:cSld>
+    <p:spTree>
+      <p:nvGrpSpPr>
+        <p:cNvPr id="1" name=""/>
+        <p:cNvGrpSpPr/>
+        <p:nvPr/>
+      </p:nvGrpSpPr>
+      <p:grpSpPr>
+        <a:xfrm>
+          <a:off x="0" y="0"/>
+          <a:ext cx="0" cy="0"/>
+          <a:chOff x="0" y="0"/>
+          <a:chExt cx="0" cy="0"/>
+        </a:xfrm>
+      </p:grpSpPr>
+      <p:sp>
+        <p:nvSpPr>
+          <p:cNvPr id="2" name="Slide Image Placeholder 1"/>
+          <p:cNvSpPr>
+            <a:spLocks noGrp="1" noRot="1" noChangeAspect="1"/>
+          </p:cNvSpPr>
+          <p:nvPr>
+            <p:ph type="sldImg"/>
+          </p:nvPr>
+        </p:nvSpPr>
+        <p:spPr/>
+      </p:sp>
+      <p:sp>
+        <p:nvSpPr>
+          <p:cNvPr id="3" name="Notes Placeholder 2"/>
+          <p:cNvSpPr>
+            <a:spLocks noGrp="1"/>
+          </p:cNvSpPr>
+          <p:nvPr>
+            <p:ph type="body" idx="1"/>
+          </p:nvPr>
+        </p:nvSpPr>
+        <p:spPr/>
+        <p:txBody>
+          <a:bodyPr>
+            <a:normAutofit/>
+          </a:bodyPr>
+          <a:lstStyle/>
+          <a:p>
+            <a:endParaRPr lang="en-US"/>
+          </a:p>
+        </p:txBody>
+      </p:sp>
+      <p:sp>
+        <p:nvSpPr>
+          <p:cNvPr id="4" name="Slide Number Placeholder 3"/>
+          <p:cNvSpPr>
+            <a:spLocks noGrp="1"/>
+          </p:cNvSpPr>
+          <p:nvPr>
+            <p:ph type="sldNum" sz="quarter" idx="10"/>
+          </p:nvPr>
+        </p:nvSpPr>
+        <p:spPr/>
+        <p:txBody>
+          <a:bodyPr/>
+          <a:lstStyle/>
+          <a:p>
+            <a:pPr>
+              <a:defRPr/>
+            </a:pPr>
+            <a:fld id="{8B2AE985-CEB1-47DB-AC87-FA613AA66B3B}" type="slidenum">
+              <a:rPr lang="en-US" smtClean="0"/>
+              <a:pPr>
+                <a:defRPr/>
+              </a:pPr>
+              <a:t>25</a:t>
+            </a:fld>
+            <a:endParaRPr lang="en-US" dirty="0"/>
+          </a:p>
+        </p:txBody>
+      </p:sp>
+    </p:spTree>
+  </p:cSld>
+  <p:clrMapOvr>
+    <a:masterClrMapping/>
+  </p:clrMapOvr>
+</p:notes>
+</file>
+
+<file path=ppt/notesSlides/notesSlide26.xml><?xml version="1.0" encoding="utf-8"?>
+<p:notes xmlns:a="http://schemas.openxmlformats.org/drawingml/2006/main" xmlns:r="http://schemas.openxmlformats.org/officeDocument/2006/relationships" xmlns:p="http://schemas.openxmlformats.org/presentationml/2006/main">
+  <p:cSld>
+    <p:spTree>
+      <p:nvGrpSpPr>
+        <p:cNvPr id="1" name=""/>
+        <p:cNvGrpSpPr/>
+        <p:nvPr/>
+      </p:nvGrpSpPr>
+      <p:grpSpPr>
+        <a:xfrm>
+          <a:off x="0" y="0"/>
+          <a:ext cx="0" cy="0"/>
+          <a:chOff x="0" y="0"/>
+          <a:chExt cx="0" cy="0"/>
+        </a:xfrm>
+      </p:grpSpPr>
+      <p:sp>
+        <p:nvSpPr>
+          <p:cNvPr id="2" name="Slide Image Placeholder 1"/>
+          <p:cNvSpPr>
+            <a:spLocks noGrp="1" noRot="1" noChangeAspect="1"/>
+          </p:cNvSpPr>
+          <p:nvPr>
+            <p:ph type="sldImg"/>
+          </p:nvPr>
+        </p:nvSpPr>
+        <p:spPr/>
+      </p:sp>
+      <p:sp>
+        <p:nvSpPr>
+          <p:cNvPr id="3" name="Notes Placeholder 2"/>
+          <p:cNvSpPr>
+            <a:spLocks noGrp="1"/>
+          </p:cNvSpPr>
+          <p:nvPr>
+            <p:ph type="body" idx="1"/>
+          </p:nvPr>
+        </p:nvSpPr>
+        <p:spPr/>
+        <p:txBody>
+          <a:bodyPr>
+            <a:normAutofit/>
+          </a:bodyPr>
+          <a:lstStyle/>
+          <a:p>
+            <a:endParaRPr lang="en-US"/>
+          </a:p>
+        </p:txBody>
+      </p:sp>
+      <p:sp>
+        <p:nvSpPr>
+          <p:cNvPr id="4" name="Slide Number Placeholder 3"/>
+          <p:cNvSpPr>
+            <a:spLocks noGrp="1"/>
+          </p:cNvSpPr>
+          <p:nvPr>
+            <p:ph type="sldNum" sz="quarter" idx="10"/>
+          </p:nvPr>
+        </p:nvSpPr>
+        <p:spPr/>
+        <p:txBody>
+          <a:bodyPr/>
+          <a:lstStyle/>
+          <a:p>
+            <a:pPr>
+              <a:defRPr/>
+            </a:pPr>
+            <a:fld id="{8B2AE985-CEB1-47DB-AC87-FA613AA66B3B}" type="slidenum">
+              <a:rPr lang="en-US" smtClean="0"/>
+              <a:pPr>
+                <a:defRPr/>
+              </a:pPr>
+              <a:t>26</a:t>
+            </a:fld>
+            <a:endParaRPr lang="en-US" dirty="0"/>
+          </a:p>
+        </p:txBody>
+      </p:sp>
+    </p:spTree>
+  </p:cSld>
+  <p:clrMapOvr>
+    <a:masterClrMapping/>
+  </p:clrMapOvr>
+</p:notes>
+</file>
+
+<file path=ppt/notesSlides/notesSlide27.xml><?xml version="1.0" encoding="utf-8"?>
+<p:notes xmlns:a="http://schemas.openxmlformats.org/drawingml/2006/main" xmlns:r="http://schemas.openxmlformats.org/officeDocument/2006/relationships" xmlns:p="http://schemas.openxmlformats.org/presentationml/2006/main">
+  <p:cSld>
+    <p:spTree>
+      <p:nvGrpSpPr>
+        <p:cNvPr id="1" name=""/>
+        <p:cNvGrpSpPr/>
+        <p:nvPr/>
+      </p:nvGrpSpPr>
+      <p:grpSpPr>
+        <a:xfrm>
+          <a:off x="0" y="0"/>
+          <a:ext cx="0" cy="0"/>
+          <a:chOff x="0" y="0"/>
+          <a:chExt cx="0" cy="0"/>
+        </a:xfrm>
+      </p:grpSpPr>
+      <p:sp>
+        <p:nvSpPr>
+          <p:cNvPr id="2" name="Slide Image Placeholder 1"/>
+          <p:cNvSpPr>
+            <a:spLocks noGrp="1" noRot="1" noChangeAspect="1"/>
+          </p:cNvSpPr>
+          <p:nvPr>
+            <p:ph type="sldImg"/>
+          </p:nvPr>
+        </p:nvSpPr>
+        <p:spPr/>
+      </p:sp>
+      <p:sp>
+        <p:nvSpPr>
+          <p:cNvPr id="3" name="Notes Placeholder 2"/>
+          <p:cNvSpPr>
+            <a:spLocks noGrp="1"/>
+          </p:cNvSpPr>
+          <p:nvPr>
+            <p:ph type="body" idx="1"/>
+          </p:nvPr>
+        </p:nvSpPr>
+        <p:spPr/>
+        <p:txBody>
+          <a:bodyPr>
+            <a:normAutofit/>
+          </a:bodyPr>
+          <a:lstStyle/>
+          <a:p>
+            <a:endParaRPr lang="en-US"/>
+          </a:p>
+        </p:txBody>
+      </p:sp>
+      <p:sp>
+        <p:nvSpPr>
+          <p:cNvPr id="4" name="Slide Number Placeholder 3"/>
+          <p:cNvSpPr>
+            <a:spLocks noGrp="1"/>
+          </p:cNvSpPr>
+          <p:nvPr>
+            <p:ph type="sldNum" sz="quarter" idx="10"/>
+          </p:nvPr>
+        </p:nvSpPr>
+        <p:spPr/>
+        <p:txBody>
+          <a:bodyPr/>
+          <a:lstStyle/>
+          <a:p>
+            <a:pPr>
+              <a:defRPr/>
+            </a:pPr>
+            <a:fld id="{8B2AE985-CEB1-47DB-AC87-FA613AA66B3B}" type="slidenum">
+              <a:rPr lang="en-US" smtClean="0"/>
+              <a:pPr>
+                <a:defRPr/>
+              </a:pPr>
+              <a:t>27</a:t>
+            </a:fld>
+            <a:endParaRPr lang="en-US" dirty="0"/>
+          </a:p>
+        </p:txBody>
+      </p:sp>
+    </p:spTree>
+  </p:cSld>
+  <p:clrMapOvr>
+    <a:masterClrMapping/>
+  </p:clrMapOvr>
+</p:notes>
+</file>
+
+<file path=ppt/notesSlides/notesSlide28.xml><?xml version="1.0" encoding="utf-8"?>
+<p:notes xmlns:a="http://schemas.openxmlformats.org/drawingml/2006/main" xmlns:r="http://schemas.openxmlformats.org/officeDocument/2006/relationships" xmlns:p="http://schemas.openxmlformats.org/presentationml/2006/main">
+  <p:cSld>
+    <p:spTree>
+      <p:nvGrpSpPr>
+        <p:cNvPr id="1" name=""/>
+        <p:cNvGrpSpPr/>
+        <p:nvPr/>
+      </p:nvGrpSpPr>
+      <p:grpSpPr>
+        <a:xfrm>
+          <a:off x="0" y="0"/>
+          <a:ext cx="0" cy="0"/>
+          <a:chOff x="0" y="0"/>
+          <a:chExt cx="0" cy="0"/>
+        </a:xfrm>
+      </p:grpSpPr>
+      <p:sp>
+        <p:nvSpPr>
+          <p:cNvPr id="2" name="Slide Image Placeholder 1"/>
+          <p:cNvSpPr>
+            <a:spLocks noGrp="1" noRot="1" noChangeAspect="1"/>
+          </p:cNvSpPr>
+          <p:nvPr>
+            <p:ph type="sldImg"/>
+          </p:nvPr>
+        </p:nvSpPr>
+        <p:spPr/>
+      </p:sp>
+      <p:sp>
+        <p:nvSpPr>
+          <p:cNvPr id="3" name="Notes Placeholder 2"/>
+          <p:cNvSpPr>
+            <a:spLocks noGrp="1"/>
+          </p:cNvSpPr>
+          <p:nvPr>
+            <p:ph type="body" idx="1"/>
+          </p:nvPr>
+        </p:nvSpPr>
+        <p:spPr/>
+        <p:txBody>
+          <a:bodyPr>
+            <a:normAutofit/>
+          </a:bodyPr>
+          <a:lstStyle/>
+          <a:p>
+            <a:endParaRPr lang="en-US"/>
+          </a:p>
+        </p:txBody>
+      </p:sp>
+      <p:sp>
+        <p:nvSpPr>
+          <p:cNvPr id="4" name="Slide Number Placeholder 3"/>
+          <p:cNvSpPr>
+            <a:spLocks noGrp="1"/>
+          </p:cNvSpPr>
+          <p:nvPr>
+            <p:ph type="sldNum" sz="quarter" idx="10"/>
+          </p:nvPr>
+        </p:nvSpPr>
+        <p:spPr/>
+        <p:txBody>
+          <a:bodyPr/>
+          <a:lstStyle/>
+          <a:p>
+            <a:pPr>
+              <a:defRPr/>
+            </a:pPr>
+            <a:fld id="{8B2AE985-CEB1-47DB-AC87-FA613AA66B3B}" type="slidenum">
+              <a:rPr lang="en-US" smtClean="0"/>
+              <a:pPr>
+                <a:defRPr/>
+              </a:pPr>
+              <a:t>28</a:t>
+            </a:fld>
+            <a:endParaRPr lang="en-US" dirty="0"/>
+          </a:p>
+        </p:txBody>
+      </p:sp>
+    </p:spTree>
+  </p:cSld>
+  <p:clrMapOvr>
+    <a:masterClrMapping/>
+  </p:clrMapOvr>
+</p:notes>
+</file>
+
+<file path=ppt/notesSlides/notesSlide29.xml><?xml version="1.0" encoding="utf-8"?>
+<p:notes xmlns:a="http://schemas.openxmlformats.org/drawingml/2006/main" xmlns:r="http://schemas.openxmlformats.org/officeDocument/2006/relationships" xmlns:p="http://schemas.openxmlformats.org/presentationml/2006/main">
+  <p:cSld>
+    <p:spTree>
+      <p:nvGrpSpPr>
+        <p:cNvPr id="1" name=""/>
+        <p:cNvGrpSpPr/>
+        <p:nvPr/>
+      </p:nvGrpSpPr>
+      <p:grpSpPr>
+        <a:xfrm>
+          <a:off x="0" y="0"/>
+          <a:ext cx="0" cy="0"/>
+          <a:chOff x="0" y="0"/>
+          <a:chExt cx="0" cy="0"/>
+        </a:xfrm>
+      </p:grpSpPr>
+      <p:sp>
+        <p:nvSpPr>
+          <p:cNvPr id="2" name="Slide Image Placeholder 1"/>
+          <p:cNvSpPr>
+            <a:spLocks noGrp="1" noRot="1" noChangeAspect="1"/>
+          </p:cNvSpPr>
+          <p:nvPr>
+            <p:ph type="sldImg"/>
+          </p:nvPr>
+        </p:nvSpPr>
+        <p:spPr/>
+      </p:sp>
+      <p:sp>
+        <p:nvSpPr>
+          <p:cNvPr id="3" name="Notes Placeholder 2"/>
+          <p:cNvSpPr>
+            <a:spLocks noGrp="1"/>
+          </p:cNvSpPr>
+          <p:nvPr>
+            <p:ph type="body" idx="1"/>
+          </p:nvPr>
+        </p:nvSpPr>
+        <p:spPr/>
+        <p:txBody>
+          <a:bodyPr>
+            <a:normAutofit/>
+          </a:bodyPr>
+          <a:lstStyle/>
+          <a:p>
+            <a:endParaRPr lang="en-US"/>
+          </a:p>
+        </p:txBody>
+      </p:sp>
+      <p:sp>
+        <p:nvSpPr>
+          <p:cNvPr id="4" name="Slide Number Placeholder 3"/>
+          <p:cNvSpPr>
+            <a:spLocks noGrp="1"/>
+          </p:cNvSpPr>
+          <p:nvPr>
+            <p:ph type="sldNum" sz="quarter" idx="10"/>
+          </p:nvPr>
+        </p:nvSpPr>
+        <p:spPr/>
+        <p:txBody>
+          <a:bodyPr/>
+          <a:lstStyle/>
+          <a:p>
+            <a:pPr>
+              <a:defRPr/>
+            </a:pPr>
+            <a:fld id="{8B2AE985-CEB1-47DB-AC87-FA613AA66B3B}" type="slidenum">
+              <a:rPr lang="en-US" smtClean="0"/>
+              <a:pPr>
+                <a:defRPr/>
+              </a:pPr>
+              <a:t>29</a:t>
+            </a:fld>
+            <a:endParaRPr lang="en-US" dirty="0"/>
+          </a:p>
+        </p:txBody>
+      </p:sp>
+    </p:spTree>
+  </p:cSld>
+  <p:clrMapOvr>
+    <a:masterClrMapping/>
+  </p:clrMapOvr>
+</p:notes>
+</file>
+
+<file path=ppt/notesSlides/notesSlide3.xml><?xml version="1.0" encoding="utf-8"?>
+<p:notes xmlns:a="http://schemas.openxmlformats.org/drawingml/2006/main" xmlns:r="http://schemas.openxmlformats.org/officeDocument/2006/relationships" xmlns:p="http://schemas.openxmlformats.org/presentationml/2006/main">
+  <p:cSld>
+    <p:spTree>
+      <p:nvGrpSpPr>
+        <p:cNvPr id="1" name=""/>
+        <p:cNvGrpSpPr/>
+        <p:nvPr/>
+      </p:nvGrpSpPr>
+      <p:grpSpPr>
+        <a:xfrm>
+          <a:off x="0" y="0"/>
+          <a:ext cx="0" cy="0"/>
+          <a:chOff x="0" y="0"/>
+          <a:chExt cx="0" cy="0"/>
+        </a:xfrm>
+      </p:grpSpPr>
+      <p:sp>
+        <p:nvSpPr>
+          <p:cNvPr id="2" name="Slide Image Placeholder 1"/>
+          <p:cNvSpPr>
+            <a:spLocks noGrp="1" noRot="1" noChangeAspect="1"/>
+          </p:cNvSpPr>
+          <p:nvPr>
+            <p:ph type="sldImg"/>
+          </p:nvPr>
+        </p:nvSpPr>
+        <p:spPr/>
+      </p:sp>
+      <p:sp>
+        <p:nvSpPr>
+          <p:cNvPr id="3" name="Notes Placeholder 2"/>
+          <p:cNvSpPr>
+            <a:spLocks noGrp="1"/>
+          </p:cNvSpPr>
+          <p:nvPr>
+            <p:ph type="body" idx="1"/>
+          </p:nvPr>
+        </p:nvSpPr>
+        <p:spPr/>
+        <p:txBody>
+          <a:bodyPr>
+            <a:normAutofit/>
+          </a:bodyPr>
+          <a:lstStyle/>
+          <a:p>
+            <a:endParaRPr lang="en-US"/>
+          </a:p>
+        </p:txBody>
+      </p:sp>
+      <p:sp>
+        <p:nvSpPr>
+          <p:cNvPr id="4" name="Slide Number Placeholder 3"/>
+          <p:cNvSpPr>
+            <a:spLocks noGrp="1"/>
+          </p:cNvSpPr>
+          <p:nvPr>
+            <p:ph type="sldNum" sz="quarter" idx="10"/>
+          </p:nvPr>
+        </p:nvSpPr>
+        <p:spPr/>
+        <p:txBody>
+          <a:bodyPr/>
+          <a:lstStyle/>
+          <a:p>
+            <a:pPr>
+              <a:defRPr/>
+            </a:pPr>
+            <a:fld id="{8B2AE985-CEB1-47DB-AC87-FA613AA66B3B}" type="slidenum">
+              <a:rPr lang="en-US" smtClean="0"/>
+              <a:pPr>
+                <a:defRPr/>
+              </a:pPr>
+              <a:t>3</a:t>
+            </a:fld>
+            <a:endParaRPr lang="en-US" dirty="0"/>
+          </a:p>
+        </p:txBody>
+      </p:sp>
+    </p:spTree>
+  </p:cSld>
+  <p:clrMapOvr>
+    <a:masterClrMapping/>
+  </p:clrMapOvr>
+</p:notes>
+</file>
+
+<file path=ppt/notesSlides/notesSlide30.xml><?xml version="1.0" encoding="utf-8"?>
+<p:notes xmlns:a="http://schemas.openxmlformats.org/drawingml/2006/main" xmlns:r="http://schemas.openxmlformats.org/officeDocument/2006/relationships" xmlns:p="http://schemas.openxmlformats.org/presentationml/2006/main">
+  <p:cSld>
+    <p:spTree>
+      <p:nvGrpSpPr>
+        <p:cNvPr id="1" name=""/>
+        <p:cNvGrpSpPr/>
+        <p:nvPr/>
+      </p:nvGrpSpPr>
+      <p:grpSpPr>
+        <a:xfrm>
+          <a:off x="0" y="0"/>
+          <a:ext cx="0" cy="0"/>
+          <a:chOff x="0" y="0"/>
+          <a:chExt cx="0" cy="0"/>
+        </a:xfrm>
+      </p:grpSpPr>
+      <p:sp>
+        <p:nvSpPr>
+          <p:cNvPr id="2" name="Slide Image Placeholder 1"/>
+          <p:cNvSpPr>
+            <a:spLocks noGrp="1" noRot="1" noChangeAspect="1"/>
+          </p:cNvSpPr>
+          <p:nvPr>
+            <p:ph type="sldImg"/>
+          </p:nvPr>
+        </p:nvSpPr>
+        <p:spPr/>
+      </p:sp>
+      <p:sp>
+        <p:nvSpPr>
+          <p:cNvPr id="3" name="Notes Placeholder 2"/>
+          <p:cNvSpPr>
+            <a:spLocks noGrp="1"/>
+          </p:cNvSpPr>
+          <p:nvPr>
+            <p:ph type="body" idx="1"/>
+          </p:nvPr>
+        </p:nvSpPr>
+        <p:spPr/>
+        <p:txBody>
+          <a:bodyPr>
+            <a:normAutofit/>
+          </a:bodyPr>
+          <a:lstStyle/>
+          <a:p>
+            <a:endParaRPr lang="en-US"/>
+          </a:p>
+        </p:txBody>
+      </p:sp>
+      <p:sp>
+        <p:nvSpPr>
+          <p:cNvPr id="4" name="Slide Number Placeholder 3"/>
+          <p:cNvSpPr>
+            <a:spLocks noGrp="1"/>
+          </p:cNvSpPr>
+          <p:nvPr>
+            <p:ph type="sldNum" sz="quarter" idx="10"/>
+          </p:nvPr>
+        </p:nvSpPr>
+        <p:spPr/>
+        <p:txBody>
+          <a:bodyPr/>
+          <a:lstStyle/>
+          <a:p>
+            <a:pPr>
+              <a:defRPr/>
+            </a:pPr>
+            <a:fld id="{8B2AE985-CEB1-47DB-AC87-FA613AA66B3B}" type="slidenum">
+              <a:rPr lang="en-US" smtClean="0"/>
+              <a:pPr>
+                <a:defRPr/>
+              </a:pPr>
+              <a:t>30</a:t>
+            </a:fld>
+            <a:endParaRPr lang="en-US" dirty="0"/>
+          </a:p>
+        </p:txBody>
+      </p:sp>
+    </p:spTree>
+  </p:cSld>
+  <p:clrMapOvr>
+    <a:masterClrMapping/>
+  </p:clrMapOvr>
+</p:notes>
+</file>
+
+<file path=ppt/notesSlides/notesSlide31.xml><?xml version="1.0" encoding="utf-8"?>
+<p:notes xmlns:a="http://schemas.openxmlformats.org/drawingml/2006/main" xmlns:r="http://schemas.openxmlformats.org/officeDocument/2006/relationships" xmlns:p="http://schemas.openxmlformats.org/presentationml/2006/main">
+  <p:cSld>
+    <p:spTree>
+      <p:nvGrpSpPr>
+        <p:cNvPr id="1" name=""/>
+        <p:cNvGrpSpPr/>
+        <p:nvPr/>
+      </p:nvGrpSpPr>
+      <p:grpSpPr>
+        <a:xfrm>
+          <a:off x="0" y="0"/>
+          <a:ext cx="0" cy="0"/>
+          <a:chOff x="0" y="0"/>
+          <a:chExt cx="0" cy="0"/>
+        </a:xfrm>
+      </p:grpSpPr>
+      <p:sp>
+        <p:nvSpPr>
+          <p:cNvPr id="2" name="Slide Image Placeholder 1"/>
+          <p:cNvSpPr>
+            <a:spLocks noGrp="1" noRot="1" noChangeAspect="1"/>
+          </p:cNvSpPr>
+          <p:nvPr>
+            <p:ph type="sldImg"/>
+          </p:nvPr>
+        </p:nvSpPr>
+        <p:spPr/>
+      </p:sp>
+      <p:sp>
+        <p:nvSpPr>
+          <p:cNvPr id="3" name="Notes Placeholder 2"/>
+          <p:cNvSpPr>
+            <a:spLocks noGrp="1"/>
+          </p:cNvSpPr>
+          <p:nvPr>
+            <p:ph type="body" idx="1"/>
+          </p:nvPr>
+        </p:nvSpPr>
+        <p:spPr/>
+        <p:txBody>
+          <a:bodyPr>
+            <a:normAutofit/>
+          </a:bodyPr>
+          <a:lstStyle/>
+          <a:p>
+            <a:endParaRPr lang="en-US"/>
+          </a:p>
+        </p:txBody>
+      </p:sp>
+      <p:sp>
+        <p:nvSpPr>
+          <p:cNvPr id="4" name="Slide Number Placeholder 3"/>
+          <p:cNvSpPr>
+            <a:spLocks noGrp="1"/>
+          </p:cNvSpPr>
+          <p:nvPr>
+            <p:ph type="sldNum" sz="quarter" idx="10"/>
+          </p:nvPr>
+        </p:nvSpPr>
+        <p:spPr/>
+        <p:txBody>
+          <a:bodyPr/>
+          <a:lstStyle/>
+          <a:p>
+            <a:pPr>
+              <a:defRPr/>
+            </a:pPr>
+            <a:fld id="{8B2AE985-CEB1-47DB-AC87-FA613AA66B3B}" type="slidenum">
+              <a:rPr lang="en-US" smtClean="0"/>
+              <a:pPr>
+                <a:defRPr/>
+              </a:pPr>
+              <a:t>31</a:t>
+            </a:fld>
+            <a:endParaRPr lang="en-US" dirty="0"/>
+          </a:p>
+        </p:txBody>
+      </p:sp>
+    </p:spTree>
+  </p:cSld>
+  <p:clrMapOvr>
+    <a:masterClrMapping/>
+  </p:clrMapOvr>
+</p:notes>
+</file>
+
+<file path=ppt/notesSlides/notesSlide32.xml><?xml version="1.0" encoding="utf-8"?>
+<p:notes xmlns:a="http://schemas.openxmlformats.org/drawingml/2006/main" xmlns:r="http://schemas.openxmlformats.org/officeDocument/2006/relationships" xmlns:p="http://schemas.openxmlformats.org/presentationml/2006/main">
+  <p:cSld>
+    <p:spTree>
+      <p:nvGrpSpPr>
+        <p:cNvPr id="1" name=""/>
+        <p:cNvGrpSpPr/>
+        <p:nvPr/>
+      </p:nvGrpSpPr>
+      <p:grpSpPr>
+        <a:xfrm>
+          <a:off x="0" y="0"/>
+          <a:ext cx="0" cy="0"/>
+          <a:chOff x="0" y="0"/>
+          <a:chExt cx="0" cy="0"/>
+        </a:xfrm>
+      </p:grpSpPr>
+      <p:sp>
+        <p:nvSpPr>
+          <p:cNvPr id="2" name="Slide Image Placeholder 1"/>
+          <p:cNvSpPr>
+            <a:spLocks noGrp="1" noRot="1" noChangeAspect="1"/>
+          </p:cNvSpPr>
+          <p:nvPr>
+            <p:ph type="sldImg"/>
+          </p:nvPr>
+        </p:nvSpPr>
+        <p:spPr/>
+      </p:sp>
+      <p:sp>
+        <p:nvSpPr>
+          <p:cNvPr id="3" name="Notes Placeholder 2"/>
+          <p:cNvSpPr>
+            <a:spLocks noGrp="1"/>
+          </p:cNvSpPr>
+          <p:nvPr>
+            <p:ph type="body" idx="1"/>
+          </p:nvPr>
+        </p:nvSpPr>
+        <p:spPr/>
+        <p:txBody>
+          <a:bodyPr>
+            <a:normAutofit/>
+          </a:bodyPr>
+          <a:lstStyle/>
+          <a:p>
+            <a:endParaRPr lang="en-US"/>
+          </a:p>
+        </p:txBody>
+      </p:sp>
+      <p:sp>
+        <p:nvSpPr>
+          <p:cNvPr id="4" name="Slide Number Placeholder 3"/>
+          <p:cNvSpPr>
+            <a:spLocks noGrp="1"/>
+          </p:cNvSpPr>
+          <p:nvPr>
+            <p:ph type="sldNum" sz="quarter" idx="10"/>
+          </p:nvPr>
+        </p:nvSpPr>
+        <p:spPr/>
+        <p:txBody>
+          <a:bodyPr/>
+          <a:lstStyle/>
+          <a:p>
+            <a:pPr>
+              <a:defRPr/>
+            </a:pPr>
+            <a:fld id="{8B2AE985-CEB1-47DB-AC87-FA613AA66B3B}" type="slidenum">
+              <a:rPr lang="en-US" smtClean="0"/>
+              <a:pPr>
+                <a:defRPr/>
+              </a:pPr>
+              <a:t>32</a:t>
+            </a:fld>
+            <a:endParaRPr lang="en-US" dirty="0"/>
+          </a:p>
+        </p:txBody>
+      </p:sp>
+    </p:spTree>
+  </p:cSld>
+  <p:clrMapOvr>
+    <a:masterClrMapping/>
+  </p:clrMapOvr>
+</p:notes>
+</file>
+
+<file path=ppt/notesSlides/notesSlide33.xml><?xml version="1.0" encoding="utf-8"?>
+<p:notes xmlns:a="http://schemas.openxmlformats.org/drawingml/2006/main" xmlns:r="http://schemas.openxmlformats.org/officeDocument/2006/relationships" xmlns:p="http://schemas.openxmlformats.org/presentationml/2006/main">
+  <p:cSld>
+    <p:spTree>
+      <p:nvGrpSpPr>
+        <p:cNvPr id="1" name=""/>
+        <p:cNvGrpSpPr/>
+        <p:nvPr/>
+      </p:nvGrpSpPr>
+      <p:grpSpPr>
+        <a:xfrm>
+          <a:off x="0" y="0"/>
+          <a:ext cx="0" cy="0"/>
+          <a:chOff x="0" y="0"/>
+          <a:chExt cx="0" cy="0"/>
+        </a:xfrm>
+      </p:grpSpPr>
+      <p:sp>
+        <p:nvSpPr>
+          <p:cNvPr id="2" name="Slide Image Placeholder 1"/>
+          <p:cNvSpPr>
+            <a:spLocks noGrp="1" noRot="1" noChangeAspect="1"/>
+          </p:cNvSpPr>
+          <p:nvPr>
+            <p:ph type="sldImg"/>
+          </p:nvPr>
+        </p:nvSpPr>
+        <p:spPr/>
+      </p:sp>
+      <p:sp>
+        <p:nvSpPr>
+          <p:cNvPr id="3" name="Notes Placeholder 2"/>
+          <p:cNvSpPr>
+            <a:spLocks noGrp="1"/>
+          </p:cNvSpPr>
+          <p:nvPr>
+            <p:ph type="body" idx="1"/>
+          </p:nvPr>
+        </p:nvSpPr>
+        <p:spPr/>
+        <p:txBody>
+          <a:bodyPr>
+            <a:normAutofit/>
+          </a:bodyPr>
+          <a:lstStyle/>
+          <a:p>
+            <a:endParaRPr lang="en-US"/>
+          </a:p>
+        </p:txBody>
+      </p:sp>
+      <p:sp>
+        <p:nvSpPr>
+          <p:cNvPr id="4" name="Slide Number Placeholder 3"/>
+          <p:cNvSpPr>
+            <a:spLocks noGrp="1"/>
+          </p:cNvSpPr>
+          <p:nvPr>
+            <p:ph type="sldNum" sz="quarter" idx="10"/>
+          </p:nvPr>
+        </p:nvSpPr>
+        <p:spPr/>
+        <p:txBody>
+          <a:bodyPr/>
+          <a:lstStyle/>
+          <a:p>
+            <a:pPr>
+              <a:defRPr/>
+            </a:pPr>
+            <a:fld id="{8B2AE985-CEB1-47DB-AC87-FA613AA66B3B}" type="slidenum">
+              <a:rPr lang="en-US" smtClean="0"/>
+              <a:pPr>
+                <a:defRPr/>
+              </a:pPr>
+              <a:t>33</a:t>
+            </a:fld>
+            <a:endParaRPr lang="en-US" dirty="0"/>
+          </a:p>
+        </p:txBody>
+      </p:sp>
+    </p:spTree>
+  </p:cSld>
+  <p:clrMapOvr>
+    <a:masterClrMapping/>
+  </p:clrMapOvr>
+</p:notes>
+</file>
+
+<file path=ppt/notesSlides/notesSlide34.xml><?xml version="1.0" encoding="utf-8"?>
+<p:notes xmlns:a="http://schemas.openxmlformats.org/drawingml/2006/main" xmlns:r="http://schemas.openxmlformats.org/officeDocument/2006/relationships" xmlns:p="http://schemas.openxmlformats.org/presentationml/2006/main">
+  <p:cSld>
+    <p:spTree>
+      <p:nvGrpSpPr>
+        <p:cNvPr id="1" name=""/>
+        <p:cNvGrpSpPr/>
+        <p:nvPr/>
+      </p:nvGrpSpPr>
+      <p:grpSpPr>
+        <a:xfrm>
+          <a:off x="0" y="0"/>
+          <a:ext cx="0" cy="0"/>
+          <a:chOff x="0" y="0"/>
+          <a:chExt cx="0" cy="0"/>
+        </a:xfrm>
+      </p:grpSpPr>
+      <p:sp>
+        <p:nvSpPr>
+          <p:cNvPr id="2" name="Slide Image Placeholder 1"/>
+          <p:cNvSpPr>
+            <a:spLocks noGrp="1" noRot="1" noChangeAspect="1"/>
+          </p:cNvSpPr>
+          <p:nvPr>
+            <p:ph type="sldImg"/>
+          </p:nvPr>
+        </p:nvSpPr>
+        <p:spPr/>
+      </p:sp>
+      <p:sp>
+        <p:nvSpPr>
+          <p:cNvPr id="3" name="Notes Placeholder 2"/>
+          <p:cNvSpPr>
+            <a:spLocks noGrp="1"/>
+          </p:cNvSpPr>
+          <p:nvPr>
+            <p:ph type="body" idx="1"/>
+          </p:nvPr>
+        </p:nvSpPr>
+        <p:spPr/>
+        <p:txBody>
+          <a:bodyPr>
+            <a:normAutofit/>
+          </a:bodyPr>
+          <a:lstStyle/>
+          <a:p>
+            <a:endParaRPr lang="en-US"/>
+          </a:p>
+        </p:txBody>
+      </p:sp>
+      <p:sp>
+        <p:nvSpPr>
+          <p:cNvPr id="4" name="Slide Number Placeholder 3"/>
+          <p:cNvSpPr>
+            <a:spLocks noGrp="1"/>
+          </p:cNvSpPr>
+          <p:nvPr>
+            <p:ph type="sldNum" sz="quarter" idx="10"/>
+          </p:nvPr>
+        </p:nvSpPr>
+        <p:spPr/>
+        <p:txBody>
+          <a:bodyPr/>
+          <a:lstStyle/>
+          <a:p>
+            <a:pPr>
+              <a:defRPr/>
+            </a:pPr>
+            <a:fld id="{8B2AE985-CEB1-47DB-AC87-FA613AA66B3B}" type="slidenum">
+              <a:rPr lang="en-US" smtClean="0"/>
+              <a:pPr>
+                <a:defRPr/>
+              </a:pPr>
+              <a:t>34</a:t>
+            </a:fld>
+            <a:endParaRPr lang="en-US" dirty="0"/>
+          </a:p>
+        </p:txBody>
+      </p:sp>
+    </p:spTree>
+  </p:cSld>
+  <p:clrMapOvr>
+    <a:masterClrMapping/>
+  </p:clrMapOvr>
+</p:notes>
+</file>
+
+<file path=ppt/notesSlides/notesSlide35.xml><?xml version="1.0" encoding="utf-8"?>
+<p:notes xmlns:a="http://schemas.openxmlformats.org/drawingml/2006/main" xmlns:r="http://schemas.openxmlformats.org/officeDocument/2006/relationships" xmlns:p="http://schemas.openxmlformats.org/presentationml/2006/main">
+  <p:cSld>
+    <p:spTree>
+      <p:nvGrpSpPr>
+        <p:cNvPr id="1" name=""/>
+        <p:cNvGrpSpPr/>
+        <p:nvPr/>
+      </p:nvGrpSpPr>
+      <p:grpSpPr>
+        <a:xfrm>
+          <a:off x="0" y="0"/>
+          <a:ext cx="0" cy="0"/>
+          <a:chOff x="0" y="0"/>
+          <a:chExt cx="0" cy="0"/>
+        </a:xfrm>
+      </p:grpSpPr>
+      <p:sp>
+        <p:nvSpPr>
+          <p:cNvPr id="2" name="Slide Image Placeholder 1"/>
+          <p:cNvSpPr>
+            <a:spLocks noGrp="1" noRot="1" noChangeAspect="1"/>
+          </p:cNvSpPr>
+          <p:nvPr>
+            <p:ph type="sldImg"/>
+          </p:nvPr>
+        </p:nvSpPr>
+        <p:spPr/>
+      </p:sp>
+      <p:sp>
+        <p:nvSpPr>
+          <p:cNvPr id="3" name="Notes Placeholder 2"/>
+          <p:cNvSpPr>
+            <a:spLocks noGrp="1"/>
+          </p:cNvSpPr>
+          <p:nvPr>
+            <p:ph type="body" idx="1"/>
+          </p:nvPr>
+        </p:nvSpPr>
+        <p:spPr/>
+        <p:txBody>
+          <a:bodyPr>
+            <a:normAutofit/>
+          </a:bodyPr>
+          <a:lstStyle/>
+          <a:p>
+            <a:endParaRPr lang="en-US"/>
+          </a:p>
+        </p:txBody>
+      </p:sp>
+      <p:sp>
+        <p:nvSpPr>
+          <p:cNvPr id="4" name="Slide Number Placeholder 3"/>
+          <p:cNvSpPr>
+            <a:spLocks noGrp="1"/>
+          </p:cNvSpPr>
+          <p:nvPr>
+            <p:ph type="sldNum" sz="quarter" idx="10"/>
+          </p:nvPr>
+        </p:nvSpPr>
+        <p:spPr/>
+        <p:txBody>
+          <a:bodyPr/>
+          <a:lstStyle/>
+          <a:p>
+            <a:pPr>
+              <a:defRPr/>
+            </a:pPr>
+            <a:fld id="{8B2AE985-CEB1-47DB-AC87-FA613AA66B3B}" type="slidenum">
+              <a:rPr lang="en-US" smtClean="0"/>
+              <a:pPr>
+                <a:defRPr/>
+              </a:pPr>
+              <a:t>35</a:t>
+            </a:fld>
+            <a:endParaRPr lang="en-US" dirty="0"/>
+          </a:p>
+        </p:txBody>
+      </p:sp>
+    </p:spTree>
+  </p:cSld>
+  <p:clrMapOvr>
+    <a:masterClrMapping/>
+  </p:clrMapOvr>
+</p:notes>
+</file>
+
+<file path=ppt/notesSlides/notesSlide36.xml><?xml version="1.0" encoding="utf-8"?>
+<p:notes xmlns:a="http://schemas.openxmlformats.org/drawingml/2006/main" xmlns:r="http://schemas.openxmlformats.org/officeDocument/2006/relationships" xmlns:p="http://schemas.openxmlformats.org/presentationml/2006/main">
+  <p:cSld>
+    <p:spTree>
+      <p:nvGrpSpPr>
+        <p:cNvPr id="1" name=""/>
+        <p:cNvGrpSpPr/>
+        <p:nvPr/>
+      </p:nvGrpSpPr>
+      <p:grpSpPr>
+        <a:xfrm>
+          <a:off x="0" y="0"/>
+          <a:ext cx="0" cy="0"/>
+          <a:chOff x="0" y="0"/>
+          <a:chExt cx="0" cy="0"/>
+        </a:xfrm>
+      </p:grpSpPr>
+      <p:sp>
+        <p:nvSpPr>
+          <p:cNvPr id="2" name="Slide Image Placeholder 1"/>
+          <p:cNvSpPr>
+            <a:spLocks noGrp="1" noRot="1" noChangeAspect="1"/>
+          </p:cNvSpPr>
+          <p:nvPr>
+            <p:ph type="sldImg"/>
+          </p:nvPr>
+        </p:nvSpPr>
+        <p:spPr/>
+      </p:sp>
+      <p:sp>
+        <p:nvSpPr>
+          <p:cNvPr id="3" name="Notes Placeholder 2"/>
+          <p:cNvSpPr>
+            <a:spLocks noGrp="1"/>
+          </p:cNvSpPr>
+          <p:nvPr>
+            <p:ph type="body" idx="1"/>
+          </p:nvPr>
+        </p:nvSpPr>
+        <p:spPr/>
+        <p:txBody>
+          <a:bodyPr>
+            <a:normAutofit/>
+          </a:bodyPr>
+          <a:lstStyle/>
+          <a:p>
+            <a:endParaRPr lang="en-US"/>
+          </a:p>
+        </p:txBody>
+      </p:sp>
+      <p:sp>
+        <p:nvSpPr>
+          <p:cNvPr id="4" name="Slide Number Placeholder 3"/>
+          <p:cNvSpPr>
+            <a:spLocks noGrp="1"/>
+          </p:cNvSpPr>
+          <p:nvPr>
+            <p:ph type="sldNum" sz="quarter" idx="10"/>
+          </p:nvPr>
+        </p:nvSpPr>
+        <p:spPr/>
+        <p:txBody>
+          <a:bodyPr/>
+          <a:lstStyle/>
+          <a:p>
+            <a:pPr>
+              <a:defRPr/>
+            </a:pPr>
+            <a:fld id="{8B2AE985-CEB1-47DB-AC87-FA613AA66B3B}" type="slidenum">
+              <a:rPr lang="en-US" smtClean="0"/>
+              <a:pPr>
+                <a:defRPr/>
+              </a:pPr>
+              <a:t>36</a:t>
+            </a:fld>
+            <a:endParaRPr lang="en-US" dirty="0"/>
+          </a:p>
+        </p:txBody>
+      </p:sp>
+    </p:spTree>
+  </p:cSld>
+  <p:clrMapOvr>
+    <a:masterClrMapping/>
+  </p:clrMapOvr>
+</p:notes>
+</file>
+
+<file path=ppt/notesSlides/notesSlide37.xml><?xml version="1.0" encoding="utf-8"?>
+<p:notes xmlns:a="http://schemas.openxmlformats.org/drawingml/2006/main" xmlns:r="http://schemas.openxmlformats.org/officeDocument/2006/relationships" xmlns:p="http://schemas.openxmlformats.org/presentationml/2006/main">
+  <p:cSld>
+    <p:spTree>
+      <p:nvGrpSpPr>
+        <p:cNvPr id="1" name=""/>
+        <p:cNvGrpSpPr/>
+        <p:nvPr/>
+      </p:nvGrpSpPr>
+      <p:grpSpPr>
+        <a:xfrm>
+          <a:off x="0" y="0"/>
+          <a:ext cx="0" cy="0"/>
+          <a:chOff x="0" y="0"/>
+          <a:chExt cx="0" cy="0"/>
+        </a:xfrm>
+      </p:grpSpPr>
+      <p:sp>
+        <p:nvSpPr>
+          <p:cNvPr id="2" name="Slide Image Placeholder 1"/>
+          <p:cNvSpPr>
+            <a:spLocks noGrp="1" noRot="1" noChangeAspect="1"/>
+          </p:cNvSpPr>
+          <p:nvPr>
+            <p:ph type="sldImg"/>
+          </p:nvPr>
+        </p:nvSpPr>
+        <p:spPr/>
+      </p:sp>
+      <p:sp>
+        <p:nvSpPr>
+          <p:cNvPr id="3" name="Notes Placeholder 2"/>
+          <p:cNvSpPr>
+            <a:spLocks noGrp="1"/>
+          </p:cNvSpPr>
+          <p:nvPr>
+            <p:ph type="body" idx="1"/>
+          </p:nvPr>
+        </p:nvSpPr>
+        <p:spPr/>
+        <p:txBody>
+          <a:bodyPr>
+            <a:normAutofit/>
+          </a:bodyPr>
+          <a:lstStyle/>
+          <a:p>
+            <a:endParaRPr lang="en-US"/>
+          </a:p>
+        </p:txBody>
+      </p:sp>
+      <p:sp>
+        <p:nvSpPr>
+          <p:cNvPr id="4" name="Slide Number Placeholder 3"/>
+          <p:cNvSpPr>
+            <a:spLocks noGrp="1"/>
+          </p:cNvSpPr>
+          <p:nvPr>
+            <p:ph type="sldNum" sz="quarter" idx="10"/>
+          </p:nvPr>
+        </p:nvSpPr>
+        <p:spPr/>
+        <p:txBody>
+          <a:bodyPr/>
+          <a:lstStyle/>
+          <a:p>
+            <a:pPr>
+              <a:defRPr/>
+            </a:pPr>
+            <a:fld id="{8B2AE985-CEB1-47DB-AC87-FA613AA66B3B}" type="slidenum">
+              <a:rPr lang="en-US" smtClean="0"/>
+              <a:pPr>
+                <a:defRPr/>
+              </a:pPr>
+              <a:t>37</a:t>
+            </a:fld>
+            <a:endParaRPr lang="en-US" dirty="0"/>
+          </a:p>
+        </p:txBody>
+      </p:sp>
+    </p:spTree>
+  </p:cSld>
+  <p:clrMapOvr>
+    <a:masterClrMapping/>
+  </p:clrMapOvr>
+</p:notes>
+</file>
+
+<file path=ppt/notesSlides/notesSlide38.xml><?xml version="1.0" encoding="utf-8"?>
+<p:notes xmlns:a="http://schemas.openxmlformats.org/drawingml/2006/main" xmlns:r="http://schemas.openxmlformats.org/officeDocument/2006/relationships" xmlns:p="http://schemas.openxmlformats.org/presentationml/2006/main">
+  <p:cSld>
+    <p:spTree>
+      <p:nvGrpSpPr>
+        <p:cNvPr id="1" name=""/>
+        <p:cNvGrpSpPr/>
+        <p:nvPr/>
+      </p:nvGrpSpPr>
+      <p:grpSpPr>
+        <a:xfrm>
+          <a:off x="0" y="0"/>
+          <a:ext cx="0" cy="0"/>
+          <a:chOff x="0" y="0"/>
+          <a:chExt cx="0" cy="0"/>
+        </a:xfrm>
+      </p:grpSpPr>
+      <p:sp>
+        <p:nvSpPr>
+          <p:cNvPr id="2" name="Slide Image Placeholder 1"/>
+          <p:cNvSpPr>
+            <a:spLocks noGrp="1" noRot="1" noChangeAspect="1"/>
+          </p:cNvSpPr>
+          <p:nvPr>
+            <p:ph type="sldImg"/>
+          </p:nvPr>
+        </p:nvSpPr>
+        <p:spPr/>
+      </p:sp>
+      <p:sp>
+        <p:nvSpPr>
+          <p:cNvPr id="3" name="Notes Placeholder 2"/>
+          <p:cNvSpPr>
+            <a:spLocks noGrp="1"/>
+          </p:cNvSpPr>
+          <p:nvPr>
+            <p:ph type="body" idx="1"/>
+          </p:nvPr>
+        </p:nvSpPr>
+        <p:spPr/>
+        <p:txBody>
+          <a:bodyPr>
+            <a:normAutofit/>
+          </a:bodyPr>
+          <a:lstStyle/>
+          <a:p>
+            <a:endParaRPr lang="en-US"/>
+          </a:p>
+        </p:txBody>
+      </p:sp>
+      <p:sp>
+        <p:nvSpPr>
+          <p:cNvPr id="4" name="Slide Number Placeholder 3"/>
+          <p:cNvSpPr>
+            <a:spLocks noGrp="1"/>
+          </p:cNvSpPr>
+          <p:nvPr>
+            <p:ph type="sldNum" sz="quarter" idx="10"/>
+          </p:nvPr>
+        </p:nvSpPr>
+        <p:spPr/>
+        <p:txBody>
+          <a:bodyPr/>
+          <a:lstStyle/>
+          <a:p>
+            <a:pPr>
+              <a:defRPr/>
+            </a:pPr>
+            <a:fld id="{8B2AE985-CEB1-47DB-AC87-FA613AA66B3B}" type="slidenum">
+              <a:rPr lang="en-US" smtClean="0"/>
+              <a:pPr>
+                <a:defRPr/>
+              </a:pPr>
+              <a:t>38</a:t>
+            </a:fld>
+            <a:endParaRPr lang="en-US" dirty="0"/>
+          </a:p>
+        </p:txBody>
+      </p:sp>
+    </p:spTree>
+  </p:cSld>
+  <p:clrMapOvr>
+    <a:masterClrMapping/>
+  </p:clrMapOvr>
+</p:notes>
+</file>
+
+<file path=ppt/notesSlides/notesSlide39.xml><?xml version="1.0" encoding="utf-8"?>
+<p:notes xmlns:a="http://schemas.openxmlformats.org/drawingml/2006/main" xmlns:r="http://schemas.openxmlformats.org/officeDocument/2006/relationships" xmlns:p="http://schemas.openxmlformats.org/presentationml/2006/main">
+  <p:cSld>
+    <p:spTree>
+      <p:nvGrpSpPr>
+        <p:cNvPr id="1" name=""/>
+        <p:cNvGrpSpPr/>
+        <p:nvPr/>
+      </p:nvGrpSpPr>
+      <p:grpSpPr>
+        <a:xfrm>
+          <a:off x="0" y="0"/>
+          <a:ext cx="0" cy="0"/>
+          <a:chOff x="0" y="0"/>
+          <a:chExt cx="0" cy="0"/>
+        </a:xfrm>
+      </p:grpSpPr>
+      <p:sp>
+        <p:nvSpPr>
+          <p:cNvPr id="2" name="Slide Image Placeholder 1"/>
+          <p:cNvSpPr>
+            <a:spLocks noGrp="1" noRot="1" noChangeAspect="1"/>
+          </p:cNvSpPr>
+          <p:nvPr>
+            <p:ph type="sldImg"/>
+          </p:nvPr>
+        </p:nvSpPr>
+        <p:spPr/>
+      </p:sp>
+      <p:sp>
+        <p:nvSpPr>
+          <p:cNvPr id="3" name="Notes Placeholder 2"/>
+          <p:cNvSpPr>
+            <a:spLocks noGrp="1"/>
+          </p:cNvSpPr>
+          <p:nvPr>
+            <p:ph type="body" idx="1"/>
+          </p:nvPr>
+        </p:nvSpPr>
+        <p:spPr/>
+        <p:txBody>
+          <a:bodyPr>
+            <a:normAutofit/>
+          </a:bodyPr>
+          <a:lstStyle/>
+          <a:p>
+            <a:endParaRPr lang="en-US"/>
+          </a:p>
+        </p:txBody>
+      </p:sp>
+      <p:sp>
+        <p:nvSpPr>
+          <p:cNvPr id="4" name="Slide Number Placeholder 3"/>
+          <p:cNvSpPr>
+            <a:spLocks noGrp="1"/>
+          </p:cNvSpPr>
+          <p:nvPr>
+            <p:ph type="sldNum" sz="quarter" idx="10"/>
+          </p:nvPr>
+        </p:nvSpPr>
+        <p:spPr/>
+        <p:txBody>
+          <a:bodyPr/>
+          <a:lstStyle/>
+          <a:p>
+            <a:pPr>
+              <a:defRPr/>
+            </a:pPr>
+            <a:fld id="{8B2AE985-CEB1-47DB-AC87-FA613AA66B3B}" type="slidenum">
+              <a:rPr lang="en-US" smtClean="0"/>
+              <a:pPr>
+                <a:defRPr/>
+              </a:pPr>
+              <a:t>39</a:t>
+            </a:fld>
+            <a:endParaRPr lang="en-US" dirty="0"/>
+          </a:p>
+        </p:txBody>
+      </p:sp>
+    </p:spTree>
+  </p:cSld>
+  <p:clrMapOvr>
+    <a:masterClrMapping/>
+  </p:clrMapOvr>
+</p:notes>
+</file>
+
+<file path=ppt/notesSlides/notesSlide4.xml><?xml version="1.0" encoding="utf-8"?>
 <p:notes xmlns:a="http://schemas.openxmlformats.org/drawingml/2006/main" xmlns:r="http://schemas.openxmlformats.org/officeDocument/2006/relationships" xmlns:p="http://schemas.openxmlformats.org/presentationml/2006/main">
   <p:cSld>
     <p:spTree>
@@ -874,7 +3700,877 @@
 </p:notes>
 </file>
 
-<file path=ppt/notesSlides/notesSlide3.xml><?xml version="1.0" encoding="utf-8"?>
+<file path=ppt/notesSlides/notesSlide40.xml><?xml version="1.0" encoding="utf-8"?>
+<p:notes xmlns:a="http://schemas.openxmlformats.org/drawingml/2006/main" xmlns:r="http://schemas.openxmlformats.org/officeDocument/2006/relationships" xmlns:p="http://schemas.openxmlformats.org/presentationml/2006/main">
+  <p:cSld>
+    <p:spTree>
+      <p:nvGrpSpPr>
+        <p:cNvPr id="1" name=""/>
+        <p:cNvGrpSpPr/>
+        <p:nvPr/>
+      </p:nvGrpSpPr>
+      <p:grpSpPr>
+        <a:xfrm>
+          <a:off x="0" y="0"/>
+          <a:ext cx="0" cy="0"/>
+          <a:chOff x="0" y="0"/>
+          <a:chExt cx="0" cy="0"/>
+        </a:xfrm>
+      </p:grpSpPr>
+      <p:sp>
+        <p:nvSpPr>
+          <p:cNvPr id="2" name="Slide Image Placeholder 1"/>
+          <p:cNvSpPr>
+            <a:spLocks noGrp="1" noRot="1" noChangeAspect="1"/>
+          </p:cNvSpPr>
+          <p:nvPr>
+            <p:ph type="sldImg"/>
+          </p:nvPr>
+        </p:nvSpPr>
+        <p:spPr/>
+      </p:sp>
+      <p:sp>
+        <p:nvSpPr>
+          <p:cNvPr id="3" name="Notes Placeholder 2"/>
+          <p:cNvSpPr>
+            <a:spLocks noGrp="1"/>
+          </p:cNvSpPr>
+          <p:nvPr>
+            <p:ph type="body" idx="1"/>
+          </p:nvPr>
+        </p:nvSpPr>
+        <p:spPr/>
+        <p:txBody>
+          <a:bodyPr>
+            <a:normAutofit/>
+          </a:bodyPr>
+          <a:lstStyle/>
+          <a:p>
+            <a:endParaRPr lang="en-US"/>
+          </a:p>
+        </p:txBody>
+      </p:sp>
+      <p:sp>
+        <p:nvSpPr>
+          <p:cNvPr id="4" name="Slide Number Placeholder 3"/>
+          <p:cNvSpPr>
+            <a:spLocks noGrp="1"/>
+          </p:cNvSpPr>
+          <p:nvPr>
+            <p:ph type="sldNum" sz="quarter" idx="10"/>
+          </p:nvPr>
+        </p:nvSpPr>
+        <p:spPr/>
+        <p:txBody>
+          <a:bodyPr/>
+          <a:lstStyle/>
+          <a:p>
+            <a:pPr>
+              <a:defRPr/>
+            </a:pPr>
+            <a:fld id="{8B2AE985-CEB1-47DB-AC87-FA613AA66B3B}" type="slidenum">
+              <a:rPr lang="en-US" smtClean="0"/>
+              <a:pPr>
+                <a:defRPr/>
+              </a:pPr>
+              <a:t>40</a:t>
+            </a:fld>
+            <a:endParaRPr lang="en-US" dirty="0"/>
+          </a:p>
+        </p:txBody>
+      </p:sp>
+    </p:spTree>
+  </p:cSld>
+  <p:clrMapOvr>
+    <a:masterClrMapping/>
+  </p:clrMapOvr>
+</p:notes>
+</file>
+
+<file path=ppt/notesSlides/notesSlide41.xml><?xml version="1.0" encoding="utf-8"?>
+<p:notes xmlns:a="http://schemas.openxmlformats.org/drawingml/2006/main" xmlns:r="http://schemas.openxmlformats.org/officeDocument/2006/relationships" xmlns:p="http://schemas.openxmlformats.org/presentationml/2006/main">
+  <p:cSld>
+    <p:spTree>
+      <p:nvGrpSpPr>
+        <p:cNvPr id="1" name=""/>
+        <p:cNvGrpSpPr/>
+        <p:nvPr/>
+      </p:nvGrpSpPr>
+      <p:grpSpPr>
+        <a:xfrm>
+          <a:off x="0" y="0"/>
+          <a:ext cx="0" cy="0"/>
+          <a:chOff x="0" y="0"/>
+          <a:chExt cx="0" cy="0"/>
+        </a:xfrm>
+      </p:grpSpPr>
+      <p:sp>
+        <p:nvSpPr>
+          <p:cNvPr id="2" name="Slide Image Placeholder 1"/>
+          <p:cNvSpPr>
+            <a:spLocks noGrp="1" noRot="1" noChangeAspect="1"/>
+          </p:cNvSpPr>
+          <p:nvPr>
+            <p:ph type="sldImg"/>
+          </p:nvPr>
+        </p:nvSpPr>
+        <p:spPr/>
+      </p:sp>
+      <p:sp>
+        <p:nvSpPr>
+          <p:cNvPr id="3" name="Notes Placeholder 2"/>
+          <p:cNvSpPr>
+            <a:spLocks noGrp="1"/>
+          </p:cNvSpPr>
+          <p:nvPr>
+            <p:ph type="body" idx="1"/>
+          </p:nvPr>
+        </p:nvSpPr>
+        <p:spPr/>
+        <p:txBody>
+          <a:bodyPr>
+            <a:normAutofit/>
+          </a:bodyPr>
+          <a:lstStyle/>
+          <a:p>
+            <a:endParaRPr lang="en-US"/>
+          </a:p>
+        </p:txBody>
+      </p:sp>
+      <p:sp>
+        <p:nvSpPr>
+          <p:cNvPr id="4" name="Slide Number Placeholder 3"/>
+          <p:cNvSpPr>
+            <a:spLocks noGrp="1"/>
+          </p:cNvSpPr>
+          <p:nvPr>
+            <p:ph type="sldNum" sz="quarter" idx="10"/>
+          </p:nvPr>
+        </p:nvSpPr>
+        <p:spPr/>
+        <p:txBody>
+          <a:bodyPr/>
+          <a:lstStyle/>
+          <a:p>
+            <a:pPr>
+              <a:defRPr/>
+            </a:pPr>
+            <a:fld id="{8B2AE985-CEB1-47DB-AC87-FA613AA66B3B}" type="slidenum">
+              <a:rPr lang="en-US" smtClean="0"/>
+              <a:pPr>
+                <a:defRPr/>
+              </a:pPr>
+              <a:t>41</a:t>
+            </a:fld>
+            <a:endParaRPr lang="en-US" dirty="0"/>
+          </a:p>
+        </p:txBody>
+      </p:sp>
+    </p:spTree>
+  </p:cSld>
+  <p:clrMapOvr>
+    <a:masterClrMapping/>
+  </p:clrMapOvr>
+</p:notes>
+</file>
+
+<file path=ppt/notesSlides/notesSlide42.xml><?xml version="1.0" encoding="utf-8"?>
+<p:notes xmlns:a="http://schemas.openxmlformats.org/drawingml/2006/main" xmlns:r="http://schemas.openxmlformats.org/officeDocument/2006/relationships" xmlns:p="http://schemas.openxmlformats.org/presentationml/2006/main">
+  <p:cSld>
+    <p:spTree>
+      <p:nvGrpSpPr>
+        <p:cNvPr id="1" name=""/>
+        <p:cNvGrpSpPr/>
+        <p:nvPr/>
+      </p:nvGrpSpPr>
+      <p:grpSpPr>
+        <a:xfrm>
+          <a:off x="0" y="0"/>
+          <a:ext cx="0" cy="0"/>
+          <a:chOff x="0" y="0"/>
+          <a:chExt cx="0" cy="0"/>
+        </a:xfrm>
+      </p:grpSpPr>
+      <p:sp>
+        <p:nvSpPr>
+          <p:cNvPr id="2" name="Slide Image Placeholder 1"/>
+          <p:cNvSpPr>
+            <a:spLocks noGrp="1" noRot="1" noChangeAspect="1"/>
+          </p:cNvSpPr>
+          <p:nvPr>
+            <p:ph type="sldImg"/>
+          </p:nvPr>
+        </p:nvSpPr>
+        <p:spPr/>
+      </p:sp>
+      <p:sp>
+        <p:nvSpPr>
+          <p:cNvPr id="3" name="Notes Placeholder 2"/>
+          <p:cNvSpPr>
+            <a:spLocks noGrp="1"/>
+          </p:cNvSpPr>
+          <p:nvPr>
+            <p:ph type="body" idx="1"/>
+          </p:nvPr>
+        </p:nvSpPr>
+        <p:spPr/>
+        <p:txBody>
+          <a:bodyPr>
+            <a:normAutofit/>
+          </a:bodyPr>
+          <a:lstStyle/>
+          <a:p>
+            <a:endParaRPr lang="en-US"/>
+          </a:p>
+        </p:txBody>
+      </p:sp>
+      <p:sp>
+        <p:nvSpPr>
+          <p:cNvPr id="4" name="Slide Number Placeholder 3"/>
+          <p:cNvSpPr>
+            <a:spLocks noGrp="1"/>
+          </p:cNvSpPr>
+          <p:nvPr>
+            <p:ph type="sldNum" sz="quarter" idx="10"/>
+          </p:nvPr>
+        </p:nvSpPr>
+        <p:spPr/>
+        <p:txBody>
+          <a:bodyPr/>
+          <a:lstStyle/>
+          <a:p>
+            <a:pPr>
+              <a:defRPr/>
+            </a:pPr>
+            <a:fld id="{8B2AE985-CEB1-47DB-AC87-FA613AA66B3B}" type="slidenum">
+              <a:rPr lang="en-US" smtClean="0"/>
+              <a:pPr>
+                <a:defRPr/>
+              </a:pPr>
+              <a:t>42</a:t>
+            </a:fld>
+            <a:endParaRPr lang="en-US" dirty="0"/>
+          </a:p>
+        </p:txBody>
+      </p:sp>
+    </p:spTree>
+  </p:cSld>
+  <p:clrMapOvr>
+    <a:masterClrMapping/>
+  </p:clrMapOvr>
+</p:notes>
+</file>
+
+<file path=ppt/notesSlides/notesSlide43.xml><?xml version="1.0" encoding="utf-8"?>
+<p:notes xmlns:a="http://schemas.openxmlformats.org/drawingml/2006/main" xmlns:r="http://schemas.openxmlformats.org/officeDocument/2006/relationships" xmlns:p="http://schemas.openxmlformats.org/presentationml/2006/main">
+  <p:cSld>
+    <p:spTree>
+      <p:nvGrpSpPr>
+        <p:cNvPr id="1" name=""/>
+        <p:cNvGrpSpPr/>
+        <p:nvPr/>
+      </p:nvGrpSpPr>
+      <p:grpSpPr>
+        <a:xfrm>
+          <a:off x="0" y="0"/>
+          <a:ext cx="0" cy="0"/>
+          <a:chOff x="0" y="0"/>
+          <a:chExt cx="0" cy="0"/>
+        </a:xfrm>
+      </p:grpSpPr>
+      <p:sp>
+        <p:nvSpPr>
+          <p:cNvPr id="2" name="Slide Image Placeholder 1"/>
+          <p:cNvSpPr>
+            <a:spLocks noGrp="1" noRot="1" noChangeAspect="1"/>
+          </p:cNvSpPr>
+          <p:nvPr>
+            <p:ph type="sldImg"/>
+          </p:nvPr>
+        </p:nvSpPr>
+        <p:spPr/>
+      </p:sp>
+      <p:sp>
+        <p:nvSpPr>
+          <p:cNvPr id="3" name="Notes Placeholder 2"/>
+          <p:cNvSpPr>
+            <a:spLocks noGrp="1"/>
+          </p:cNvSpPr>
+          <p:nvPr>
+            <p:ph type="body" idx="1"/>
+          </p:nvPr>
+        </p:nvSpPr>
+        <p:spPr/>
+        <p:txBody>
+          <a:bodyPr>
+            <a:normAutofit/>
+          </a:bodyPr>
+          <a:lstStyle/>
+          <a:p>
+            <a:endParaRPr lang="en-US"/>
+          </a:p>
+        </p:txBody>
+      </p:sp>
+      <p:sp>
+        <p:nvSpPr>
+          <p:cNvPr id="4" name="Slide Number Placeholder 3"/>
+          <p:cNvSpPr>
+            <a:spLocks noGrp="1"/>
+          </p:cNvSpPr>
+          <p:nvPr>
+            <p:ph type="sldNum" sz="quarter" idx="10"/>
+          </p:nvPr>
+        </p:nvSpPr>
+        <p:spPr/>
+        <p:txBody>
+          <a:bodyPr/>
+          <a:lstStyle/>
+          <a:p>
+            <a:pPr>
+              <a:defRPr/>
+            </a:pPr>
+            <a:fld id="{8B2AE985-CEB1-47DB-AC87-FA613AA66B3B}" type="slidenum">
+              <a:rPr lang="en-US" smtClean="0"/>
+              <a:pPr>
+                <a:defRPr/>
+              </a:pPr>
+              <a:t>43</a:t>
+            </a:fld>
+            <a:endParaRPr lang="en-US" dirty="0"/>
+          </a:p>
+        </p:txBody>
+      </p:sp>
+    </p:spTree>
+  </p:cSld>
+  <p:clrMapOvr>
+    <a:masterClrMapping/>
+  </p:clrMapOvr>
+</p:notes>
+</file>
+
+<file path=ppt/notesSlides/notesSlide44.xml><?xml version="1.0" encoding="utf-8"?>
+<p:notes xmlns:a="http://schemas.openxmlformats.org/drawingml/2006/main" xmlns:r="http://schemas.openxmlformats.org/officeDocument/2006/relationships" xmlns:p="http://schemas.openxmlformats.org/presentationml/2006/main">
+  <p:cSld>
+    <p:spTree>
+      <p:nvGrpSpPr>
+        <p:cNvPr id="1" name=""/>
+        <p:cNvGrpSpPr/>
+        <p:nvPr/>
+      </p:nvGrpSpPr>
+      <p:grpSpPr>
+        <a:xfrm>
+          <a:off x="0" y="0"/>
+          <a:ext cx="0" cy="0"/>
+          <a:chOff x="0" y="0"/>
+          <a:chExt cx="0" cy="0"/>
+        </a:xfrm>
+      </p:grpSpPr>
+      <p:sp>
+        <p:nvSpPr>
+          <p:cNvPr id="2" name="Slide Image Placeholder 1"/>
+          <p:cNvSpPr>
+            <a:spLocks noGrp="1" noRot="1" noChangeAspect="1"/>
+          </p:cNvSpPr>
+          <p:nvPr>
+            <p:ph type="sldImg"/>
+          </p:nvPr>
+        </p:nvSpPr>
+        <p:spPr/>
+      </p:sp>
+      <p:sp>
+        <p:nvSpPr>
+          <p:cNvPr id="3" name="Notes Placeholder 2"/>
+          <p:cNvSpPr>
+            <a:spLocks noGrp="1"/>
+          </p:cNvSpPr>
+          <p:nvPr>
+            <p:ph type="body" idx="1"/>
+          </p:nvPr>
+        </p:nvSpPr>
+        <p:spPr/>
+        <p:txBody>
+          <a:bodyPr>
+            <a:normAutofit/>
+          </a:bodyPr>
+          <a:lstStyle/>
+          <a:p>
+            <a:endParaRPr lang="en-US"/>
+          </a:p>
+        </p:txBody>
+      </p:sp>
+      <p:sp>
+        <p:nvSpPr>
+          <p:cNvPr id="4" name="Slide Number Placeholder 3"/>
+          <p:cNvSpPr>
+            <a:spLocks noGrp="1"/>
+          </p:cNvSpPr>
+          <p:nvPr>
+            <p:ph type="sldNum" sz="quarter" idx="10"/>
+          </p:nvPr>
+        </p:nvSpPr>
+        <p:spPr/>
+        <p:txBody>
+          <a:bodyPr/>
+          <a:lstStyle/>
+          <a:p>
+            <a:pPr>
+              <a:defRPr/>
+            </a:pPr>
+            <a:fld id="{8B2AE985-CEB1-47DB-AC87-FA613AA66B3B}" type="slidenum">
+              <a:rPr lang="en-US" smtClean="0"/>
+              <a:pPr>
+                <a:defRPr/>
+              </a:pPr>
+              <a:t>44</a:t>
+            </a:fld>
+            <a:endParaRPr lang="en-US" dirty="0"/>
+          </a:p>
+        </p:txBody>
+      </p:sp>
+    </p:spTree>
+  </p:cSld>
+  <p:clrMapOvr>
+    <a:masterClrMapping/>
+  </p:clrMapOvr>
+</p:notes>
+</file>
+
+<file path=ppt/notesSlides/notesSlide45.xml><?xml version="1.0" encoding="utf-8"?>
+<p:notes xmlns:a="http://schemas.openxmlformats.org/drawingml/2006/main" xmlns:r="http://schemas.openxmlformats.org/officeDocument/2006/relationships" xmlns:p="http://schemas.openxmlformats.org/presentationml/2006/main">
+  <p:cSld>
+    <p:spTree>
+      <p:nvGrpSpPr>
+        <p:cNvPr id="1" name=""/>
+        <p:cNvGrpSpPr/>
+        <p:nvPr/>
+      </p:nvGrpSpPr>
+      <p:grpSpPr>
+        <a:xfrm>
+          <a:off x="0" y="0"/>
+          <a:ext cx="0" cy="0"/>
+          <a:chOff x="0" y="0"/>
+          <a:chExt cx="0" cy="0"/>
+        </a:xfrm>
+      </p:grpSpPr>
+      <p:sp>
+        <p:nvSpPr>
+          <p:cNvPr id="2" name="Slide Image Placeholder 1"/>
+          <p:cNvSpPr>
+            <a:spLocks noGrp="1" noRot="1" noChangeAspect="1"/>
+          </p:cNvSpPr>
+          <p:nvPr>
+            <p:ph type="sldImg"/>
+          </p:nvPr>
+        </p:nvSpPr>
+        <p:spPr/>
+      </p:sp>
+      <p:sp>
+        <p:nvSpPr>
+          <p:cNvPr id="3" name="Notes Placeholder 2"/>
+          <p:cNvSpPr>
+            <a:spLocks noGrp="1"/>
+          </p:cNvSpPr>
+          <p:nvPr>
+            <p:ph type="body" idx="1"/>
+          </p:nvPr>
+        </p:nvSpPr>
+        <p:spPr/>
+        <p:txBody>
+          <a:bodyPr>
+            <a:normAutofit/>
+          </a:bodyPr>
+          <a:lstStyle/>
+          <a:p>
+            <a:endParaRPr lang="en-US"/>
+          </a:p>
+        </p:txBody>
+      </p:sp>
+      <p:sp>
+        <p:nvSpPr>
+          <p:cNvPr id="4" name="Slide Number Placeholder 3"/>
+          <p:cNvSpPr>
+            <a:spLocks noGrp="1"/>
+          </p:cNvSpPr>
+          <p:nvPr>
+            <p:ph type="sldNum" sz="quarter" idx="10"/>
+          </p:nvPr>
+        </p:nvSpPr>
+        <p:spPr/>
+        <p:txBody>
+          <a:bodyPr/>
+          <a:lstStyle/>
+          <a:p>
+            <a:pPr>
+              <a:defRPr/>
+            </a:pPr>
+            <a:fld id="{8B2AE985-CEB1-47DB-AC87-FA613AA66B3B}" type="slidenum">
+              <a:rPr lang="en-US" smtClean="0"/>
+              <a:pPr>
+                <a:defRPr/>
+              </a:pPr>
+              <a:t>45</a:t>
+            </a:fld>
+            <a:endParaRPr lang="en-US" dirty="0"/>
+          </a:p>
+        </p:txBody>
+      </p:sp>
+    </p:spTree>
+  </p:cSld>
+  <p:clrMapOvr>
+    <a:masterClrMapping/>
+  </p:clrMapOvr>
+</p:notes>
+</file>
+
+<file path=ppt/notesSlides/notesSlide46.xml><?xml version="1.0" encoding="utf-8"?>
+<p:notes xmlns:a="http://schemas.openxmlformats.org/drawingml/2006/main" xmlns:r="http://schemas.openxmlformats.org/officeDocument/2006/relationships" xmlns:p="http://schemas.openxmlformats.org/presentationml/2006/main">
+  <p:cSld>
+    <p:spTree>
+      <p:nvGrpSpPr>
+        <p:cNvPr id="1" name=""/>
+        <p:cNvGrpSpPr/>
+        <p:nvPr/>
+      </p:nvGrpSpPr>
+      <p:grpSpPr>
+        <a:xfrm>
+          <a:off x="0" y="0"/>
+          <a:ext cx="0" cy="0"/>
+          <a:chOff x="0" y="0"/>
+          <a:chExt cx="0" cy="0"/>
+        </a:xfrm>
+      </p:grpSpPr>
+      <p:sp>
+        <p:nvSpPr>
+          <p:cNvPr id="2" name="Slide Image Placeholder 1"/>
+          <p:cNvSpPr>
+            <a:spLocks noGrp="1" noRot="1" noChangeAspect="1"/>
+          </p:cNvSpPr>
+          <p:nvPr>
+            <p:ph type="sldImg"/>
+          </p:nvPr>
+        </p:nvSpPr>
+        <p:spPr/>
+      </p:sp>
+      <p:sp>
+        <p:nvSpPr>
+          <p:cNvPr id="3" name="Notes Placeholder 2"/>
+          <p:cNvSpPr>
+            <a:spLocks noGrp="1"/>
+          </p:cNvSpPr>
+          <p:nvPr>
+            <p:ph type="body" idx="1"/>
+          </p:nvPr>
+        </p:nvSpPr>
+        <p:spPr/>
+        <p:txBody>
+          <a:bodyPr>
+            <a:normAutofit/>
+          </a:bodyPr>
+          <a:lstStyle/>
+          <a:p>
+            <a:endParaRPr lang="en-US"/>
+          </a:p>
+        </p:txBody>
+      </p:sp>
+      <p:sp>
+        <p:nvSpPr>
+          <p:cNvPr id="4" name="Slide Number Placeholder 3"/>
+          <p:cNvSpPr>
+            <a:spLocks noGrp="1"/>
+          </p:cNvSpPr>
+          <p:nvPr>
+            <p:ph type="sldNum" sz="quarter" idx="10"/>
+          </p:nvPr>
+        </p:nvSpPr>
+        <p:spPr/>
+        <p:txBody>
+          <a:bodyPr/>
+          <a:lstStyle/>
+          <a:p>
+            <a:pPr>
+              <a:defRPr/>
+            </a:pPr>
+            <a:fld id="{8B2AE985-CEB1-47DB-AC87-FA613AA66B3B}" type="slidenum">
+              <a:rPr lang="en-US" smtClean="0"/>
+              <a:pPr>
+                <a:defRPr/>
+              </a:pPr>
+              <a:t>46</a:t>
+            </a:fld>
+            <a:endParaRPr lang="en-US" dirty="0"/>
+          </a:p>
+        </p:txBody>
+      </p:sp>
+    </p:spTree>
+  </p:cSld>
+  <p:clrMapOvr>
+    <a:masterClrMapping/>
+  </p:clrMapOvr>
+</p:notes>
+</file>
+
+<file path=ppt/notesSlides/notesSlide47.xml><?xml version="1.0" encoding="utf-8"?>
+<p:notes xmlns:a="http://schemas.openxmlformats.org/drawingml/2006/main" xmlns:r="http://schemas.openxmlformats.org/officeDocument/2006/relationships" xmlns:p="http://schemas.openxmlformats.org/presentationml/2006/main">
+  <p:cSld>
+    <p:spTree>
+      <p:nvGrpSpPr>
+        <p:cNvPr id="1" name=""/>
+        <p:cNvGrpSpPr/>
+        <p:nvPr/>
+      </p:nvGrpSpPr>
+      <p:grpSpPr>
+        <a:xfrm>
+          <a:off x="0" y="0"/>
+          <a:ext cx="0" cy="0"/>
+          <a:chOff x="0" y="0"/>
+          <a:chExt cx="0" cy="0"/>
+        </a:xfrm>
+      </p:grpSpPr>
+      <p:sp>
+        <p:nvSpPr>
+          <p:cNvPr id="2" name="Slide Image Placeholder 1"/>
+          <p:cNvSpPr>
+            <a:spLocks noGrp="1" noRot="1" noChangeAspect="1"/>
+          </p:cNvSpPr>
+          <p:nvPr>
+            <p:ph type="sldImg"/>
+          </p:nvPr>
+        </p:nvSpPr>
+        <p:spPr/>
+      </p:sp>
+      <p:sp>
+        <p:nvSpPr>
+          <p:cNvPr id="3" name="Notes Placeholder 2"/>
+          <p:cNvSpPr>
+            <a:spLocks noGrp="1"/>
+          </p:cNvSpPr>
+          <p:nvPr>
+            <p:ph type="body" idx="1"/>
+          </p:nvPr>
+        </p:nvSpPr>
+        <p:spPr/>
+        <p:txBody>
+          <a:bodyPr>
+            <a:normAutofit/>
+          </a:bodyPr>
+          <a:lstStyle/>
+          <a:p>
+            <a:endParaRPr lang="en-US"/>
+          </a:p>
+        </p:txBody>
+      </p:sp>
+      <p:sp>
+        <p:nvSpPr>
+          <p:cNvPr id="4" name="Slide Number Placeholder 3"/>
+          <p:cNvSpPr>
+            <a:spLocks noGrp="1"/>
+          </p:cNvSpPr>
+          <p:nvPr>
+            <p:ph type="sldNum" sz="quarter" idx="10"/>
+          </p:nvPr>
+        </p:nvSpPr>
+        <p:spPr/>
+        <p:txBody>
+          <a:bodyPr/>
+          <a:lstStyle/>
+          <a:p>
+            <a:pPr>
+              <a:defRPr/>
+            </a:pPr>
+            <a:fld id="{8B2AE985-CEB1-47DB-AC87-FA613AA66B3B}" type="slidenum">
+              <a:rPr lang="en-US" smtClean="0"/>
+              <a:pPr>
+                <a:defRPr/>
+              </a:pPr>
+              <a:t>47</a:t>
+            </a:fld>
+            <a:endParaRPr lang="en-US" dirty="0"/>
+          </a:p>
+        </p:txBody>
+      </p:sp>
+    </p:spTree>
+  </p:cSld>
+  <p:clrMapOvr>
+    <a:masterClrMapping/>
+  </p:clrMapOvr>
+</p:notes>
+</file>
+
+<file path=ppt/notesSlides/notesSlide48.xml><?xml version="1.0" encoding="utf-8"?>
+<p:notes xmlns:a="http://schemas.openxmlformats.org/drawingml/2006/main" xmlns:r="http://schemas.openxmlformats.org/officeDocument/2006/relationships" xmlns:p="http://schemas.openxmlformats.org/presentationml/2006/main">
+  <p:cSld>
+    <p:spTree>
+      <p:nvGrpSpPr>
+        <p:cNvPr id="1" name=""/>
+        <p:cNvGrpSpPr/>
+        <p:nvPr/>
+      </p:nvGrpSpPr>
+      <p:grpSpPr>
+        <a:xfrm>
+          <a:off x="0" y="0"/>
+          <a:ext cx="0" cy="0"/>
+          <a:chOff x="0" y="0"/>
+          <a:chExt cx="0" cy="0"/>
+        </a:xfrm>
+      </p:grpSpPr>
+      <p:sp>
+        <p:nvSpPr>
+          <p:cNvPr id="2" name="Slide Image Placeholder 1"/>
+          <p:cNvSpPr>
+            <a:spLocks noGrp="1" noRot="1" noChangeAspect="1"/>
+          </p:cNvSpPr>
+          <p:nvPr>
+            <p:ph type="sldImg"/>
+          </p:nvPr>
+        </p:nvSpPr>
+        <p:spPr/>
+      </p:sp>
+      <p:sp>
+        <p:nvSpPr>
+          <p:cNvPr id="3" name="Notes Placeholder 2"/>
+          <p:cNvSpPr>
+            <a:spLocks noGrp="1"/>
+          </p:cNvSpPr>
+          <p:nvPr>
+            <p:ph type="body" idx="1"/>
+          </p:nvPr>
+        </p:nvSpPr>
+        <p:spPr/>
+        <p:txBody>
+          <a:bodyPr>
+            <a:normAutofit/>
+          </a:bodyPr>
+          <a:lstStyle/>
+          <a:p>
+            <a:endParaRPr lang="en-US"/>
+          </a:p>
+        </p:txBody>
+      </p:sp>
+      <p:sp>
+        <p:nvSpPr>
+          <p:cNvPr id="4" name="Slide Number Placeholder 3"/>
+          <p:cNvSpPr>
+            <a:spLocks noGrp="1"/>
+          </p:cNvSpPr>
+          <p:nvPr>
+            <p:ph type="sldNum" sz="quarter" idx="10"/>
+          </p:nvPr>
+        </p:nvSpPr>
+        <p:spPr/>
+        <p:txBody>
+          <a:bodyPr/>
+          <a:lstStyle/>
+          <a:p>
+            <a:pPr>
+              <a:defRPr/>
+            </a:pPr>
+            <a:fld id="{8B2AE985-CEB1-47DB-AC87-FA613AA66B3B}" type="slidenum">
+              <a:rPr lang="en-US" smtClean="0"/>
+              <a:pPr>
+                <a:defRPr/>
+              </a:pPr>
+              <a:t>48</a:t>
+            </a:fld>
+            <a:endParaRPr lang="en-US" dirty="0"/>
+          </a:p>
+        </p:txBody>
+      </p:sp>
+    </p:spTree>
+  </p:cSld>
+  <p:clrMapOvr>
+    <a:masterClrMapping/>
+  </p:clrMapOvr>
+</p:notes>
+</file>
+
+<file path=ppt/notesSlides/notesSlide49.xml><?xml version="1.0" encoding="utf-8"?>
+<p:notes xmlns:a="http://schemas.openxmlformats.org/drawingml/2006/main" xmlns:r="http://schemas.openxmlformats.org/officeDocument/2006/relationships" xmlns:p="http://schemas.openxmlformats.org/presentationml/2006/main">
+  <p:cSld>
+    <p:spTree>
+      <p:nvGrpSpPr>
+        <p:cNvPr id="1" name=""/>
+        <p:cNvGrpSpPr/>
+        <p:nvPr/>
+      </p:nvGrpSpPr>
+      <p:grpSpPr>
+        <a:xfrm>
+          <a:off x="0" y="0"/>
+          <a:ext cx="0" cy="0"/>
+          <a:chOff x="0" y="0"/>
+          <a:chExt cx="0" cy="0"/>
+        </a:xfrm>
+      </p:grpSpPr>
+      <p:sp>
+        <p:nvSpPr>
+          <p:cNvPr id="2" name="Slide Image Placeholder 1"/>
+          <p:cNvSpPr>
+            <a:spLocks noGrp="1" noRot="1" noChangeAspect="1"/>
+          </p:cNvSpPr>
+          <p:nvPr>
+            <p:ph type="sldImg"/>
+          </p:nvPr>
+        </p:nvSpPr>
+        <p:spPr/>
+      </p:sp>
+      <p:sp>
+        <p:nvSpPr>
+          <p:cNvPr id="3" name="Notes Placeholder 2"/>
+          <p:cNvSpPr>
+            <a:spLocks noGrp="1"/>
+          </p:cNvSpPr>
+          <p:nvPr>
+            <p:ph type="body" idx="1"/>
+          </p:nvPr>
+        </p:nvSpPr>
+        <p:spPr/>
+        <p:txBody>
+          <a:bodyPr>
+            <a:normAutofit/>
+          </a:bodyPr>
+          <a:lstStyle/>
+          <a:p>
+            <a:endParaRPr lang="en-US"/>
+          </a:p>
+        </p:txBody>
+      </p:sp>
+      <p:sp>
+        <p:nvSpPr>
+          <p:cNvPr id="4" name="Slide Number Placeholder 3"/>
+          <p:cNvSpPr>
+            <a:spLocks noGrp="1"/>
+          </p:cNvSpPr>
+          <p:nvPr>
+            <p:ph type="sldNum" sz="quarter" idx="10"/>
+          </p:nvPr>
+        </p:nvSpPr>
+        <p:spPr/>
+        <p:txBody>
+          <a:bodyPr/>
+          <a:lstStyle/>
+          <a:p>
+            <a:pPr>
+              <a:defRPr/>
+            </a:pPr>
+            <a:fld id="{8B2AE985-CEB1-47DB-AC87-FA613AA66B3B}" type="slidenum">
+              <a:rPr lang="en-US" smtClean="0"/>
+              <a:pPr>
+                <a:defRPr/>
+              </a:pPr>
+              <a:t>49</a:t>
+            </a:fld>
+            <a:endParaRPr lang="en-US" dirty="0"/>
+          </a:p>
+        </p:txBody>
+      </p:sp>
+    </p:spTree>
+  </p:cSld>
+  <p:clrMapOvr>
+    <a:masterClrMapping/>
+  </p:clrMapOvr>
+</p:notes>
+</file>
+
+<file path=ppt/notesSlides/notesSlide5.xml><?xml version="1.0" encoding="utf-8"?>
 <p:notes xmlns:a="http://schemas.openxmlformats.org/drawingml/2006/main" xmlns:r="http://schemas.openxmlformats.org/officeDocument/2006/relationships" xmlns:p="http://schemas.openxmlformats.org/presentationml/2006/main">
   <p:cSld>
     <p:spTree>
@@ -1003,7 +4699,7 @@
 </p:notes>
 </file>
 
-<file path=ppt/notesSlides/notesSlide4.xml><?xml version="1.0" encoding="utf-8"?>
+<file path=ppt/notesSlides/notesSlide6.xml><?xml version="1.0" encoding="utf-8"?>
 <p:notes xmlns:a="http://schemas.openxmlformats.org/drawingml/2006/main" xmlns:r="http://schemas.openxmlformats.org/officeDocument/2006/relationships" xmlns:p="http://schemas.openxmlformats.org/presentationml/2006/main">
   <p:cSld>
     <p:spTree>
@@ -1136,7 +4832,7 @@
 </p:notes>
 </file>
 
-<file path=ppt/notesSlides/notesSlide5.xml><?xml version="1.0" encoding="utf-8"?>
+<file path=ppt/notesSlides/notesSlide7.xml><?xml version="1.0" encoding="utf-8"?>
 <p:notes xmlns:a="http://schemas.openxmlformats.org/drawingml/2006/main" xmlns:r="http://schemas.openxmlformats.org/officeDocument/2006/relationships" xmlns:p="http://schemas.openxmlformats.org/presentationml/2006/main">
   <p:cSld>
     <p:spTree>
@@ -1238,7 +4934,7 @@
 </p:notes>
 </file>
 
-<file path=ppt/notesSlides/notesSlide6.xml><?xml version="1.0" encoding="utf-8"?>
+<file path=ppt/notesSlides/notesSlide8.xml><?xml version="1.0" encoding="utf-8"?>
 <p:notes xmlns:a="http://schemas.openxmlformats.org/drawingml/2006/main" xmlns:r="http://schemas.openxmlformats.org/officeDocument/2006/relationships" xmlns:p="http://schemas.openxmlformats.org/presentationml/2006/main">
   <p:cSld>
     <p:spTree>
@@ -1340,7 +5036,7 @@
 </p:notes>
 </file>
 
-<file path=ppt/notesSlides/notesSlide7.xml><?xml version="1.0" encoding="utf-8"?>
+<file path=ppt/notesSlides/notesSlide9.xml><?xml version="1.0" encoding="utf-8"?>
 <p:notes xmlns:a="http://schemas.openxmlformats.org/drawingml/2006/main" xmlns:r="http://schemas.openxmlformats.org/officeDocument/2006/relationships" xmlns:p="http://schemas.openxmlformats.org/presentationml/2006/main">
   <p:cSld>
     <p:spTree>
@@ -1431,135 +5127,6 @@
               <a:t>9</a:t>
             </a:fld>
             <a:endParaRPr lang="en-US" dirty="0" smtClean="0"/>
-          </a:p>
-        </p:txBody>
-      </p:sp>
-    </p:spTree>
-  </p:cSld>
-  <p:clrMapOvr>
-    <a:masterClrMapping/>
-  </p:clrMapOvr>
-</p:notes>
-</file>
-
-<file path=ppt/notesSlides/notesSlide8.xml><?xml version="1.0" encoding="utf-8"?>
-<p:notes xmlns:a="http://schemas.openxmlformats.org/drawingml/2006/main" xmlns:r="http://schemas.openxmlformats.org/officeDocument/2006/relationships" xmlns:p="http://schemas.openxmlformats.org/presentationml/2006/main">
-  <p:cSld>
-    <p:spTree>
-      <p:nvGrpSpPr>
-        <p:cNvPr id="1" name=""/>
-        <p:cNvGrpSpPr/>
-        <p:nvPr/>
-      </p:nvGrpSpPr>
-      <p:grpSpPr>
-        <a:xfrm>
-          <a:off x="0" y="0"/>
-          <a:ext cx="0" cy="0"/>
-          <a:chOff x="0" y="0"/>
-          <a:chExt cx="0" cy="0"/>
-        </a:xfrm>
-      </p:grpSpPr>
-      <p:sp>
-        <p:nvSpPr>
-          <p:cNvPr id="55298" name="Rectangle 7"/>
-          <p:cNvSpPr>
-            <a:spLocks noGrp="1" noChangeArrowheads="1"/>
-          </p:cNvSpPr>
-          <p:nvPr>
-            <p:ph type="sldNum" sz="quarter" idx="5"/>
-          </p:nvPr>
-        </p:nvSpPr>
-        <p:spPr bwMode="auto">
-          <a:noFill/>
-          <a:ln>
-            <a:miter lim="800000"/>
-            <a:headEnd/>
-            <a:tailEnd/>
-          </a:ln>
-        </p:spPr>
-        <p:txBody>
-          <a:bodyPr wrap="square" numCol="1" anchorCtr="0" compatLnSpc="1">
-            <a:prstTxWarp prst="textNoShape">
-              <a:avLst/>
-            </a:prstTxWarp>
-          </a:bodyPr>
-          <a:lstStyle/>
-          <a:p>
-            <a:pPr fontAlgn="base">
-              <a:spcBef>
-                <a:spcPct val="0"/>
-              </a:spcBef>
-              <a:spcAft>
-                <a:spcPct val="0"/>
-              </a:spcAft>
-            </a:pPr>
-            <a:fld id="{7185C480-A9AC-4091-9762-70B9D1AADA10}" type="slidenum">
-              <a:rPr lang="en-US" smtClean="0">
-                <a:latin typeface="Arial" charset="0"/>
-              </a:rPr>
-              <a:pPr fontAlgn="base">
-                <a:spcBef>
-                  <a:spcPct val="0"/>
-                </a:spcBef>
-                <a:spcAft>
-                  <a:spcPct val="0"/>
-                </a:spcAft>
-              </a:pPr>
-              <a:t>11</a:t>
-            </a:fld>
-            <a:endParaRPr lang="en-US" dirty="0" smtClean="0">
-              <a:latin typeface="Arial" charset="0"/>
-            </a:endParaRPr>
-          </a:p>
-        </p:txBody>
-      </p:sp>
-      <p:sp>
-        <p:nvSpPr>
-          <p:cNvPr id="55299" name="Rectangle 2"/>
-          <p:cNvSpPr>
-            <a:spLocks noGrp="1" noRot="1" noChangeAspect="1" noChangeArrowheads="1" noTextEdit="1"/>
-          </p:cNvSpPr>
-          <p:nvPr>
-            <p:ph type="sldImg"/>
-          </p:nvPr>
-        </p:nvSpPr>
-        <p:spPr bwMode="auto">
-          <a:noFill/>
-          <a:ln>
-            <a:solidFill>
-              <a:srgbClr val="000000"/>
-            </a:solidFill>
-            <a:miter lim="800000"/>
-            <a:headEnd/>
-            <a:tailEnd/>
-          </a:ln>
-        </p:spPr>
-      </p:sp>
-      <p:sp>
-        <p:nvSpPr>
-          <p:cNvPr id="55300" name="Rectangle 3"/>
-          <p:cNvSpPr>
-            <a:spLocks noGrp="1" noChangeArrowheads="1"/>
-          </p:cNvSpPr>
-          <p:nvPr>
-            <p:ph type="body" idx="1"/>
-          </p:nvPr>
-        </p:nvSpPr>
-        <p:spPr bwMode="auto">
-          <a:noFill/>
-        </p:spPr>
-        <p:txBody>
-          <a:bodyPr wrap="square" numCol="1" anchor="t" anchorCtr="0" compatLnSpc="1">
-            <a:prstTxWarp prst="textNoShape">
-              <a:avLst/>
-            </a:prstTxWarp>
-          </a:bodyPr>
-          <a:lstStyle/>
-          <a:p>
-            <a:pPr eaLnBrk="1" hangingPunct="1"/>
-            <a:endParaRPr lang="en-US" dirty="0" smtClean="0">
-              <a:latin typeface="Arial" charset="0"/>
-            </a:endParaRPr>
           </a:p>
         </p:txBody>
       </p:sp>
@@ -2879,7 +6446,7 @@
         </p:xfrm>
         <a:graphic>
           <a:graphicData uri="http://schemas.openxmlformats.org/presentationml/2006/ole">
-            <p:oleObj spid="_x0000_s3074" name="Visio" r:id="rId5" imgW="6287074" imgH="6712626" progId="Visio.Drawing.11">
+            <p:oleObj spid="_x0000_s3074" name="Visio" r:id="rId5" imgW="6287074" imgH="6712626" progId="">
               <p:embed/>
             </p:oleObj>
           </a:graphicData>
@@ -2934,7 +6501,7 @@
         </p:xfrm>
         <a:graphic>
           <a:graphicData uri="http://schemas.openxmlformats.org/presentationml/2006/ole">
-            <p:oleObj spid="_x0000_s76801" name="Visio" r:id="rId3" imgW="6287074" imgH="6712626" progId="Visio.Drawing.11">
+            <p:oleObj spid="_x0000_s76801" name="Visio" r:id="rId4" imgW="6287074" imgH="6712626" progId="">
               <p:embed/>
             </p:oleObj>
           </a:graphicData>
@@ -7219,7 +10786,7 @@
           <p:nvPr/>
         </p:nvPicPr>
         <p:blipFill>
-          <a:blip r:embed="rId2" cstate="print"/>
+          <a:blip r:embed="rId3" cstate="print"/>
           <a:srcRect/>
           <a:stretch>
             <a:fillRect/>
@@ -16480,7 +20047,7 @@
         </p:xfrm>
         <a:graphic>
           <a:graphicData uri="http://schemas.openxmlformats.org/presentationml/2006/ole">
-            <p:oleObj spid="_x0000_s4098" name="Visio" r:id="rId3" imgW="5521247" imgH="2273570" progId="Visio.Drawing.11">
+            <p:oleObj spid="_x0000_s4098" name="Visio" r:id="rId4" imgW="5521247" imgH="2273570" progId="">
               <p:embed/>
             </p:oleObj>
           </a:graphicData>
@@ -17178,7 +20745,7 @@
         </p:xfrm>
         <a:graphic>
           <a:graphicData uri="http://schemas.openxmlformats.org/presentationml/2006/ole">
-            <p:oleObj spid="_x0000_s5123" name="Visio" r:id="rId3" imgW="5521247" imgH="2273570" progId="Visio.Drawing.11">
+            <p:oleObj spid="_x0000_s136194" name="Visio" r:id="rId4" imgW="5521264" imgH="2273528" progId="">
               <p:embed/>
             </p:oleObj>
           </a:graphicData>
@@ -17874,7 +21441,7 @@
         </p:xfrm>
         <a:graphic>
           <a:graphicData uri="http://schemas.openxmlformats.org/presentationml/2006/ole">
-            <p:oleObj spid="_x0000_s6147" name="Visio" r:id="rId3" imgW="5521247" imgH="2273570" progId="Visio.Drawing.11">
+            <p:oleObj spid="_x0000_s6147" name="Visio" r:id="rId4" imgW="5521247" imgH="2273570" progId="">
               <p:embed/>
             </p:oleObj>
           </a:graphicData>
@@ -18677,7 +22244,7 @@
         </p:xfrm>
         <a:graphic>
           <a:graphicData uri="http://schemas.openxmlformats.org/presentationml/2006/ole">
-            <p:oleObj spid="_x0000_s7170" name="Visio" r:id="rId3" imgW="5521196" imgH="2273588" progId="Visio.Drawing.11">
+            <p:oleObj spid="_x0000_s7170" name="Visio" r:id="rId4" imgW="5521196" imgH="2273588" progId="">
               <p:embed/>
             </p:oleObj>
           </a:graphicData>
@@ -44293,7 +47860,7 @@
         </p:xfrm>
         <a:graphic>
           <a:graphicData uri="http://schemas.openxmlformats.org/presentationml/2006/ole">
-            <p:oleObj spid="_x0000_s8194" name="Visio" r:id="rId3" imgW="5521247" imgH="2273570" progId="Visio.Drawing.11">
+            <p:oleObj spid="_x0000_s8194" name="Visio" r:id="rId4" imgW="5521247" imgH="2273570" progId="">
               <p:embed/>
             </p:oleObj>
           </a:graphicData>
@@ -45091,7 +48658,7 @@
             </a:pPr>
             <a:r>
               <a:rPr lang="en-US" sz="1400" dirty="0" smtClean="0">
-                <a:hlinkClick r:id="rId2" action="ppaction://hlinkfile"/>
+                <a:hlinkClick r:id="rId3" action="ppaction://hlinkfile"/>
               </a:rPr>
               <a:t>hyplnkRet_e</a:t>
             </a:r>
@@ -45101,7 +48668,7 @@
             </a:r>
             <a:r>
               <a:rPr lang="en-US" sz="1400" dirty="0" smtClean="0">
-                <a:hlinkClick r:id="rId3" action="ppaction://hlinkfile"/>
+                <a:hlinkClick r:id="rId4" action="ppaction://hlinkfile"/>
               </a:rPr>
               <a:t>Hyplnk_open</a:t>
             </a:r>
@@ -45111,7 +48678,7 @@
             </a:r>
             <a:r>
               <a:rPr lang="en-US" sz="1400" dirty="0" smtClean="0">
-                <a:hlinkClick r:id="rId4" action="ppaction://hlinkfile"/>
+                <a:hlinkClick r:id="rId5" action="ppaction://hlinkfile"/>
               </a:rPr>
               <a:t>Hyplnk_Handle</a:t>
             </a:r>
@@ -45144,7 +48711,7 @@
             </a:pPr>
             <a:r>
               <a:rPr lang="en-US" sz="1400" dirty="0" smtClean="0">
-                <a:hlinkClick r:id="rId2" action="ppaction://hlinkfile"/>
+                <a:hlinkClick r:id="rId3" action="ppaction://hlinkfile"/>
               </a:rPr>
               <a:t>hyplnkRet_e</a:t>
             </a:r>
@@ -45154,7 +48721,7 @@
             </a:r>
             <a:r>
               <a:rPr lang="en-US" sz="1400" dirty="0" smtClean="0">
-                <a:hlinkClick r:id="rId3" action="ppaction://hlinkfile"/>
+                <a:hlinkClick r:id="rId4" action="ppaction://hlinkfile"/>
               </a:rPr>
               <a:t>Hyplnk_close</a:t>
             </a:r>
@@ -45164,7 +48731,7 @@
             </a:r>
             <a:r>
               <a:rPr lang="en-US" sz="1400" dirty="0" smtClean="0">
-                <a:hlinkClick r:id="rId4" action="ppaction://hlinkfile"/>
+                <a:hlinkClick r:id="rId5" action="ppaction://hlinkfile"/>
               </a:rPr>
               <a:t>Hyplnk_Handle</a:t>
             </a:r>
@@ -45197,7 +48764,7 @@
             </a:pPr>
             <a:r>
               <a:rPr lang="en-US" sz="1400" dirty="0" smtClean="0">
-                <a:hlinkClick r:id="rId2" action="ppaction://hlinkfile"/>
+                <a:hlinkClick r:id="rId3" action="ppaction://hlinkfile"/>
               </a:rPr>
               <a:t>hyplnkRet_e</a:t>
             </a:r>
@@ -45207,7 +48774,7 @@
             </a:r>
             <a:r>
               <a:rPr lang="en-US" sz="1400" dirty="0" smtClean="0">
-                <a:hlinkClick r:id="rId3" action="ppaction://hlinkfile"/>
+                <a:hlinkClick r:id="rId4" action="ppaction://hlinkfile"/>
               </a:rPr>
               <a:t>Hyplnk_readRegs</a:t>
             </a:r>
@@ -45217,7 +48784,7 @@
             </a:r>
             <a:r>
               <a:rPr lang="en-US" sz="1400" dirty="0" smtClean="0">
-                <a:hlinkClick r:id="rId4" action="ppaction://hlinkfile"/>
+                <a:hlinkClick r:id="rId5" action="ppaction://hlinkfile"/>
               </a:rPr>
               <a:t>Hyplnk_Handle</a:t>
             </a:r>
@@ -45227,7 +48794,7 @@
             </a:r>
             <a:r>
               <a:rPr lang="en-US" sz="1400" dirty="0" smtClean="0">
-                <a:hlinkClick r:id="rId5" action="ppaction://hlinkfile"/>
+                <a:hlinkClick r:id="rId6" action="ppaction://hlinkfile"/>
               </a:rPr>
               <a:t>hyplnkLocation_e</a:t>
             </a:r>
@@ -45237,7 +48804,7 @@
             </a:r>
             <a:r>
               <a:rPr lang="en-US" sz="1400" dirty="0" smtClean="0">
-                <a:hlinkClick r:id="rId6" action="ppaction://hlinkfile"/>
+                <a:hlinkClick r:id="rId7" action="ppaction://hlinkfile"/>
               </a:rPr>
               <a:t>hyplnkRegisters_t</a:t>
             </a:r>
@@ -45262,7 +48829,7 @@
               <a:defRPr/>
             </a:pPr>
             <a:endParaRPr lang="en-US" sz="1400" dirty="0" smtClean="0">
-              <a:hlinkClick r:id="rId2" action="ppaction://hlinkfile"/>
+              <a:hlinkClick r:id="rId3" action="ppaction://hlinkfile"/>
             </a:endParaRPr>
           </a:p>
           <a:p>
@@ -45272,7 +48839,7 @@
             </a:pPr>
             <a:r>
               <a:rPr lang="en-US" sz="1400" dirty="0" smtClean="0">
-                <a:hlinkClick r:id="rId2" action="ppaction://hlinkfile"/>
+                <a:hlinkClick r:id="rId3" action="ppaction://hlinkfile"/>
               </a:rPr>
               <a:t>hyplnkRet_e</a:t>
             </a:r>
@@ -45282,7 +48849,7 @@
             </a:r>
             <a:r>
               <a:rPr lang="en-US" sz="1400" dirty="0" smtClean="0">
-                <a:hlinkClick r:id="rId3" action="ppaction://hlinkfile"/>
+                <a:hlinkClick r:id="rId4" action="ppaction://hlinkfile"/>
               </a:rPr>
               <a:t>Hyplnk_writeRegs</a:t>
             </a:r>
@@ -45292,7 +48859,7 @@
             </a:r>
             <a:r>
               <a:rPr lang="en-US" sz="1400" dirty="0" smtClean="0">
-                <a:hlinkClick r:id="rId4" action="ppaction://hlinkfile"/>
+                <a:hlinkClick r:id="rId5" action="ppaction://hlinkfile"/>
               </a:rPr>
               <a:t>Hyplnk_Handle</a:t>
             </a:r>
@@ -45302,7 +48869,7 @@
             </a:r>
             <a:r>
               <a:rPr lang="en-US" sz="1400" dirty="0" smtClean="0">
-                <a:hlinkClick r:id="rId5" action="ppaction://hlinkfile"/>
+                <a:hlinkClick r:id="rId6" action="ppaction://hlinkfile"/>
               </a:rPr>
               <a:t>hyplnkLocation_e</a:t>
             </a:r>
@@ -45312,7 +48879,7 @@
             </a:r>
             <a:r>
               <a:rPr lang="en-US" sz="1400" dirty="0" smtClean="0">
-                <a:hlinkClick r:id="rId6" action="ppaction://hlinkfile"/>
+                <a:hlinkClick r:id="rId7" action="ppaction://hlinkfile"/>
               </a:rPr>
               <a:t>hyplnkRegisters_t</a:t>
             </a:r>
@@ -45337,7 +48904,7 @@
               <a:defRPr/>
             </a:pPr>
             <a:endParaRPr lang="en-US" sz="1400" dirty="0" smtClean="0">
-              <a:hlinkClick r:id="rId2" action="ppaction://hlinkfile"/>
+              <a:hlinkClick r:id="rId3" action="ppaction://hlinkfile"/>
             </a:endParaRPr>
           </a:p>
           <a:p>
@@ -45347,7 +48914,7 @@
             </a:pPr>
             <a:r>
               <a:rPr lang="en-US" sz="1400" dirty="0" smtClean="0">
-                <a:hlinkClick r:id="rId2" action="ppaction://hlinkfile"/>
+                <a:hlinkClick r:id="rId3" action="ppaction://hlinkfile"/>
               </a:rPr>
               <a:t>hyplnkRet_e</a:t>
             </a:r>
@@ -45357,7 +48924,7 @@
             </a:r>
             <a:r>
               <a:rPr lang="en-US" sz="1400" dirty="0" smtClean="0">
-                <a:hlinkClick r:id="rId3" action="ppaction://hlinkfile"/>
+                <a:hlinkClick r:id="rId4" action="ppaction://hlinkfile"/>
               </a:rPr>
               <a:t>Hyplnk_getWindow</a:t>
             </a:r>
@@ -45367,7 +48934,7 @@
             </a:r>
             <a:r>
               <a:rPr lang="en-US" sz="1400" dirty="0" smtClean="0">
-                <a:hlinkClick r:id="rId4" action="ppaction://hlinkfile"/>
+                <a:hlinkClick r:id="rId5" action="ppaction://hlinkfile"/>
               </a:rPr>
               <a:t>Hyplnk_Handle</a:t>
             </a:r>
@@ -45404,7 +48971,7 @@
             </a:r>
             <a:r>
               <a:rPr lang="en-US" sz="1400" dirty="0" smtClean="0">
-                <a:hlinkClick r:id="rId3" action="ppaction://hlinkfile"/>
+                <a:hlinkClick r:id="rId4" action="ppaction://hlinkfile"/>
               </a:rPr>
               <a:t>Hyplnk_getVersion</a:t>
             </a:r>
@@ -45441,7 +49008,7 @@
             </a:r>
             <a:r>
               <a:rPr lang="en-US" sz="1400" dirty="0" smtClean="0">
-                <a:hlinkClick r:id="rId3" action="ppaction://hlinkfile"/>
+                <a:hlinkClick r:id="rId4" action="ppaction://hlinkfile"/>
               </a:rPr>
               <a:t>Hyplnk_getVersionStr</a:t>
             </a:r>
@@ -46671,7 +50238,7 @@
             </a:br>
             <a:r>
               <a:rPr lang="en-US" dirty="0" smtClean="0">
-                <a:hlinkClick r:id="rId2"/>
+                <a:hlinkClick r:id="rId3"/>
               </a:rPr>
               <a:t>http://www.ti.com/lit/SPRUGW8</a:t>
             </a:r>
@@ -46687,7 +50254,7 @@
             </a:br>
             <a:r>
               <a:rPr lang="en-US" dirty="0" smtClean="0">
-                <a:hlinkClick r:id="rId3"/>
+                <a:hlinkClick r:id="rId4"/>
               </a:rPr>
               <a:t>TI E2E Community</a:t>
             </a:r>
@@ -46772,7 +50339,7 @@
         </p:xfrm>
         <a:graphic>
           <a:graphicData uri="http://schemas.openxmlformats.org/presentationml/2006/ole">
-            <p:oleObj spid="_x0000_s1026" name="Visio" r:id="rId5" imgW="4661282" imgH="5207504" progId="Visio.Drawing.11">
+            <p:oleObj spid="_x0000_s1026" name="Visio" r:id="rId5" imgW="4661282" imgH="5207504" progId="">
               <p:embed/>
             </p:oleObj>
           </a:graphicData>
@@ -48152,7 +51719,7 @@
         </p:xfrm>
         <a:graphic>
           <a:graphicData uri="http://schemas.openxmlformats.org/presentationml/2006/ole">
-            <p:oleObj spid="_x0000_s2050" name="Visio" r:id="rId5" imgW="5254626" imgH="1834745" progId="Visio.Drawing.11">
+            <p:oleObj spid="_x0000_s2050" name="Visio" r:id="rId5" imgW="5254626" imgH="1834745" progId="">
               <p:embed/>
             </p:oleObj>
           </a:graphicData>
@@ -48444,7 +52011,7 @@
         </p:xfrm>
         <a:graphic>
           <a:graphicData uri="http://schemas.openxmlformats.org/presentationml/2006/ole">
-            <p:oleObj spid="_x0000_s50179" name="Visio" r:id="rId5" imgW="5254626" imgH="1834745" progId="Visio.Drawing.11">
+            <p:oleObj spid="_x0000_s50179" name="Visio" r:id="rId5" imgW="5254626" imgH="1834745" progId="">
               <p:embed/>
             </p:oleObj>
           </a:graphicData>

--- a/slides/Intro to Hyperlink.pptx
+++ b/slides/Intro to Hyperlink.pptx
@@ -298,7 +298,7 @@
               <a:pPr>
                 <a:defRPr/>
               </a:pPr>
-              <a:t>3/21/2012</a:t>
+              <a:t>4/9/2012</a:t>
             </a:fld>
             <a:endParaRPr lang="en-US" dirty="0"/>
           </a:p>
@@ -6446,7 +6446,7 @@
         </p:xfrm>
         <a:graphic>
           <a:graphicData uri="http://schemas.openxmlformats.org/presentationml/2006/ole">
-            <p:oleObj spid="_x0000_s3074" name="Visio" r:id="rId5" imgW="6287074" imgH="6712626" progId="">
+            <p:oleObj spid="_x0000_s3074" name="Visio" r:id="rId5" imgW="6287074" imgH="6712626" progId="Visio.Drawing.11">
               <p:embed/>
             </p:oleObj>
           </a:graphicData>
@@ -6501,7 +6501,7 @@
         </p:xfrm>
         <a:graphic>
           <a:graphicData uri="http://schemas.openxmlformats.org/presentationml/2006/ole">
-            <p:oleObj spid="_x0000_s76801" name="Visio" r:id="rId4" imgW="6287074" imgH="6712626" progId="">
+            <p:oleObj spid="_x0000_s76801" name="Visio" r:id="rId4" imgW="6287074" imgH="6712626" progId="Visio.Drawing.11">
               <p:embed/>
             </p:oleObj>
           </a:graphicData>
@@ -9836,7 +9836,7 @@
         <p:spPr bwMode="auto">
           <a:xfrm>
             <a:off x="762000" y="1219200"/>
-            <a:ext cx="7543800" cy="4524315"/>
+            <a:ext cx="7543800" cy="4801314"/>
           </a:xfrm>
           <a:prstGeom prst="rect">
             <a:avLst/>
@@ -9917,7 +9917,23 @@
             </a:pPr>
             <a:r>
               <a:rPr lang="en-US" dirty="0" smtClean="0"/>
-              <a:t>21 information bits in each line</a:t>
+              <a:t> </a:t>
+            </a:r>
+            <a:r>
+              <a:rPr lang="en-US" dirty="0" smtClean="0"/>
+              <a:t>information </a:t>
+            </a:r>
+            <a:r>
+              <a:rPr lang="en-US" dirty="0" smtClean="0"/>
+              <a:t>in </a:t>
+            </a:r>
+            <a:r>
+              <a:rPr lang="en-US" dirty="0" smtClean="0"/>
+              <a:t>each </a:t>
+            </a:r>
+            <a:r>
+              <a:rPr lang="en-US" dirty="0" smtClean="0"/>
+              <a:t>line</a:t>
             </a:r>
           </a:p>
           <a:p>
@@ -9927,17 +9943,8 @@
             </a:pPr>
             <a:r>
               <a:rPr lang="en-US" dirty="0" smtClean="0"/>
-              <a:t>16 </a:t>
-            </a:r>
-            <a:r>
-              <a:rPr lang="en-US" dirty="0"/>
-              <a:t>bits are </a:t>
-            </a:r>
-            <a:r>
-              <a:rPr lang="en-US" dirty="0" smtClean="0"/>
-              <a:t>the MSB Segment Base Address</a:t>
-            </a:r>
-            <a:endParaRPr lang="en-US" dirty="0"/>
+              <a:t>16 bits are the MSB Segment Base Address</a:t>
+            </a:r>
           </a:p>
           <a:p>
             <a:pPr marL="1257300" lvl="2" indent="-342900">
@@ -9946,15 +9953,15 @@
             </a:pPr>
             <a:r>
               <a:rPr lang="en-US" dirty="0" smtClean="0"/>
-              <a:t>5 </a:t>
-            </a:r>
-            <a:r>
-              <a:rPr lang="en-US" dirty="0"/>
-              <a:t>bits are the </a:t>
+              <a:t>5 bits are the Remote </a:t>
             </a:r>
             <a:r>
               <a:rPr lang="en-US" dirty="0" smtClean="0"/>
-              <a:t>Remote Segment Size</a:t>
+              <a:t>Segment </a:t>
+            </a:r>
+            <a:r>
+              <a:rPr lang="en-US" dirty="0" smtClean="0"/>
+              <a:t>Size (defines what mask is used when calculating the offset into the segment)</a:t>
             </a:r>
             <a:endParaRPr lang="en-US" dirty="0"/>
           </a:p>
@@ -11477,7 +11484,7 @@
         <p:spPr bwMode="auto">
           <a:xfrm>
             <a:off x="381000" y="762000"/>
-            <a:ext cx="8305800" cy="5940088"/>
+            <a:ext cx="8305800" cy="6217087"/>
           </a:xfrm>
           <a:prstGeom prst="rect">
             <a:avLst/>
@@ -11610,8 +11617,29 @@
               <a:rPr lang="en-US" dirty="0" smtClean="0">
                 <a:latin typeface="+mj-lt"/>
               </a:rPr>
-              <a:t>0x8000     Size 27  (size 0x0100_0000 = 256MB)</a:t>
-            </a:r>
+              <a:t>0x8000     Size 27  (size </a:t>
+            </a:r>
+            <a:r>
+              <a:rPr lang="en-US" dirty="0" smtClean="0">
+                <a:latin typeface="+mj-lt"/>
+              </a:rPr>
+              <a:t>0x01000_0000 </a:t>
+            </a:r>
+            <a:r>
+              <a:rPr lang="en-US" dirty="0" smtClean="0">
+                <a:latin typeface="+mj-lt"/>
+              </a:rPr>
+              <a:t>= </a:t>
+            </a:r>
+            <a:r>
+              <a:rPr lang="en-US" dirty="0" smtClean="0">
+                <a:latin typeface="+mj-lt"/>
+              </a:rPr>
+              <a:t>256MB and the offset mask will be 0xfff_ffff)</a:t>
+            </a:r>
+            <a:endParaRPr lang="en-US" dirty="0" smtClean="0">
+              <a:latin typeface="+mj-lt"/>
+            </a:endParaRPr>
           </a:p>
           <a:p>
             <a:pPr lvl="2"/>
@@ -11646,8 +11674,17 @@
               <a:rPr lang="en-US" dirty="0" smtClean="0">
                 <a:latin typeface="+mj-lt"/>
               </a:rPr>
-              <a:t> = 16, the segment size is 0x0000_20000</a:t>
-            </a:r>
+              <a:t> = 16, the segment size is </a:t>
+            </a:r>
+            <a:r>
+              <a:rPr lang="en-US" dirty="0" smtClean="0">
+                <a:latin typeface="+mj-lt"/>
+              </a:rPr>
+              <a:t>0x00002_0000</a:t>
+            </a:r>
+            <a:endParaRPr lang="en-US" dirty="0" smtClean="0">
+              <a:latin typeface="+mj-lt"/>
+            </a:endParaRPr>
           </a:p>
           <a:p>
             <a:pPr lvl="2"/>
@@ -11667,8 +11704,17 @@
               <a:rPr lang="en-US" dirty="0" smtClean="0">
                 <a:latin typeface="+mj-lt"/>
               </a:rPr>
-              <a:t> = 17, the segment size is 0x0000_40000</a:t>
-            </a:r>
+              <a:t> = 17, the segment size is </a:t>
+            </a:r>
+            <a:r>
+              <a:rPr lang="en-US" dirty="0" smtClean="0">
+                <a:latin typeface="+mj-lt"/>
+              </a:rPr>
+              <a:t>0x00004_0000</a:t>
+            </a:r>
+            <a:endParaRPr lang="en-US" dirty="0" smtClean="0">
+              <a:latin typeface="+mj-lt"/>
+            </a:endParaRPr>
           </a:p>
           <a:p>
             <a:pPr lvl="2"/>
@@ -11688,8 +11734,17 @@
               <a:rPr lang="en-US" dirty="0" smtClean="0">
                 <a:latin typeface="+mj-lt"/>
               </a:rPr>
-              <a:t> = 18, the segment size is 0x0000_80000</a:t>
-            </a:r>
+              <a:t> = 18, the segment size is </a:t>
+            </a:r>
+            <a:r>
+              <a:rPr lang="en-US" dirty="0" smtClean="0">
+                <a:latin typeface="+mj-lt"/>
+              </a:rPr>
+              <a:t>0x00008_0000</a:t>
+            </a:r>
+            <a:endParaRPr lang="en-US" dirty="0" smtClean="0">
+              <a:latin typeface="+mj-lt"/>
+            </a:endParaRPr>
           </a:p>
           <a:p>
             <a:pPr lvl="2"/>
@@ -11709,8 +11764,17 @@
               <a:rPr lang="en-US" dirty="0" smtClean="0">
                 <a:latin typeface="+mj-lt"/>
               </a:rPr>
-              <a:t> = 19, the segment size is 0x0001_00000</a:t>
-            </a:r>
+              <a:t> = 19, the segment size is </a:t>
+            </a:r>
+            <a:r>
+              <a:rPr lang="en-US" dirty="0" smtClean="0">
+                <a:latin typeface="+mj-lt"/>
+              </a:rPr>
+              <a:t>0x00010_0000</a:t>
+            </a:r>
+            <a:endParaRPr lang="en-US" dirty="0" smtClean="0">
+              <a:latin typeface="+mj-lt"/>
+            </a:endParaRPr>
           </a:p>
           <a:p>
             <a:pPr lvl="2"/>
@@ -11730,8 +11794,17 @@
               <a:rPr lang="en-US" dirty="0" smtClean="0">
                 <a:latin typeface="+mj-lt"/>
               </a:rPr>
-              <a:t> = 20, the segment size is 0x0002_00000</a:t>
-            </a:r>
+              <a:t> = 20, the segment size is </a:t>
+            </a:r>
+            <a:r>
+              <a:rPr lang="en-US" dirty="0" smtClean="0">
+                <a:latin typeface="+mj-lt"/>
+              </a:rPr>
+              <a:t>0x00020_0000</a:t>
+            </a:r>
+            <a:endParaRPr lang="en-US" dirty="0" smtClean="0">
+              <a:latin typeface="+mj-lt"/>
+            </a:endParaRPr>
           </a:p>
           <a:p>
             <a:pPr lvl="2"/>
@@ -11751,8 +11824,17 @@
               <a:rPr lang="en-US" dirty="0" smtClean="0">
                 <a:latin typeface="+mj-lt"/>
               </a:rPr>
-              <a:t> = 21, the segment size is 0x0004_00000</a:t>
-            </a:r>
+              <a:t> = 21, the segment size is </a:t>
+            </a:r>
+            <a:r>
+              <a:rPr lang="en-US" dirty="0" smtClean="0">
+                <a:latin typeface="+mj-lt"/>
+              </a:rPr>
+              <a:t>0x00040_0000</a:t>
+            </a:r>
+            <a:endParaRPr lang="en-US" dirty="0" smtClean="0">
+              <a:latin typeface="+mj-lt"/>
+            </a:endParaRPr>
           </a:p>
           <a:p>
             <a:pPr lvl="2"/>
@@ -11772,8 +11854,17 @@
               <a:rPr lang="en-US" dirty="0" smtClean="0">
                 <a:latin typeface="+mj-lt"/>
               </a:rPr>
-              <a:t> = 22, the segment size is 0x0008_00000</a:t>
-            </a:r>
+              <a:t> = 22, the segment size is </a:t>
+            </a:r>
+            <a:r>
+              <a:rPr lang="en-US" dirty="0" smtClean="0">
+                <a:latin typeface="+mj-lt"/>
+              </a:rPr>
+              <a:t>0x00080_0000</a:t>
+            </a:r>
+            <a:endParaRPr lang="en-US" dirty="0" smtClean="0">
+              <a:latin typeface="+mj-lt"/>
+            </a:endParaRPr>
           </a:p>
           <a:p>
             <a:pPr lvl="2"/>
@@ -11793,8 +11884,17 @@
               <a:rPr lang="en-US" dirty="0" smtClean="0">
                 <a:latin typeface="+mj-lt"/>
               </a:rPr>
-              <a:t> = 23, the segment size is 0x0010_00000</a:t>
-            </a:r>
+              <a:t> = 23, the segment size is </a:t>
+            </a:r>
+            <a:r>
+              <a:rPr lang="en-US" dirty="0" smtClean="0">
+                <a:latin typeface="+mj-lt"/>
+              </a:rPr>
+              <a:t>0x00100_0000</a:t>
+            </a:r>
+            <a:endParaRPr lang="en-US" dirty="0" smtClean="0">
+              <a:latin typeface="+mj-lt"/>
+            </a:endParaRPr>
           </a:p>
           <a:p>
             <a:pPr lvl="2"/>
@@ -11814,8 +11914,17 @@
               <a:rPr lang="en-US" dirty="0" smtClean="0">
                 <a:latin typeface="+mj-lt"/>
               </a:rPr>
-              <a:t> = 24, the segment size is 0x0020_00000</a:t>
-            </a:r>
+              <a:t> = 24, the segment size is </a:t>
+            </a:r>
+            <a:r>
+              <a:rPr lang="en-US" dirty="0" smtClean="0">
+                <a:latin typeface="+mj-lt"/>
+              </a:rPr>
+              <a:t>0x00200_0000</a:t>
+            </a:r>
+            <a:endParaRPr lang="en-US" dirty="0" smtClean="0">
+              <a:latin typeface="+mj-lt"/>
+            </a:endParaRPr>
           </a:p>
           <a:p>
             <a:pPr lvl="2"/>
@@ -11835,8 +11944,17 @@
               <a:rPr lang="en-US" dirty="0" smtClean="0">
                 <a:latin typeface="+mj-lt"/>
               </a:rPr>
-              <a:t> = 25, the segment size is 0x0040_00000</a:t>
-            </a:r>
+              <a:t> = 25, the segment size is </a:t>
+            </a:r>
+            <a:r>
+              <a:rPr lang="en-US" dirty="0" smtClean="0">
+                <a:latin typeface="+mj-lt"/>
+              </a:rPr>
+              <a:t>0x00400_0000</a:t>
+            </a:r>
+            <a:endParaRPr lang="en-US" dirty="0" smtClean="0">
+              <a:latin typeface="+mj-lt"/>
+            </a:endParaRPr>
           </a:p>
           <a:p>
             <a:pPr lvl="2"/>
@@ -11856,8 +11974,17 @@
               <a:rPr lang="en-US" dirty="0" smtClean="0">
                 <a:latin typeface="+mj-lt"/>
               </a:rPr>
-              <a:t> = 26, the segment size is 0x0080_00000</a:t>
-            </a:r>
+              <a:t> = 26, the segment size is </a:t>
+            </a:r>
+            <a:r>
+              <a:rPr lang="en-US" dirty="0" smtClean="0">
+                <a:latin typeface="+mj-lt"/>
+              </a:rPr>
+              <a:t>0x00800_0000</a:t>
+            </a:r>
+            <a:endParaRPr lang="en-US" dirty="0" smtClean="0">
+              <a:latin typeface="+mj-lt"/>
+            </a:endParaRPr>
           </a:p>
           <a:p>
             <a:pPr lvl="2"/>
@@ -11877,7 +12004,13 @@
               <a:rPr lang="en-US" dirty="0" smtClean="0">
                 <a:latin typeface="+mj-lt"/>
               </a:rPr>
-              <a:t> = 27, the segment size is 0x0100_00000</a:t>
+              <a:t> = 27, the segment size is </a:t>
+            </a:r>
+            <a:r>
+              <a:rPr lang="en-US" dirty="0" smtClean="0">
+                <a:latin typeface="+mj-lt"/>
+              </a:rPr>
+              <a:t>0x01000_0000</a:t>
             </a:r>
             <a:endParaRPr lang="en-US" dirty="0">
               <a:latin typeface="+mj-lt"/>
@@ -12584,7 +12717,7 @@
         <p:spPr bwMode="auto">
           <a:xfrm>
             <a:off x="381000" y="838200"/>
-            <a:ext cx="8305800" cy="5324535"/>
+            <a:ext cx="8305800" cy="5632311"/>
           </a:xfrm>
           <a:prstGeom prst="rect">
             <a:avLst/>
@@ -12858,8 +12991,26 @@
               <a:rPr lang="en-US" sz="2000" dirty="0" smtClean="0">
                 <a:latin typeface="+mj-lt"/>
               </a:rPr>
-              <a:t>Size 23 = 0x0010 0000 = 16MB</a:t>
-            </a:r>
+              <a:t>Size 23 = 0x0010 0000 = </a:t>
+            </a:r>
+            <a:r>
+              <a:rPr lang="en-US" sz="2000" dirty="0" smtClean="0">
+                <a:latin typeface="+mj-lt"/>
+              </a:rPr>
+              <a:t>16MB  and the mask that will be used is </a:t>
+            </a:r>
+          </a:p>
+          <a:p>
+            <a:pPr lvl="1"/>
+            <a:r>
+              <a:rPr lang="en-US" sz="2000" dirty="0" smtClean="0">
+                <a:latin typeface="+mj-lt"/>
+              </a:rPr>
+              <a:t>0x000f ffff</a:t>
+            </a:r>
+            <a:endParaRPr lang="en-US" sz="2000" dirty="0" smtClean="0">
+              <a:latin typeface="+mj-lt"/>
+            </a:endParaRPr>
           </a:p>
         </p:txBody>
       </p:sp>
@@ -14640,41 +14791,44 @@
               <a:defRPr/>
             </a:pPr>
             <a:r>
+              <a:rPr lang="en-US" sz="2000" dirty="0" smtClean="0">
+                <a:latin typeface="+mj-lt"/>
+              </a:rPr>
+              <a:t>Tx Address </a:t>
+            </a:r>
+            <a:r>
+              <a:rPr lang="en-US" sz="2000" dirty="0">
+                <a:latin typeface="+mj-lt"/>
+              </a:rPr>
+              <a:t>i</a:t>
+            </a:r>
+            <a:r>
+              <a:rPr lang="en-US" sz="2000" dirty="0" smtClean="0">
+                <a:latin typeface="+mj-lt"/>
+              </a:rPr>
+              <a:t>nformation </a:t>
+            </a:r>
+            <a:r>
+              <a:rPr lang="en-US" sz="2000" dirty="0">
+                <a:latin typeface="+mj-lt"/>
+              </a:rPr>
+              <a:t>bits 0 to </a:t>
+            </a:r>
+            <a:r>
+              <a:rPr lang="en-US" sz="2000" dirty="0" smtClean="0">
+                <a:latin typeface="+mj-lt"/>
+              </a:rPr>
+              <a:t>27, depends on the value of </a:t>
+            </a:r>
+            <a:r>
               <a:rPr lang="en-US" sz="2000" dirty="0" err="1" smtClean="0">
                 <a:latin typeface="+mj-lt"/>
               </a:rPr>
-              <a:t>Tx</a:t>
-            </a:r>
-            <a:r>
-              <a:rPr lang="en-US" sz="2000" dirty="0" smtClean="0">
-                <a:latin typeface="+mj-lt"/>
-              </a:rPr>
-              <a:t> Address </a:t>
-            </a:r>
-            <a:r>
-              <a:rPr lang="en-US" sz="2000" dirty="0">
-                <a:latin typeface="+mj-lt"/>
-              </a:rPr>
-              <a:t>i</a:t>
-            </a:r>
-            <a:r>
-              <a:rPr lang="en-US" sz="2000" dirty="0" smtClean="0">
-                <a:latin typeface="+mj-lt"/>
-              </a:rPr>
-              <a:t>nformation </a:t>
-            </a:r>
-            <a:r>
-              <a:rPr lang="en-US" sz="2000" dirty="0">
-                <a:latin typeface="+mj-lt"/>
-              </a:rPr>
-              <a:t>bits 0 to </a:t>
-            </a:r>
-            <a:r>
-              <a:rPr lang="en-US" sz="2000" dirty="0" smtClean="0">
-                <a:latin typeface="+mj-lt"/>
-              </a:rPr>
-              <a:t>27</a:t>
-            </a:r>
+              <a:t>txigmask</a:t>
+            </a:r>
+            <a:endParaRPr lang="en-US" sz="2000" dirty="0" smtClean="0">
+              <a:latin typeface="+mj-lt"/>
+            </a:endParaRPr>
           </a:p>
           <a:p>
             <a:pPr marL="800100" lvl="1" indent="-342900">
@@ -14718,8 +14872,17 @@
               <a:rPr lang="en-US" sz="2000" dirty="0" smtClean="0">
                 <a:latin typeface="+mj-lt"/>
               </a:rPr>
-              <a:t> = depends on the maximum segment size:</a:t>
-            </a:r>
+              <a:t> = </a:t>
+            </a:r>
+            <a:r>
+              <a:rPr lang="en-US" sz="2000" dirty="0" smtClean="0">
+                <a:latin typeface="+mj-lt"/>
+              </a:rPr>
+              <a:t>Determine what address bits will be sent to the remote side:</a:t>
+            </a:r>
+            <a:endParaRPr lang="en-US" sz="2000" dirty="0" smtClean="0">
+              <a:latin typeface="+mj-lt"/>
+            </a:endParaRPr>
           </a:p>
           <a:p>
             <a:pPr marL="1257300" lvl="2" indent="-342900">
@@ -14730,8 +14893,29 @@
               <a:rPr lang="en-US" sz="2000" dirty="0" smtClean="0">
                 <a:latin typeface="+mj-lt"/>
               </a:rPr>
-              <a:t>11 → mask 0x0FFF_FFFF (1 segment), 10 →  0x07FF_FFFF (2 segments),</a:t>
-            </a:r>
+              <a:t>11 → mask 0x0FFF_FFFF </a:t>
+            </a:r>
+            <a:r>
+              <a:rPr lang="en-US" sz="2000" dirty="0" smtClean="0">
+                <a:latin typeface="+mj-lt"/>
+              </a:rPr>
+              <a:t>,10 </a:t>
+            </a:r>
+            <a:r>
+              <a:rPr lang="en-US" sz="2000" dirty="0" smtClean="0">
+                <a:latin typeface="+mj-lt"/>
+              </a:rPr>
+              <a:t>→  </a:t>
+            </a:r>
+            <a:r>
+              <a:rPr lang="en-US" sz="2000" dirty="0" smtClean="0">
+                <a:latin typeface="+mj-lt"/>
+              </a:rPr>
+              <a:t>0x07FF_FFFF</a:t>
+            </a:r>
+            <a:endParaRPr lang="en-US" sz="2000" dirty="0" smtClean="0">
+              <a:latin typeface="+mj-lt"/>
+            </a:endParaRPr>
           </a:p>
           <a:p>
             <a:pPr marL="1257300" lvl="2" indent="-342900">
@@ -14742,8 +14926,29 @@
               <a:rPr lang="en-US" sz="2000" dirty="0" smtClean="0">
                 <a:latin typeface="+mj-lt"/>
               </a:rPr>
-              <a:t>8 → 0x01FF_FFFF (8 segments) , 0 → 0x0001_FFFF (16 segments)</a:t>
-            </a:r>
+              <a:t>8 → </a:t>
+            </a:r>
+            <a:r>
+              <a:rPr lang="en-US" sz="2000" dirty="0" smtClean="0">
+                <a:latin typeface="+mj-lt"/>
+              </a:rPr>
+              <a:t>0x01FF_FFFF, </a:t>
+            </a:r>
+            <a:r>
+              <a:rPr lang="en-US" sz="2000" dirty="0" smtClean="0">
+                <a:latin typeface="+mj-lt"/>
+              </a:rPr>
+              <a:t>0 → </a:t>
+            </a:r>
+            <a:r>
+              <a:rPr lang="en-US" sz="2000" dirty="0" smtClean="0">
+                <a:latin typeface="+mj-lt"/>
+              </a:rPr>
+              <a:t>0x0001_FFFF</a:t>
+            </a:r>
+            <a:endParaRPr lang="en-US" sz="2000" dirty="0" smtClean="0">
+              <a:latin typeface="+mj-lt"/>
+            </a:endParaRPr>
           </a:p>
           <a:p>
             <a:pPr marL="800100" lvl="1" indent="-342900">
@@ -16661,8 +16866,29 @@
               <a:rPr lang="en-US" dirty="0" smtClean="0">
                 <a:latin typeface="+mj-lt"/>
               </a:rPr>
-              <a:t>12 → mask 0x0FFF_FFFF (1 segment), 10 → 0x03FF_FFFF (4 segments),</a:t>
-            </a:r>
+              <a:t>12 → mask </a:t>
+            </a:r>
+            <a:r>
+              <a:rPr lang="en-US" dirty="0" smtClean="0">
+                <a:latin typeface="+mj-lt"/>
+              </a:rPr>
+              <a:t>0x0FFF_FFFF, 10 </a:t>
+            </a:r>
+            <a:r>
+              <a:rPr lang="en-US" dirty="0" smtClean="0">
+                <a:latin typeface="+mj-lt"/>
+              </a:rPr>
+              <a:t>→ </a:t>
+            </a:r>
+            <a:r>
+              <a:rPr lang="en-US" dirty="0" smtClean="0">
+                <a:latin typeface="+mj-lt"/>
+              </a:rPr>
+              <a:t>0x03FF_FFFF,</a:t>
+            </a:r>
+            <a:endParaRPr lang="en-US" dirty="0" smtClean="0">
+              <a:latin typeface="+mj-lt"/>
+            </a:endParaRPr>
           </a:p>
           <a:p>
             <a:pPr marL="1257300" lvl="2" indent="-342900">
@@ -16673,7 +16899,19 @@
               <a:rPr lang="en-US" dirty="0" smtClean="0">
                 <a:latin typeface="+mj-lt"/>
               </a:rPr>
-              <a:t>8 → 0x00FF_FFFF (15 segments) ,   1 → 0x0001_FFFF (16 segments)</a:t>
+              <a:t>8 → </a:t>
+            </a:r>
+            <a:r>
+              <a:rPr lang="en-US" dirty="0" smtClean="0">
+                <a:latin typeface="+mj-lt"/>
+              </a:rPr>
+              <a:t>0x00FF_FFFF </a:t>
+            </a:r>
+            <a:r>
+              <a:rPr lang="en-US" dirty="0" smtClean="0">
+                <a:latin typeface="+mj-lt"/>
+              </a:rPr>
+              <a:t>,   1 → 0x0001_FFFF </a:t>
             </a:r>
             <a:endParaRPr lang="en-US" dirty="0">
               <a:latin typeface="+mj-lt"/>
@@ -19737,7 +19975,19 @@
               <a:rPr lang="en-US" dirty="0" smtClean="0">
                 <a:latin typeface="+mj-lt"/>
               </a:rPr>
-              <a:t>0x8000     Size 27  (size 0x0100_0000 = 256MB)</a:t>
+              <a:t>0x8000     Size 27  (size </a:t>
+            </a:r>
+            <a:r>
+              <a:rPr lang="en-US" dirty="0" smtClean="0">
+                <a:latin typeface="+mj-lt"/>
+              </a:rPr>
+              <a:t>0x1000_0000 </a:t>
+            </a:r>
+            <a:r>
+              <a:rPr lang="en-US" dirty="0" smtClean="0">
+                <a:latin typeface="+mj-lt"/>
+              </a:rPr>
+              <a:t>= 256MB)</a:t>
             </a:r>
           </a:p>
           <a:p>
@@ -19927,29 +20177,6 @@
               <a:defRPr/>
             </a:pPr>
             <a:r>
-              <a:rPr lang="en-US" dirty="0" err="1" smtClean="0">
-                <a:latin typeface="+mj-lt"/>
-              </a:rPr>
-              <a:t>txsegsel</a:t>
-            </a:r>
-            <a:r>
-              <a:rPr lang="en-US" dirty="0" smtClean="0">
-                <a:latin typeface="+mj-lt"/>
-              </a:rPr>
-              <a:t> = 12 mask 0x0FFF_FFFF (no bit for segment select)</a:t>
-            </a:r>
-            <a:endParaRPr lang="en-US" dirty="0">
-              <a:latin typeface="+mj-lt"/>
-            </a:endParaRPr>
-          </a:p>
-          <a:p>
-            <a:pPr marL="342900" lvl="2" indent="-342900">
-              <a:buSzPct val="125000"/>
-              <a:buFont typeface="Arial" pitchFamily="34" charset="0"/>
-              <a:buChar char="•"/>
-              <a:defRPr/>
-            </a:pPr>
-            <a:r>
               <a:rPr lang="en-US" dirty="0" smtClean="0">
                 <a:latin typeface="+mj-lt"/>
               </a:rPr>
@@ -20026,6 +20253,18 @@
                 <a:latin typeface="+mj-lt"/>
               </a:rPr>
               <a:t>0x8567_89a0</a:t>
+            </a:r>
+          </a:p>
+          <a:p>
+            <a:pPr marL="342900" indent="-342900">
+              <a:buSzPct val="125000"/>
+              <a:defRPr/>
+            </a:pPr>
+            <a:r>
+              <a:rPr lang="en-US" dirty="0" smtClean="0">
+                <a:latin typeface="+mj-lt"/>
+              </a:rPr>
+              <a:t>(Segment size = 28 -&gt; offset mask = 0x0fff ffff</a:t>
             </a:r>
             <a:endParaRPr lang="en-US" dirty="0">
               <a:latin typeface="+mj-lt"/>
@@ -20047,7 +20286,7 @@
         </p:xfrm>
         <a:graphic>
           <a:graphicData uri="http://schemas.openxmlformats.org/presentationml/2006/ole">
-            <p:oleObj spid="_x0000_s4098" name="Visio" r:id="rId4" imgW="5521247" imgH="2273570" progId="">
+            <p:oleObj spid="_x0000_s4098" name="Visio" r:id="rId4" imgW="5521247" imgH="2273570" progId="Visio.Drawing.11">
               <p:embed/>
             </p:oleObj>
           </a:graphicData>
@@ -20532,7 +20771,7 @@
         <p:spPr bwMode="auto">
           <a:xfrm>
             <a:off x="533400" y="717030"/>
-            <a:ext cx="7848600" cy="2862322"/>
+            <a:ext cx="7848600" cy="2308324"/>
           </a:xfrm>
           <a:prstGeom prst="rect">
             <a:avLst/>
@@ -20586,16 +20825,16 @@
               <a:defRPr/>
             </a:pPr>
             <a:r>
-              <a:rPr lang="en-US" dirty="0" err="1" smtClean="0">
-                <a:latin typeface="+mj-lt"/>
-              </a:rPr>
-              <a:t>txigmask</a:t>
-            </a:r>
-            <a:r>
               <a:rPr lang="en-US" dirty="0" smtClean="0">
                 <a:latin typeface="+mj-lt"/>
               </a:rPr>
-              <a:t> = 7 mask 0x00FF_FFFF</a:t>
+              <a:t>24 </a:t>
+            </a:r>
+            <a:r>
+              <a:rPr lang="en-US" dirty="0" smtClean="0">
+                <a:latin typeface="+mj-lt"/>
+              </a:rPr>
+              <a:t>bits offset – 0x067_89a0</a:t>
             </a:r>
           </a:p>
           <a:p>
@@ -20606,40 +20845,6 @@
               <a:defRPr/>
             </a:pPr>
             <a:r>
-              <a:rPr lang="en-US" dirty="0" err="1" smtClean="0">
-                <a:latin typeface="+mj-lt"/>
-              </a:rPr>
-              <a:t>rxsegsel</a:t>
-            </a:r>
-            <a:r>
-              <a:rPr lang="en-US" dirty="0" smtClean="0">
-                <a:latin typeface="+mj-lt"/>
-              </a:rPr>
-              <a:t> = 8 mask 0x00FF_FFFF</a:t>
-            </a:r>
-          </a:p>
-          <a:p>
-            <a:pPr marL="342900" indent="-342900">
-              <a:buSzPct val="125000"/>
-              <a:buFont typeface="Arial" pitchFamily="34" charset="0"/>
-              <a:buChar char="•"/>
-              <a:defRPr/>
-            </a:pPr>
-            <a:r>
-              <a:rPr lang="en-US" dirty="0" smtClean="0">
-                <a:latin typeface="+mj-lt"/>
-              </a:rPr>
-              <a:t>24 bits offset – 0x067_89a0</a:t>
-            </a:r>
-          </a:p>
-          <a:p>
-            <a:pPr marL="342900" indent="-342900">
-              <a:buSzPct val="125000"/>
-              <a:buFont typeface="Arial" pitchFamily="34" charset="0"/>
-              <a:buChar char="•"/>
-              <a:defRPr/>
-            </a:pPr>
-            <a:r>
               <a:rPr lang="en-US" dirty="0" smtClean="0">
                 <a:latin typeface="+mj-lt"/>
               </a:rPr>
@@ -20663,7 +20868,19 @@
               <a:rPr lang="en-US" dirty="0" smtClean="0">
                 <a:latin typeface="+mj-lt"/>
               </a:rPr>
-              <a:t>Row 5	0x8A00_0000	Size 23</a:t>
+              <a:t>Row 5	0x8A00_0000	Size </a:t>
+            </a:r>
+            <a:r>
+              <a:rPr lang="en-US" dirty="0" smtClean="0">
+                <a:latin typeface="+mj-lt"/>
+              </a:rPr>
+              <a:t>23 (mask = 0x00ff ffff)</a:t>
+            </a:r>
+            <a:r>
+              <a:rPr lang="en-US" dirty="0" smtClean="0">
+                <a:latin typeface="+mj-lt"/>
+              </a:rPr>
+              <a:t/>
             </a:r>
             <a:br>
               <a:rPr lang="en-US" dirty="0" smtClean="0">
@@ -20745,7 +20962,7 @@
         </p:xfrm>
         <a:graphic>
           <a:graphicData uri="http://schemas.openxmlformats.org/presentationml/2006/ole">
-            <p:oleObj spid="_x0000_s136194" name="Visio" r:id="rId4" imgW="5521264" imgH="2273528" progId="">
+            <p:oleObj spid="_x0000_s136194" name="Visio" r:id="rId4" imgW="5521196" imgH="2273588" progId="Visio.Drawing.11">
               <p:embed/>
             </p:oleObj>
           </a:graphicData>
@@ -20939,31 +21156,7 @@
               <a:rPr lang="en-US" sz="2000" dirty="0" smtClean="0">
                 <a:latin typeface="+mj-lt"/>
               </a:rPr>
-              <a:t>The </a:t>
-            </a:r>
-            <a:r>
-              <a:rPr lang="en-US" sz="2000" dirty="0">
-                <a:latin typeface="+mj-lt"/>
-              </a:rPr>
-              <a:t>maximum size is </a:t>
-            </a:r>
-            <a:r>
-              <a:rPr lang="en-US" sz="2000" dirty="0" smtClean="0">
-                <a:latin typeface="+mj-lt"/>
-              </a:rPr>
-              <a:t>32MB. That </a:t>
-            </a:r>
-            <a:r>
-              <a:rPr lang="en-US" sz="2000" dirty="0">
-                <a:latin typeface="+mj-lt"/>
-              </a:rPr>
-              <a:t>is, 25 </a:t>
-            </a:r>
-            <a:r>
-              <a:rPr lang="en-US" sz="2000" dirty="0" smtClean="0">
-                <a:latin typeface="+mj-lt"/>
-              </a:rPr>
-              <a:t>bits.</a:t>
+              <a:t>The maximum size is 32MB. That is, 25 bits.</a:t>
             </a:r>
           </a:p>
           <a:p>
@@ -20977,14 +21170,29 @@
               <a:rPr lang="en-US" sz="2000" dirty="0" smtClean="0">
                 <a:latin typeface="+mj-lt"/>
               </a:rPr>
-              <a:t>3 bits </a:t>
+              <a:t>3 </a:t>
+            </a:r>
+            <a:r>
+              <a:rPr lang="en-US" sz="2000" dirty="0" smtClean="0">
+                <a:latin typeface="+mj-lt"/>
+              </a:rPr>
+              <a:t>bits </a:t>
             </a:r>
             <a:r>
               <a:rPr lang="en-US" sz="2000" dirty="0">
                 <a:latin typeface="+mj-lt"/>
               </a:rPr>
-              <a:t>to choose the segment (8 segments)</a:t>
-            </a:r>
+              <a:t>to choose the segment (8 segments</a:t>
+            </a:r>
+            <a:r>
+              <a:rPr lang="en-US" sz="2000" dirty="0" smtClean="0">
+                <a:latin typeface="+mj-lt"/>
+              </a:rPr>
+              <a:t>)</a:t>
+            </a:r>
+            <a:endParaRPr lang="en-US" sz="2000" dirty="0">
+              <a:latin typeface="+mj-lt"/>
+            </a:endParaRPr>
           </a:p>
           <a:p>
             <a:endParaRPr lang="en-US" sz="2000" dirty="0" smtClean="0">
@@ -21184,7 +21392,7 @@
         <p:spPr bwMode="auto">
           <a:xfrm>
             <a:off x="533400" y="990600"/>
-            <a:ext cx="8077200" cy="2339102"/>
+            <a:ext cx="8077200" cy="2062103"/>
           </a:xfrm>
           <a:prstGeom prst="rect">
             <a:avLst/>
@@ -21238,16 +21446,34 @@
               <a:defRPr/>
             </a:pPr>
             <a:r>
-              <a:rPr lang="en-US" dirty="0" err="1" smtClean="0">
-                <a:latin typeface="+mj-lt"/>
-              </a:rPr>
-              <a:t>Txigmask</a:t>
-            </a:r>
-            <a:r>
               <a:rPr lang="en-US" dirty="0" smtClean="0">
                 <a:latin typeface="+mj-lt"/>
               </a:rPr>
-              <a:t> = 8 mask 0x01FF_FFFF  Rxsegsel = 9 mask 0x01FF_FFFF</a:t>
+              <a:t>For </a:t>
+            </a:r>
+            <a:r>
+              <a:rPr lang="en-US" dirty="0">
+                <a:latin typeface="+mj-lt"/>
+              </a:rPr>
+              <a:t>8 segments, the maximum size is </a:t>
+            </a:r>
+            <a:r>
+              <a:rPr lang="en-US" dirty="0" smtClean="0">
+                <a:latin typeface="+mj-lt"/>
+              </a:rPr>
+              <a:t>32M. That </a:t>
+            </a:r>
+            <a:r>
+              <a:rPr lang="en-US" dirty="0">
+                <a:latin typeface="+mj-lt"/>
+              </a:rPr>
+              <a:t>is, 25 </a:t>
+            </a:r>
+            <a:r>
+              <a:rPr lang="en-US" dirty="0" smtClean="0">
+                <a:latin typeface="+mj-lt"/>
+              </a:rPr>
+              <a:t>bits.</a:t>
             </a:r>
             <a:endParaRPr lang="en-US" dirty="0">
               <a:latin typeface="+mj-lt"/>
@@ -21264,66 +21490,19 @@
               <a:rPr lang="en-US" dirty="0" smtClean="0">
                 <a:latin typeface="+mj-lt"/>
               </a:rPr>
-              <a:t>For </a:t>
+              <a:t>25 </a:t>
             </a:r>
             <a:r>
               <a:rPr lang="en-US" dirty="0">
                 <a:latin typeface="+mj-lt"/>
               </a:rPr>
-              <a:t>8 segments, the maximum size is </a:t>
+              <a:t>bits </a:t>
             </a:r>
             <a:r>
               <a:rPr lang="en-US" dirty="0" smtClean="0">
                 <a:latin typeface="+mj-lt"/>
               </a:rPr>
-              <a:t>32M. That </a:t>
-            </a:r>
-            <a:r>
-              <a:rPr lang="en-US" dirty="0">
-                <a:latin typeface="+mj-lt"/>
-              </a:rPr>
-              <a:t>is, 25 </a:t>
-            </a:r>
-            <a:r>
-              <a:rPr lang="en-US" dirty="0" smtClean="0">
-                <a:latin typeface="+mj-lt"/>
-              </a:rPr>
-              <a:t>bits.</a:t>
-            </a:r>
-            <a:endParaRPr lang="en-US" dirty="0">
-              <a:latin typeface="+mj-lt"/>
-            </a:endParaRPr>
-          </a:p>
-          <a:p>
-            <a:pPr marL="342900" indent="-342900">
-              <a:buSzPct val="125000"/>
-              <a:buFont typeface="Arial" pitchFamily="34" charset="0"/>
-              <a:buChar char="•"/>
-              <a:defRPr/>
-            </a:pPr>
-            <a:r>
-              <a:rPr lang="en-US" dirty="0" smtClean="0">
-                <a:latin typeface="+mj-lt"/>
-              </a:rPr>
-              <a:t>25 </a:t>
-            </a:r>
-            <a:r>
-              <a:rPr lang="en-US" dirty="0">
-                <a:latin typeface="+mj-lt"/>
-              </a:rPr>
-              <a:t>bits </a:t>
-            </a:r>
-            <a:r>
-              <a:rPr lang="en-US" dirty="0" smtClean="0">
-                <a:latin typeface="+mj-lt"/>
-              </a:rPr>
-              <a:t>offset</a:t>
-            </a:r>
-            <a:r>
-              <a:rPr lang="en-US" dirty="0">
-                <a:latin typeface="+mj-lt"/>
-              </a:rPr>
-              <a:t> </a:t>
+              <a:t>offset, 3 bits </a:t>
             </a:r>
             <a:r>
               <a:rPr lang="en-US" dirty="0" smtClean="0">
@@ -21358,8 +21537,17 @@
               <a:rPr lang="en-US" dirty="0" smtClean="0">
                 <a:latin typeface="+mj-lt"/>
               </a:rPr>
-              <a:t>Row 2	0x8200_0000	Size 23</a:t>
-            </a:r>
+              <a:t>Row 2	0x8200_0000	Size </a:t>
+            </a:r>
+            <a:r>
+              <a:rPr lang="en-US" dirty="0" smtClean="0">
+                <a:latin typeface="+mj-lt"/>
+              </a:rPr>
+              <a:t>23 (mask = 0x00ff ffff)</a:t>
+            </a:r>
+            <a:endParaRPr lang="en-US" dirty="0" smtClean="0">
+              <a:latin typeface="+mj-lt"/>
+            </a:endParaRPr>
           </a:p>
           <a:p>
             <a:pPr marL="342900" indent="-342900">
@@ -21441,7 +21629,7 @@
         </p:xfrm>
         <a:graphic>
           <a:graphicData uri="http://schemas.openxmlformats.org/presentationml/2006/ole">
-            <p:oleObj spid="_x0000_s6147" name="Visio" r:id="rId4" imgW="5521247" imgH="2273570" progId="">
+            <p:oleObj spid="_x0000_s6147" name="Visio" r:id="rId4" imgW="5521196" imgH="2273588" progId="Visio.Drawing.11">
               <p:embed/>
             </p:oleObj>
           </a:graphicData>
@@ -21983,7 +22171,7 @@
         <p:spPr bwMode="auto">
           <a:xfrm>
             <a:off x="609600" y="609600"/>
-            <a:ext cx="8001000" cy="3108543"/>
+            <a:ext cx="8001000" cy="2616101"/>
           </a:xfrm>
           <a:prstGeom prst="rect">
             <a:avLst/>
@@ -22082,75 +22270,47 @@
               <a:rPr lang="en-US" sz="1600" dirty="0" smtClean="0">
                 <a:latin typeface="+mj-lt"/>
               </a:rPr>
-              <a:t>Txigmask = 5 mask 0x003f ffff</a:t>
-            </a:r>
-          </a:p>
-          <a:p>
-            <a:pPr marL="342900" indent="-342900">
-              <a:buSzPct val="125000"/>
-              <a:buFont typeface="Arial" pitchFamily="34" charset="0"/>
-              <a:buChar char="•"/>
-              <a:defRPr/>
-            </a:pPr>
+              <a:t>22 </a:t>
+            </a:r>
+            <a:r>
+              <a:rPr lang="en-US" sz="1600" dirty="0">
+                <a:latin typeface="+mj-lt"/>
+              </a:rPr>
+              <a:t>bits offset </a:t>
+            </a:r>
             <a:r>
               <a:rPr lang="en-US" sz="1600" dirty="0" smtClean="0">
                 <a:latin typeface="+mj-lt"/>
               </a:rPr>
-              <a:t>Rxsegsel = 6 mask 0x003f ffff</a:t>
-            </a:r>
-            <a:endParaRPr lang="en-US" sz="1600" dirty="0">
+              <a:t> Segment </a:t>
+            </a:r>
+            <a:r>
+              <a:rPr lang="en-US" sz="1600" dirty="0">
+                <a:latin typeface="+mj-lt"/>
+              </a:rPr>
+              <a:t>number </a:t>
+            </a:r>
+            <a:r>
+              <a:rPr lang="en-US" sz="1600" dirty="0" smtClean="0">
+                <a:latin typeface="+mj-lt"/>
+              </a:rPr>
+              <a:t>010101 </a:t>
+            </a:r>
+            <a:r>
+              <a:rPr lang="en-US" sz="1600" dirty="0">
+                <a:latin typeface="+mj-lt"/>
+              </a:rPr>
+              <a:t>= </a:t>
+            </a:r>
+            <a:r>
+              <a:rPr lang="en-US" sz="1600" dirty="0" smtClean="0">
+                <a:latin typeface="+mj-lt"/>
+              </a:rPr>
+              <a:t>21 ????</a:t>
+            </a:r>
+            <a:endParaRPr lang="en-US" sz="1600" dirty="0" smtClean="0">
               <a:latin typeface="+mj-lt"/>
             </a:endParaRPr>
-          </a:p>
-          <a:p>
-            <a:pPr marL="342900" indent="-342900">
-              <a:buSzPct val="125000"/>
-              <a:buFont typeface="Arial" pitchFamily="34" charset="0"/>
-              <a:buChar char="•"/>
-              <a:defRPr/>
-            </a:pPr>
-            <a:r>
-              <a:rPr lang="en-US" sz="1600" dirty="0" smtClean="0">
-                <a:latin typeface="+mj-lt"/>
-              </a:rPr>
-              <a:t>22 </a:t>
-            </a:r>
-            <a:r>
-              <a:rPr lang="en-US" sz="1600" dirty="0">
-                <a:latin typeface="+mj-lt"/>
-              </a:rPr>
-              <a:t>bits offset </a:t>
-            </a:r>
-            <a:r>
-              <a:rPr lang="en-US" sz="1600" dirty="0" smtClean="0">
-                <a:latin typeface="+mj-lt"/>
-              </a:rPr>
-              <a:t> Segment </a:t>
-            </a:r>
-            <a:r>
-              <a:rPr lang="en-US" sz="1600" dirty="0">
-                <a:latin typeface="+mj-lt"/>
-              </a:rPr>
-              <a:t>number </a:t>
-            </a:r>
-            <a:r>
-              <a:rPr lang="en-US" sz="1600" dirty="0" smtClean="0">
-                <a:latin typeface="+mj-lt"/>
-              </a:rPr>
-              <a:t>010101 </a:t>
-            </a:r>
-            <a:r>
-              <a:rPr lang="en-US" sz="1600" dirty="0">
-                <a:latin typeface="+mj-lt"/>
-              </a:rPr>
-              <a:t>= </a:t>
-            </a:r>
-            <a:r>
-              <a:rPr lang="en-US" sz="1600" dirty="0" smtClean="0">
-                <a:latin typeface="+mj-lt"/>
-              </a:rPr>
-              <a:t>21</a:t>
-            </a:r>
           </a:p>
           <a:p>
             <a:pPr lvl="1"/>
@@ -22244,7 +22404,7 @@
         </p:xfrm>
         <a:graphic>
           <a:graphicData uri="http://schemas.openxmlformats.org/presentationml/2006/ole">
-            <p:oleObj spid="_x0000_s7170" name="Visio" r:id="rId4" imgW="5521196" imgH="2273588" progId="">
+            <p:oleObj spid="_x0000_s7170" name="Visio" r:id="rId4" imgW="5521196" imgH="2273588" progId="Visio.Drawing.11">
               <p:embed/>
             </p:oleObj>
           </a:graphicData>
@@ -47625,7 +47785,7 @@
         <p:spPr bwMode="auto">
           <a:xfrm>
             <a:off x="533400" y="647075"/>
-            <a:ext cx="7848600" cy="3170099"/>
+            <a:ext cx="7848600" cy="2616101"/>
           </a:xfrm>
           <a:prstGeom prst="rect">
             <a:avLst/>
@@ -47707,49 +47867,6 @@
               <a:defRPr/>
             </a:pPr>
             <a:r>
-              <a:rPr lang="en-US" dirty="0" err="1" smtClean="0">
-                <a:latin typeface="+mj-lt"/>
-              </a:rPr>
-              <a:t>Txigmask</a:t>
-            </a:r>
-            <a:r>
-              <a:rPr lang="en-US" dirty="0" smtClean="0">
-                <a:latin typeface="+mj-lt"/>
-              </a:rPr>
-              <a:t> = 5 mask 0x003F_FFFF</a:t>
-            </a:r>
-          </a:p>
-          <a:p>
-            <a:pPr marL="342900" indent="-342900">
-              <a:buSzPct val="125000"/>
-              <a:buFont typeface="Arial" pitchFamily="34" charset="0"/>
-              <a:buChar char="•"/>
-              <a:defRPr/>
-            </a:pPr>
-            <a:r>
-              <a:rPr lang="en-US" dirty="0" err="1" smtClean="0">
-                <a:latin typeface="+mj-lt"/>
-              </a:rPr>
-              <a:t>Rxsegsel</a:t>
-            </a:r>
-            <a:r>
-              <a:rPr lang="en-US" dirty="0" smtClean="0">
-                <a:latin typeface="+mj-lt"/>
-              </a:rPr>
-              <a:t> = 6 mask 0x003F_FFFF</a:t>
-            </a:r>
-            <a:endParaRPr lang="en-US" dirty="0">
-              <a:latin typeface="+mj-lt"/>
-            </a:endParaRPr>
-          </a:p>
-          <a:p>
-            <a:pPr marL="342900" indent="-342900">
-              <a:buSzPct val="125000"/>
-              <a:buFont typeface="Arial" pitchFamily="34" charset="0"/>
-              <a:buChar char="•"/>
-              <a:defRPr/>
-            </a:pPr>
-            <a:r>
               <a:rPr lang="en-US" dirty="0" smtClean="0">
                 <a:latin typeface="+mj-lt"/>
               </a:rPr>
@@ -47860,7 +47977,7 @@
         </p:xfrm>
         <a:graphic>
           <a:graphicData uri="http://schemas.openxmlformats.org/presentationml/2006/ole">
-            <p:oleObj spid="_x0000_s8194" name="Visio" r:id="rId4" imgW="5521247" imgH="2273570" progId="">
+            <p:oleObj spid="_x0000_s8194" name="Visio" r:id="rId4" imgW="5521196" imgH="2273588" progId="Visio.Drawing.11">
               <p:embed/>
             </p:oleObj>
           </a:graphicData>
@@ -50041,31 +50158,7 @@
               <a:rPr lang="en-US" sz="2000" dirty="0" smtClean="0">
                 <a:latin typeface="+mj-lt"/>
               </a:rPr>
-              <a:t>For HyperLink, there is one example that can be configured either </a:t>
-            </a:r>
-            <a:r>
-              <a:rPr lang="en-US" sz="2000" smtClean="0">
-                <a:latin typeface="+mj-lt"/>
-              </a:rPr>
-              <a:t>as a single-EVM </a:t>
-            </a:r>
-            <a:r>
-              <a:rPr lang="en-US" sz="2000" dirty="0" smtClean="0">
-                <a:latin typeface="+mj-lt"/>
-              </a:rPr>
-              <a:t>loopback or between </a:t>
-            </a:r>
-            <a:r>
-              <a:rPr lang="en-US" sz="2000" smtClean="0">
-                <a:latin typeface="+mj-lt"/>
-              </a:rPr>
-              <a:t>two C66x EVM </a:t>
-            </a:r>
-            <a:r>
-              <a:rPr lang="en-US" sz="2000" dirty="0" smtClean="0">
-                <a:latin typeface="+mj-lt"/>
-              </a:rPr>
-              <a:t>boards.</a:t>
+              <a:t>For HyperLink, there is one example that can be configured either as a single-EVM loopback or between two C66x EVM boards.</a:t>
             </a:r>
           </a:p>
           <a:p>
@@ -50107,8 +50200,12 @@
                 <a:latin typeface="Courier New" pitchFamily="49" charset="0"/>
                 <a:cs typeface="Courier New" pitchFamily="49" charset="0"/>
               </a:rPr>
-              <a:t>pdk_C6678_1_0_0_18\packages\ti\drv\exampleProjects\hyplnk_exampleProject</a:t>
-            </a:r>
+              <a:t>pdk_C6678_1_0_0_19\packages\ti\drv\exampleProjects\hyplnk_exampleProject</a:t>
+            </a:r>
+            <a:endParaRPr lang="en-US" sz="1400" b="1" dirty="0" smtClean="0">
+              <a:latin typeface="Courier New" pitchFamily="49" charset="0"/>
+              <a:cs typeface="Courier New" pitchFamily="49" charset="0"/>
+            </a:endParaRPr>
           </a:p>
           <a:p>
             <a:pPr marL="514350" indent="-514350" eaLnBrk="1" fontAlgn="auto" hangingPunct="1">
@@ -50339,7 +50436,7 @@
         </p:xfrm>
         <a:graphic>
           <a:graphicData uri="http://schemas.openxmlformats.org/presentationml/2006/ole">
-            <p:oleObj spid="_x0000_s1026" name="Visio" r:id="rId5" imgW="4661282" imgH="5207504" progId="">
+            <p:oleObj spid="_x0000_s1026" name="Visio" r:id="rId5" imgW="4661282" imgH="5207504" progId="Visio.Drawing.11">
               <p:embed/>
             </p:oleObj>
           </a:graphicData>
@@ -51719,7 +51816,7 @@
         </p:xfrm>
         <a:graphic>
           <a:graphicData uri="http://schemas.openxmlformats.org/presentationml/2006/ole">
-            <p:oleObj spid="_x0000_s2050" name="Visio" r:id="rId5" imgW="5254626" imgH="1834745" progId="">
+            <p:oleObj spid="_x0000_s2050" name="Visio" r:id="rId5" imgW="5254626" imgH="1834745" progId="Visio.Drawing.11">
               <p:embed/>
             </p:oleObj>
           </a:graphicData>
@@ -52011,7 +52108,7 @@
         </p:xfrm>
         <a:graphic>
           <a:graphicData uri="http://schemas.openxmlformats.org/presentationml/2006/ole">
-            <p:oleObj spid="_x0000_s50179" name="Visio" r:id="rId5" imgW="5254626" imgH="1834745" progId="">
+            <p:oleObj spid="_x0000_s50179" name="Visio" r:id="rId5" imgW="5254626" imgH="1834745" progId="Visio.Drawing.11">
               <p:embed/>
             </p:oleObj>
           </a:graphicData>

--- a/slides/Intro to Hyperlink.pptx
+++ b/slides/Intro to Hyperlink.pptx
@@ -5,7 +5,7 @@
     <p:sldMasterId id="2147483660" r:id="rId1"/>
   </p:sldMasterIdLst>
   <p:notesMasterIdLst>
-    <p:notesMasterId r:id="rId51"/>
+    <p:notesMasterId r:id="rId48"/>
   </p:notesMasterIdLst>
   <p:sldIdLst>
     <p:sldId id="291" r:id="rId2"/>
@@ -32,36 +32,33 @@
     <p:sldId id="356" r:id="rId23"/>
     <p:sldId id="322" r:id="rId24"/>
     <p:sldId id="323" r:id="rId25"/>
-    <p:sldId id="324" r:id="rId26"/>
-    <p:sldId id="325" r:id="rId27"/>
-    <p:sldId id="326" r:id="rId28"/>
-    <p:sldId id="353" r:id="rId29"/>
-    <p:sldId id="354" r:id="rId30"/>
-    <p:sldId id="328" r:id="rId31"/>
-    <p:sldId id="364" r:id="rId32"/>
-    <p:sldId id="332" r:id="rId33"/>
-    <p:sldId id="365" r:id="rId34"/>
-    <p:sldId id="369" r:id="rId35"/>
-    <p:sldId id="366" r:id="rId36"/>
-    <p:sldId id="329" r:id="rId37"/>
-    <p:sldId id="367" r:id="rId38"/>
-    <p:sldId id="330" r:id="rId39"/>
-    <p:sldId id="368" r:id="rId40"/>
-    <p:sldId id="331" r:id="rId41"/>
-    <p:sldId id="339" r:id="rId42"/>
-    <p:sldId id="340" r:id="rId43"/>
-    <p:sldId id="352" r:id="rId44"/>
-    <p:sldId id="341" r:id="rId45"/>
-    <p:sldId id="347" r:id="rId46"/>
-    <p:sldId id="363" r:id="rId47"/>
-    <p:sldId id="343" r:id="rId48"/>
-    <p:sldId id="348" r:id="rId49"/>
-    <p:sldId id="293" r:id="rId50"/>
+    <p:sldId id="325" r:id="rId26"/>
+    <p:sldId id="326" r:id="rId27"/>
+    <p:sldId id="353" r:id="rId28"/>
+    <p:sldId id="354" r:id="rId29"/>
+    <p:sldId id="328" r:id="rId30"/>
+    <p:sldId id="364" r:id="rId31"/>
+    <p:sldId id="332" r:id="rId32"/>
+    <p:sldId id="365" r:id="rId33"/>
+    <p:sldId id="369" r:id="rId34"/>
+    <p:sldId id="366" r:id="rId35"/>
+    <p:sldId id="329" r:id="rId36"/>
+    <p:sldId id="367" r:id="rId37"/>
+    <p:sldId id="330" r:id="rId38"/>
+    <p:sldId id="339" r:id="rId39"/>
+    <p:sldId id="340" r:id="rId40"/>
+    <p:sldId id="352" r:id="rId41"/>
+    <p:sldId id="341" r:id="rId42"/>
+    <p:sldId id="347" r:id="rId43"/>
+    <p:sldId id="363" r:id="rId44"/>
+    <p:sldId id="343" r:id="rId45"/>
+    <p:sldId id="348" r:id="rId46"/>
+    <p:sldId id="293" r:id="rId47"/>
   </p:sldIdLst>
   <p:sldSz cx="9144000" cy="6858000" type="screen4x3"/>
   <p:notesSz cx="7010400" cy="9296400"/>
   <p:custDataLst>
-    <p:tags r:id="rId52"/>
+    <p:tags r:id="rId49"/>
   </p:custDataLst>
   <p:defaultTextStyle>
     <a:defPPr>
@@ -298,7 +295,7 @@
               <a:pPr>
                 <a:defRPr/>
               </a:pPr>
-              <a:t>4/9/2012</a:t>
+              <a:t>4/23/2012</a:t>
             </a:fld>
             <a:endParaRPr lang="en-US" dirty="0"/>
           </a:p>
@@ -4296,267 +4293,6 @@
                 <a:defRPr/>
               </a:pPr>
               <a:t>46</a:t>
-            </a:fld>
-            <a:endParaRPr lang="en-US" dirty="0"/>
-          </a:p>
-        </p:txBody>
-      </p:sp>
-    </p:spTree>
-  </p:cSld>
-  <p:clrMapOvr>
-    <a:masterClrMapping/>
-  </p:clrMapOvr>
-</p:notes>
-</file>
-
-<file path=ppt/notesSlides/notesSlide47.xml><?xml version="1.0" encoding="utf-8"?>
-<p:notes xmlns:a="http://schemas.openxmlformats.org/drawingml/2006/main" xmlns:r="http://schemas.openxmlformats.org/officeDocument/2006/relationships" xmlns:p="http://schemas.openxmlformats.org/presentationml/2006/main">
-  <p:cSld>
-    <p:spTree>
-      <p:nvGrpSpPr>
-        <p:cNvPr id="1" name=""/>
-        <p:cNvGrpSpPr/>
-        <p:nvPr/>
-      </p:nvGrpSpPr>
-      <p:grpSpPr>
-        <a:xfrm>
-          <a:off x="0" y="0"/>
-          <a:ext cx="0" cy="0"/>
-          <a:chOff x="0" y="0"/>
-          <a:chExt cx="0" cy="0"/>
-        </a:xfrm>
-      </p:grpSpPr>
-      <p:sp>
-        <p:nvSpPr>
-          <p:cNvPr id="2" name="Slide Image Placeholder 1"/>
-          <p:cNvSpPr>
-            <a:spLocks noGrp="1" noRot="1" noChangeAspect="1"/>
-          </p:cNvSpPr>
-          <p:nvPr>
-            <p:ph type="sldImg"/>
-          </p:nvPr>
-        </p:nvSpPr>
-        <p:spPr/>
-      </p:sp>
-      <p:sp>
-        <p:nvSpPr>
-          <p:cNvPr id="3" name="Notes Placeholder 2"/>
-          <p:cNvSpPr>
-            <a:spLocks noGrp="1"/>
-          </p:cNvSpPr>
-          <p:nvPr>
-            <p:ph type="body" idx="1"/>
-          </p:nvPr>
-        </p:nvSpPr>
-        <p:spPr/>
-        <p:txBody>
-          <a:bodyPr>
-            <a:normAutofit/>
-          </a:bodyPr>
-          <a:lstStyle/>
-          <a:p>
-            <a:endParaRPr lang="en-US"/>
-          </a:p>
-        </p:txBody>
-      </p:sp>
-      <p:sp>
-        <p:nvSpPr>
-          <p:cNvPr id="4" name="Slide Number Placeholder 3"/>
-          <p:cNvSpPr>
-            <a:spLocks noGrp="1"/>
-          </p:cNvSpPr>
-          <p:nvPr>
-            <p:ph type="sldNum" sz="quarter" idx="10"/>
-          </p:nvPr>
-        </p:nvSpPr>
-        <p:spPr/>
-        <p:txBody>
-          <a:bodyPr/>
-          <a:lstStyle/>
-          <a:p>
-            <a:pPr>
-              <a:defRPr/>
-            </a:pPr>
-            <a:fld id="{8B2AE985-CEB1-47DB-AC87-FA613AA66B3B}" type="slidenum">
-              <a:rPr lang="en-US" smtClean="0"/>
-              <a:pPr>
-                <a:defRPr/>
-              </a:pPr>
-              <a:t>47</a:t>
-            </a:fld>
-            <a:endParaRPr lang="en-US" dirty="0"/>
-          </a:p>
-        </p:txBody>
-      </p:sp>
-    </p:spTree>
-  </p:cSld>
-  <p:clrMapOvr>
-    <a:masterClrMapping/>
-  </p:clrMapOvr>
-</p:notes>
-</file>
-
-<file path=ppt/notesSlides/notesSlide48.xml><?xml version="1.0" encoding="utf-8"?>
-<p:notes xmlns:a="http://schemas.openxmlformats.org/drawingml/2006/main" xmlns:r="http://schemas.openxmlformats.org/officeDocument/2006/relationships" xmlns:p="http://schemas.openxmlformats.org/presentationml/2006/main">
-  <p:cSld>
-    <p:spTree>
-      <p:nvGrpSpPr>
-        <p:cNvPr id="1" name=""/>
-        <p:cNvGrpSpPr/>
-        <p:nvPr/>
-      </p:nvGrpSpPr>
-      <p:grpSpPr>
-        <a:xfrm>
-          <a:off x="0" y="0"/>
-          <a:ext cx="0" cy="0"/>
-          <a:chOff x="0" y="0"/>
-          <a:chExt cx="0" cy="0"/>
-        </a:xfrm>
-      </p:grpSpPr>
-      <p:sp>
-        <p:nvSpPr>
-          <p:cNvPr id="2" name="Slide Image Placeholder 1"/>
-          <p:cNvSpPr>
-            <a:spLocks noGrp="1" noRot="1" noChangeAspect="1"/>
-          </p:cNvSpPr>
-          <p:nvPr>
-            <p:ph type="sldImg"/>
-          </p:nvPr>
-        </p:nvSpPr>
-        <p:spPr/>
-      </p:sp>
-      <p:sp>
-        <p:nvSpPr>
-          <p:cNvPr id="3" name="Notes Placeholder 2"/>
-          <p:cNvSpPr>
-            <a:spLocks noGrp="1"/>
-          </p:cNvSpPr>
-          <p:nvPr>
-            <p:ph type="body" idx="1"/>
-          </p:nvPr>
-        </p:nvSpPr>
-        <p:spPr/>
-        <p:txBody>
-          <a:bodyPr>
-            <a:normAutofit/>
-          </a:bodyPr>
-          <a:lstStyle/>
-          <a:p>
-            <a:endParaRPr lang="en-US"/>
-          </a:p>
-        </p:txBody>
-      </p:sp>
-      <p:sp>
-        <p:nvSpPr>
-          <p:cNvPr id="4" name="Slide Number Placeholder 3"/>
-          <p:cNvSpPr>
-            <a:spLocks noGrp="1"/>
-          </p:cNvSpPr>
-          <p:nvPr>
-            <p:ph type="sldNum" sz="quarter" idx="10"/>
-          </p:nvPr>
-        </p:nvSpPr>
-        <p:spPr/>
-        <p:txBody>
-          <a:bodyPr/>
-          <a:lstStyle/>
-          <a:p>
-            <a:pPr>
-              <a:defRPr/>
-            </a:pPr>
-            <a:fld id="{8B2AE985-CEB1-47DB-AC87-FA613AA66B3B}" type="slidenum">
-              <a:rPr lang="en-US" smtClean="0"/>
-              <a:pPr>
-                <a:defRPr/>
-              </a:pPr>
-              <a:t>48</a:t>
-            </a:fld>
-            <a:endParaRPr lang="en-US" dirty="0"/>
-          </a:p>
-        </p:txBody>
-      </p:sp>
-    </p:spTree>
-  </p:cSld>
-  <p:clrMapOvr>
-    <a:masterClrMapping/>
-  </p:clrMapOvr>
-</p:notes>
-</file>
-
-<file path=ppt/notesSlides/notesSlide49.xml><?xml version="1.0" encoding="utf-8"?>
-<p:notes xmlns:a="http://schemas.openxmlformats.org/drawingml/2006/main" xmlns:r="http://schemas.openxmlformats.org/officeDocument/2006/relationships" xmlns:p="http://schemas.openxmlformats.org/presentationml/2006/main">
-  <p:cSld>
-    <p:spTree>
-      <p:nvGrpSpPr>
-        <p:cNvPr id="1" name=""/>
-        <p:cNvGrpSpPr/>
-        <p:nvPr/>
-      </p:nvGrpSpPr>
-      <p:grpSpPr>
-        <a:xfrm>
-          <a:off x="0" y="0"/>
-          <a:ext cx="0" cy="0"/>
-          <a:chOff x="0" y="0"/>
-          <a:chExt cx="0" cy="0"/>
-        </a:xfrm>
-      </p:grpSpPr>
-      <p:sp>
-        <p:nvSpPr>
-          <p:cNvPr id="2" name="Slide Image Placeholder 1"/>
-          <p:cNvSpPr>
-            <a:spLocks noGrp="1" noRot="1" noChangeAspect="1"/>
-          </p:cNvSpPr>
-          <p:nvPr>
-            <p:ph type="sldImg"/>
-          </p:nvPr>
-        </p:nvSpPr>
-        <p:spPr/>
-      </p:sp>
-      <p:sp>
-        <p:nvSpPr>
-          <p:cNvPr id="3" name="Notes Placeholder 2"/>
-          <p:cNvSpPr>
-            <a:spLocks noGrp="1"/>
-          </p:cNvSpPr>
-          <p:nvPr>
-            <p:ph type="body" idx="1"/>
-          </p:nvPr>
-        </p:nvSpPr>
-        <p:spPr/>
-        <p:txBody>
-          <a:bodyPr>
-            <a:normAutofit/>
-          </a:bodyPr>
-          <a:lstStyle/>
-          <a:p>
-            <a:endParaRPr lang="en-US"/>
-          </a:p>
-        </p:txBody>
-      </p:sp>
-      <p:sp>
-        <p:nvSpPr>
-          <p:cNvPr id="4" name="Slide Number Placeholder 3"/>
-          <p:cNvSpPr>
-            <a:spLocks noGrp="1"/>
-          </p:cNvSpPr>
-          <p:nvPr>
-            <p:ph type="sldNum" sz="quarter" idx="10"/>
-          </p:nvPr>
-        </p:nvSpPr>
-        <p:spPr/>
-        <p:txBody>
-          <a:bodyPr/>
-          <a:lstStyle/>
-          <a:p>
-            <a:pPr>
-              <a:defRPr/>
-            </a:pPr>
-            <a:fld id="{8B2AE985-CEB1-47DB-AC87-FA613AA66B3B}" type="slidenum">
-              <a:rPr lang="en-US" smtClean="0"/>
-              <a:pPr>
-                <a:defRPr/>
-              </a:pPr>
-              <a:t>49</a:t>
             </a:fld>
             <a:endParaRPr lang="en-US" dirty="0"/>
           </a:p>
@@ -9917,23 +9653,7 @@
             </a:pPr>
             <a:r>
               <a:rPr lang="en-US" dirty="0" smtClean="0"/>
-              <a:t> </a:t>
-            </a:r>
-            <a:r>
-              <a:rPr lang="en-US" dirty="0" smtClean="0"/>
-              <a:t>information </a:t>
-            </a:r>
-            <a:r>
-              <a:rPr lang="en-US" dirty="0" smtClean="0"/>
-              <a:t>in </a:t>
-            </a:r>
-            <a:r>
-              <a:rPr lang="en-US" dirty="0" smtClean="0"/>
-              <a:t>each </a:t>
-            </a:r>
-            <a:r>
-              <a:rPr lang="en-US" dirty="0" smtClean="0"/>
-              <a:t>line</a:t>
+              <a:t> information in each line</a:t>
             </a:r>
           </a:p>
           <a:p>
@@ -9953,15 +9673,7 @@
             </a:pPr>
             <a:r>
               <a:rPr lang="en-US" dirty="0" smtClean="0"/>
-              <a:t>5 bits are the Remote </a:t>
-            </a:r>
-            <a:r>
-              <a:rPr lang="en-US" dirty="0" smtClean="0"/>
-              <a:t>Segment </a:t>
-            </a:r>
-            <a:r>
-              <a:rPr lang="en-US" dirty="0" smtClean="0"/>
-              <a:t>Size (defines what mask is used when calculating the offset into the segment)</a:t>
+              <a:t>5 bits are the Remote Segment Size (defines what mask is used when calculating the offset into the segment)</a:t>
             </a:r>
             <a:endParaRPr lang="en-US" dirty="0"/>
           </a:p>
@@ -11617,29 +11329,8 @@
               <a:rPr lang="en-US" dirty="0" smtClean="0">
                 <a:latin typeface="+mj-lt"/>
               </a:rPr>
-              <a:t>0x8000     Size 27  (size </a:t>
-            </a:r>
-            <a:r>
-              <a:rPr lang="en-US" dirty="0" smtClean="0">
-                <a:latin typeface="+mj-lt"/>
-              </a:rPr>
-              <a:t>0x01000_0000 </a:t>
-            </a:r>
-            <a:r>
-              <a:rPr lang="en-US" dirty="0" smtClean="0">
-                <a:latin typeface="+mj-lt"/>
-              </a:rPr>
-              <a:t>= </a:t>
-            </a:r>
-            <a:r>
-              <a:rPr lang="en-US" dirty="0" smtClean="0">
-                <a:latin typeface="+mj-lt"/>
-              </a:rPr>
-              <a:t>256MB and the offset mask will be 0xfff_ffff)</a:t>
-            </a:r>
-            <a:endParaRPr lang="en-US" dirty="0" smtClean="0">
-              <a:latin typeface="+mj-lt"/>
-            </a:endParaRPr>
+              <a:t>0x8000     Size 27  (size 0x01000_0000 = 256MB and the offset mask will be 0xfff_ffff)</a:t>
+            </a:r>
           </a:p>
           <a:p>
             <a:pPr lvl="2"/>
@@ -11674,17 +11365,29 @@
               <a:rPr lang="en-US" dirty="0" smtClean="0">
                 <a:latin typeface="+mj-lt"/>
               </a:rPr>
-              <a:t> = 16, the segment size is </a:t>
-            </a:r>
+              <a:t> = 16, the segment size is 0x00002_0000</a:t>
+            </a:r>
+          </a:p>
+          <a:p>
+            <a:pPr lvl="2"/>
             <a:r>
               <a:rPr lang="en-US" dirty="0" smtClean="0">
                 <a:latin typeface="+mj-lt"/>
               </a:rPr>
-              <a:t>0x00002_0000</a:t>
-            </a:r>
-            <a:endParaRPr lang="en-US" dirty="0" smtClean="0">
-              <a:latin typeface="+mj-lt"/>
-            </a:endParaRPr>
+              <a:t>If </a:t>
+            </a:r>
+            <a:r>
+              <a:rPr lang="en-US" dirty="0" err="1" smtClean="0">
+                <a:latin typeface="+mj-lt"/>
+              </a:rPr>
+              <a:t>rxlen_val</a:t>
+            </a:r>
+            <a:r>
+              <a:rPr lang="en-US" dirty="0" smtClean="0">
+                <a:latin typeface="+mj-lt"/>
+              </a:rPr>
+              <a:t> = 17, the segment size is 0x00004_0000</a:t>
+            </a:r>
           </a:p>
           <a:p>
             <a:pPr lvl="2"/>
@@ -11704,17 +11407,29 @@
               <a:rPr lang="en-US" dirty="0" smtClean="0">
                 <a:latin typeface="+mj-lt"/>
               </a:rPr>
-              <a:t> = 17, the segment size is </a:t>
-            </a:r>
+              <a:t> = 18, the segment size is 0x00008_0000</a:t>
+            </a:r>
+          </a:p>
+          <a:p>
+            <a:pPr lvl="2"/>
             <a:r>
               <a:rPr lang="en-US" dirty="0" smtClean="0">
                 <a:latin typeface="+mj-lt"/>
               </a:rPr>
-              <a:t>0x00004_0000</a:t>
-            </a:r>
-            <a:endParaRPr lang="en-US" dirty="0" smtClean="0">
-              <a:latin typeface="+mj-lt"/>
-            </a:endParaRPr>
+              <a:t>If </a:t>
+            </a:r>
+            <a:r>
+              <a:rPr lang="en-US" dirty="0" err="1" smtClean="0">
+                <a:latin typeface="+mj-lt"/>
+              </a:rPr>
+              <a:t>rxlen_val</a:t>
+            </a:r>
+            <a:r>
+              <a:rPr lang="en-US" dirty="0" smtClean="0">
+                <a:latin typeface="+mj-lt"/>
+              </a:rPr>
+              <a:t> = 19, the segment size is 0x00010_0000</a:t>
+            </a:r>
           </a:p>
           <a:p>
             <a:pPr lvl="2"/>
@@ -11734,17 +11449,29 @@
               <a:rPr lang="en-US" dirty="0" smtClean="0">
                 <a:latin typeface="+mj-lt"/>
               </a:rPr>
-              <a:t> = 18, the segment size is </a:t>
-            </a:r>
+              <a:t> = 20, the segment size is 0x00020_0000</a:t>
+            </a:r>
+          </a:p>
+          <a:p>
+            <a:pPr lvl="2"/>
             <a:r>
               <a:rPr lang="en-US" dirty="0" smtClean="0">
                 <a:latin typeface="+mj-lt"/>
               </a:rPr>
-              <a:t>0x00008_0000</a:t>
-            </a:r>
-            <a:endParaRPr lang="en-US" dirty="0" smtClean="0">
-              <a:latin typeface="+mj-lt"/>
-            </a:endParaRPr>
+              <a:t>If </a:t>
+            </a:r>
+            <a:r>
+              <a:rPr lang="en-US" dirty="0" err="1" smtClean="0">
+                <a:latin typeface="+mj-lt"/>
+              </a:rPr>
+              <a:t>rxlen_val</a:t>
+            </a:r>
+            <a:r>
+              <a:rPr lang="en-US" dirty="0" smtClean="0">
+                <a:latin typeface="+mj-lt"/>
+              </a:rPr>
+              <a:t> = 21, the segment size is 0x00040_0000</a:t>
+            </a:r>
           </a:p>
           <a:p>
             <a:pPr lvl="2"/>
@@ -11764,17 +11491,29 @@
               <a:rPr lang="en-US" dirty="0" smtClean="0">
                 <a:latin typeface="+mj-lt"/>
               </a:rPr>
-              <a:t> = 19, the segment size is </a:t>
-            </a:r>
+              <a:t> = 22, the segment size is 0x00080_0000</a:t>
+            </a:r>
+          </a:p>
+          <a:p>
+            <a:pPr lvl="2"/>
             <a:r>
               <a:rPr lang="en-US" dirty="0" smtClean="0">
                 <a:latin typeface="+mj-lt"/>
               </a:rPr>
-              <a:t>0x00010_0000</a:t>
-            </a:r>
-            <a:endParaRPr lang="en-US" dirty="0" smtClean="0">
-              <a:latin typeface="+mj-lt"/>
-            </a:endParaRPr>
+              <a:t>If </a:t>
+            </a:r>
+            <a:r>
+              <a:rPr lang="en-US" dirty="0" err="1" smtClean="0">
+                <a:latin typeface="+mj-lt"/>
+              </a:rPr>
+              <a:t>rxlen_val</a:t>
+            </a:r>
+            <a:r>
+              <a:rPr lang="en-US" dirty="0" smtClean="0">
+                <a:latin typeface="+mj-lt"/>
+              </a:rPr>
+              <a:t> = 23, the segment size is 0x00100_0000</a:t>
+            </a:r>
           </a:p>
           <a:p>
             <a:pPr lvl="2"/>
@@ -11794,17 +11533,29 @@
               <a:rPr lang="en-US" dirty="0" smtClean="0">
                 <a:latin typeface="+mj-lt"/>
               </a:rPr>
-              <a:t> = 20, the segment size is </a:t>
-            </a:r>
+              <a:t> = 24, the segment size is 0x00200_0000</a:t>
+            </a:r>
+          </a:p>
+          <a:p>
+            <a:pPr lvl="2"/>
             <a:r>
               <a:rPr lang="en-US" dirty="0" smtClean="0">
                 <a:latin typeface="+mj-lt"/>
               </a:rPr>
-              <a:t>0x00020_0000</a:t>
-            </a:r>
-            <a:endParaRPr lang="en-US" dirty="0" smtClean="0">
-              <a:latin typeface="+mj-lt"/>
-            </a:endParaRPr>
+              <a:t>If </a:t>
+            </a:r>
+            <a:r>
+              <a:rPr lang="en-US" dirty="0" err="1" smtClean="0">
+                <a:latin typeface="+mj-lt"/>
+              </a:rPr>
+              <a:t>rxlen_val</a:t>
+            </a:r>
+            <a:r>
+              <a:rPr lang="en-US" dirty="0" smtClean="0">
+                <a:latin typeface="+mj-lt"/>
+              </a:rPr>
+              <a:t> = 25, the segment size is 0x00400_0000</a:t>
+            </a:r>
           </a:p>
           <a:p>
             <a:pPr lvl="2"/>
@@ -11824,193 +11575,28 @@
               <a:rPr lang="en-US" dirty="0" smtClean="0">
                 <a:latin typeface="+mj-lt"/>
               </a:rPr>
-              <a:t> = 21, the segment size is </a:t>
-            </a:r>
+              <a:t> = 26, the segment size is 0x00800_0000</a:t>
+            </a:r>
+          </a:p>
+          <a:p>
+            <a:pPr lvl="2"/>
             <a:r>
               <a:rPr lang="en-US" dirty="0" smtClean="0">
                 <a:latin typeface="+mj-lt"/>
               </a:rPr>
-              <a:t>0x00040_0000</a:t>
-            </a:r>
-            <a:endParaRPr lang="en-US" dirty="0" smtClean="0">
-              <a:latin typeface="+mj-lt"/>
-            </a:endParaRPr>
-          </a:p>
-          <a:p>
-            <a:pPr lvl="2"/>
+              <a:t>If </a:t>
+            </a:r>
+            <a:r>
+              <a:rPr lang="en-US" dirty="0" err="1" smtClean="0">
+                <a:latin typeface="+mj-lt"/>
+              </a:rPr>
+              <a:t>rxlen_val</a:t>
+            </a:r>
             <a:r>
               <a:rPr lang="en-US" dirty="0" smtClean="0">
                 <a:latin typeface="+mj-lt"/>
               </a:rPr>
-              <a:t>If </a:t>
-            </a:r>
-            <a:r>
-              <a:rPr lang="en-US" dirty="0" err="1" smtClean="0">
-                <a:latin typeface="+mj-lt"/>
-              </a:rPr>
-              <a:t>rxlen_val</a:t>
-            </a:r>
-            <a:r>
-              <a:rPr lang="en-US" dirty="0" smtClean="0">
-                <a:latin typeface="+mj-lt"/>
-              </a:rPr>
-              <a:t> = 22, the segment size is </a:t>
-            </a:r>
-            <a:r>
-              <a:rPr lang="en-US" dirty="0" smtClean="0">
-                <a:latin typeface="+mj-lt"/>
-              </a:rPr>
-              <a:t>0x00080_0000</a:t>
-            </a:r>
-            <a:endParaRPr lang="en-US" dirty="0" smtClean="0">
-              <a:latin typeface="+mj-lt"/>
-            </a:endParaRPr>
-          </a:p>
-          <a:p>
-            <a:pPr lvl="2"/>
-            <a:r>
-              <a:rPr lang="en-US" dirty="0" smtClean="0">
-                <a:latin typeface="+mj-lt"/>
-              </a:rPr>
-              <a:t>If </a:t>
-            </a:r>
-            <a:r>
-              <a:rPr lang="en-US" dirty="0" err="1" smtClean="0">
-                <a:latin typeface="+mj-lt"/>
-              </a:rPr>
-              <a:t>rxlen_val</a:t>
-            </a:r>
-            <a:r>
-              <a:rPr lang="en-US" dirty="0" smtClean="0">
-                <a:latin typeface="+mj-lt"/>
-              </a:rPr>
-              <a:t> = 23, the segment size is </a:t>
-            </a:r>
-            <a:r>
-              <a:rPr lang="en-US" dirty="0" smtClean="0">
-                <a:latin typeface="+mj-lt"/>
-              </a:rPr>
-              <a:t>0x00100_0000</a:t>
-            </a:r>
-            <a:endParaRPr lang="en-US" dirty="0" smtClean="0">
-              <a:latin typeface="+mj-lt"/>
-            </a:endParaRPr>
-          </a:p>
-          <a:p>
-            <a:pPr lvl="2"/>
-            <a:r>
-              <a:rPr lang="en-US" dirty="0" smtClean="0">
-                <a:latin typeface="+mj-lt"/>
-              </a:rPr>
-              <a:t>If </a:t>
-            </a:r>
-            <a:r>
-              <a:rPr lang="en-US" dirty="0" err="1" smtClean="0">
-                <a:latin typeface="+mj-lt"/>
-              </a:rPr>
-              <a:t>rxlen_val</a:t>
-            </a:r>
-            <a:r>
-              <a:rPr lang="en-US" dirty="0" smtClean="0">
-                <a:latin typeface="+mj-lt"/>
-              </a:rPr>
-              <a:t> = 24, the segment size is </a:t>
-            </a:r>
-            <a:r>
-              <a:rPr lang="en-US" dirty="0" smtClean="0">
-                <a:latin typeface="+mj-lt"/>
-              </a:rPr>
-              <a:t>0x00200_0000</a:t>
-            </a:r>
-            <a:endParaRPr lang="en-US" dirty="0" smtClean="0">
-              <a:latin typeface="+mj-lt"/>
-            </a:endParaRPr>
-          </a:p>
-          <a:p>
-            <a:pPr lvl="2"/>
-            <a:r>
-              <a:rPr lang="en-US" dirty="0" smtClean="0">
-                <a:latin typeface="+mj-lt"/>
-              </a:rPr>
-              <a:t>If </a:t>
-            </a:r>
-            <a:r>
-              <a:rPr lang="en-US" dirty="0" err="1" smtClean="0">
-                <a:latin typeface="+mj-lt"/>
-              </a:rPr>
-              <a:t>rxlen_val</a:t>
-            </a:r>
-            <a:r>
-              <a:rPr lang="en-US" dirty="0" smtClean="0">
-                <a:latin typeface="+mj-lt"/>
-              </a:rPr>
-              <a:t> = 25, the segment size is </a:t>
-            </a:r>
-            <a:r>
-              <a:rPr lang="en-US" dirty="0" smtClean="0">
-                <a:latin typeface="+mj-lt"/>
-              </a:rPr>
-              <a:t>0x00400_0000</a:t>
-            </a:r>
-            <a:endParaRPr lang="en-US" dirty="0" smtClean="0">
-              <a:latin typeface="+mj-lt"/>
-            </a:endParaRPr>
-          </a:p>
-          <a:p>
-            <a:pPr lvl="2"/>
-            <a:r>
-              <a:rPr lang="en-US" dirty="0" smtClean="0">
-                <a:latin typeface="+mj-lt"/>
-              </a:rPr>
-              <a:t>If </a:t>
-            </a:r>
-            <a:r>
-              <a:rPr lang="en-US" dirty="0" err="1" smtClean="0">
-                <a:latin typeface="+mj-lt"/>
-              </a:rPr>
-              <a:t>rxlen_val</a:t>
-            </a:r>
-            <a:r>
-              <a:rPr lang="en-US" dirty="0" smtClean="0">
-                <a:latin typeface="+mj-lt"/>
-              </a:rPr>
-              <a:t> = 26, the segment size is </a:t>
-            </a:r>
-            <a:r>
-              <a:rPr lang="en-US" dirty="0" smtClean="0">
-                <a:latin typeface="+mj-lt"/>
-              </a:rPr>
-              <a:t>0x00800_0000</a:t>
-            </a:r>
-            <a:endParaRPr lang="en-US" dirty="0" smtClean="0">
-              <a:latin typeface="+mj-lt"/>
-            </a:endParaRPr>
-          </a:p>
-          <a:p>
-            <a:pPr lvl="2"/>
-            <a:r>
-              <a:rPr lang="en-US" dirty="0" smtClean="0">
-                <a:latin typeface="+mj-lt"/>
-              </a:rPr>
-              <a:t>If </a:t>
-            </a:r>
-            <a:r>
-              <a:rPr lang="en-US" dirty="0" err="1" smtClean="0">
-                <a:latin typeface="+mj-lt"/>
-              </a:rPr>
-              <a:t>rxlen_val</a:t>
-            </a:r>
-            <a:r>
-              <a:rPr lang="en-US" dirty="0" smtClean="0">
-                <a:latin typeface="+mj-lt"/>
-              </a:rPr>
-              <a:t> = 27, the segment size is </a:t>
-            </a:r>
-            <a:r>
-              <a:rPr lang="en-US" dirty="0" smtClean="0">
-                <a:latin typeface="+mj-lt"/>
-              </a:rPr>
-              <a:t>0x01000_0000</a:t>
+              <a:t> = 27, the segment size is 0x01000_0000</a:t>
             </a:r>
             <a:endParaRPr lang="en-US" dirty="0">
               <a:latin typeface="+mj-lt"/>
@@ -12991,26 +12577,17 @@
               <a:rPr lang="en-US" sz="2000" dirty="0" smtClean="0">
                 <a:latin typeface="+mj-lt"/>
               </a:rPr>
-              <a:t>Size 23 = 0x0010 0000 = </a:t>
-            </a:r>
+              <a:t>Size 23 = 0x0010 0000 = 16MB  and the mask that will be used is </a:t>
+            </a:r>
+          </a:p>
+          <a:p>
+            <a:pPr lvl="1"/>
             <a:r>
               <a:rPr lang="en-US" sz="2000" dirty="0" smtClean="0">
                 <a:latin typeface="+mj-lt"/>
               </a:rPr>
-              <a:t>16MB  and the mask that will be used is </a:t>
-            </a:r>
-          </a:p>
-          <a:p>
-            <a:pPr lvl="1"/>
-            <a:r>
-              <a:rPr lang="en-US" sz="2000" dirty="0" smtClean="0">
-                <a:latin typeface="+mj-lt"/>
-              </a:rPr>
               <a:t>0x000f ffff</a:t>
             </a:r>
-            <a:endParaRPr lang="en-US" sz="2000" dirty="0" smtClean="0">
-              <a:latin typeface="+mj-lt"/>
-            </a:endParaRPr>
           </a:p>
         </p:txBody>
       </p:sp>
@@ -13918,327 +13495,6 @@
       </p:grpSpPr>
       <p:sp>
         <p:nvSpPr>
-          <p:cNvPr id="29699" name="Rectangle 3"/>
-          <p:cNvSpPr>
-            <a:spLocks noChangeArrowheads="1"/>
-          </p:cNvSpPr>
-          <p:nvPr/>
-        </p:nvSpPr>
-        <p:spPr bwMode="auto">
-          <a:xfrm>
-            <a:off x="381000" y="990600"/>
-            <a:ext cx="8382000" cy="4401205"/>
-          </a:xfrm>
-          <a:prstGeom prst="rect">
-            <a:avLst/>
-          </a:prstGeom>
-          <a:noFill/>
-          <a:ln w="9525">
-            <a:noFill/>
-            <a:miter lim="800000"/>
-            <a:headEnd/>
-            <a:tailEnd/>
-          </a:ln>
-        </p:spPr>
-        <p:txBody>
-          <a:bodyPr wrap="square">
-            <a:spAutoFit/>
-          </a:bodyPr>
-          <a:lstStyle/>
-          <a:p>
-            <a:pPr marL="342900" indent="-342900">
-              <a:buSzPct val="125000"/>
-              <a:buFont typeface="Arial" pitchFamily="34" charset="0"/>
-              <a:buChar char="•"/>
-              <a:defRPr/>
-            </a:pPr>
-            <a:r>
-              <a:rPr lang="en-US" sz="2000" dirty="0" smtClean="0">
-                <a:latin typeface="+mj-lt"/>
-              </a:rPr>
-              <a:t>64 segments</a:t>
-            </a:r>
-          </a:p>
-          <a:p>
-            <a:pPr marL="342900" indent="-342900">
-              <a:buSzPct val="125000"/>
-              <a:buFont typeface="Arial" pitchFamily="34" charset="0"/>
-              <a:buChar char="•"/>
-              <a:defRPr/>
-            </a:pPr>
-            <a:r>
-              <a:rPr lang="en-US" sz="2000" dirty="0" smtClean="0">
-                <a:latin typeface="+mj-lt"/>
-              </a:rPr>
-              <a:t>Addresses start at 0x8000_0000, 0x8080_0000</a:t>
-            </a:r>
-            <a:r>
-              <a:rPr lang="en-US" sz="2000" dirty="0">
-                <a:latin typeface="+mj-lt"/>
-              </a:rPr>
-              <a:t>, </a:t>
-            </a:r>
-            <a:r>
-              <a:rPr lang="en-US" sz="2000" dirty="0" smtClean="0">
-                <a:latin typeface="+mj-lt"/>
-              </a:rPr>
-              <a:t>0x8100_0000</a:t>
-            </a:r>
-            <a:r>
-              <a:rPr lang="en-US" sz="2000" dirty="0">
-                <a:latin typeface="+mj-lt"/>
-              </a:rPr>
-              <a:t>, </a:t>
-            </a:r>
-            <a:r>
-              <a:rPr lang="en-US" sz="2000" dirty="0" smtClean="0">
-                <a:latin typeface="+mj-lt"/>
-              </a:rPr>
-              <a:t>etc.</a:t>
-            </a:r>
-          </a:p>
-          <a:p>
-            <a:pPr marL="342900" indent="-342900">
-              <a:buSzPct val="125000"/>
-              <a:buFont typeface="Arial" pitchFamily="34" charset="0"/>
-              <a:buChar char="•"/>
-              <a:defRPr/>
-            </a:pPr>
-            <a:r>
-              <a:rPr lang="en-US" sz="2000" dirty="0" smtClean="0">
-                <a:latin typeface="+mj-lt"/>
-              </a:rPr>
-              <a:t>The maximum size is 4MB. That is, 22 bits.</a:t>
-            </a:r>
-          </a:p>
-          <a:p>
-            <a:pPr marL="342900" indent="-342900">
-              <a:buSzPct val="125000"/>
-              <a:buFont typeface="Arial" pitchFamily="34" charset="0"/>
-              <a:buChar char="•"/>
-              <a:defRPr/>
-            </a:pPr>
-            <a:r>
-              <a:rPr lang="en-US" sz="2000" dirty="0" smtClean="0">
-                <a:latin typeface="+mj-lt"/>
-              </a:rPr>
-              <a:t>6 </a:t>
-            </a:r>
-            <a:r>
-              <a:rPr lang="en-US" sz="2000" dirty="0">
-                <a:latin typeface="+mj-lt"/>
-              </a:rPr>
-              <a:t>bits to choose the segment (64 segments)</a:t>
-            </a:r>
-          </a:p>
-          <a:p>
-            <a:pPr lvl="1"/>
-            <a:endParaRPr lang="en-US" sz="2000" dirty="0" smtClean="0">
-              <a:latin typeface="+mj-lt"/>
-            </a:endParaRPr>
-          </a:p>
-          <a:p>
-            <a:pPr lvl="1"/>
-            <a:r>
-              <a:rPr lang="en-US" sz="2000" dirty="0" smtClean="0">
-                <a:latin typeface="+mj-lt"/>
-              </a:rPr>
-              <a:t>Row 0	0x8000_0000    Size </a:t>
-            </a:r>
-            <a:r>
-              <a:rPr lang="en-US" sz="2000" dirty="0">
-                <a:latin typeface="+mj-lt"/>
-              </a:rPr>
-              <a:t>21 (4M)  </a:t>
-            </a:r>
-          </a:p>
-          <a:p>
-            <a:pPr lvl="1"/>
-            <a:r>
-              <a:rPr lang="en-US" sz="2000" dirty="0" smtClean="0">
-                <a:latin typeface="+mj-lt"/>
-              </a:rPr>
-              <a:t>Row 1	0x8080_0000    Size </a:t>
-            </a:r>
-            <a:r>
-              <a:rPr lang="en-US" sz="2000" dirty="0">
-                <a:latin typeface="+mj-lt"/>
-              </a:rPr>
-              <a:t>21  </a:t>
-            </a:r>
-          </a:p>
-          <a:p>
-            <a:pPr lvl="1"/>
-            <a:r>
-              <a:rPr lang="en-US" sz="2000" dirty="0" smtClean="0">
-                <a:latin typeface="+mj-lt"/>
-              </a:rPr>
-              <a:t>Row 2	0x8100_0000    Size </a:t>
-            </a:r>
-            <a:r>
-              <a:rPr lang="en-US" sz="2000" dirty="0">
-                <a:latin typeface="+mj-lt"/>
-              </a:rPr>
-              <a:t>21</a:t>
-            </a:r>
-          </a:p>
-          <a:p>
-            <a:pPr lvl="1"/>
-            <a:r>
-              <a:rPr lang="en-US" sz="2000" dirty="0" smtClean="0">
-                <a:latin typeface="+mj-lt"/>
-              </a:rPr>
-              <a:t>Row 3	0x8180_0000    Size </a:t>
-            </a:r>
-            <a:r>
-              <a:rPr lang="en-US" sz="2000" dirty="0">
-                <a:latin typeface="+mj-lt"/>
-              </a:rPr>
-              <a:t>21</a:t>
-            </a:r>
-          </a:p>
-          <a:p>
-            <a:pPr lvl="1"/>
-            <a:r>
-              <a:rPr lang="en-US" sz="2000" dirty="0" smtClean="0">
-                <a:latin typeface="+mj-lt"/>
-              </a:rPr>
-              <a:t>Row 4	0x8200_0000    Size </a:t>
-            </a:r>
-            <a:r>
-              <a:rPr lang="en-US" sz="2000" dirty="0">
-                <a:latin typeface="+mj-lt"/>
-              </a:rPr>
-              <a:t>21</a:t>
-            </a:r>
-          </a:p>
-          <a:p>
-            <a:pPr lvl="1"/>
-            <a:r>
-              <a:rPr lang="en-US" sz="2000" dirty="0" smtClean="0">
-                <a:latin typeface="+mj-lt"/>
-              </a:rPr>
-              <a:t>Row 5	0x8280_0000    Size </a:t>
-            </a:r>
-            <a:r>
-              <a:rPr lang="en-US" sz="2000" dirty="0">
-                <a:latin typeface="+mj-lt"/>
-              </a:rPr>
-              <a:t>21</a:t>
-            </a:r>
-          </a:p>
-          <a:p>
-            <a:r>
-              <a:rPr lang="en-US" sz="2000" dirty="0">
-                <a:latin typeface="+mj-lt"/>
-              </a:rPr>
-              <a:t>	</a:t>
-            </a:r>
-            <a:r>
-              <a:rPr lang="en-US" sz="2000" dirty="0" smtClean="0">
-                <a:latin typeface="+mj-lt"/>
-              </a:rPr>
-              <a:t>.</a:t>
-            </a:r>
-          </a:p>
-          <a:p>
-            <a:r>
-              <a:rPr lang="en-US" sz="2000" dirty="0" smtClean="0">
-                <a:latin typeface="+mj-lt"/>
-              </a:rPr>
-              <a:t>	.</a:t>
-            </a:r>
-          </a:p>
-          <a:p>
-            <a:r>
-              <a:rPr lang="en-US" sz="2000" dirty="0" smtClean="0">
-                <a:latin typeface="+mj-lt"/>
-              </a:rPr>
-              <a:t>	.</a:t>
-            </a:r>
-            <a:endParaRPr lang="en-US" sz="2000" dirty="0">
-              <a:latin typeface="+mj-lt"/>
-            </a:endParaRPr>
-          </a:p>
-        </p:txBody>
-      </p:sp>
-      <p:sp>
-        <p:nvSpPr>
-          <p:cNvPr id="4" name="Rectangle 2"/>
-          <p:cNvSpPr>
-            <a:spLocks noChangeArrowheads="1"/>
-          </p:cNvSpPr>
-          <p:nvPr/>
-        </p:nvSpPr>
-        <p:spPr bwMode="auto">
-          <a:xfrm>
-            <a:off x="457200" y="0"/>
-            <a:ext cx="8001000" cy="769441"/>
-          </a:xfrm>
-          <a:prstGeom prst="rect">
-            <a:avLst/>
-          </a:prstGeom>
-          <a:noFill/>
-          <a:ln w="9525">
-            <a:noFill/>
-            <a:miter lim="800000"/>
-            <a:headEnd/>
-            <a:tailEnd/>
-          </a:ln>
-        </p:spPr>
-        <p:txBody>
-          <a:bodyPr wrap="square">
-            <a:spAutoFit/>
-          </a:bodyPr>
-          <a:lstStyle/>
-          <a:p>
-            <a:pPr algn="ctr"/>
-            <a:r>
-              <a:rPr lang="en-US" sz="4400" dirty="0" smtClean="0">
-                <a:latin typeface="+mj-lt"/>
-              </a:rPr>
-              <a:t>Segment Lookup Table: Example 5</a:t>
-            </a:r>
-            <a:endParaRPr lang="en-US" sz="4400" dirty="0">
-              <a:latin typeface="+mj-lt"/>
-            </a:endParaRPr>
-          </a:p>
-        </p:txBody>
-      </p:sp>
-    </p:spTree>
-  </p:cSld>
-  <p:clrMapOvr>
-    <a:masterClrMapping/>
-  </p:clrMapOvr>
-  <p:timing>
-    <p:tnLst>
-      <p:par>
-        <p:cTn id="1" dur="indefinite" restart="never" nodeType="tmRoot"/>
-      </p:par>
-    </p:tnLst>
-  </p:timing>
-</p:sld>
-</file>
-
-<file path=ppt/slides/slide26.xml><?xml version="1.0" encoding="utf-8"?>
-<p:sld xmlns:a="http://schemas.openxmlformats.org/drawingml/2006/main" xmlns:r="http://schemas.openxmlformats.org/officeDocument/2006/relationships" xmlns:p="http://schemas.openxmlformats.org/presentationml/2006/main">
-  <p:cSld>
-    <p:spTree>
-      <p:nvGrpSpPr>
-        <p:cNvPr id="1" name=""/>
-        <p:cNvGrpSpPr/>
-        <p:nvPr/>
-      </p:nvGrpSpPr>
-      <p:grpSpPr>
-        <a:xfrm>
-          <a:off x="0" y="0"/>
-          <a:ext cx="0" cy="0"/>
-          <a:chOff x="0" y="0"/>
-          <a:chExt cx="0" cy="0"/>
-        </a:xfrm>
-      </p:grpSpPr>
-      <p:sp>
-        <p:nvSpPr>
           <p:cNvPr id="4" name="Rectangle 3"/>
           <p:cNvSpPr/>
           <p:nvPr/>
@@ -14572,7 +13828,7 @@
 </p:sld>
 </file>
 
-<file path=ppt/slides/slide27.xml><?xml version="1.0" encoding="utf-8"?>
+<file path=ppt/slides/slide26.xml><?xml version="1.0" encoding="utf-8"?>
 <p:sld xmlns:a="http://schemas.openxmlformats.org/drawingml/2006/main" xmlns:r="http://schemas.openxmlformats.org/officeDocument/2006/relationships" xmlns:p="http://schemas.openxmlformats.org/presentationml/2006/main">
   <p:cSld>
     <p:spTree>
@@ -14872,17 +14128,8 @@
               <a:rPr lang="en-US" sz="2000" dirty="0" smtClean="0">
                 <a:latin typeface="+mj-lt"/>
               </a:rPr>
-              <a:t> = </a:t>
-            </a:r>
-            <a:r>
-              <a:rPr lang="en-US" sz="2000" dirty="0" smtClean="0">
-                <a:latin typeface="+mj-lt"/>
-              </a:rPr>
-              <a:t>Determine what address bits will be sent to the remote side:</a:t>
-            </a:r>
-            <a:endParaRPr lang="en-US" sz="2000" dirty="0" smtClean="0">
-              <a:latin typeface="+mj-lt"/>
-            </a:endParaRPr>
+              <a:t> = Determine what address bits will be sent to the remote side:</a:t>
+            </a:r>
           </a:p>
           <a:p>
             <a:pPr marL="1257300" lvl="2" indent="-342900">
@@ -14893,29 +14140,8 @@
               <a:rPr lang="en-US" sz="2000" dirty="0" smtClean="0">
                 <a:latin typeface="+mj-lt"/>
               </a:rPr>
-              <a:t>11 → mask 0x0FFF_FFFF </a:t>
-            </a:r>
-            <a:r>
-              <a:rPr lang="en-US" sz="2000" dirty="0" smtClean="0">
-                <a:latin typeface="+mj-lt"/>
-              </a:rPr>
-              <a:t>,10 </a:t>
-            </a:r>
-            <a:r>
-              <a:rPr lang="en-US" sz="2000" dirty="0" smtClean="0">
-                <a:latin typeface="+mj-lt"/>
-              </a:rPr>
-              <a:t>→  </a:t>
-            </a:r>
-            <a:r>
-              <a:rPr lang="en-US" sz="2000" dirty="0" smtClean="0">
-                <a:latin typeface="+mj-lt"/>
-              </a:rPr>
-              <a:t>0x07FF_FFFF</a:t>
-            </a:r>
-            <a:endParaRPr lang="en-US" sz="2000" dirty="0" smtClean="0">
-              <a:latin typeface="+mj-lt"/>
-            </a:endParaRPr>
+              <a:t>11 → mask 0x0FFF_FFFF ,10 →  0x07FF_FFFF</a:t>
+            </a:r>
           </a:p>
           <a:p>
             <a:pPr marL="1257300" lvl="2" indent="-342900">
@@ -14926,29 +14152,8 @@
               <a:rPr lang="en-US" sz="2000" dirty="0" smtClean="0">
                 <a:latin typeface="+mj-lt"/>
               </a:rPr>
-              <a:t>8 → </a:t>
-            </a:r>
-            <a:r>
-              <a:rPr lang="en-US" sz="2000" dirty="0" smtClean="0">
-                <a:latin typeface="+mj-lt"/>
-              </a:rPr>
-              <a:t>0x01FF_FFFF, </a:t>
-            </a:r>
-            <a:r>
-              <a:rPr lang="en-US" sz="2000" dirty="0" smtClean="0">
-                <a:latin typeface="+mj-lt"/>
-              </a:rPr>
-              <a:t>0 → </a:t>
-            </a:r>
-            <a:r>
-              <a:rPr lang="en-US" sz="2000" dirty="0" smtClean="0">
-                <a:latin typeface="+mj-lt"/>
-              </a:rPr>
-              <a:t>0x0001_FFFF</a:t>
-            </a:r>
-            <a:endParaRPr lang="en-US" sz="2000" dirty="0" smtClean="0">
-              <a:latin typeface="+mj-lt"/>
-            </a:endParaRPr>
+              <a:t>8 → 0x01FF_FFFF, 0 → 0x0001_FFFF</a:t>
+            </a:r>
           </a:p>
           <a:p>
             <a:pPr marL="800100" lvl="1" indent="-342900">
@@ -16098,7 +15303,7 @@
 </p:sld>
 </file>
 
-<file path=ppt/slides/slide28.xml><?xml version="1.0" encoding="utf-8"?>
+<file path=ppt/slides/slide27.xml><?xml version="1.0" encoding="utf-8"?>
 <p:sld xmlns:a="http://schemas.openxmlformats.org/drawingml/2006/main" xmlns:r="http://schemas.openxmlformats.org/officeDocument/2006/relationships" xmlns:p="http://schemas.openxmlformats.org/presentationml/2006/main">
   <p:cSld>
     <p:spTree>
@@ -16571,7 +15776,7 @@
 </p:sld>
 </file>
 
-<file path=ppt/slides/slide29.xml><?xml version="1.0" encoding="utf-8"?>
+<file path=ppt/slides/slide28.xml><?xml version="1.0" encoding="utf-8"?>
 <p:sld xmlns:a="http://schemas.openxmlformats.org/drawingml/2006/main" xmlns:r="http://schemas.openxmlformats.org/officeDocument/2006/relationships" xmlns:p="http://schemas.openxmlformats.org/presentationml/2006/main">
   <p:cSld>
     <p:spTree>
@@ -16866,29 +16071,8 @@
               <a:rPr lang="en-US" dirty="0" smtClean="0">
                 <a:latin typeface="+mj-lt"/>
               </a:rPr>
-              <a:t>12 → mask </a:t>
-            </a:r>
-            <a:r>
-              <a:rPr lang="en-US" dirty="0" smtClean="0">
-                <a:latin typeface="+mj-lt"/>
-              </a:rPr>
-              <a:t>0x0FFF_FFFF, 10 </a:t>
-            </a:r>
-            <a:r>
-              <a:rPr lang="en-US" dirty="0" smtClean="0">
-                <a:latin typeface="+mj-lt"/>
-              </a:rPr>
-              <a:t>→ </a:t>
-            </a:r>
-            <a:r>
-              <a:rPr lang="en-US" dirty="0" smtClean="0">
-                <a:latin typeface="+mj-lt"/>
-              </a:rPr>
-              <a:t>0x03FF_FFFF,</a:t>
-            </a:r>
-            <a:endParaRPr lang="en-US" dirty="0" smtClean="0">
-              <a:latin typeface="+mj-lt"/>
-            </a:endParaRPr>
+              <a:t>12 → mask 0x0FFF_FFFF, 10 → 0x03FF_FFFF,</a:t>
+            </a:r>
           </a:p>
           <a:p>
             <a:pPr marL="1257300" lvl="2" indent="-342900">
@@ -16899,19 +16083,7 @@
               <a:rPr lang="en-US" dirty="0" smtClean="0">
                 <a:latin typeface="+mj-lt"/>
               </a:rPr>
-              <a:t>8 → </a:t>
-            </a:r>
-            <a:r>
-              <a:rPr lang="en-US" dirty="0" smtClean="0">
-                <a:latin typeface="+mj-lt"/>
-              </a:rPr>
-              <a:t>0x00FF_FFFF </a:t>
-            </a:r>
-            <a:r>
-              <a:rPr lang="en-US" dirty="0" smtClean="0">
-                <a:latin typeface="+mj-lt"/>
-              </a:rPr>
-              <a:t>,   1 → 0x0001_FFFF </a:t>
+              <a:t>8 → 0x00FF_FFFF ,   1 → 0x0001_FFFF </a:t>
             </a:r>
             <a:endParaRPr lang="en-US" dirty="0">
               <a:latin typeface="+mj-lt"/>
@@ -19316,155 +18488,7 @@
 </p:sld>
 </file>
 
-<file path=ppt/slides/slide3.xml><?xml version="1.0" encoding="utf-8"?>
-<p:sld xmlns:a="http://schemas.openxmlformats.org/drawingml/2006/main" xmlns:r="http://schemas.openxmlformats.org/officeDocument/2006/relationships" xmlns:p="http://schemas.openxmlformats.org/presentationml/2006/main">
-  <p:cSld>
-    <p:spTree>
-      <p:nvGrpSpPr>
-        <p:cNvPr id="1" name=""/>
-        <p:cNvGrpSpPr/>
-        <p:nvPr/>
-      </p:nvGrpSpPr>
-      <p:grpSpPr>
-        <a:xfrm>
-          <a:off x="0" y="0"/>
-          <a:ext cx="0" cy="0"/>
-          <a:chOff x="0" y="0"/>
-          <a:chExt cx="0" cy="0"/>
-        </a:xfrm>
-      </p:grpSpPr>
-      <p:sp>
-        <p:nvSpPr>
-          <p:cNvPr id="12290" name="Title 1"/>
-          <p:cNvSpPr>
-            <a:spLocks noGrp="1"/>
-          </p:cNvSpPr>
-          <p:nvPr>
-            <p:ph type="title"/>
-          </p:nvPr>
-        </p:nvSpPr>
-        <p:spPr/>
-        <p:txBody>
-          <a:bodyPr/>
-          <a:lstStyle/>
-          <a:p>
-            <a:pPr eaLnBrk="1" hangingPunct="1"/>
-            <a:r>
-              <a:rPr lang="en-US" b="0" dirty="0" smtClean="0"/>
-              <a:t>Agenda</a:t>
-            </a:r>
-          </a:p>
-        </p:txBody>
-      </p:sp>
-      <p:sp>
-        <p:nvSpPr>
-          <p:cNvPr id="3" name="Subtitle 2"/>
-          <p:cNvSpPr>
-            <a:spLocks noGrp="1"/>
-          </p:cNvSpPr>
-          <p:nvPr>
-            <p:ph idx="1"/>
-          </p:nvPr>
-        </p:nvSpPr>
-        <p:spPr/>
-        <p:txBody>
-          <a:bodyPr rtlCol="0">
-            <a:normAutofit/>
-          </a:bodyPr>
-          <a:lstStyle/>
-          <a:p>
-            <a:pPr marL="514350" indent="-514350" eaLnBrk="1" fontAlgn="auto" hangingPunct="1">
-              <a:spcAft>
-                <a:spcPts val="0"/>
-              </a:spcAft>
-              <a:buFont typeface="+mj-lt"/>
-              <a:buAutoNum type="arabicPeriod"/>
-              <a:defRPr/>
-            </a:pPr>
-            <a:r>
-              <a:rPr lang="en-US" b="1" dirty="0" smtClean="0">
-                <a:latin typeface="+mj-lt"/>
-              </a:rPr>
-              <a:t>HyperLink Overview</a:t>
-            </a:r>
-          </a:p>
-          <a:p>
-            <a:pPr marL="514350" indent="-514350" eaLnBrk="1" fontAlgn="auto" hangingPunct="1">
-              <a:spcAft>
-                <a:spcPts val="0"/>
-              </a:spcAft>
-              <a:buFont typeface="+mj-lt"/>
-              <a:buAutoNum type="arabicPeriod"/>
-              <a:defRPr/>
-            </a:pPr>
-            <a:r>
-              <a:rPr lang="en-US" dirty="0" smtClean="0">
-                <a:latin typeface="+mj-lt"/>
-              </a:rPr>
-              <a:t>Address Translation</a:t>
-            </a:r>
-          </a:p>
-          <a:p>
-            <a:pPr marL="514350" indent="-514350" eaLnBrk="1" fontAlgn="auto" hangingPunct="1">
-              <a:spcAft>
-                <a:spcPts val="0"/>
-              </a:spcAft>
-              <a:buFont typeface="+mj-lt"/>
-              <a:buAutoNum type="arabicPeriod"/>
-              <a:defRPr/>
-            </a:pPr>
-            <a:r>
-              <a:rPr lang="en-US" dirty="0" smtClean="0">
-                <a:latin typeface="+mj-lt"/>
-              </a:rPr>
-              <a:t>Configuration</a:t>
-            </a:r>
-          </a:p>
-          <a:p>
-            <a:pPr marL="514350" indent="-514350" eaLnBrk="1" fontAlgn="auto" hangingPunct="1">
-              <a:spcAft>
-                <a:spcPts val="0"/>
-              </a:spcAft>
-              <a:buFont typeface="+mj-lt"/>
-              <a:buAutoNum type="arabicPeriod"/>
-              <a:defRPr/>
-            </a:pPr>
-            <a:r>
-              <a:rPr lang="en-US" dirty="0" smtClean="0"/>
-              <a:t>Example and Demo</a:t>
-            </a:r>
-          </a:p>
-          <a:p>
-            <a:pPr marL="514350" indent="-514350" eaLnBrk="1" fontAlgn="auto" hangingPunct="1">
-              <a:spcAft>
-                <a:spcPts val="0"/>
-              </a:spcAft>
-              <a:buFont typeface="Arial" pitchFamily="34" charset="0"/>
-              <a:buNone/>
-              <a:defRPr/>
-            </a:pPr>
-            <a:endParaRPr lang="en-US" b="1" dirty="0" smtClean="0">
-              <a:latin typeface="+mj-lt"/>
-            </a:endParaRPr>
-          </a:p>
-        </p:txBody>
-      </p:sp>
-    </p:spTree>
-  </p:cSld>
-  <p:clrMapOvr>
-    <a:masterClrMapping/>
-  </p:clrMapOvr>
-  <p:timing>
-    <p:tnLst>
-      <p:par>
-        <p:cTn id="1" dur="indefinite" restart="never" nodeType="tmRoot"/>
-      </p:par>
-    </p:tnLst>
-  </p:timing>
-</p:sld>
-</file>
-
-<file path=ppt/slides/slide30.xml><?xml version="1.0" encoding="utf-8"?>
+<file path=ppt/slides/slide29.xml><?xml version="1.0" encoding="utf-8"?>
 <p:sld xmlns:a="http://schemas.openxmlformats.org/drawingml/2006/main" xmlns:r="http://schemas.openxmlformats.org/officeDocument/2006/relationships" xmlns:p="http://schemas.openxmlformats.org/presentationml/2006/main">
   <p:cSld>
     <p:spTree>
@@ -19743,7 +18767,155 @@
 </p:sld>
 </file>
 
-<file path=ppt/slides/slide31.xml><?xml version="1.0" encoding="utf-8"?>
+<file path=ppt/slides/slide3.xml><?xml version="1.0" encoding="utf-8"?>
+<p:sld xmlns:a="http://schemas.openxmlformats.org/drawingml/2006/main" xmlns:r="http://schemas.openxmlformats.org/officeDocument/2006/relationships" xmlns:p="http://schemas.openxmlformats.org/presentationml/2006/main">
+  <p:cSld>
+    <p:spTree>
+      <p:nvGrpSpPr>
+        <p:cNvPr id="1" name=""/>
+        <p:cNvGrpSpPr/>
+        <p:nvPr/>
+      </p:nvGrpSpPr>
+      <p:grpSpPr>
+        <a:xfrm>
+          <a:off x="0" y="0"/>
+          <a:ext cx="0" cy="0"/>
+          <a:chOff x="0" y="0"/>
+          <a:chExt cx="0" cy="0"/>
+        </a:xfrm>
+      </p:grpSpPr>
+      <p:sp>
+        <p:nvSpPr>
+          <p:cNvPr id="12290" name="Title 1"/>
+          <p:cNvSpPr>
+            <a:spLocks noGrp="1"/>
+          </p:cNvSpPr>
+          <p:nvPr>
+            <p:ph type="title"/>
+          </p:nvPr>
+        </p:nvSpPr>
+        <p:spPr/>
+        <p:txBody>
+          <a:bodyPr/>
+          <a:lstStyle/>
+          <a:p>
+            <a:pPr eaLnBrk="1" hangingPunct="1"/>
+            <a:r>
+              <a:rPr lang="en-US" b="0" dirty="0" smtClean="0"/>
+              <a:t>Agenda</a:t>
+            </a:r>
+          </a:p>
+        </p:txBody>
+      </p:sp>
+      <p:sp>
+        <p:nvSpPr>
+          <p:cNvPr id="3" name="Subtitle 2"/>
+          <p:cNvSpPr>
+            <a:spLocks noGrp="1"/>
+          </p:cNvSpPr>
+          <p:nvPr>
+            <p:ph idx="1"/>
+          </p:nvPr>
+        </p:nvSpPr>
+        <p:spPr/>
+        <p:txBody>
+          <a:bodyPr rtlCol="0">
+            <a:normAutofit/>
+          </a:bodyPr>
+          <a:lstStyle/>
+          <a:p>
+            <a:pPr marL="514350" indent="-514350" eaLnBrk="1" fontAlgn="auto" hangingPunct="1">
+              <a:spcAft>
+                <a:spcPts val="0"/>
+              </a:spcAft>
+              <a:buFont typeface="+mj-lt"/>
+              <a:buAutoNum type="arabicPeriod"/>
+              <a:defRPr/>
+            </a:pPr>
+            <a:r>
+              <a:rPr lang="en-US" b="1" dirty="0" smtClean="0">
+                <a:latin typeface="+mj-lt"/>
+              </a:rPr>
+              <a:t>HyperLink Overview</a:t>
+            </a:r>
+          </a:p>
+          <a:p>
+            <a:pPr marL="514350" indent="-514350" eaLnBrk="1" fontAlgn="auto" hangingPunct="1">
+              <a:spcAft>
+                <a:spcPts val="0"/>
+              </a:spcAft>
+              <a:buFont typeface="+mj-lt"/>
+              <a:buAutoNum type="arabicPeriod"/>
+              <a:defRPr/>
+            </a:pPr>
+            <a:r>
+              <a:rPr lang="en-US" dirty="0" smtClean="0">
+                <a:latin typeface="+mj-lt"/>
+              </a:rPr>
+              <a:t>Address Translation</a:t>
+            </a:r>
+          </a:p>
+          <a:p>
+            <a:pPr marL="514350" indent="-514350" eaLnBrk="1" fontAlgn="auto" hangingPunct="1">
+              <a:spcAft>
+                <a:spcPts val="0"/>
+              </a:spcAft>
+              <a:buFont typeface="+mj-lt"/>
+              <a:buAutoNum type="arabicPeriod"/>
+              <a:defRPr/>
+            </a:pPr>
+            <a:r>
+              <a:rPr lang="en-US" dirty="0" smtClean="0">
+                <a:latin typeface="+mj-lt"/>
+              </a:rPr>
+              <a:t>Configuration</a:t>
+            </a:r>
+          </a:p>
+          <a:p>
+            <a:pPr marL="514350" indent="-514350" eaLnBrk="1" fontAlgn="auto" hangingPunct="1">
+              <a:spcAft>
+                <a:spcPts val="0"/>
+              </a:spcAft>
+              <a:buFont typeface="+mj-lt"/>
+              <a:buAutoNum type="arabicPeriod"/>
+              <a:defRPr/>
+            </a:pPr>
+            <a:r>
+              <a:rPr lang="en-US" dirty="0" smtClean="0"/>
+              <a:t>Example and Demo</a:t>
+            </a:r>
+          </a:p>
+          <a:p>
+            <a:pPr marL="514350" indent="-514350" eaLnBrk="1" fontAlgn="auto" hangingPunct="1">
+              <a:spcAft>
+                <a:spcPts val="0"/>
+              </a:spcAft>
+              <a:buFont typeface="Arial" pitchFamily="34" charset="0"/>
+              <a:buNone/>
+              <a:defRPr/>
+            </a:pPr>
+            <a:endParaRPr lang="en-US" b="1" dirty="0" smtClean="0">
+              <a:latin typeface="+mj-lt"/>
+            </a:endParaRPr>
+          </a:p>
+        </p:txBody>
+      </p:sp>
+    </p:spTree>
+  </p:cSld>
+  <p:clrMapOvr>
+    <a:masterClrMapping/>
+  </p:clrMapOvr>
+  <p:timing>
+    <p:tnLst>
+      <p:par>
+        <p:cTn id="1" dur="indefinite" restart="never" nodeType="tmRoot"/>
+      </p:par>
+    </p:tnLst>
+  </p:timing>
+</p:sld>
+</file>
+
+<file path=ppt/slides/slide30.xml><?xml version="1.0" encoding="utf-8"?>
 <p:sld xmlns:a="http://schemas.openxmlformats.org/drawingml/2006/main" xmlns:r="http://schemas.openxmlformats.org/officeDocument/2006/relationships" xmlns:p="http://schemas.openxmlformats.org/presentationml/2006/main">
   <p:cSld>
     <p:spTree>
@@ -19975,19 +19147,7 @@
               <a:rPr lang="en-US" dirty="0" smtClean="0">
                 <a:latin typeface="+mj-lt"/>
               </a:rPr>
-              <a:t>0x8000     Size 27  (size </a:t>
-            </a:r>
-            <a:r>
-              <a:rPr lang="en-US" dirty="0" smtClean="0">
-                <a:latin typeface="+mj-lt"/>
-              </a:rPr>
-              <a:t>0x1000_0000 </a:t>
-            </a:r>
-            <a:r>
-              <a:rPr lang="en-US" dirty="0" smtClean="0">
-                <a:latin typeface="+mj-lt"/>
-              </a:rPr>
-              <a:t>= 256MB)</a:t>
+              <a:t>0x8000     Size 27  (size 0x1000_0000 = 256MB)</a:t>
             </a:r>
           </a:p>
           <a:p>
@@ -20013,7 +19173,7 @@
 </p:sld>
 </file>
 
-<file path=ppt/slides/slide32.xml><?xml version="1.0" encoding="utf-8"?>
+<file path=ppt/slides/slide31.xml><?xml version="1.0" encoding="utf-8"?>
 <p:sld xmlns:a="http://schemas.openxmlformats.org/drawingml/2006/main" xmlns:r="http://schemas.openxmlformats.org/officeDocument/2006/relationships" xmlns:p="http://schemas.openxmlformats.org/presentationml/2006/main">
   <p:cSld>
     <p:spTree>
@@ -20350,7 +19510,7 @@
 </p:sld>
 </file>
 
-<file path=ppt/slides/slide33.xml><?xml version="1.0" encoding="utf-8"?>
+<file path=ppt/slides/slide32.xml><?xml version="1.0" encoding="utf-8"?>
 <p:sld xmlns:a="http://schemas.openxmlformats.org/drawingml/2006/main" xmlns:r="http://schemas.openxmlformats.org/officeDocument/2006/relationships" xmlns:p="http://schemas.openxmlformats.org/presentationml/2006/main">
   <p:cSld>
     <p:spTree>
@@ -20715,7 +19875,7 @@
 </p:sld>
 </file>
 
-<file path=ppt/slides/slide34.xml><?xml version="1.0" encoding="utf-8"?>
+<file path=ppt/slides/slide33.xml><?xml version="1.0" encoding="utf-8"?>
 <p:sld xmlns:a="http://schemas.openxmlformats.org/drawingml/2006/main" xmlns:r="http://schemas.openxmlformats.org/officeDocument/2006/relationships" xmlns:p="http://schemas.openxmlformats.org/presentationml/2006/main">
   <p:cSld>
     <p:spTree>
@@ -20828,13 +19988,7 @@
               <a:rPr lang="en-US" dirty="0" smtClean="0">
                 <a:latin typeface="+mj-lt"/>
               </a:rPr>
-              <a:t>24 </a:t>
-            </a:r>
-            <a:r>
-              <a:rPr lang="en-US" dirty="0" smtClean="0">
-                <a:latin typeface="+mj-lt"/>
-              </a:rPr>
-              <a:t>bits offset – 0x067_89a0</a:t>
+              <a:t>24 bits offset – 0x067_89a0</a:t>
             </a:r>
           </a:p>
           <a:p>
@@ -20868,19 +20022,7 @@
               <a:rPr lang="en-US" dirty="0" smtClean="0">
                 <a:latin typeface="+mj-lt"/>
               </a:rPr>
-              <a:t>Row 5	0x8A00_0000	Size </a:t>
-            </a:r>
-            <a:r>
-              <a:rPr lang="en-US" dirty="0" smtClean="0">
-                <a:latin typeface="+mj-lt"/>
-              </a:rPr>
-              <a:t>23 (mask = 0x00ff ffff)</a:t>
-            </a:r>
-            <a:r>
-              <a:rPr lang="en-US" dirty="0" smtClean="0">
-                <a:latin typeface="+mj-lt"/>
-              </a:rPr>
-              <a:t/>
+              <a:t>Row 5	0x8A00_0000	Size 23 (mask = 0x00ff ffff)</a:t>
             </a:r>
             <a:br>
               <a:rPr lang="en-US" dirty="0" smtClean="0">
@@ -20983,7 +20125,7 @@
 </p:sld>
 </file>
 
-<file path=ppt/slides/slide35.xml><?xml version="1.0" encoding="utf-8"?>
+<file path=ppt/slides/slide34.xml><?xml version="1.0" encoding="utf-8"?>
 <p:sld xmlns:a="http://schemas.openxmlformats.org/drawingml/2006/main" xmlns:r="http://schemas.openxmlformats.org/officeDocument/2006/relationships" xmlns:p="http://schemas.openxmlformats.org/presentationml/2006/main">
   <p:cSld>
     <p:spTree>
@@ -21170,13 +20312,7 @@
               <a:rPr lang="en-US" sz="2000" dirty="0" smtClean="0">
                 <a:latin typeface="+mj-lt"/>
               </a:rPr>
-              <a:t>3 </a:t>
-            </a:r>
-            <a:r>
-              <a:rPr lang="en-US" sz="2000" dirty="0" smtClean="0">
-                <a:latin typeface="+mj-lt"/>
-              </a:rPr>
-              <a:t>bits </a:t>
+              <a:t>3 bits </a:t>
             </a:r>
             <a:r>
               <a:rPr lang="en-US" sz="2000" dirty="0">
@@ -21321,6 +20457,305 @@
           </a:p>
         </p:txBody>
       </p:sp>
+    </p:spTree>
+  </p:cSld>
+  <p:clrMapOvr>
+    <a:masterClrMapping/>
+  </p:clrMapOvr>
+  <p:timing>
+    <p:tnLst>
+      <p:par>
+        <p:cTn id="1" dur="indefinite" restart="never" nodeType="tmRoot"/>
+      </p:par>
+    </p:tnLst>
+  </p:timing>
+</p:sld>
+</file>
+
+<file path=ppt/slides/slide35.xml><?xml version="1.0" encoding="utf-8"?>
+<p:sld xmlns:a="http://schemas.openxmlformats.org/drawingml/2006/main" xmlns:r="http://schemas.openxmlformats.org/officeDocument/2006/relationships" xmlns:p="http://schemas.openxmlformats.org/presentationml/2006/main">
+  <p:cSld>
+    <p:spTree>
+      <p:nvGrpSpPr>
+        <p:cNvPr id="1" name=""/>
+        <p:cNvGrpSpPr/>
+        <p:nvPr/>
+      </p:nvGrpSpPr>
+      <p:grpSpPr>
+        <a:xfrm>
+          <a:off x="0" y="0"/>
+          <a:ext cx="0" cy="0"/>
+          <a:chOff x="0" y="0"/>
+          <a:chExt cx="0" cy="0"/>
+        </a:xfrm>
+      </p:grpSpPr>
+      <p:sp>
+        <p:nvSpPr>
+          <p:cNvPr id="6" name="TextBox 5"/>
+          <p:cNvSpPr txBox="1"/>
+          <p:nvPr/>
+        </p:nvSpPr>
+        <p:spPr>
+          <a:xfrm>
+            <a:off x="206115" y="6445770"/>
+            <a:ext cx="8763000" cy="369332"/>
+          </a:xfrm>
+          <a:prstGeom prst="rect">
+            <a:avLst/>
+          </a:prstGeom>
+          <a:solidFill>
+            <a:schemeClr val="bg1"/>
+          </a:solidFill>
+        </p:spPr>
+        <p:txBody>
+          <a:bodyPr wrap="square" rtlCol="0">
+            <a:spAutoFit/>
+          </a:bodyPr>
+          <a:lstStyle/>
+          <a:p>
+            <a:endParaRPr lang="en-US" dirty="0"/>
+          </a:p>
+        </p:txBody>
+      </p:sp>
+      <p:sp>
+        <p:nvSpPr>
+          <p:cNvPr id="6148" name="Rectangle 3"/>
+          <p:cNvSpPr>
+            <a:spLocks noChangeArrowheads="1"/>
+          </p:cNvSpPr>
+          <p:nvPr/>
+        </p:nvSpPr>
+        <p:spPr bwMode="auto">
+          <a:xfrm>
+            <a:off x="533400" y="990600"/>
+            <a:ext cx="8077200" cy="2062103"/>
+          </a:xfrm>
+          <a:prstGeom prst="rect">
+            <a:avLst/>
+          </a:prstGeom>
+          <a:noFill/>
+          <a:ln w="9525">
+            <a:noFill/>
+            <a:miter lim="800000"/>
+            <a:headEnd/>
+            <a:tailEnd/>
+          </a:ln>
+        </p:spPr>
+        <p:txBody>
+          <a:bodyPr wrap="square">
+            <a:spAutoFit/>
+          </a:bodyPr>
+          <a:lstStyle/>
+          <a:p>
+            <a:pPr marL="342900" indent="-342900">
+              <a:buSzPct val="125000"/>
+              <a:buFont typeface="Arial" pitchFamily="34" charset="0"/>
+              <a:buChar char="•"/>
+              <a:defRPr/>
+            </a:pPr>
+            <a:r>
+              <a:rPr lang="en-US" dirty="0" smtClean="0">
+                <a:latin typeface="+mj-lt"/>
+              </a:rPr>
+              <a:t>8 segments, 7 each of size 0x0100_0000 (16M)</a:t>
+            </a:r>
+          </a:p>
+          <a:p>
+            <a:pPr marL="342900" indent="-342900">
+              <a:buSzPct val="125000"/>
+              <a:buFont typeface="Arial" pitchFamily="34" charset="0"/>
+              <a:buChar char="•"/>
+              <a:defRPr/>
+            </a:pPr>
+            <a:r>
+              <a:rPr lang="en-US" dirty="0" smtClean="0">
+                <a:latin typeface="+mj-lt"/>
+              </a:rPr>
+              <a:t>Addresses start at 0x8000_0000, 0x8100_0000, 0x8200_0000, to 0x8600_0000.</a:t>
+            </a:r>
+          </a:p>
+          <a:p>
+            <a:pPr marL="342900" indent="-342900">
+              <a:buSzPct val="125000"/>
+              <a:buFont typeface="Arial" pitchFamily="34" charset="0"/>
+              <a:buChar char="•"/>
+              <a:defRPr/>
+            </a:pPr>
+            <a:r>
+              <a:rPr lang="en-US" dirty="0" smtClean="0">
+                <a:latin typeface="+mj-lt"/>
+              </a:rPr>
+              <a:t>For </a:t>
+            </a:r>
+            <a:r>
+              <a:rPr lang="en-US" dirty="0">
+                <a:latin typeface="+mj-lt"/>
+              </a:rPr>
+              <a:t>8 segments, the maximum size is </a:t>
+            </a:r>
+            <a:r>
+              <a:rPr lang="en-US" dirty="0" smtClean="0">
+                <a:latin typeface="+mj-lt"/>
+              </a:rPr>
+              <a:t>32M. That </a:t>
+            </a:r>
+            <a:r>
+              <a:rPr lang="en-US" dirty="0">
+                <a:latin typeface="+mj-lt"/>
+              </a:rPr>
+              <a:t>is, 25 </a:t>
+            </a:r>
+            <a:r>
+              <a:rPr lang="en-US" dirty="0" smtClean="0">
+                <a:latin typeface="+mj-lt"/>
+              </a:rPr>
+              <a:t>bits.</a:t>
+            </a:r>
+            <a:endParaRPr lang="en-US" dirty="0">
+              <a:latin typeface="+mj-lt"/>
+            </a:endParaRPr>
+          </a:p>
+          <a:p>
+            <a:pPr marL="342900" indent="-342900">
+              <a:buSzPct val="125000"/>
+              <a:buFont typeface="Arial" pitchFamily="34" charset="0"/>
+              <a:buChar char="•"/>
+              <a:defRPr/>
+            </a:pPr>
+            <a:r>
+              <a:rPr lang="en-US" dirty="0" smtClean="0">
+                <a:latin typeface="+mj-lt"/>
+              </a:rPr>
+              <a:t>25 </a:t>
+            </a:r>
+            <a:r>
+              <a:rPr lang="en-US" dirty="0">
+                <a:latin typeface="+mj-lt"/>
+              </a:rPr>
+              <a:t>bits </a:t>
+            </a:r>
+            <a:r>
+              <a:rPr lang="en-US" dirty="0" smtClean="0">
+                <a:latin typeface="+mj-lt"/>
+              </a:rPr>
+              <a:t>offset, 3 bits segment </a:t>
+            </a:r>
+            <a:r>
+              <a:rPr lang="en-US" dirty="0">
+                <a:latin typeface="+mj-lt"/>
+              </a:rPr>
+              <a:t>number 010 = 2 </a:t>
+            </a:r>
+            <a:r>
+              <a:rPr lang="en-US" dirty="0" smtClean="0">
+                <a:latin typeface="+mj-lt"/>
+              </a:rPr>
+              <a:t/>
+            </a:r>
+            <a:br>
+              <a:rPr lang="en-US" dirty="0" smtClean="0">
+                <a:latin typeface="+mj-lt"/>
+              </a:rPr>
+            </a:br>
+            <a:endParaRPr lang="en-US" sz="1000" dirty="0">
+              <a:latin typeface="+mj-lt"/>
+            </a:endParaRPr>
+          </a:p>
+          <a:p>
+            <a:pPr lvl="1"/>
+            <a:r>
+              <a:rPr lang="en-US" dirty="0" smtClean="0">
+                <a:latin typeface="+mj-lt"/>
+              </a:rPr>
+              <a:t>Row 2	0x8200_0000	Size 23 (mask = 0x00ff ffff)</a:t>
+            </a:r>
+          </a:p>
+          <a:p>
+            <a:pPr marL="342900" indent="-342900">
+              <a:buSzPct val="125000"/>
+              <a:defRPr/>
+            </a:pPr>
+            <a:endParaRPr lang="en-US" sz="1000" dirty="0">
+              <a:latin typeface="+mj-lt"/>
+            </a:endParaRPr>
+          </a:p>
+          <a:p>
+            <a:pPr marL="342900" indent="-342900">
+              <a:buSzPct val="125000"/>
+              <a:defRPr/>
+            </a:pPr>
+            <a:r>
+              <a:rPr lang="en-US" dirty="0" smtClean="0">
+                <a:latin typeface="+mj-lt"/>
+              </a:rPr>
+              <a:t>On the receive side, the address is 0x8200_0000 + 0x0067_89A0 = 0x8267_89A0 </a:t>
+            </a:r>
+          </a:p>
+        </p:txBody>
+      </p:sp>
+      <p:sp>
+        <p:nvSpPr>
+          <p:cNvPr id="7" name="Rectangle 2"/>
+          <p:cNvSpPr>
+            <a:spLocks noChangeArrowheads="1"/>
+          </p:cNvSpPr>
+          <p:nvPr/>
+        </p:nvSpPr>
+        <p:spPr bwMode="auto">
+          <a:xfrm>
+            <a:off x="533400" y="0"/>
+            <a:ext cx="8153400" cy="769441"/>
+          </a:xfrm>
+          <a:prstGeom prst="rect">
+            <a:avLst/>
+          </a:prstGeom>
+          <a:noFill/>
+          <a:ln w="9525">
+            <a:noFill/>
+            <a:miter lim="800000"/>
+            <a:headEnd/>
+            <a:tailEnd/>
+          </a:ln>
+        </p:spPr>
+        <p:txBody>
+          <a:bodyPr wrap="square">
+            <a:spAutoFit/>
+          </a:bodyPr>
+          <a:lstStyle/>
+          <a:p>
+            <a:pPr algn="ctr"/>
+            <a:r>
+              <a:rPr lang="en-US" sz="4400" dirty="0" smtClean="0">
+                <a:latin typeface="+mj-lt"/>
+              </a:rPr>
+              <a:t>Remote (Rx) Address: Example 3</a:t>
+            </a:r>
+            <a:endParaRPr lang="en-US" sz="4400" dirty="0">
+              <a:latin typeface="+mj-lt"/>
+            </a:endParaRPr>
+          </a:p>
+        </p:txBody>
+      </p:sp>
+      <p:graphicFrame>
+        <p:nvGraphicFramePr>
+          <p:cNvPr id="6147" name="Object 7"/>
+          <p:cNvGraphicFramePr>
+            <a:graphicFrameLocks noChangeAspect="1"/>
+          </p:cNvGraphicFramePr>
+          <p:nvPr/>
+        </p:nvGraphicFramePr>
+        <p:xfrm>
+          <a:off x="800100" y="3733800"/>
+          <a:ext cx="7353300" cy="3048000"/>
+        </p:xfrm>
+        <a:graphic>
+          <a:graphicData uri="http://schemas.openxmlformats.org/presentationml/2006/ole">
+            <p:oleObj spid="_x0000_s6147" name="Visio" r:id="rId4" imgW="5521196" imgH="2273588" progId="Visio.Drawing.11">
+              <p:embed/>
+            </p:oleObj>
+          </a:graphicData>
+        </a:graphic>
+      </p:graphicFrame>
     </p:spTree>
   </p:cSld>
   <p:clrMapOvr>
@@ -21361,8 +20796,8 @@
         </p:nvSpPr>
         <p:spPr>
           <a:xfrm>
-            <a:off x="206115" y="6445770"/>
-            <a:ext cx="8763000" cy="369332"/>
+            <a:off x="304800" y="6455664"/>
+            <a:ext cx="8610600" cy="369332"/>
           </a:xfrm>
           <a:prstGeom prst="rect">
             <a:avLst/>
@@ -21383,7 +20818,7 @@
       </p:sp>
       <p:sp>
         <p:nvSpPr>
-          <p:cNvPr id="6148" name="Rectangle 3"/>
+          <p:cNvPr id="28675" name="Rectangle 3"/>
           <p:cNvSpPr>
             <a:spLocks noChangeArrowheads="1"/>
           </p:cNvSpPr>
@@ -21391,8 +20826,8 @@
         </p:nvSpPr>
         <p:spPr bwMode="auto">
           <a:xfrm>
-            <a:off x="533400" y="990600"/>
-            <a:ext cx="8077200" cy="2062103"/>
+            <a:off x="381000" y="838200"/>
+            <a:ext cx="8382000" cy="5940088"/>
           </a:xfrm>
           <a:prstGeom prst="rect">
             <a:avLst/>
@@ -21418,10 +20853,38 @@
               <a:defRPr/>
             </a:pPr>
             <a:r>
-              <a:rPr lang="en-US" dirty="0" smtClean="0">
-                <a:latin typeface="+mj-lt"/>
-              </a:rPr>
-              <a:t>8 segments, 7 each of size 0x0100_0000 (16M)</a:t>
+              <a:rPr lang="en-US" sz="2000" dirty="0" smtClean="0">
+                <a:latin typeface="+mj-lt"/>
+              </a:rPr>
+              <a:t>9 segments</a:t>
+            </a:r>
+          </a:p>
+          <a:p>
+            <a:pPr marL="800100" lvl="1" indent="-342900">
+              <a:buSzPct val="125000"/>
+              <a:buFont typeface="Arial" pitchFamily="34" charset="0"/>
+              <a:buChar char="•"/>
+              <a:defRPr/>
+            </a:pPr>
+            <a:r>
+              <a:rPr lang="en-US" sz="2000" dirty="0" smtClean="0">
+                <a:latin typeface="+mj-lt"/>
+              </a:rPr>
+              <a:t>The first segment is the MSMC (4MB = 22 bits).</a:t>
+            </a:r>
+          </a:p>
+          <a:p>
+            <a:pPr marL="800100" lvl="1" indent="-342900">
+              <a:buSzPct val="125000"/>
+              <a:buFont typeface="Arial" pitchFamily="34" charset="0"/>
+              <a:buChar char="•"/>
+              <a:defRPr/>
+            </a:pPr>
+            <a:r>
+              <a:rPr lang="en-US" sz="2000" dirty="0" smtClean="0">
+                <a:latin typeface="+mj-lt"/>
+              </a:rPr>
+              <a:t>The next 8 segments are L2 memory of each core (512KB = 19 bits).</a:t>
             </a:r>
           </a:p>
           <a:p>
@@ -21432,10 +20895,34 @@
               <a:defRPr/>
             </a:pPr>
             <a:r>
-              <a:rPr lang="en-US" dirty="0" smtClean="0">
-                <a:latin typeface="+mj-lt"/>
-              </a:rPr>
-              <a:t>Addresses start at 0x8000_0000, 0x8100_0000, 0x8200_0000, to 0x8600_0000.</a:t>
+              <a:rPr lang="en-US" sz="2000" dirty="0" smtClean="0">
+                <a:latin typeface="+mj-lt"/>
+              </a:rPr>
+              <a:t>The </a:t>
+            </a:r>
+            <a:r>
+              <a:rPr lang="en-US" sz="2000" dirty="0">
+                <a:latin typeface="+mj-lt"/>
+              </a:rPr>
+              <a:t>maximum size is </a:t>
+            </a:r>
+            <a:r>
+              <a:rPr lang="en-US" sz="2000" dirty="0" smtClean="0">
+                <a:latin typeface="+mj-lt"/>
+              </a:rPr>
+              <a:t>4MB. That </a:t>
+            </a:r>
+            <a:r>
+              <a:rPr lang="en-US" sz="2000" dirty="0">
+                <a:latin typeface="+mj-lt"/>
+              </a:rPr>
+              <a:t>is, </a:t>
+            </a:r>
+            <a:r>
+              <a:rPr lang="en-US" sz="2000" dirty="0" smtClean="0">
+                <a:latin typeface="+mj-lt"/>
+              </a:rPr>
+              <a:t>22 bits.</a:t>
             </a:r>
           </a:p>
           <a:p>
@@ -21446,135 +20933,254 @@
               <a:defRPr/>
             </a:pPr>
             <a:r>
-              <a:rPr lang="en-US" dirty="0" smtClean="0">
-                <a:latin typeface="+mj-lt"/>
-              </a:rPr>
-              <a:t>For </a:t>
-            </a:r>
-            <a:r>
-              <a:rPr lang="en-US" dirty="0">
-                <a:latin typeface="+mj-lt"/>
-              </a:rPr>
-              <a:t>8 segments, the maximum size is </a:t>
-            </a:r>
-            <a:r>
-              <a:rPr lang="en-US" dirty="0" smtClean="0">
-                <a:latin typeface="+mj-lt"/>
-              </a:rPr>
-              <a:t>32M. That </a:t>
-            </a:r>
-            <a:r>
-              <a:rPr lang="en-US" dirty="0">
-                <a:latin typeface="+mj-lt"/>
-              </a:rPr>
-              <a:t>is, 25 </a:t>
-            </a:r>
-            <a:r>
-              <a:rPr lang="en-US" dirty="0" smtClean="0">
-                <a:latin typeface="+mj-lt"/>
-              </a:rPr>
-              <a:t>bits.</a:t>
-            </a:r>
-            <a:endParaRPr lang="en-US" dirty="0">
+              <a:rPr lang="en-US" sz="2000" dirty="0" smtClean="0">
+                <a:latin typeface="+mj-lt"/>
+              </a:rPr>
+              <a:t>6 </a:t>
+            </a:r>
+            <a:r>
+              <a:rPr lang="en-US" sz="2000" dirty="0">
+                <a:latin typeface="+mj-lt"/>
+              </a:rPr>
+              <a:t>bits to choose the segment </a:t>
+            </a:r>
+            <a:r>
+              <a:rPr lang="en-US" sz="2000" dirty="0" smtClean="0">
+                <a:latin typeface="+mj-lt"/>
+              </a:rPr>
+              <a:t>(64 </a:t>
+            </a:r>
+            <a:r>
+              <a:rPr lang="en-US" sz="2000" dirty="0">
+                <a:latin typeface="+mj-lt"/>
+              </a:rPr>
+              <a:t>segments</a:t>
+            </a:r>
+            <a:r>
+              <a:rPr lang="en-US" sz="2000" dirty="0" smtClean="0">
+                <a:latin typeface="+mj-lt"/>
+              </a:rPr>
+              <a:t>)</a:t>
+            </a:r>
+          </a:p>
+          <a:p>
+            <a:pPr lvl="1"/>
+            <a:endParaRPr lang="en-US" sz="2000" dirty="0">
               <a:latin typeface="+mj-lt"/>
             </a:endParaRPr>
           </a:p>
           <a:p>
-            <a:pPr marL="342900" indent="-342900">
-              <a:buSzPct val="125000"/>
-              <a:buFont typeface="Arial" pitchFamily="34" charset="0"/>
-              <a:buChar char="•"/>
-              <a:defRPr/>
-            </a:pPr>
-            <a:r>
-              <a:rPr lang="en-US" dirty="0" smtClean="0">
-                <a:latin typeface="+mj-lt"/>
-              </a:rPr>
-              <a:t>25 </a:t>
-            </a:r>
-            <a:r>
-              <a:rPr lang="en-US" dirty="0">
-                <a:latin typeface="+mj-lt"/>
-              </a:rPr>
-              <a:t>bits </a:t>
-            </a:r>
-            <a:r>
-              <a:rPr lang="en-US" dirty="0" smtClean="0">
-                <a:latin typeface="+mj-lt"/>
-              </a:rPr>
-              <a:t>offset, 3 bits </a:t>
-            </a:r>
-            <a:r>
-              <a:rPr lang="en-US" dirty="0" smtClean="0">
-                <a:latin typeface="+mj-lt"/>
-              </a:rPr>
-              <a:t>segment </a:t>
-            </a:r>
-            <a:r>
-              <a:rPr lang="en-US" dirty="0">
-                <a:latin typeface="+mj-lt"/>
-              </a:rPr>
-              <a:t>number 010 = 2 </a:t>
-            </a:r>
-            <a:r>
-              <a:rPr lang="en-US" dirty="0" smtClean="0">
-                <a:latin typeface="+mj-lt"/>
-              </a:rPr>
-              <a:t/>
-            </a:r>
-            <a:br>
-              <a:rPr lang="en-US" dirty="0" smtClean="0">
-                <a:latin typeface="+mj-lt"/>
-              </a:rPr>
-            </a:br>
-            <a:endParaRPr lang="en-US" sz="1000" dirty="0">
+            <a:pPr lvl="1"/>
+            <a:r>
+              <a:rPr lang="en-US" sz="2000" dirty="0" smtClean="0">
+                <a:latin typeface="+mj-lt"/>
+              </a:rPr>
+              <a:t>Row 0	0x0C00_0000	Size </a:t>
+            </a:r>
+            <a:r>
+              <a:rPr lang="en-US" sz="2000" dirty="0">
+                <a:latin typeface="+mj-lt"/>
+              </a:rPr>
+              <a:t>21 (</a:t>
+            </a:r>
+            <a:r>
+              <a:rPr lang="en-US" sz="2000" dirty="0" smtClean="0">
+                <a:latin typeface="+mj-lt"/>
+              </a:rPr>
+              <a:t>4MB)  </a:t>
+            </a:r>
+            <a:endParaRPr lang="en-US" sz="2000" dirty="0">
               <a:latin typeface="+mj-lt"/>
             </a:endParaRPr>
           </a:p>
           <a:p>
             <a:pPr lvl="1"/>
             <a:r>
-              <a:rPr lang="en-US" dirty="0" smtClean="0">
-                <a:latin typeface="+mj-lt"/>
-              </a:rPr>
-              <a:t>Row 2	0x8200_0000	Size </a:t>
-            </a:r>
-            <a:r>
-              <a:rPr lang="en-US" dirty="0" smtClean="0">
-                <a:latin typeface="+mj-lt"/>
-              </a:rPr>
-              <a:t>23 (mask = 0x00ff ffff)</a:t>
-            </a:r>
-            <a:endParaRPr lang="en-US" dirty="0" smtClean="0">
+              <a:rPr lang="en-US" sz="2000" dirty="0" smtClean="0">
+                <a:latin typeface="+mj-lt"/>
+              </a:rPr>
+              <a:t>Row 1	0x1080_0000	Size </a:t>
+            </a:r>
+            <a:r>
+              <a:rPr lang="en-US" sz="2000" dirty="0">
+                <a:latin typeface="+mj-lt"/>
+              </a:rPr>
+              <a:t>18  (</a:t>
+            </a:r>
+            <a:r>
+              <a:rPr lang="en-US" sz="2000" dirty="0" smtClean="0">
+                <a:latin typeface="+mj-lt"/>
+              </a:rPr>
+              <a:t>512KB)</a:t>
+            </a:r>
+            <a:endParaRPr lang="en-US" sz="2000" dirty="0">
               <a:latin typeface="+mj-lt"/>
             </a:endParaRPr>
           </a:p>
           <a:p>
-            <a:pPr marL="342900" indent="-342900">
-              <a:buSzPct val="125000"/>
-              <a:defRPr/>
-            </a:pPr>
-            <a:endParaRPr lang="en-US" sz="1000" dirty="0">
+            <a:pPr lvl="1"/>
+            <a:r>
+              <a:rPr lang="en-US" sz="2000" dirty="0" smtClean="0">
+                <a:latin typeface="+mj-lt"/>
+              </a:rPr>
+              <a:t>Row 2	0x1180_0000	Size </a:t>
+            </a:r>
+            <a:r>
+              <a:rPr lang="en-US" sz="2000" dirty="0">
+                <a:latin typeface="+mj-lt"/>
+              </a:rPr>
+              <a:t>18</a:t>
+            </a:r>
+          </a:p>
+          <a:p>
+            <a:pPr lvl="1"/>
+            <a:r>
+              <a:rPr lang="en-US" sz="2000" dirty="0" smtClean="0">
+                <a:latin typeface="+mj-lt"/>
+              </a:rPr>
+              <a:t>Row 3	0x1280_0000	Size </a:t>
+            </a:r>
+            <a:r>
+              <a:rPr lang="en-US" sz="2000" dirty="0">
+                <a:latin typeface="+mj-lt"/>
+              </a:rPr>
+              <a:t>18</a:t>
+            </a:r>
+          </a:p>
+          <a:p>
+            <a:pPr lvl="1"/>
+            <a:r>
+              <a:rPr lang="en-US" sz="2000" dirty="0" smtClean="0">
+                <a:latin typeface="+mj-lt"/>
+              </a:rPr>
+              <a:t>Row 4	0x1380_0000	Size 18</a:t>
+            </a:r>
+          </a:p>
+          <a:p>
+            <a:pPr lvl="1"/>
+            <a:r>
+              <a:rPr lang="en-US" sz="2000" dirty="0" smtClean="0">
+                <a:latin typeface="+mj-lt"/>
+              </a:rPr>
+              <a:t>Row 5	0x1480_0000	Size 18</a:t>
+            </a:r>
+          </a:p>
+          <a:p>
+            <a:pPr lvl="1"/>
+            <a:r>
+              <a:rPr lang="en-US" sz="2000" dirty="0" smtClean="0">
+                <a:latin typeface="+mj-lt"/>
+              </a:rPr>
+              <a:t>Row 6	0x1580_0000	Size </a:t>
+            </a:r>
+            <a:r>
+              <a:rPr lang="en-US" sz="2000" dirty="0">
+                <a:latin typeface="+mj-lt"/>
+              </a:rPr>
+              <a:t>18</a:t>
+            </a:r>
+          </a:p>
+          <a:p>
+            <a:pPr lvl="1"/>
+            <a:r>
+              <a:rPr lang="en-US" sz="2000" dirty="0" smtClean="0">
+                <a:latin typeface="+mj-lt"/>
+              </a:rPr>
+              <a:t>Row 7	0x1680_0000	Size </a:t>
+            </a:r>
+            <a:r>
+              <a:rPr lang="en-US" sz="2000" dirty="0">
+                <a:latin typeface="+mj-lt"/>
+              </a:rPr>
+              <a:t>18</a:t>
+            </a:r>
+          </a:p>
+          <a:p>
+            <a:pPr lvl="1"/>
+            <a:r>
+              <a:rPr lang="en-US" sz="2000" dirty="0" smtClean="0">
+                <a:latin typeface="+mj-lt"/>
+              </a:rPr>
+              <a:t>Row 8	0x1780_0000	Size </a:t>
+            </a:r>
+            <a:r>
+              <a:rPr lang="en-US" sz="2000" dirty="0">
+                <a:latin typeface="+mj-lt"/>
+              </a:rPr>
+              <a:t>18</a:t>
+            </a:r>
+          </a:p>
+          <a:p>
+            <a:pPr lvl="1"/>
+            <a:r>
+              <a:rPr lang="en-US" sz="2000" dirty="0" smtClean="0">
+                <a:latin typeface="+mj-lt"/>
+              </a:rPr>
+              <a:t>Row </a:t>
+            </a:r>
+            <a:r>
+              <a:rPr lang="en-US" sz="2000" dirty="0">
+                <a:latin typeface="+mj-lt"/>
+              </a:rPr>
+              <a:t>9 </a:t>
+            </a:r>
+            <a:r>
+              <a:rPr lang="en-US" sz="2000" dirty="0" smtClean="0">
+                <a:latin typeface="+mj-lt"/>
+              </a:rPr>
+              <a:t>	0x0000_0000	Size  </a:t>
+            </a:r>
+            <a:r>
+              <a:rPr lang="en-US" sz="2000" dirty="0">
+                <a:latin typeface="+mj-lt"/>
+              </a:rPr>
+              <a:t>0   (0)</a:t>
+            </a:r>
+          </a:p>
+          <a:p>
+            <a:pPr lvl="1"/>
+            <a:r>
+              <a:rPr lang="en-US" sz="2000" dirty="0" smtClean="0">
+                <a:latin typeface="+mj-lt"/>
+              </a:rPr>
+              <a:t>Row 10	0x0000_0000	Size  0</a:t>
+            </a:r>
+          </a:p>
+          <a:p>
+            <a:pPr lvl="1"/>
+            <a:endParaRPr lang="en-US" sz="2000" dirty="0" smtClean="0">
               <a:latin typeface="+mj-lt"/>
             </a:endParaRPr>
           </a:p>
           <a:p>
-            <a:pPr marL="342900" indent="-342900">
-              <a:buSzPct val="125000"/>
-              <a:defRPr/>
-            </a:pPr>
-            <a:r>
-              <a:rPr lang="en-US" dirty="0" smtClean="0">
-                <a:latin typeface="+mj-lt"/>
-              </a:rPr>
-              <a:t>On the receive side, the address is 0x8200_0000 + 0x0067_89A0 = 0x8267_89A0 </a:t>
-            </a:r>
+            <a:pPr lvl="1"/>
+            <a:r>
+              <a:rPr lang="en-US" sz="2000" dirty="0" smtClean="0">
+                <a:latin typeface="+mj-lt"/>
+              </a:rPr>
+              <a:t>… and </a:t>
+            </a:r>
+            <a:r>
+              <a:rPr lang="en-US" sz="2000" dirty="0">
+                <a:latin typeface="+mj-lt"/>
+              </a:rPr>
+              <a:t>so on to </a:t>
+            </a:r>
+            <a:r>
+              <a:rPr lang="en-US" sz="2000" dirty="0" smtClean="0">
+                <a:latin typeface="+mj-lt"/>
+              </a:rPr>
+              <a:t>Row 15.</a:t>
+            </a:r>
+            <a:endParaRPr lang="en-US" sz="2000" dirty="0">
+              <a:latin typeface="+mj-lt"/>
+            </a:endParaRPr>
           </a:p>
         </p:txBody>
       </p:sp>
       <p:sp>
         <p:nvSpPr>
-          <p:cNvPr id="7" name="Rectangle 2"/>
+          <p:cNvPr id="5" name="Rectangle 2"/>
           <p:cNvSpPr>
             <a:spLocks noChangeArrowheads="1"/>
           </p:cNvSpPr>
@@ -21582,8 +21188,8 @@
         </p:nvSpPr>
         <p:spPr bwMode="auto">
           <a:xfrm>
-            <a:off x="533400" y="0"/>
-            <a:ext cx="8153400" cy="769441"/>
+            <a:off x="457200" y="0"/>
+            <a:ext cx="8001000" cy="769441"/>
           </a:xfrm>
           <a:prstGeom prst="rect">
             <a:avLst/>
@@ -21607,7 +21213,7 @@
               <a:rPr lang="en-US" sz="4400" dirty="0" smtClean="0">
                 <a:latin typeface="+mj-lt"/>
               </a:rPr>
-              <a:t>Remote (Rx) Address: Example 3</a:t>
+              <a:t>Segment Lookup Table: Example 4</a:t>
             </a:r>
             <a:endParaRPr lang="en-US" sz="4400" dirty="0">
               <a:latin typeface="+mj-lt"/>
@@ -21615,26 +21221,6 @@
           </a:p>
         </p:txBody>
       </p:sp>
-      <p:graphicFrame>
-        <p:nvGraphicFramePr>
-          <p:cNvPr id="6147" name="Object 7"/>
-          <p:cNvGraphicFramePr>
-            <a:graphicFrameLocks noChangeAspect="1"/>
-          </p:cNvGraphicFramePr>
-          <p:nvPr/>
-        </p:nvGraphicFramePr>
-        <p:xfrm>
-          <a:off x="800100" y="3733800"/>
-          <a:ext cx="7353300" cy="3048000"/>
-        </p:xfrm>
-        <a:graphic>
-          <a:graphicData uri="http://schemas.openxmlformats.org/presentationml/2006/ole">
-            <p:oleObj spid="_x0000_s6147" name="Visio" r:id="rId4" imgW="5521196" imgH="2273588" progId="Visio.Drawing.11">
-              <p:embed/>
-            </p:oleObj>
-          </a:graphicData>
-        </a:graphic>
-      </p:graphicFrame>
     </p:spTree>
   </p:cSld>
   <p:clrMapOvr>
@@ -21675,471 +21261,6 @@
         </p:nvSpPr>
         <p:spPr>
           <a:xfrm>
-            <a:off x="304800" y="6455664"/>
-            <a:ext cx="8610600" cy="369332"/>
-          </a:xfrm>
-          <a:prstGeom prst="rect">
-            <a:avLst/>
-          </a:prstGeom>
-          <a:solidFill>
-            <a:schemeClr val="bg1"/>
-          </a:solidFill>
-        </p:spPr>
-        <p:txBody>
-          <a:bodyPr wrap="square" rtlCol="0">
-            <a:spAutoFit/>
-          </a:bodyPr>
-          <a:lstStyle/>
-          <a:p>
-            <a:endParaRPr lang="en-US" dirty="0"/>
-          </a:p>
-        </p:txBody>
-      </p:sp>
-      <p:sp>
-        <p:nvSpPr>
-          <p:cNvPr id="28675" name="Rectangle 3"/>
-          <p:cNvSpPr>
-            <a:spLocks noChangeArrowheads="1"/>
-          </p:cNvSpPr>
-          <p:nvPr/>
-        </p:nvSpPr>
-        <p:spPr bwMode="auto">
-          <a:xfrm>
-            <a:off x="381000" y="838200"/>
-            <a:ext cx="8382000" cy="5940088"/>
-          </a:xfrm>
-          <a:prstGeom prst="rect">
-            <a:avLst/>
-          </a:prstGeom>
-          <a:noFill/>
-          <a:ln w="9525">
-            <a:noFill/>
-            <a:miter lim="800000"/>
-            <a:headEnd/>
-            <a:tailEnd/>
-          </a:ln>
-        </p:spPr>
-        <p:txBody>
-          <a:bodyPr wrap="square">
-            <a:spAutoFit/>
-          </a:bodyPr>
-          <a:lstStyle/>
-          <a:p>
-            <a:pPr marL="342900" indent="-342900">
-              <a:buSzPct val="125000"/>
-              <a:buFont typeface="Arial" pitchFamily="34" charset="0"/>
-              <a:buChar char="•"/>
-              <a:defRPr/>
-            </a:pPr>
-            <a:r>
-              <a:rPr lang="en-US" sz="2000" dirty="0" smtClean="0">
-                <a:latin typeface="+mj-lt"/>
-              </a:rPr>
-              <a:t>9 segments</a:t>
-            </a:r>
-          </a:p>
-          <a:p>
-            <a:pPr marL="800100" lvl="1" indent="-342900">
-              <a:buSzPct val="125000"/>
-              <a:buFont typeface="Arial" pitchFamily="34" charset="0"/>
-              <a:buChar char="•"/>
-              <a:defRPr/>
-            </a:pPr>
-            <a:r>
-              <a:rPr lang="en-US" sz="2000" dirty="0" smtClean="0">
-                <a:latin typeface="+mj-lt"/>
-              </a:rPr>
-              <a:t>The first segment is the MSMC (4MB = 22 bits).</a:t>
-            </a:r>
-          </a:p>
-          <a:p>
-            <a:pPr marL="800100" lvl="1" indent="-342900">
-              <a:buSzPct val="125000"/>
-              <a:buFont typeface="Arial" pitchFamily="34" charset="0"/>
-              <a:buChar char="•"/>
-              <a:defRPr/>
-            </a:pPr>
-            <a:r>
-              <a:rPr lang="en-US" sz="2000" dirty="0" smtClean="0">
-                <a:latin typeface="+mj-lt"/>
-              </a:rPr>
-              <a:t>The next 8 segments are L2 memory of each core (512KB = 19 bits).</a:t>
-            </a:r>
-          </a:p>
-          <a:p>
-            <a:pPr marL="342900" indent="-342900">
-              <a:buSzPct val="125000"/>
-              <a:buFont typeface="Arial" pitchFamily="34" charset="0"/>
-              <a:buChar char="•"/>
-              <a:defRPr/>
-            </a:pPr>
-            <a:r>
-              <a:rPr lang="en-US" sz="2000" dirty="0" smtClean="0">
-                <a:latin typeface="+mj-lt"/>
-              </a:rPr>
-              <a:t>The </a:t>
-            </a:r>
-            <a:r>
-              <a:rPr lang="en-US" sz="2000" dirty="0">
-                <a:latin typeface="+mj-lt"/>
-              </a:rPr>
-              <a:t>maximum size is </a:t>
-            </a:r>
-            <a:r>
-              <a:rPr lang="en-US" sz="2000" dirty="0" smtClean="0">
-                <a:latin typeface="+mj-lt"/>
-              </a:rPr>
-              <a:t>4MB. That </a:t>
-            </a:r>
-            <a:r>
-              <a:rPr lang="en-US" sz="2000" dirty="0">
-                <a:latin typeface="+mj-lt"/>
-              </a:rPr>
-              <a:t>is, </a:t>
-            </a:r>
-            <a:r>
-              <a:rPr lang="en-US" sz="2000" dirty="0" smtClean="0">
-                <a:latin typeface="+mj-lt"/>
-              </a:rPr>
-              <a:t>22 bits.</a:t>
-            </a:r>
-          </a:p>
-          <a:p>
-            <a:pPr marL="342900" indent="-342900">
-              <a:buSzPct val="125000"/>
-              <a:buFont typeface="Arial" pitchFamily="34" charset="0"/>
-              <a:buChar char="•"/>
-              <a:defRPr/>
-            </a:pPr>
-            <a:r>
-              <a:rPr lang="en-US" sz="2000" dirty="0" smtClean="0">
-                <a:latin typeface="+mj-lt"/>
-              </a:rPr>
-              <a:t>6 </a:t>
-            </a:r>
-            <a:r>
-              <a:rPr lang="en-US" sz="2000" dirty="0">
-                <a:latin typeface="+mj-lt"/>
-              </a:rPr>
-              <a:t>bits to choose the segment </a:t>
-            </a:r>
-            <a:r>
-              <a:rPr lang="en-US" sz="2000" dirty="0" smtClean="0">
-                <a:latin typeface="+mj-lt"/>
-              </a:rPr>
-              <a:t>(64 </a:t>
-            </a:r>
-            <a:r>
-              <a:rPr lang="en-US" sz="2000" dirty="0">
-                <a:latin typeface="+mj-lt"/>
-              </a:rPr>
-              <a:t>segments</a:t>
-            </a:r>
-            <a:r>
-              <a:rPr lang="en-US" sz="2000" dirty="0" smtClean="0">
-                <a:latin typeface="+mj-lt"/>
-              </a:rPr>
-              <a:t>)</a:t>
-            </a:r>
-          </a:p>
-          <a:p>
-            <a:pPr lvl="1"/>
-            <a:endParaRPr lang="en-US" sz="2000" dirty="0">
-              <a:latin typeface="+mj-lt"/>
-            </a:endParaRPr>
-          </a:p>
-          <a:p>
-            <a:pPr lvl="1"/>
-            <a:r>
-              <a:rPr lang="en-US" sz="2000" dirty="0" smtClean="0">
-                <a:latin typeface="+mj-lt"/>
-              </a:rPr>
-              <a:t>Row 0	0x0C00_0000	Size </a:t>
-            </a:r>
-            <a:r>
-              <a:rPr lang="en-US" sz="2000" dirty="0">
-                <a:latin typeface="+mj-lt"/>
-              </a:rPr>
-              <a:t>21 (</a:t>
-            </a:r>
-            <a:r>
-              <a:rPr lang="en-US" sz="2000" dirty="0" smtClean="0">
-                <a:latin typeface="+mj-lt"/>
-              </a:rPr>
-              <a:t>4MB)  </a:t>
-            </a:r>
-            <a:endParaRPr lang="en-US" sz="2000" dirty="0">
-              <a:latin typeface="+mj-lt"/>
-            </a:endParaRPr>
-          </a:p>
-          <a:p>
-            <a:pPr lvl="1"/>
-            <a:r>
-              <a:rPr lang="en-US" sz="2000" dirty="0" smtClean="0">
-                <a:latin typeface="+mj-lt"/>
-              </a:rPr>
-              <a:t>Row 1	0x1080_0000	Size </a:t>
-            </a:r>
-            <a:r>
-              <a:rPr lang="en-US" sz="2000" dirty="0">
-                <a:latin typeface="+mj-lt"/>
-              </a:rPr>
-              <a:t>18  (</a:t>
-            </a:r>
-            <a:r>
-              <a:rPr lang="en-US" sz="2000" dirty="0" smtClean="0">
-                <a:latin typeface="+mj-lt"/>
-              </a:rPr>
-              <a:t>512KB)</a:t>
-            </a:r>
-            <a:endParaRPr lang="en-US" sz="2000" dirty="0">
-              <a:latin typeface="+mj-lt"/>
-            </a:endParaRPr>
-          </a:p>
-          <a:p>
-            <a:pPr lvl="1"/>
-            <a:r>
-              <a:rPr lang="en-US" sz="2000" dirty="0" smtClean="0">
-                <a:latin typeface="+mj-lt"/>
-              </a:rPr>
-              <a:t>Row 2	0x1180_0000	Size </a:t>
-            </a:r>
-            <a:r>
-              <a:rPr lang="en-US" sz="2000" dirty="0">
-                <a:latin typeface="+mj-lt"/>
-              </a:rPr>
-              <a:t>18</a:t>
-            </a:r>
-          </a:p>
-          <a:p>
-            <a:pPr lvl="1"/>
-            <a:r>
-              <a:rPr lang="en-US" sz="2000" dirty="0" smtClean="0">
-                <a:latin typeface="+mj-lt"/>
-              </a:rPr>
-              <a:t>Row 3	0x1280_0000	Size </a:t>
-            </a:r>
-            <a:r>
-              <a:rPr lang="en-US" sz="2000" dirty="0">
-                <a:latin typeface="+mj-lt"/>
-              </a:rPr>
-              <a:t>18</a:t>
-            </a:r>
-          </a:p>
-          <a:p>
-            <a:pPr lvl="1"/>
-            <a:r>
-              <a:rPr lang="en-US" sz="2000" dirty="0" smtClean="0">
-                <a:latin typeface="+mj-lt"/>
-              </a:rPr>
-              <a:t>Row 4	0x1380_0000	Size 18</a:t>
-            </a:r>
-          </a:p>
-          <a:p>
-            <a:pPr lvl="1"/>
-            <a:r>
-              <a:rPr lang="en-US" sz="2000" dirty="0" smtClean="0">
-                <a:latin typeface="+mj-lt"/>
-              </a:rPr>
-              <a:t>Row 5	0x1480_0000	Size 18</a:t>
-            </a:r>
-          </a:p>
-          <a:p>
-            <a:pPr lvl="1"/>
-            <a:r>
-              <a:rPr lang="en-US" sz="2000" dirty="0" smtClean="0">
-                <a:latin typeface="+mj-lt"/>
-              </a:rPr>
-              <a:t>Row 6	0x1580_0000	Size </a:t>
-            </a:r>
-            <a:r>
-              <a:rPr lang="en-US" sz="2000" dirty="0">
-                <a:latin typeface="+mj-lt"/>
-              </a:rPr>
-              <a:t>18</a:t>
-            </a:r>
-          </a:p>
-          <a:p>
-            <a:pPr lvl="1"/>
-            <a:r>
-              <a:rPr lang="en-US" sz="2000" dirty="0" smtClean="0">
-                <a:latin typeface="+mj-lt"/>
-              </a:rPr>
-              <a:t>Row 7	0x1680_0000	Size </a:t>
-            </a:r>
-            <a:r>
-              <a:rPr lang="en-US" sz="2000" dirty="0">
-                <a:latin typeface="+mj-lt"/>
-              </a:rPr>
-              <a:t>18</a:t>
-            </a:r>
-          </a:p>
-          <a:p>
-            <a:pPr lvl="1"/>
-            <a:r>
-              <a:rPr lang="en-US" sz="2000" dirty="0" smtClean="0">
-                <a:latin typeface="+mj-lt"/>
-              </a:rPr>
-              <a:t>Row 8	0x1780_0000	Size </a:t>
-            </a:r>
-            <a:r>
-              <a:rPr lang="en-US" sz="2000" dirty="0">
-                <a:latin typeface="+mj-lt"/>
-              </a:rPr>
-              <a:t>18</a:t>
-            </a:r>
-          </a:p>
-          <a:p>
-            <a:pPr lvl="1"/>
-            <a:r>
-              <a:rPr lang="en-US" sz="2000" dirty="0" smtClean="0">
-                <a:latin typeface="+mj-lt"/>
-              </a:rPr>
-              <a:t>Row </a:t>
-            </a:r>
-            <a:r>
-              <a:rPr lang="en-US" sz="2000" dirty="0">
-                <a:latin typeface="+mj-lt"/>
-              </a:rPr>
-              <a:t>9 </a:t>
-            </a:r>
-            <a:r>
-              <a:rPr lang="en-US" sz="2000" dirty="0" smtClean="0">
-                <a:latin typeface="+mj-lt"/>
-              </a:rPr>
-              <a:t>	0x0000_0000	Size  </a:t>
-            </a:r>
-            <a:r>
-              <a:rPr lang="en-US" sz="2000" dirty="0">
-                <a:latin typeface="+mj-lt"/>
-              </a:rPr>
-              <a:t>0   (0)</a:t>
-            </a:r>
-          </a:p>
-          <a:p>
-            <a:pPr lvl="1"/>
-            <a:r>
-              <a:rPr lang="en-US" sz="2000" dirty="0" smtClean="0">
-                <a:latin typeface="+mj-lt"/>
-              </a:rPr>
-              <a:t>Row 10	0x0000_0000	Size  0</a:t>
-            </a:r>
-          </a:p>
-          <a:p>
-            <a:pPr lvl="1"/>
-            <a:endParaRPr lang="en-US" sz="2000" dirty="0" smtClean="0">
-              <a:latin typeface="+mj-lt"/>
-            </a:endParaRPr>
-          </a:p>
-          <a:p>
-            <a:pPr lvl="1"/>
-            <a:r>
-              <a:rPr lang="en-US" sz="2000" dirty="0" smtClean="0">
-                <a:latin typeface="+mj-lt"/>
-              </a:rPr>
-              <a:t>… and </a:t>
-            </a:r>
-            <a:r>
-              <a:rPr lang="en-US" sz="2000" dirty="0">
-                <a:latin typeface="+mj-lt"/>
-              </a:rPr>
-              <a:t>so on to </a:t>
-            </a:r>
-            <a:r>
-              <a:rPr lang="en-US" sz="2000" dirty="0" smtClean="0">
-                <a:latin typeface="+mj-lt"/>
-              </a:rPr>
-              <a:t>Row 15.</a:t>
-            </a:r>
-            <a:endParaRPr lang="en-US" sz="2000" dirty="0">
-              <a:latin typeface="+mj-lt"/>
-            </a:endParaRPr>
-          </a:p>
-        </p:txBody>
-      </p:sp>
-      <p:sp>
-        <p:nvSpPr>
-          <p:cNvPr id="5" name="Rectangle 2"/>
-          <p:cNvSpPr>
-            <a:spLocks noChangeArrowheads="1"/>
-          </p:cNvSpPr>
-          <p:nvPr/>
-        </p:nvSpPr>
-        <p:spPr bwMode="auto">
-          <a:xfrm>
-            <a:off x="457200" y="0"/>
-            <a:ext cx="8001000" cy="769441"/>
-          </a:xfrm>
-          <a:prstGeom prst="rect">
-            <a:avLst/>
-          </a:prstGeom>
-          <a:noFill/>
-          <a:ln w="9525">
-            <a:noFill/>
-            <a:miter lim="800000"/>
-            <a:headEnd/>
-            <a:tailEnd/>
-          </a:ln>
-        </p:spPr>
-        <p:txBody>
-          <a:bodyPr wrap="square">
-            <a:spAutoFit/>
-          </a:bodyPr>
-          <a:lstStyle/>
-          <a:p>
-            <a:pPr algn="ctr"/>
-            <a:r>
-              <a:rPr lang="en-US" sz="4400" dirty="0" smtClean="0">
-                <a:latin typeface="+mj-lt"/>
-              </a:rPr>
-              <a:t>Segment Lookup Table: Example 4</a:t>
-            </a:r>
-            <a:endParaRPr lang="en-US" sz="4400" dirty="0">
-              <a:latin typeface="+mj-lt"/>
-            </a:endParaRPr>
-          </a:p>
-        </p:txBody>
-      </p:sp>
-    </p:spTree>
-  </p:cSld>
-  <p:clrMapOvr>
-    <a:masterClrMapping/>
-  </p:clrMapOvr>
-  <p:timing>
-    <p:tnLst>
-      <p:par>
-        <p:cTn id="1" dur="indefinite" restart="never" nodeType="tmRoot"/>
-      </p:par>
-    </p:tnLst>
-  </p:timing>
-</p:sld>
-</file>
-
-<file path=ppt/slides/slide38.xml><?xml version="1.0" encoding="utf-8"?>
-<p:sld xmlns:a="http://schemas.openxmlformats.org/drawingml/2006/main" xmlns:r="http://schemas.openxmlformats.org/officeDocument/2006/relationships" xmlns:p="http://schemas.openxmlformats.org/presentationml/2006/main">
-  <p:cSld>
-    <p:spTree>
-      <p:nvGrpSpPr>
-        <p:cNvPr id="1" name=""/>
-        <p:cNvGrpSpPr/>
-        <p:nvPr/>
-      </p:nvGrpSpPr>
-      <p:grpSpPr>
-        <a:xfrm>
-          <a:off x="0" y="0"/>
-          <a:ext cx="0" cy="0"/>
-          <a:chOff x="0" y="0"/>
-          <a:chExt cx="0" cy="0"/>
-        </a:xfrm>
-      </p:grpSpPr>
-      <p:sp>
-        <p:nvSpPr>
-          <p:cNvPr id="6" name="TextBox 5"/>
-          <p:cNvSpPr txBox="1"/>
-          <p:nvPr/>
-        </p:nvSpPr>
-        <p:spPr>
-          <a:xfrm>
             <a:off x="206115" y="6445770"/>
             <a:ext cx="8763000" cy="369332"/>
           </a:xfrm>
@@ -22308,9 +21429,6 @@
               </a:rPr>
               <a:t>21 ????</a:t>
             </a:r>
-            <a:endParaRPr lang="en-US" sz="1600" dirty="0" smtClean="0">
-              <a:latin typeface="+mj-lt"/>
-            </a:endParaRPr>
           </a:p>
           <a:p>
             <a:pPr lvl="1"/>
@@ -22468,6 +21586,146 @@
 </p:sld>
 </file>
 
+<file path=ppt/slides/slide38.xml><?xml version="1.0" encoding="utf-8"?>
+<p:sld xmlns:a="http://schemas.openxmlformats.org/drawingml/2006/main" xmlns:r="http://schemas.openxmlformats.org/officeDocument/2006/relationships" xmlns:p="http://schemas.openxmlformats.org/presentationml/2006/main">
+  <p:cSld>
+    <p:spTree>
+      <p:nvGrpSpPr>
+        <p:cNvPr id="1" name=""/>
+        <p:cNvGrpSpPr/>
+        <p:nvPr/>
+      </p:nvGrpSpPr>
+      <p:grpSpPr>
+        <a:xfrm>
+          <a:off x="0" y="0"/>
+          <a:ext cx="0" cy="0"/>
+          <a:chOff x="0" y="0"/>
+          <a:chExt cx="0" cy="0"/>
+        </a:xfrm>
+      </p:grpSpPr>
+      <p:sp>
+        <p:nvSpPr>
+          <p:cNvPr id="37890" name="Title 1"/>
+          <p:cNvSpPr>
+            <a:spLocks noGrp="1"/>
+          </p:cNvSpPr>
+          <p:nvPr>
+            <p:ph type="title"/>
+          </p:nvPr>
+        </p:nvSpPr>
+        <p:spPr/>
+        <p:txBody>
+          <a:bodyPr/>
+          <a:lstStyle/>
+          <a:p>
+            <a:pPr eaLnBrk="1" hangingPunct="1"/>
+            <a:r>
+              <a:rPr lang="en-US" dirty="0" smtClean="0"/>
+              <a:t>Agenda</a:t>
+            </a:r>
+          </a:p>
+        </p:txBody>
+      </p:sp>
+      <p:sp>
+        <p:nvSpPr>
+          <p:cNvPr id="3" name="Subtitle 2"/>
+          <p:cNvSpPr>
+            <a:spLocks noGrp="1"/>
+          </p:cNvSpPr>
+          <p:nvPr>
+            <p:ph idx="1"/>
+          </p:nvPr>
+        </p:nvSpPr>
+        <p:spPr>
+          <a:xfrm>
+            <a:off x="457200" y="990600"/>
+            <a:ext cx="8229600" cy="3429000"/>
+          </a:xfrm>
+        </p:spPr>
+        <p:txBody>
+          <a:bodyPr rtlCol="0">
+            <a:normAutofit/>
+          </a:bodyPr>
+          <a:lstStyle/>
+          <a:p>
+            <a:pPr marL="514350" indent="-514350" eaLnBrk="1" fontAlgn="auto" hangingPunct="1">
+              <a:spcAft>
+                <a:spcPts val="0"/>
+              </a:spcAft>
+              <a:buFont typeface="+mj-lt"/>
+              <a:buAutoNum type="arabicPeriod"/>
+              <a:defRPr/>
+            </a:pPr>
+            <a:r>
+              <a:rPr lang="en-US" dirty="0" smtClean="0">
+                <a:latin typeface="+mj-lt"/>
+              </a:rPr>
+              <a:t>HyperLink Overview</a:t>
+            </a:r>
+          </a:p>
+          <a:p>
+            <a:pPr marL="514350" indent="-514350" eaLnBrk="1" fontAlgn="auto" hangingPunct="1">
+              <a:spcAft>
+                <a:spcPts val="0"/>
+              </a:spcAft>
+              <a:buFont typeface="+mj-lt"/>
+              <a:buAutoNum type="arabicPeriod"/>
+              <a:defRPr/>
+            </a:pPr>
+            <a:r>
+              <a:rPr lang="en-US" dirty="0" smtClean="0">
+                <a:latin typeface="+mj-lt"/>
+              </a:rPr>
+              <a:t>Address Translation</a:t>
+            </a:r>
+          </a:p>
+          <a:p>
+            <a:pPr marL="514350" indent="-514350" eaLnBrk="1" fontAlgn="auto" hangingPunct="1">
+              <a:spcAft>
+                <a:spcPts val="0"/>
+              </a:spcAft>
+              <a:buFont typeface="+mj-lt"/>
+              <a:buAutoNum type="arabicPeriod"/>
+              <a:defRPr/>
+            </a:pPr>
+            <a:r>
+              <a:rPr lang="en-US" b="1" dirty="0" smtClean="0">
+                <a:latin typeface="+mj-lt"/>
+              </a:rPr>
+              <a:t>Configuration</a:t>
+            </a:r>
+          </a:p>
+          <a:p>
+            <a:pPr marL="514350" indent="-514350" eaLnBrk="1" fontAlgn="auto" hangingPunct="1">
+              <a:spcAft>
+                <a:spcPts val="0"/>
+              </a:spcAft>
+              <a:buFont typeface="+mj-lt"/>
+              <a:buAutoNum type="arabicPeriod"/>
+              <a:defRPr/>
+            </a:pPr>
+            <a:r>
+              <a:rPr lang="en-US" dirty="0" smtClean="0"/>
+              <a:t>Examples and Demo</a:t>
+            </a:r>
+          </a:p>
+        </p:txBody>
+      </p:sp>
+    </p:spTree>
+  </p:cSld>
+  <p:clrMapOvr>
+    <a:masterClrMapping/>
+  </p:clrMapOvr>
+  <p:timing>
+    <p:tnLst>
+      <p:par>
+        <p:cTn id="1" dur="indefinite" restart="never" nodeType="tmRoot"/>
+      </p:par>
+    </p:tnLst>
+  </p:timing>
+</p:sld>
+</file>
+
 <file path=ppt/slides/slide39.xml><?xml version="1.0" encoding="utf-8"?>
 <p:sld xmlns:a="http://schemas.openxmlformats.org/drawingml/2006/main" xmlns:r="http://schemas.openxmlformats.org/officeDocument/2006/relationships" xmlns:p="http://schemas.openxmlformats.org/presentationml/2006/main">
   <p:cSld>
@@ -22487,288 +21745,303 @@
       </p:grpSpPr>
       <p:sp>
         <p:nvSpPr>
-          <p:cNvPr id="29699" name="Rectangle 3"/>
+          <p:cNvPr id="38914" name="Title 1"/>
           <p:cNvSpPr>
-            <a:spLocks noChangeArrowheads="1"/>
+            <a:spLocks noGrp="1"/>
           </p:cNvSpPr>
-          <p:nvPr/>
+          <p:nvPr>
+            <p:ph type="title"/>
+          </p:nvPr>
         </p:nvSpPr>
-        <p:spPr bwMode="auto">
-          <a:xfrm>
-            <a:off x="381000" y="990600"/>
-            <a:ext cx="8382000" cy="4401205"/>
-          </a:xfrm>
-          <a:prstGeom prst="rect">
-            <a:avLst/>
-          </a:prstGeom>
-          <a:noFill/>
-          <a:ln w="9525">
-            <a:noFill/>
-            <a:miter lim="800000"/>
-            <a:headEnd/>
-            <a:tailEnd/>
-          </a:ln>
-        </p:spPr>
+        <p:spPr/>
         <p:txBody>
-          <a:bodyPr wrap="square">
-            <a:spAutoFit/>
-          </a:bodyPr>
+          <a:bodyPr/>
           <a:lstStyle/>
           <a:p>
-            <a:pPr marL="342900" indent="-342900">
-              <a:buSzPct val="125000"/>
-              <a:buFont typeface="Arial" pitchFamily="34" charset="0"/>
-              <a:buChar char="•"/>
-              <a:defRPr/>
-            </a:pPr>
-            <a:r>
-              <a:rPr lang="en-US" sz="2000" dirty="0" smtClean="0">
-                <a:latin typeface="+mj-lt"/>
-              </a:rPr>
-              <a:t>64 segments</a:t>
-            </a:r>
-          </a:p>
-          <a:p>
-            <a:pPr marL="342900" indent="-342900">
-              <a:buSzPct val="125000"/>
-              <a:buFont typeface="Arial" pitchFamily="34" charset="0"/>
-              <a:buChar char="•"/>
-              <a:defRPr/>
-            </a:pPr>
-            <a:r>
-              <a:rPr lang="en-US" sz="2000" dirty="0" smtClean="0">
-                <a:latin typeface="+mj-lt"/>
-              </a:rPr>
-              <a:t>Addresses start at 0x8000_0000, 0x8080_0000</a:t>
-            </a:r>
-            <a:r>
-              <a:rPr lang="en-US" sz="2000" dirty="0">
-                <a:latin typeface="+mj-lt"/>
-              </a:rPr>
-              <a:t>, </a:t>
-            </a:r>
-            <a:r>
-              <a:rPr lang="en-US" sz="2000" dirty="0" smtClean="0">
-                <a:latin typeface="+mj-lt"/>
-              </a:rPr>
-              <a:t>0x8100_0000</a:t>
-            </a:r>
-            <a:r>
-              <a:rPr lang="en-US" sz="2000" dirty="0">
-                <a:latin typeface="+mj-lt"/>
-              </a:rPr>
-              <a:t>, </a:t>
-            </a:r>
-            <a:r>
-              <a:rPr lang="en-US" sz="2000" dirty="0" smtClean="0">
-                <a:latin typeface="+mj-lt"/>
-              </a:rPr>
-              <a:t>etc.</a:t>
-            </a:r>
-          </a:p>
-          <a:p>
-            <a:pPr marL="342900" indent="-342900">
-              <a:buSzPct val="125000"/>
-              <a:buFont typeface="Arial" pitchFamily="34" charset="0"/>
-              <a:buChar char="•"/>
-              <a:defRPr/>
-            </a:pPr>
-            <a:r>
-              <a:rPr lang="en-US" sz="2000" dirty="0" smtClean="0">
-                <a:latin typeface="+mj-lt"/>
-              </a:rPr>
-              <a:t>The maximum size is 4MB. That is, 22 bits.</a:t>
-            </a:r>
-          </a:p>
-          <a:p>
-            <a:pPr marL="342900" indent="-342900">
-              <a:buSzPct val="125000"/>
-              <a:buFont typeface="Arial" pitchFamily="34" charset="0"/>
-              <a:buChar char="•"/>
-              <a:defRPr/>
-            </a:pPr>
-            <a:r>
-              <a:rPr lang="en-US" sz="2000" dirty="0" smtClean="0">
-                <a:latin typeface="+mj-lt"/>
-              </a:rPr>
-              <a:t>6 </a:t>
-            </a:r>
-            <a:r>
-              <a:rPr lang="en-US" sz="2000" dirty="0">
-                <a:latin typeface="+mj-lt"/>
-              </a:rPr>
-              <a:t>bits to choose the segment (64 segments)</a:t>
-            </a:r>
-          </a:p>
-          <a:p>
-            <a:pPr lvl="1"/>
-            <a:endParaRPr lang="en-US" sz="2000" dirty="0" smtClean="0">
-              <a:latin typeface="+mj-lt"/>
-            </a:endParaRPr>
-          </a:p>
-          <a:p>
-            <a:pPr lvl="1"/>
-            <a:r>
-              <a:rPr lang="en-US" sz="2000" dirty="0" smtClean="0">
-                <a:latin typeface="+mj-lt"/>
-              </a:rPr>
-              <a:t>Row 0	0x8000_0000    Size </a:t>
-            </a:r>
-            <a:r>
-              <a:rPr lang="en-US" sz="2000" dirty="0">
-                <a:latin typeface="+mj-lt"/>
-              </a:rPr>
-              <a:t>21 (4M)  </a:t>
-            </a:r>
-          </a:p>
-          <a:p>
-            <a:pPr lvl="1"/>
-            <a:r>
-              <a:rPr lang="en-US" sz="2000" dirty="0" smtClean="0">
-                <a:latin typeface="+mj-lt"/>
-              </a:rPr>
-              <a:t>Row 1	0x8080_0000    Size </a:t>
-            </a:r>
-            <a:r>
-              <a:rPr lang="en-US" sz="2000" dirty="0">
-                <a:latin typeface="+mj-lt"/>
-              </a:rPr>
-              <a:t>21  </a:t>
-            </a:r>
-          </a:p>
-          <a:p>
-            <a:pPr lvl="1"/>
-            <a:r>
-              <a:rPr lang="en-US" sz="2000" dirty="0" smtClean="0">
-                <a:latin typeface="+mj-lt"/>
-              </a:rPr>
-              <a:t>Row 2	0x8100_0000    Size </a:t>
-            </a:r>
-            <a:r>
-              <a:rPr lang="en-US" sz="2000" dirty="0">
-                <a:latin typeface="+mj-lt"/>
-              </a:rPr>
-              <a:t>21</a:t>
-            </a:r>
-          </a:p>
-          <a:p>
-            <a:pPr lvl="1"/>
-            <a:r>
-              <a:rPr lang="en-US" sz="2000" dirty="0" smtClean="0">
-                <a:latin typeface="+mj-lt"/>
-              </a:rPr>
-              <a:t>Row 3	0x8180_0000    Size </a:t>
-            </a:r>
-            <a:r>
-              <a:rPr lang="en-US" sz="2000" dirty="0">
-                <a:latin typeface="+mj-lt"/>
-              </a:rPr>
-              <a:t>21</a:t>
-            </a:r>
-          </a:p>
-          <a:p>
-            <a:pPr lvl="1"/>
-            <a:r>
-              <a:rPr lang="en-US" sz="2000" dirty="0" smtClean="0">
-                <a:latin typeface="+mj-lt"/>
-              </a:rPr>
-              <a:t>Row 4	0x8200_0000    Size </a:t>
-            </a:r>
-            <a:r>
-              <a:rPr lang="en-US" sz="2000" dirty="0">
-                <a:latin typeface="+mj-lt"/>
-              </a:rPr>
-              <a:t>21</a:t>
-            </a:r>
-          </a:p>
-          <a:p>
-            <a:pPr lvl="1"/>
-            <a:r>
-              <a:rPr lang="en-US" sz="2000" dirty="0" smtClean="0">
-                <a:latin typeface="+mj-lt"/>
-              </a:rPr>
-              <a:t>Row 5	0x8280_0000    Size </a:t>
-            </a:r>
-            <a:r>
-              <a:rPr lang="en-US" sz="2000" dirty="0">
-                <a:latin typeface="+mj-lt"/>
-              </a:rPr>
-              <a:t>21</a:t>
-            </a:r>
-          </a:p>
-          <a:p>
-            <a:r>
-              <a:rPr lang="en-US" sz="2000" dirty="0">
-                <a:latin typeface="+mj-lt"/>
-              </a:rPr>
-              <a:t>	</a:t>
-            </a:r>
-            <a:r>
-              <a:rPr lang="en-US" sz="2000" dirty="0" smtClean="0">
-                <a:latin typeface="+mj-lt"/>
-              </a:rPr>
-              <a:t>.</a:t>
-            </a:r>
-          </a:p>
-          <a:p>
-            <a:r>
-              <a:rPr lang="en-US" sz="2000" dirty="0" smtClean="0">
-                <a:latin typeface="+mj-lt"/>
-              </a:rPr>
-              <a:t>	.</a:t>
-            </a:r>
-          </a:p>
-          <a:p>
-            <a:r>
-              <a:rPr lang="en-US" sz="2000" dirty="0" smtClean="0">
-                <a:latin typeface="+mj-lt"/>
-              </a:rPr>
-              <a:t>	.</a:t>
-            </a:r>
-            <a:endParaRPr lang="en-US" sz="2000" dirty="0">
-              <a:latin typeface="+mj-lt"/>
-            </a:endParaRPr>
+            <a:pPr eaLnBrk="1" hangingPunct="1"/>
+            <a:r>
+              <a:rPr lang="en-US" b="0" dirty="0" smtClean="0"/>
+              <a:t>Chip Level Configuration</a:t>
+            </a:r>
           </a:p>
         </p:txBody>
       </p:sp>
       <p:sp>
         <p:nvSpPr>
-          <p:cNvPr id="4" name="Rectangle 2"/>
+          <p:cNvPr id="3" name="Subtitle 2"/>
           <p:cNvSpPr>
-            <a:spLocks noChangeArrowheads="1"/>
+            <a:spLocks noGrp="1"/>
           </p:cNvSpPr>
-          <p:nvPr/>
+          <p:nvPr>
+            <p:ph idx="1"/>
+          </p:nvPr>
         </p:nvSpPr>
-        <p:spPr bwMode="auto">
+        <p:spPr>
           <a:xfrm>
-            <a:off x="457200" y="0"/>
-            <a:ext cx="8001000" cy="769441"/>
+            <a:off x="304800" y="990600"/>
+            <a:ext cx="8686800" cy="5029200"/>
           </a:xfrm>
-          <a:prstGeom prst="rect">
-            <a:avLst/>
-          </a:prstGeom>
-          <a:noFill/>
-          <a:ln w="9525">
-            <a:noFill/>
-            <a:miter lim="800000"/>
-            <a:headEnd/>
-            <a:tailEnd/>
-          </a:ln>
         </p:spPr>
         <p:txBody>
-          <a:bodyPr wrap="square">
-            <a:spAutoFit/>
+          <a:bodyPr rtlCol="0">
+            <a:normAutofit/>
           </a:bodyPr>
           <a:lstStyle/>
           <a:p>
-            <a:pPr algn="ctr"/>
-            <a:r>
-              <a:rPr lang="en-US" sz="4400" dirty="0" smtClean="0">
-                <a:latin typeface="+mj-lt"/>
-              </a:rPr>
-              <a:t>Segment Lookup Table: Example 5</a:t>
-            </a:r>
-            <a:endParaRPr lang="en-US" sz="4400" dirty="0">
+            <a:pPr marL="514350" indent="-514350" eaLnBrk="1" fontAlgn="auto" hangingPunct="1">
+              <a:spcAft>
+                <a:spcPts val="0"/>
+              </a:spcAft>
+              <a:buFont typeface="+mj-lt"/>
+              <a:buAutoNum type="arabicPeriod"/>
+              <a:defRPr/>
+            </a:pPr>
+            <a:r>
+              <a:rPr lang="en-US" sz="2400" dirty="0" smtClean="0">
+                <a:latin typeface="+mj-lt"/>
+              </a:rPr>
+              <a:t>Enable power domain for peripherals using CSL routines.</a:t>
+            </a:r>
+          </a:p>
+          <a:p>
+            <a:pPr marL="1085850" lvl="2" indent="-514350" eaLnBrk="1" fontAlgn="auto" hangingPunct="1">
+              <a:spcAft>
+                <a:spcPts val="0"/>
+              </a:spcAft>
+              <a:buFont typeface="Arial" pitchFamily="34" charset="0"/>
+              <a:buNone/>
+              <a:defRPr/>
+            </a:pPr>
+            <a:r>
+              <a:rPr lang="en-US" sz="1900" i="1" dirty="0" smtClean="0">
+                <a:latin typeface="+mj-lt"/>
+              </a:rPr>
+              <a:t>Enabling power to peripherals involves the following four functions:</a:t>
+            </a:r>
+          </a:p>
+          <a:p>
+            <a:pPr marL="1062037" lvl="3" indent="-514350" eaLnBrk="1" fontAlgn="auto" hangingPunct="1">
+              <a:spcAft>
+                <a:spcPts val="0"/>
+              </a:spcAft>
+              <a:buNone/>
+              <a:defRPr/>
+            </a:pPr>
+            <a:r>
+              <a:rPr lang="en-US" sz="1700" i="1" dirty="0" err="1" smtClean="0">
+                <a:latin typeface="+mj-lt"/>
+                <a:ea typeface="+mn-ea"/>
+                <a:cs typeface="+mn-cs"/>
+              </a:rPr>
+              <a:t>CSL_PSC_enablePowerDomain</a:t>
+            </a:r>
+            <a:r>
+              <a:rPr lang="en-US" sz="1700" i="1" dirty="0" smtClean="0">
+                <a:latin typeface="+mj-lt"/>
+                <a:ea typeface="+mn-ea"/>
+                <a:cs typeface="+mn-cs"/>
+              </a:rPr>
+              <a:t>()</a:t>
+            </a:r>
+          </a:p>
+          <a:p>
+            <a:pPr marL="1062037" lvl="3" indent="-514350" eaLnBrk="1" fontAlgn="auto" hangingPunct="1">
+              <a:spcAft>
+                <a:spcPts val="0"/>
+              </a:spcAft>
+              <a:buNone/>
+              <a:defRPr/>
+            </a:pPr>
+            <a:r>
+              <a:rPr lang="en-US" sz="1700" i="1" dirty="0" smtClean="0">
+                <a:latin typeface="+mj-lt"/>
+                <a:ea typeface="+mn-ea"/>
+                <a:cs typeface="+mn-cs"/>
+              </a:rPr>
+              <a:t>CSL_PSC_setMosuleNextState()</a:t>
+            </a:r>
+          </a:p>
+          <a:p>
+            <a:pPr marL="1062037" lvl="3" indent="-514350" eaLnBrk="1" fontAlgn="auto" hangingPunct="1">
+              <a:spcAft>
+                <a:spcPts val="0"/>
+              </a:spcAft>
+              <a:buNone/>
+              <a:defRPr/>
+            </a:pPr>
+            <a:r>
+              <a:rPr lang="en-US" sz="1700" i="1" dirty="0" smtClean="0">
+                <a:latin typeface="+mj-lt"/>
+                <a:ea typeface="+mn-ea"/>
+                <a:cs typeface="+mn-cs"/>
+              </a:rPr>
+              <a:t>CSL_PSC_startStateTransition()</a:t>
+            </a:r>
+          </a:p>
+          <a:p>
+            <a:pPr marL="1062037" lvl="3" indent="-514350" eaLnBrk="1" fontAlgn="auto" hangingPunct="1">
+              <a:spcAft>
+                <a:spcPts val="0"/>
+              </a:spcAft>
+              <a:buNone/>
+              <a:defRPr/>
+            </a:pPr>
+            <a:r>
+              <a:rPr lang="en-US" sz="1700" i="1" dirty="0" smtClean="0">
+                <a:latin typeface="+mj-lt"/>
+                <a:ea typeface="+mn-ea"/>
+                <a:cs typeface="+mn-cs"/>
+              </a:rPr>
+              <a:t>CSL_PSC_isStateTransitionDone()</a:t>
+            </a:r>
+          </a:p>
+          <a:p>
+            <a:pPr marL="514350" indent="-514350" eaLnBrk="1" fontAlgn="auto" hangingPunct="1">
+              <a:spcAft>
+                <a:spcPts val="0"/>
+              </a:spcAft>
+              <a:buFont typeface="+mj-lt"/>
+              <a:buAutoNum type="arabicPeriod"/>
+              <a:defRPr/>
+            </a:pPr>
+            <a:r>
+              <a:rPr lang="en-US" sz="2400" dirty="0" smtClean="0">
+                <a:latin typeface="+mj-lt"/>
+              </a:rPr>
+              <a:t>Reset the HyperLink and load the boot code for the PLL.</a:t>
+            </a:r>
+          </a:p>
+          <a:p>
+            <a:pPr marL="1085850" lvl="2" indent="-514350" eaLnBrk="1" fontAlgn="auto" hangingPunct="1">
+              <a:spcAft>
+                <a:spcPts val="0"/>
+              </a:spcAft>
+              <a:buFont typeface="Arial" pitchFamily="34" charset="0"/>
+              <a:buNone/>
+              <a:defRPr/>
+            </a:pPr>
+            <a:r>
+              <a:rPr lang="en-US" sz="1700" i="1" dirty="0" smtClean="0">
+                <a:latin typeface="+mj-lt"/>
+              </a:rPr>
+              <a:t>Write 1 to the reset field of control register (address base + 0x04)</a:t>
+            </a:r>
+          </a:p>
+          <a:p>
+            <a:pPr marL="1085850" lvl="2" indent="-514350" eaLnBrk="1" fontAlgn="auto" hangingPunct="1">
+              <a:spcAft>
+                <a:spcPts val="0"/>
+              </a:spcAft>
+              <a:buFont typeface="Arial" pitchFamily="34" charset="0"/>
+              <a:buNone/>
+              <a:defRPr/>
+            </a:pPr>
+            <a:r>
+              <a:rPr lang="en-US" sz="1700" i="1" dirty="0" err="1" smtClean="0">
+                <a:latin typeface="+mj-lt"/>
+              </a:rPr>
+              <a:t>CSL_BootCfgUnlockKicker</a:t>
+            </a:r>
+            <a:r>
+              <a:rPr lang="en-US" sz="1700" i="1" dirty="0" smtClean="0">
+                <a:latin typeface="+mj-lt"/>
+              </a:rPr>
+              <a:t>();</a:t>
+            </a:r>
+          </a:p>
+          <a:p>
+            <a:pPr marL="1085850" lvl="2" indent="-514350" eaLnBrk="1" fontAlgn="auto" hangingPunct="1">
+              <a:spcAft>
+                <a:spcPts val="0"/>
+              </a:spcAft>
+              <a:buFont typeface="Arial" pitchFamily="34" charset="0"/>
+              <a:buNone/>
+              <a:defRPr/>
+            </a:pPr>
+            <a:r>
+              <a:rPr lang="en-US" sz="1700" i="1" dirty="0" err="1" smtClean="0">
+                <a:latin typeface="+mj-lt"/>
+              </a:rPr>
+              <a:t>CSL_BootCfgSetVUSRConfigPLL</a:t>
+            </a:r>
+            <a:r>
+              <a:rPr lang="en-US" sz="1700" i="1" dirty="0" smtClean="0">
+                <a:latin typeface="+mj-lt"/>
+              </a:rPr>
+              <a:t> ()</a:t>
+            </a:r>
+            <a:endParaRPr lang="en-US" sz="1700" b="1" i="1" dirty="0" smtClean="0">
+              <a:latin typeface="+mj-lt"/>
+            </a:endParaRPr>
+          </a:p>
+          <a:p>
+            <a:pPr marL="514350" indent="-514350" eaLnBrk="1" fontAlgn="auto" hangingPunct="1">
+              <a:spcAft>
+                <a:spcPts val="0"/>
+              </a:spcAft>
+              <a:buFont typeface="Arial" pitchFamily="34" charset="0"/>
+              <a:buNone/>
+              <a:defRPr/>
+            </a:pPr>
+            <a:r>
+              <a:rPr lang="en-US" dirty="0" smtClean="0">
+                <a:latin typeface="+mj-lt"/>
+              </a:rPr>
+              <a:t>3. </a:t>
+            </a:r>
+            <a:r>
+              <a:rPr lang="en-US" sz="2400" dirty="0" smtClean="0">
+                <a:latin typeface="+mj-lt"/>
+              </a:rPr>
+              <a:t>Configure the SERDES.</a:t>
+            </a:r>
+          </a:p>
+          <a:p>
+            <a:pPr marL="1085850" lvl="2" indent="-514350" eaLnBrk="1" fontAlgn="auto" hangingPunct="1">
+              <a:spcAft>
+                <a:spcPts val="0"/>
+              </a:spcAft>
+              <a:buFont typeface="Arial" pitchFamily="34" charset="0"/>
+              <a:buNone/>
+              <a:defRPr/>
+            </a:pPr>
+            <a:r>
+              <a:rPr lang="en-US" sz="1700" i="1" dirty="0" err="1" smtClean="0"/>
+              <a:t>CSL_BootCfgVUSRRxConfig</a:t>
+            </a:r>
+            <a:r>
+              <a:rPr lang="en-US" sz="1700" i="1" dirty="0" smtClean="0"/>
+              <a:t>()</a:t>
+            </a:r>
+          </a:p>
+          <a:p>
+            <a:pPr marL="1085850" lvl="2" indent="-514350" eaLnBrk="1" fontAlgn="auto" hangingPunct="1">
+              <a:spcAft>
+                <a:spcPts val="0"/>
+              </a:spcAft>
+              <a:buFont typeface="Arial" pitchFamily="34" charset="0"/>
+              <a:buNone/>
+              <a:defRPr/>
+            </a:pPr>
+            <a:r>
+              <a:rPr lang="en-US" sz="1700" i="1" dirty="0" err="1" smtClean="0"/>
+              <a:t>CSL_BootCfgVUSRTxConfig</a:t>
+            </a:r>
+            <a:r>
+              <a:rPr lang="en-US" sz="1700" i="1" dirty="0" smtClean="0"/>
+              <a:t>()</a:t>
+            </a:r>
+          </a:p>
+          <a:p>
+            <a:pPr marL="514350" indent="-514350" eaLnBrk="1" fontAlgn="auto" hangingPunct="1">
+              <a:spcAft>
+                <a:spcPts val="0"/>
+              </a:spcAft>
+              <a:buFont typeface="Arial" pitchFamily="34" charset="0"/>
+              <a:buNone/>
+              <a:defRPr/>
+            </a:pPr>
+            <a:endParaRPr lang="en-US" dirty="0" smtClean="0">
               <a:latin typeface="+mj-lt"/>
             </a:endParaRPr>
           </a:p>
@@ -47748,279 +47021,157 @@
       </p:grpSpPr>
       <p:sp>
         <p:nvSpPr>
-          <p:cNvPr id="6" name="TextBox 5"/>
-          <p:cNvSpPr txBox="1"/>
-          <p:nvPr/>
+          <p:cNvPr id="39938" name="Title 1"/>
+          <p:cNvSpPr>
+            <a:spLocks noGrp="1"/>
+          </p:cNvSpPr>
+          <p:nvPr>
+            <p:ph type="title"/>
+          </p:nvPr>
         </p:nvSpPr>
-        <p:spPr>
-          <a:xfrm>
-            <a:off x="206115" y="6445770"/>
-            <a:ext cx="8763000" cy="369332"/>
-          </a:xfrm>
-          <a:prstGeom prst="rect">
-            <a:avLst/>
-          </a:prstGeom>
-          <a:solidFill>
-            <a:schemeClr val="bg1"/>
-          </a:solidFill>
-        </p:spPr>
+        <p:spPr/>
         <p:txBody>
-          <a:bodyPr wrap="square" rtlCol="0">
-            <a:spAutoFit/>
-          </a:bodyPr>
+          <a:bodyPr/>
           <a:lstStyle/>
           <a:p>
-            <a:endParaRPr lang="en-US" dirty="0"/>
+            <a:pPr eaLnBrk="1" hangingPunct="1"/>
+            <a:r>
+              <a:rPr lang="en-US" b="0" dirty="0" smtClean="0"/>
+              <a:t>Platform Level Configuration</a:t>
+            </a:r>
           </a:p>
         </p:txBody>
       </p:sp>
       <p:sp>
         <p:nvSpPr>
-          <p:cNvPr id="8196" name="Rectangle 3"/>
+          <p:cNvPr id="3" name="Subtitle 2"/>
           <p:cNvSpPr>
-            <a:spLocks noChangeArrowheads="1"/>
+            <a:spLocks noGrp="1"/>
           </p:cNvSpPr>
-          <p:nvPr/>
+          <p:nvPr>
+            <p:ph idx="1"/>
+          </p:nvPr>
         </p:nvSpPr>
-        <p:spPr bwMode="auto">
+        <p:spPr>
           <a:xfrm>
-            <a:off x="533400" y="647075"/>
-            <a:ext cx="7848600" cy="2616101"/>
+            <a:off x="457200" y="990600"/>
+            <a:ext cx="8229600" cy="5029200"/>
           </a:xfrm>
-          <a:prstGeom prst="rect">
-            <a:avLst/>
-          </a:prstGeom>
-          <a:noFill/>
-          <a:ln w="9525">
-            <a:noFill/>
-            <a:miter lim="800000"/>
-            <a:headEnd/>
-            <a:tailEnd/>
-          </a:ln>
         </p:spPr>
         <p:txBody>
-          <a:bodyPr wrap="square">
-            <a:spAutoFit/>
+          <a:bodyPr rtlCol="0">
+            <a:normAutofit/>
           </a:bodyPr>
           <a:lstStyle/>
           <a:p>
-            <a:pPr marL="342900" indent="-342900">
-              <a:buSzPct val="125000"/>
-              <a:buFont typeface="Arial" pitchFamily="34" charset="0"/>
-              <a:buChar char="•"/>
+            <a:pPr marL="514350" indent="-514350" eaLnBrk="1" fontAlgn="auto" hangingPunct="1">
+              <a:spcAft>
+                <a:spcPts val="0"/>
+              </a:spcAft>
+              <a:buFont typeface="+mj-lt"/>
+              <a:buAutoNum type="arabicPeriod"/>
               <a:defRPr/>
             </a:pPr>
             <a:r>
-              <a:rPr lang="en-US" dirty="0" smtClean="0">
-                <a:latin typeface="+mj-lt"/>
-              </a:rPr>
-              <a:t>64 segments</a:t>
-            </a:r>
-          </a:p>
-          <a:p>
-            <a:pPr marL="342900" indent="-342900">
-              <a:buSzPct val="125000"/>
-              <a:buFont typeface="Arial" pitchFamily="34" charset="0"/>
-              <a:buChar char="•"/>
+              <a:rPr lang="en-US" sz="2400" dirty="0" smtClean="0">
+                <a:latin typeface="+mj-lt"/>
+              </a:rPr>
+              <a:t>HyperLink Control registers</a:t>
+            </a:r>
+          </a:p>
+          <a:p>
+            <a:pPr marL="514350" indent="-514350" eaLnBrk="1" fontAlgn="auto" hangingPunct="1">
+              <a:spcAft>
+                <a:spcPts val="0"/>
+              </a:spcAft>
+              <a:buFont typeface="+mj-lt"/>
+              <a:buAutoNum type="arabicPeriod"/>
               <a:defRPr/>
             </a:pPr>
             <a:r>
-              <a:rPr lang="en-US" dirty="0" smtClean="0">
-                <a:latin typeface="+mj-lt"/>
-              </a:rPr>
-              <a:t>Addresses start at 0x8000_0000, 0x8080_0000, 0x8100_0000, etc.</a:t>
-            </a:r>
-          </a:p>
-          <a:p>
-            <a:pPr marL="342900" indent="-342900">
-              <a:buSzPct val="125000"/>
-              <a:buFont typeface="Arial" pitchFamily="34" charset="0"/>
-              <a:buChar char="•"/>
+              <a:rPr lang="en-US" sz="2400" dirty="0" smtClean="0">
+                <a:latin typeface="+mj-lt"/>
+              </a:rPr>
+              <a:t>Interrupt registers</a:t>
+            </a:r>
+          </a:p>
+          <a:p>
+            <a:pPr marL="514350" indent="-514350" eaLnBrk="1" fontAlgn="auto" hangingPunct="1">
+              <a:spcAft>
+                <a:spcPts val="0"/>
+              </a:spcAft>
+              <a:buFont typeface="+mj-lt"/>
+              <a:buAutoNum type="arabicPeriod"/>
               <a:defRPr/>
             </a:pPr>
             <a:r>
-              <a:rPr lang="en-US" dirty="0" smtClean="0">
-                <a:latin typeface="+mj-lt"/>
-              </a:rPr>
-              <a:t>The maximum size is 4M. That is, 22 bits.</a:t>
-            </a:r>
-          </a:p>
-          <a:p>
-            <a:pPr marL="342900" indent="-342900">
-              <a:buSzPct val="125000"/>
-              <a:buFont typeface="Arial" pitchFamily="34" charset="0"/>
-              <a:buChar char="•"/>
+              <a:rPr lang="en-US" sz="2400" dirty="0" smtClean="0">
+                <a:latin typeface="+mj-lt"/>
+              </a:rPr>
+              <a:t>Lane Power Management registers</a:t>
+            </a:r>
+          </a:p>
+          <a:p>
+            <a:pPr marL="514350" indent="-514350" eaLnBrk="1" fontAlgn="auto" hangingPunct="1">
+              <a:spcAft>
+                <a:spcPts val="0"/>
+              </a:spcAft>
+              <a:buFont typeface="+mj-lt"/>
+              <a:buAutoNum type="arabicPeriod"/>
               <a:defRPr/>
             </a:pPr>
             <a:r>
-              <a:rPr lang="en-US" dirty="0" smtClean="0">
-                <a:latin typeface="+mj-lt"/>
-              </a:rPr>
-              <a:t>6 bits to choose the segment (64 segments)</a:t>
-            </a:r>
-          </a:p>
-          <a:p>
-            <a:pPr marL="342900" indent="-342900">
-              <a:buSzPct val="125000"/>
-              <a:buFont typeface="Arial" pitchFamily="34" charset="0"/>
-              <a:buChar char="•"/>
+              <a:rPr lang="en-US" sz="2400" dirty="0" smtClean="0">
+                <a:latin typeface="+mj-lt"/>
+              </a:rPr>
+              <a:t>Error Detection registers</a:t>
+            </a:r>
+          </a:p>
+          <a:p>
+            <a:pPr marL="514350" indent="-514350" eaLnBrk="1" fontAlgn="auto" hangingPunct="1">
+              <a:spcAft>
+                <a:spcPts val="0"/>
+              </a:spcAft>
+              <a:buFont typeface="+mj-lt"/>
+              <a:buAutoNum type="arabicPeriod"/>
               <a:defRPr/>
             </a:pPr>
             <a:r>
-              <a:rPr lang="en-US" dirty="0" smtClean="0">
-                <a:latin typeface="+mj-lt"/>
-              </a:rPr>
-              <a:t>0x5567_89A0 </a:t>
-            </a:r>
-            <a:r>
-              <a:rPr lang="en-US" dirty="0">
-                <a:latin typeface="+mj-lt"/>
-              </a:rPr>
-              <a:t>- offset </a:t>
-            </a:r>
-            <a:r>
-              <a:rPr lang="en-US" dirty="0" smtClean="0">
-                <a:latin typeface="+mj-lt"/>
-              </a:rPr>
-              <a:t>0x0027_89A0 </a:t>
-            </a:r>
-          </a:p>
-          <a:p>
-            <a:pPr marL="342900" indent="-342900">
-              <a:buSzPct val="125000"/>
-              <a:buFont typeface="Arial" pitchFamily="34" charset="0"/>
-              <a:buChar char="•"/>
+              <a:rPr lang="en-US" sz="2400" dirty="0" smtClean="0">
+                <a:latin typeface="+mj-lt"/>
+              </a:rPr>
+              <a:t>SerDes operation configuration</a:t>
+            </a:r>
+          </a:p>
+          <a:p>
+            <a:pPr marL="514350" indent="-514350" eaLnBrk="1" fontAlgn="auto" hangingPunct="1">
+              <a:spcAft>
+                <a:spcPts val="0"/>
+              </a:spcAft>
+              <a:buFont typeface="+mj-lt"/>
+              <a:buAutoNum type="arabicPeriod"/>
               <a:defRPr/>
             </a:pPr>
             <a:r>
-              <a:rPr lang="en-US" dirty="0" smtClean="0">
-                <a:latin typeface="+mj-lt"/>
-              </a:rPr>
-              <a:t>Segment </a:t>
-            </a:r>
-            <a:r>
-              <a:rPr lang="en-US" dirty="0">
-                <a:latin typeface="+mj-lt"/>
-              </a:rPr>
-              <a:t>number is 21 (010101)</a:t>
-            </a:r>
-          </a:p>
-          <a:p>
-            <a:pPr lvl="1"/>
-            <a:endParaRPr lang="en-US" sz="1000" dirty="0" smtClean="0">
+              <a:rPr lang="en-US" sz="2400" dirty="0" smtClean="0">
+                <a:latin typeface="+mj-lt"/>
+              </a:rPr>
+              <a:t>Address Translation registers</a:t>
+            </a:r>
+            <a:endParaRPr lang="en-US" dirty="0" smtClean="0">
               <a:latin typeface="+mj-lt"/>
             </a:endParaRPr>
           </a:p>
           <a:p>
-            <a:pPr lvl="1"/>
-            <a:r>
-              <a:rPr lang="en-US" dirty="0" smtClean="0">
-                <a:latin typeface="+mj-lt"/>
-              </a:rPr>
-              <a:t>Row 21	0x8A80_0000	Size 21</a:t>
-            </a:r>
-          </a:p>
-          <a:p>
-            <a:pPr lvl="1"/>
-            <a:endParaRPr lang="en-US" sz="1000" dirty="0">
-              <a:latin typeface="+mj-lt"/>
-            </a:endParaRPr>
-          </a:p>
-          <a:p>
-            <a:r>
-              <a:rPr lang="en-US" dirty="0" smtClean="0">
-                <a:latin typeface="+mj-lt"/>
-              </a:rPr>
-              <a:t>On the receive side, the address is 0x8a80_0000 </a:t>
-            </a:r>
-            <a:r>
-              <a:rPr lang="en-US" dirty="0">
-                <a:latin typeface="+mj-lt"/>
-              </a:rPr>
-              <a:t>+ </a:t>
-            </a:r>
-            <a:r>
-              <a:rPr lang="en-US" dirty="0" smtClean="0">
-                <a:latin typeface="+mj-lt"/>
-              </a:rPr>
-              <a:t>0x0027_89a0 </a:t>
-            </a:r>
-            <a:r>
-              <a:rPr lang="en-US" dirty="0">
-                <a:latin typeface="+mj-lt"/>
-              </a:rPr>
-              <a:t>= </a:t>
-            </a:r>
-            <a:r>
-              <a:rPr lang="en-US" dirty="0" smtClean="0">
-                <a:latin typeface="+mj-lt"/>
-              </a:rPr>
-              <a:t>0x8AA7_89a0</a:t>
-            </a:r>
-            <a:endParaRPr lang="en-US" dirty="0">
-              <a:latin typeface="+mj-lt"/>
-            </a:endParaRPr>
-          </a:p>
-        </p:txBody>
-      </p:sp>
-      <p:graphicFrame>
-        <p:nvGraphicFramePr>
-          <p:cNvPr id="8194" name="Object 7"/>
-          <p:cNvGraphicFramePr>
-            <a:graphicFrameLocks noChangeAspect="1"/>
-          </p:cNvGraphicFramePr>
-          <p:nvPr/>
-        </p:nvGraphicFramePr>
-        <p:xfrm>
-          <a:off x="762000" y="3810000"/>
-          <a:ext cx="7467600" cy="3048000"/>
-        </p:xfrm>
-        <a:graphic>
-          <a:graphicData uri="http://schemas.openxmlformats.org/presentationml/2006/ole">
-            <p:oleObj spid="_x0000_s8194" name="Visio" r:id="rId4" imgW="5521196" imgH="2273588" progId="Visio.Drawing.11">
-              <p:embed/>
-            </p:oleObj>
-          </a:graphicData>
-        </a:graphic>
-      </p:graphicFrame>
-      <p:sp>
-        <p:nvSpPr>
-          <p:cNvPr id="7" name="Rectangle 2"/>
-          <p:cNvSpPr>
-            <a:spLocks noChangeArrowheads="1"/>
-          </p:cNvSpPr>
-          <p:nvPr/>
-        </p:nvSpPr>
-        <p:spPr bwMode="auto">
-          <a:xfrm>
-            <a:off x="533400" y="0"/>
-            <a:ext cx="8153400" cy="769441"/>
-          </a:xfrm>
-          <a:prstGeom prst="rect">
-            <a:avLst/>
-          </a:prstGeom>
-          <a:noFill/>
-          <a:ln w="9525">
-            <a:noFill/>
-            <a:miter lim="800000"/>
-            <a:headEnd/>
-            <a:tailEnd/>
-          </a:ln>
-        </p:spPr>
-        <p:txBody>
-          <a:bodyPr wrap="square">
-            <a:spAutoFit/>
-          </a:bodyPr>
-          <a:lstStyle/>
-          <a:p>
-            <a:pPr algn="ctr"/>
-            <a:r>
-              <a:rPr lang="en-US" sz="4400" dirty="0" smtClean="0">
-                <a:latin typeface="+mj-lt"/>
-              </a:rPr>
-              <a:t>Remote (Rx) Address: Example 5</a:t>
-            </a:r>
-            <a:endParaRPr lang="en-US" sz="4400" dirty="0">
+            <a:pPr marL="514350" indent="-514350" eaLnBrk="1" fontAlgn="auto" hangingPunct="1">
+              <a:spcAft>
+                <a:spcPts val="0"/>
+              </a:spcAft>
+              <a:buFont typeface="+mj-lt"/>
+              <a:buAutoNum type="arabicPeriod"/>
+              <a:defRPr/>
+            </a:pPr>
+            <a:endParaRPr lang="en-US" sz="2400" dirty="0" smtClean="0">
               <a:latin typeface="+mj-lt"/>
             </a:endParaRPr>
           </a:p>
@@ -48060,7 +47211,7 @@
       </p:grpSpPr>
       <p:sp>
         <p:nvSpPr>
-          <p:cNvPr id="37890" name="Title 1"/>
+          <p:cNvPr id="40962" name="Title 1"/>
           <p:cNvSpPr>
             <a:spLocks noGrp="1"/>
           </p:cNvSpPr>
@@ -48075,8 +47226,8 @@
           <a:p>
             <a:pPr eaLnBrk="1" hangingPunct="1"/>
             <a:r>
-              <a:rPr lang="en-US" dirty="0" smtClean="0"/>
-              <a:t>Agenda</a:t>
+              <a:rPr lang="en-US" b="0" dirty="0" smtClean="0"/>
+              <a:t>Basic HyperLink LLD Functions</a:t>
             </a:r>
           </a:p>
         </p:txBody>
@@ -48093,76 +47244,396 @@
         </p:nvSpPr>
         <p:spPr>
           <a:xfrm>
-            <a:off x="457200" y="990600"/>
-            <a:ext cx="8229600" cy="3429000"/>
+            <a:off x="381000" y="762000"/>
+            <a:ext cx="8229600" cy="5638800"/>
           </a:xfrm>
         </p:spPr>
         <p:txBody>
           <a:bodyPr rtlCol="0">
-            <a:normAutofit/>
+            <a:noAutofit/>
           </a:bodyPr>
           <a:lstStyle/>
           <a:p>
-            <a:pPr marL="514350" indent="-514350" eaLnBrk="1" fontAlgn="auto" hangingPunct="1">
-              <a:spcAft>
-                <a:spcPts val="0"/>
-              </a:spcAft>
-              <a:buFont typeface="+mj-lt"/>
-              <a:buAutoNum type="arabicPeriod"/>
+            <a:pPr>
+              <a:buNone/>
               <a:defRPr/>
             </a:pPr>
             <a:r>
-              <a:rPr lang="en-US" dirty="0" smtClean="0">
-                <a:latin typeface="+mj-lt"/>
-              </a:rPr>
-              <a:t>HyperLink Overview</a:t>
-            </a:r>
-          </a:p>
-          <a:p>
-            <a:pPr marL="514350" indent="-514350" eaLnBrk="1" fontAlgn="auto" hangingPunct="1">
-              <a:spcAft>
-                <a:spcPts val="0"/>
-              </a:spcAft>
-              <a:buFont typeface="+mj-lt"/>
-              <a:buAutoNum type="arabicPeriod"/>
+              <a:rPr lang="en-US" sz="1400" dirty="0" smtClean="0">
+                <a:hlinkClick r:id="rId3" action="ppaction://hlinkfile"/>
+              </a:rPr>
+              <a:t>hyplnkRet_e</a:t>
+            </a:r>
+            <a:r>
+              <a:rPr lang="en-US" sz="1400" dirty="0" smtClean="0"/>
+              <a:t>  </a:t>
+            </a:r>
+            <a:r>
+              <a:rPr lang="en-US" sz="1400" dirty="0" smtClean="0">
+                <a:hlinkClick r:id="rId4" action="ppaction://hlinkfile"/>
+              </a:rPr>
+              <a:t>Hyplnk_open</a:t>
+            </a:r>
+            <a:r>
+              <a:rPr lang="en-US" sz="1400" dirty="0" smtClean="0"/>
+              <a:t> (int portNum, </a:t>
+            </a:r>
+            <a:r>
+              <a:rPr lang="en-US" sz="1400" dirty="0" smtClean="0">
+                <a:hlinkClick r:id="rId5" action="ppaction://hlinkfile"/>
+              </a:rPr>
+              <a:t>Hyplnk_Handle</a:t>
+            </a:r>
+            <a:r>
+              <a:rPr lang="en-US" sz="1400" dirty="0" smtClean="0"/>
+              <a:t> *pHandle)   </a:t>
+            </a:r>
+          </a:p>
+          <a:p>
+            <a:pPr>
+              <a:buNone/>
               <a:defRPr/>
             </a:pPr>
             <a:r>
-              <a:rPr lang="en-US" dirty="0" smtClean="0">
-                <a:latin typeface="+mj-lt"/>
-              </a:rPr>
-              <a:t>Address Translation</a:t>
-            </a:r>
-          </a:p>
-          <a:p>
-            <a:pPr marL="514350" indent="-514350" eaLnBrk="1" fontAlgn="auto" hangingPunct="1">
-              <a:spcAft>
-                <a:spcPts val="0"/>
-              </a:spcAft>
-              <a:buFont typeface="+mj-lt"/>
-              <a:buAutoNum type="arabicPeriod"/>
+              <a:rPr lang="en-US" sz="1400" dirty="0" smtClean="0"/>
+              <a:t>		Hyplnk_open creates/opens a HyperLink instance. </a:t>
+            </a:r>
+          </a:p>
+          <a:p>
+            <a:pPr>
+              <a:buNone/>
               <a:defRPr/>
             </a:pPr>
-            <a:r>
-              <a:rPr lang="en-US" b="1" dirty="0" smtClean="0">
-                <a:latin typeface="+mj-lt"/>
-              </a:rPr>
-              <a:t>Configuration</a:t>
-            </a:r>
-          </a:p>
-          <a:p>
-            <a:pPr marL="514350" indent="-514350" eaLnBrk="1" fontAlgn="auto" hangingPunct="1">
-              <a:spcAft>
-                <a:spcPts val="0"/>
-              </a:spcAft>
-              <a:buFont typeface="+mj-lt"/>
-              <a:buAutoNum type="arabicPeriod"/>
+            <a:endParaRPr lang="en-US" sz="1400" dirty="0" smtClean="0"/>
+          </a:p>
+          <a:p>
+            <a:pPr>
+              <a:buNone/>
               <a:defRPr/>
             </a:pPr>
             <a:r>
-              <a:rPr lang="en-US" dirty="0" smtClean="0"/>
-              <a:t>Examples and Demo</a:t>
-            </a:r>
+              <a:rPr lang="en-US" sz="1400" dirty="0" smtClean="0">
+                <a:hlinkClick r:id="rId3" action="ppaction://hlinkfile"/>
+              </a:rPr>
+              <a:t>hyplnkRet_e</a:t>
+            </a:r>
+            <a:r>
+              <a:rPr lang="en-US" sz="1400" dirty="0" smtClean="0"/>
+              <a:t>  </a:t>
+            </a:r>
+            <a:r>
+              <a:rPr lang="en-US" sz="1400" dirty="0" smtClean="0">
+                <a:hlinkClick r:id="rId4" action="ppaction://hlinkfile"/>
+              </a:rPr>
+              <a:t>Hyplnk_close</a:t>
+            </a:r>
+            <a:r>
+              <a:rPr lang="en-US" sz="1400" dirty="0" smtClean="0"/>
+              <a:t> (</a:t>
+            </a:r>
+            <a:r>
+              <a:rPr lang="en-US" sz="1400" dirty="0" smtClean="0">
+                <a:hlinkClick r:id="rId5" action="ppaction://hlinkfile"/>
+              </a:rPr>
+              <a:t>Hyplnk_Handle</a:t>
+            </a:r>
+            <a:r>
+              <a:rPr lang="en-US" sz="1400" dirty="0" smtClean="0"/>
+              <a:t> *pHandle)   </a:t>
+            </a:r>
+          </a:p>
+          <a:p>
+            <a:pPr>
+              <a:buNone/>
+              <a:defRPr/>
+            </a:pPr>
+            <a:r>
+              <a:rPr lang="en-US" sz="1400" dirty="0" smtClean="0"/>
+              <a:t>		Hyplnk_close Closes (frees) the driver handle. </a:t>
+            </a:r>
+          </a:p>
+          <a:p>
+            <a:pPr>
+              <a:buNone/>
+              <a:defRPr/>
+            </a:pPr>
+            <a:endParaRPr lang="en-US" sz="1400" dirty="0" smtClean="0"/>
+          </a:p>
+          <a:p>
+            <a:pPr>
+              <a:buNone/>
+              <a:defRPr/>
+            </a:pPr>
+            <a:r>
+              <a:rPr lang="en-US" sz="1400" dirty="0" smtClean="0">
+                <a:hlinkClick r:id="rId3" action="ppaction://hlinkfile"/>
+              </a:rPr>
+              <a:t>hyplnkRet_e</a:t>
+            </a:r>
+            <a:r>
+              <a:rPr lang="en-US" sz="1400" dirty="0" smtClean="0"/>
+              <a:t>  </a:t>
+            </a:r>
+            <a:r>
+              <a:rPr lang="en-US" sz="1400" dirty="0" smtClean="0">
+                <a:hlinkClick r:id="rId4" action="ppaction://hlinkfile"/>
+              </a:rPr>
+              <a:t>Hyplnk_readRegs</a:t>
+            </a:r>
+            <a:r>
+              <a:rPr lang="en-US" sz="1400" dirty="0" smtClean="0"/>
+              <a:t> (</a:t>
+            </a:r>
+            <a:r>
+              <a:rPr lang="en-US" sz="1400" dirty="0" smtClean="0">
+                <a:hlinkClick r:id="rId5" action="ppaction://hlinkfile"/>
+              </a:rPr>
+              <a:t>Hyplnk_Handle</a:t>
+            </a:r>
+            <a:r>
+              <a:rPr lang="en-US" sz="1400" dirty="0" smtClean="0"/>
+              <a:t> handle, </a:t>
+            </a:r>
+            <a:r>
+              <a:rPr lang="en-US" sz="1400" dirty="0" smtClean="0">
+                <a:hlinkClick r:id="rId6" action="ppaction://hlinkfile"/>
+              </a:rPr>
+              <a:t>hyplnkLocation_e</a:t>
+            </a:r>
+            <a:r>
+              <a:rPr lang="en-US" sz="1400" dirty="0" smtClean="0"/>
+              <a:t> location, </a:t>
+            </a:r>
+            <a:r>
+              <a:rPr lang="en-US" sz="1400" dirty="0" smtClean="0">
+                <a:hlinkClick r:id="rId7" action="ppaction://hlinkfile"/>
+              </a:rPr>
+              <a:t>hyplnkRegisters_t</a:t>
+            </a:r>
+            <a:r>
+              <a:rPr lang="en-US" sz="1400" dirty="0" smtClean="0"/>
+              <a:t> *readRegs)   </a:t>
+            </a:r>
+          </a:p>
+          <a:p>
+            <a:pPr>
+              <a:buNone/>
+              <a:defRPr/>
+            </a:pPr>
+            <a:r>
+              <a:rPr lang="en-US" sz="1400" dirty="0" smtClean="0"/>
+              <a:t>		Performs a configuration read. </a:t>
+            </a:r>
+          </a:p>
+          <a:p>
+            <a:pPr>
+              <a:buNone/>
+              <a:defRPr/>
+            </a:pPr>
+            <a:endParaRPr lang="en-US" sz="1400" dirty="0" smtClean="0">
+              <a:hlinkClick r:id="rId3" action="ppaction://hlinkfile"/>
+            </a:endParaRPr>
+          </a:p>
+          <a:p>
+            <a:pPr>
+              <a:buNone/>
+              <a:defRPr/>
+            </a:pPr>
+            <a:r>
+              <a:rPr lang="en-US" sz="1400" dirty="0" smtClean="0">
+                <a:hlinkClick r:id="rId3" action="ppaction://hlinkfile"/>
+              </a:rPr>
+              <a:t>hyplnkRet_e</a:t>
+            </a:r>
+            <a:r>
+              <a:rPr lang="en-US" sz="1400" dirty="0" smtClean="0"/>
+              <a:t>  </a:t>
+            </a:r>
+            <a:r>
+              <a:rPr lang="en-US" sz="1400" dirty="0" smtClean="0">
+                <a:hlinkClick r:id="rId4" action="ppaction://hlinkfile"/>
+              </a:rPr>
+              <a:t>Hyplnk_writeRegs</a:t>
+            </a:r>
+            <a:r>
+              <a:rPr lang="en-US" sz="1400" dirty="0" smtClean="0"/>
+              <a:t> (</a:t>
+            </a:r>
+            <a:r>
+              <a:rPr lang="en-US" sz="1400" dirty="0" smtClean="0">
+                <a:hlinkClick r:id="rId5" action="ppaction://hlinkfile"/>
+              </a:rPr>
+              <a:t>Hyplnk_Handle</a:t>
+            </a:r>
+            <a:r>
+              <a:rPr lang="en-US" sz="1400" dirty="0" smtClean="0"/>
+              <a:t> handle, </a:t>
+            </a:r>
+            <a:r>
+              <a:rPr lang="en-US" sz="1400" dirty="0" smtClean="0">
+                <a:hlinkClick r:id="rId6" action="ppaction://hlinkfile"/>
+              </a:rPr>
+              <a:t>hyplnkLocation_e</a:t>
+            </a:r>
+            <a:r>
+              <a:rPr lang="en-US" sz="1400" dirty="0" smtClean="0"/>
+              <a:t> location, </a:t>
+            </a:r>
+            <a:r>
+              <a:rPr lang="en-US" sz="1400" dirty="0" smtClean="0">
+                <a:hlinkClick r:id="rId7" action="ppaction://hlinkfile"/>
+              </a:rPr>
+              <a:t>hyplnkRegisters_t</a:t>
+            </a:r>
+            <a:r>
+              <a:rPr lang="en-US" sz="1400" dirty="0" smtClean="0"/>
+              <a:t> *writeRegs)   </a:t>
+            </a:r>
+          </a:p>
+          <a:p>
+            <a:pPr>
+              <a:buNone/>
+              <a:defRPr/>
+            </a:pPr>
+            <a:r>
+              <a:rPr lang="en-US" sz="1400" dirty="0" smtClean="0"/>
+              <a:t>		Performs a configuration write. </a:t>
+            </a:r>
+          </a:p>
+          <a:p>
+            <a:pPr>
+              <a:buNone/>
+              <a:defRPr/>
+            </a:pPr>
+            <a:endParaRPr lang="en-US" sz="1400" dirty="0" smtClean="0">
+              <a:hlinkClick r:id="rId3" action="ppaction://hlinkfile"/>
+            </a:endParaRPr>
+          </a:p>
+          <a:p>
+            <a:pPr>
+              <a:buNone/>
+              <a:defRPr/>
+            </a:pPr>
+            <a:r>
+              <a:rPr lang="en-US" sz="1400" dirty="0" smtClean="0">
+                <a:hlinkClick r:id="rId3" action="ppaction://hlinkfile"/>
+              </a:rPr>
+              <a:t>hyplnkRet_e</a:t>
+            </a:r>
+            <a:r>
+              <a:rPr lang="en-US" sz="1400" dirty="0" smtClean="0"/>
+              <a:t>  </a:t>
+            </a:r>
+            <a:r>
+              <a:rPr lang="en-US" sz="1400" dirty="0" smtClean="0">
+                <a:hlinkClick r:id="rId4" action="ppaction://hlinkfile"/>
+              </a:rPr>
+              <a:t>Hyplnk_getWindow</a:t>
+            </a:r>
+            <a:r>
+              <a:rPr lang="en-US" sz="1400" dirty="0" smtClean="0"/>
+              <a:t> (</a:t>
+            </a:r>
+            <a:r>
+              <a:rPr lang="en-US" sz="1400" dirty="0" smtClean="0">
+                <a:hlinkClick r:id="rId5" action="ppaction://hlinkfile"/>
+              </a:rPr>
+              <a:t>Hyplnk_Handle</a:t>
+            </a:r>
+            <a:r>
+              <a:rPr lang="en-US" sz="1400" dirty="0" smtClean="0"/>
+              <a:t> handle, void **base, uint32_t *size)   </a:t>
+            </a:r>
+          </a:p>
+          <a:p>
+            <a:pPr>
+              <a:buNone/>
+              <a:defRPr/>
+            </a:pPr>
+            <a:r>
+              <a:rPr lang="en-US" sz="1400" dirty="0" smtClean="0"/>
+              <a:t>		Hyplnk_getWindow returns the address and size of the local memory window.</a:t>
+            </a:r>
+          </a:p>
+          <a:p>
+            <a:pPr>
+              <a:buNone/>
+              <a:defRPr/>
+            </a:pPr>
+            <a:endParaRPr lang="en-US" sz="1400" dirty="0" smtClean="0"/>
+          </a:p>
+          <a:p>
+            <a:pPr>
+              <a:buNone/>
+              <a:defRPr/>
+            </a:pPr>
+            <a:r>
+              <a:rPr lang="en-US" sz="1400" dirty="0" smtClean="0"/>
+              <a:t>uint32_t  </a:t>
+            </a:r>
+            <a:r>
+              <a:rPr lang="en-US" sz="1400" dirty="0" smtClean="0">
+                <a:hlinkClick r:id="rId4" action="ppaction://hlinkfile"/>
+              </a:rPr>
+              <a:t>Hyplnk_getVersion</a:t>
+            </a:r>
+            <a:r>
+              <a:rPr lang="en-US" sz="1400" dirty="0" smtClean="0"/>
+              <a:t> (void)   Hyplnk_getVersion </a:t>
+            </a:r>
+          </a:p>
+          <a:p>
+            <a:pPr>
+              <a:buNone/>
+              <a:defRPr/>
+            </a:pPr>
+            <a:r>
+              <a:rPr lang="en-US" sz="1400" dirty="0" smtClean="0"/>
+              <a:t>		returns the HYPLNK LLD version information. </a:t>
+            </a:r>
+          </a:p>
+          <a:p>
+            <a:pPr>
+              <a:buNone/>
+              <a:defRPr/>
+            </a:pPr>
+            <a:endParaRPr lang="en-US" sz="1400" dirty="0" smtClean="0"/>
+          </a:p>
+          <a:p>
+            <a:pPr>
+              <a:buNone/>
+              <a:defRPr/>
+            </a:pPr>
+            <a:r>
+              <a:rPr lang="en-US" sz="1400" dirty="0" smtClean="0"/>
+              <a:t>const char *  </a:t>
+            </a:r>
+            <a:r>
+              <a:rPr lang="en-US" sz="1400" dirty="0" smtClean="0">
+                <a:hlinkClick r:id="rId4" action="ppaction://hlinkfile"/>
+              </a:rPr>
+              <a:t>Hyplnk_getVersionStr</a:t>
+            </a:r>
+            <a:r>
+              <a:rPr lang="en-US" sz="1400" dirty="0" smtClean="0"/>
+              <a:t> (void)   Hyplnk_getVersionStr </a:t>
+            </a:r>
+          </a:p>
+          <a:p>
+            <a:pPr>
+              <a:buNone/>
+              <a:defRPr/>
+            </a:pPr>
+            <a:r>
+              <a:rPr lang="en-US" sz="1400" dirty="0" smtClean="0"/>
+              <a:t>		returns the HYPLNK LLD version string. </a:t>
+            </a:r>
+            <a:br>
+              <a:rPr lang="en-US" sz="1400" dirty="0" smtClean="0"/>
+            </a:br>
+            <a:endParaRPr lang="en-US" sz="1400" dirty="0" smtClean="0">
+              <a:latin typeface="+mj-lt"/>
+            </a:endParaRPr>
           </a:p>
         </p:txBody>
       </p:sp>
@@ -48200,7 +47671,7 @@
       </p:grpSpPr>
       <p:sp>
         <p:nvSpPr>
-          <p:cNvPr id="38914" name="Title 1"/>
+          <p:cNvPr id="41986" name="Title 1"/>
           <p:cNvSpPr>
             <a:spLocks noGrp="1"/>
           </p:cNvSpPr>
@@ -48208,7 +47679,12 @@
             <p:ph type="title"/>
           </p:nvPr>
         </p:nvSpPr>
-        <p:spPr/>
+        <p:spPr>
+          <a:xfrm>
+            <a:off x="457200" y="152400"/>
+            <a:ext cx="8229600" cy="685800"/>
+          </a:xfrm>
+        </p:spPr>
         <p:txBody>
           <a:bodyPr/>
           <a:lstStyle/>
@@ -48216,7 +47692,7 @@
             <a:pPr eaLnBrk="1" hangingPunct="1"/>
             <a:r>
               <a:rPr lang="en-US" b="0" dirty="0" smtClean="0"/>
-              <a:t>Chip Level Configuration</a:t>
+              <a:t>Configuration Functions</a:t>
             </a:r>
           </a:p>
         </p:txBody>
@@ -48233,8 +47709,8 @@
         </p:nvSpPr>
         <p:spPr>
           <a:xfrm>
-            <a:off x="304800" y="990600"/>
-            <a:ext cx="8686800" cy="5029200"/>
+            <a:off x="381000" y="990600"/>
+            <a:ext cx="8382000" cy="5029200"/>
           </a:xfrm>
         </p:spPr>
         <p:txBody>
@@ -48247,19 +47723,104 @@
               <a:spcAft>
                 <a:spcPts val="0"/>
               </a:spcAft>
-              <a:buFont typeface="+mj-lt"/>
-              <a:buAutoNum type="arabicPeriod"/>
               <a:defRPr/>
             </a:pPr>
             <a:r>
-              <a:rPr lang="en-US" sz="2400" dirty="0" smtClean="0">
-                <a:latin typeface="+mj-lt"/>
-              </a:rPr>
-              <a:t>Enable power domain for peripherals using CSL routines.</a:t>
-            </a:r>
-          </a:p>
-          <a:p>
-            <a:pPr marL="1085850" lvl="2" indent="-514350" eaLnBrk="1" fontAlgn="auto" hangingPunct="1">
+              <a:rPr lang="en-US" sz="2600" dirty="0" smtClean="0">
+                <a:latin typeface="+mj-lt"/>
+              </a:rPr>
+              <a:t>Configuration functions are part of the HyperLink example in the PDK release and can be used “as is” or be modified by users.</a:t>
+            </a:r>
+          </a:p>
+          <a:p>
+            <a:pPr marL="514350" indent="-514350" eaLnBrk="1" fontAlgn="auto" hangingPunct="1">
+              <a:spcAft>
+                <a:spcPts val="0"/>
+              </a:spcAft>
+              <a:buNone/>
+              <a:defRPr/>
+            </a:pPr>
+            <a:endParaRPr lang="en-US" sz="1500" i="1" dirty="0" smtClean="0">
+              <a:latin typeface="+mj-lt"/>
+            </a:endParaRPr>
+          </a:p>
+          <a:p>
+            <a:pPr marL="514350" indent="-514350" eaLnBrk="1" fontAlgn="auto" hangingPunct="1">
+              <a:spcAft>
+                <a:spcPts val="0"/>
+              </a:spcAft>
+              <a:buNone/>
+              <a:defRPr/>
+            </a:pPr>
+            <a:r>
+              <a:rPr lang="en-US" sz="1500" i="1" dirty="0" smtClean="0">
+                <a:latin typeface="+mj-lt"/>
+              </a:rPr>
+              <a:t>                       </a:t>
+            </a:r>
+            <a:r>
+              <a:rPr lang="en-US" sz="1500" b="1" dirty="0" smtClean="0">
+                <a:latin typeface="Courier New" pitchFamily="49" charset="0"/>
+                <a:cs typeface="Courier New" pitchFamily="49" charset="0"/>
+              </a:rPr>
+              <a:t>PDK_INSTALL_PATH\</a:t>
+            </a:r>
+            <a:r>
+              <a:rPr lang="en-US" sz="1500" b="1" dirty="0" err="1" smtClean="0">
+                <a:latin typeface="Courier New" pitchFamily="49" charset="0"/>
+                <a:cs typeface="Courier New" pitchFamily="49" charset="0"/>
+              </a:rPr>
+              <a:t>ti</a:t>
+            </a:r>
+            <a:r>
+              <a:rPr lang="en-US" sz="1500" b="1" dirty="0" smtClean="0">
+                <a:latin typeface="Courier New" pitchFamily="49" charset="0"/>
+                <a:cs typeface="Courier New" pitchFamily="49" charset="0"/>
+              </a:rPr>
+              <a:t>\</a:t>
+            </a:r>
+            <a:r>
+              <a:rPr lang="en-US" sz="1500" b="1" dirty="0" err="1" smtClean="0">
+                <a:latin typeface="Courier New" pitchFamily="49" charset="0"/>
+                <a:cs typeface="Courier New" pitchFamily="49" charset="0"/>
+              </a:rPr>
+              <a:t>drv</a:t>
+            </a:r>
+            <a:r>
+              <a:rPr lang="en-US" sz="1500" b="1" dirty="0" smtClean="0">
+                <a:latin typeface="Courier New" pitchFamily="49" charset="0"/>
+                <a:cs typeface="Courier New" pitchFamily="49" charset="0"/>
+              </a:rPr>
+              <a:t>\</a:t>
+            </a:r>
+            <a:r>
+              <a:rPr lang="en-US" sz="1500" b="1" dirty="0" err="1" smtClean="0">
+                <a:latin typeface="Courier New" pitchFamily="49" charset="0"/>
+                <a:cs typeface="Courier New" pitchFamily="49" charset="0"/>
+              </a:rPr>
+              <a:t>hyplnk</a:t>
+            </a:r>
+            <a:r>
+              <a:rPr lang="en-US" sz="1500" b="1" dirty="0" smtClean="0">
+                <a:latin typeface="Courier New" pitchFamily="49" charset="0"/>
+                <a:cs typeface="Courier New" pitchFamily="49" charset="0"/>
+              </a:rPr>
+              <a:t>\example\common\</a:t>
+            </a:r>
+            <a:r>
+              <a:rPr lang="en-US" sz="1500" b="1" dirty="0" err="1" smtClean="0">
+                <a:latin typeface="Courier New" pitchFamily="49" charset="0"/>
+                <a:cs typeface="Courier New" pitchFamily="49" charset="0"/>
+              </a:rPr>
+              <a:t>hyplnkLLDIFace.c</a:t>
+            </a:r>
+            <a:endParaRPr lang="en-US" sz="1500" b="1" dirty="0" smtClean="0">
+              <a:latin typeface="Courier New" pitchFamily="49" charset="0"/>
+              <a:cs typeface="Courier New" pitchFamily="49" charset="0"/>
+            </a:endParaRPr>
+          </a:p>
+          <a:p>
+            <a:pPr marL="811213" lvl="1" indent="-514350" eaLnBrk="1" fontAlgn="auto" hangingPunct="1">
               <a:spcAft>
                 <a:spcPts val="0"/>
               </a:spcAft>
@@ -48267,236 +47828,144 @@
               <a:buNone/>
               <a:defRPr/>
             </a:pPr>
-            <a:r>
-              <a:rPr lang="en-US" sz="1900" i="1" dirty="0" smtClean="0">
-                <a:latin typeface="+mj-lt"/>
-              </a:rPr>
-              <a:t>Enabling power to peripherals involves the following four functions:</a:t>
-            </a:r>
-          </a:p>
-          <a:p>
-            <a:pPr marL="1062037" lvl="3" indent="-514350" eaLnBrk="1" fontAlgn="auto" hangingPunct="1">
+            <a:endParaRPr lang="en-US" sz="2600" dirty="0" smtClean="0">
+              <a:latin typeface="+mj-lt"/>
+            </a:endParaRPr>
+          </a:p>
+          <a:p>
+            <a:pPr marL="514350" lvl="1" indent="-514350" eaLnBrk="1" fontAlgn="auto" hangingPunct="1">
               <a:spcAft>
                 <a:spcPts val="0"/>
               </a:spcAft>
-              <a:buNone/>
+              <a:buFont typeface="Arial" charset="0"/>
+              <a:buChar char="•"/>
               <a:defRPr/>
             </a:pPr>
             <a:r>
-              <a:rPr lang="en-US" sz="1700" i="1" dirty="0" err="1" smtClean="0">
+              <a:rPr lang="en-US" sz="2600" dirty="0" smtClean="0">
                 <a:latin typeface="+mj-lt"/>
                 <a:ea typeface="+mn-ea"/>
                 <a:cs typeface="+mn-cs"/>
               </a:rPr>
-              <a:t>CSL_PSC_enablePowerDomain</a:t>
-            </a:r>
-            <a:r>
-              <a:rPr lang="en-US" sz="1700" i="1" dirty="0" smtClean="0">
-                <a:latin typeface="+mj-lt"/>
-                <a:ea typeface="+mn-ea"/>
-                <a:cs typeface="+mn-cs"/>
-              </a:rPr>
-              <a:t>()</a:t>
-            </a:r>
-          </a:p>
-          <a:p>
-            <a:pPr marL="1062037" lvl="3" indent="-514350" eaLnBrk="1" fontAlgn="auto" hangingPunct="1">
+              <a:t>Some of the configuration functions are:</a:t>
+            </a:r>
+          </a:p>
+          <a:p>
+            <a:pPr marL="811213" lvl="1" indent="-514350" eaLnBrk="1" fontAlgn="auto" hangingPunct="1">
               <a:spcAft>
                 <a:spcPts val="0"/>
               </a:spcAft>
-              <a:buNone/>
               <a:defRPr/>
             </a:pPr>
             <a:r>
-              <a:rPr lang="en-US" sz="1700" i="1" dirty="0" smtClean="0">
-                <a:latin typeface="+mj-lt"/>
-                <a:ea typeface="+mn-ea"/>
-                <a:cs typeface="+mn-cs"/>
-              </a:rPr>
-              <a:t>CSL_PSC_setMosuleNextState()</a:t>
-            </a:r>
-          </a:p>
-          <a:p>
-            <a:pPr marL="1062037" lvl="3" indent="-514350" eaLnBrk="1" fontAlgn="auto" hangingPunct="1">
+              <a:rPr lang="en-US" sz="1800" dirty="0" err="1" smtClean="0"/>
+              <a:t>hyplnkRet_e</a:t>
+            </a:r>
+            <a:r>
+              <a:rPr lang="en-US" sz="1800" dirty="0" smtClean="0"/>
+              <a:t>     </a:t>
+            </a:r>
+            <a:r>
+              <a:rPr lang="en-US" sz="1800" dirty="0" err="1" smtClean="0"/>
+              <a:t>hyplnkExampleAssertReset</a:t>
+            </a:r>
+            <a:r>
+              <a:rPr lang="en-US" sz="1800" dirty="0" smtClean="0"/>
+              <a:t> (int </a:t>
+            </a:r>
+            <a:r>
+              <a:rPr lang="en-US" sz="1800" u="sng" dirty="0" smtClean="0"/>
+              <a:t>val)</a:t>
+            </a:r>
+          </a:p>
+          <a:p>
+            <a:pPr marL="811213" lvl="1" indent="-514350" eaLnBrk="1" fontAlgn="auto" hangingPunct="1">
               <a:spcAft>
                 <a:spcPts val="0"/>
               </a:spcAft>
-              <a:buNone/>
               <a:defRPr/>
             </a:pPr>
             <a:r>
-              <a:rPr lang="en-US" sz="1700" i="1" dirty="0" smtClean="0">
-                <a:latin typeface="+mj-lt"/>
-                <a:ea typeface="+mn-ea"/>
-                <a:cs typeface="+mn-cs"/>
-              </a:rPr>
-              <a:t>CSL_PSC_startStateTransition()</a:t>
-            </a:r>
-          </a:p>
-          <a:p>
-            <a:pPr marL="1062037" lvl="3" indent="-514350" eaLnBrk="1" fontAlgn="auto" hangingPunct="1">
+              <a:rPr lang="en-US" sz="1800" dirty="0" smtClean="0"/>
+              <a:t>Void	        </a:t>
+            </a:r>
+            <a:r>
+              <a:rPr lang="en-US" sz="1800" dirty="0" err="1" smtClean="0"/>
+              <a:t>hyplnkExampleSerdesCfg</a:t>
+            </a:r>
+            <a:r>
+              <a:rPr lang="en-US" sz="1800" dirty="0" smtClean="0"/>
+              <a:t> (uint32_t rx, uint32_t tx)</a:t>
+            </a:r>
+          </a:p>
+          <a:p>
+            <a:pPr marL="811213" lvl="1" indent="-514350" eaLnBrk="1" fontAlgn="auto" hangingPunct="1">
               <a:spcAft>
                 <a:spcPts val="0"/>
               </a:spcAft>
-              <a:buNone/>
               <a:defRPr/>
             </a:pPr>
             <a:r>
-              <a:rPr lang="en-US" sz="1700" i="1" dirty="0" smtClean="0">
-                <a:latin typeface="+mj-lt"/>
-                <a:ea typeface="+mn-ea"/>
-                <a:cs typeface="+mn-cs"/>
-              </a:rPr>
-              <a:t>CSL_PSC_isStateTransitionDone()</a:t>
-            </a:r>
-          </a:p>
-          <a:p>
-            <a:pPr marL="514350" indent="-514350" eaLnBrk="1" fontAlgn="auto" hangingPunct="1">
+              <a:rPr lang="en-US" sz="1800" dirty="0" err="1" smtClean="0"/>
+              <a:t>hyplnkRet_e</a:t>
+            </a:r>
+            <a:r>
+              <a:rPr lang="en-US" sz="1800" dirty="0" smtClean="0"/>
+              <a:t>     </a:t>
+            </a:r>
+            <a:r>
+              <a:rPr lang="en-US" sz="1800" dirty="0" err="1" smtClean="0"/>
+              <a:t>hyplnkExampleSysSetup</a:t>
+            </a:r>
+            <a:r>
+              <a:rPr lang="en-US" sz="1800" dirty="0" smtClean="0"/>
+              <a:t> (void)</a:t>
+            </a:r>
+          </a:p>
+          <a:p>
+            <a:pPr marL="811213" lvl="1" indent="-514350" eaLnBrk="1" fontAlgn="auto" hangingPunct="1">
               <a:spcAft>
                 <a:spcPts val="0"/>
               </a:spcAft>
-              <a:buFont typeface="+mj-lt"/>
-              <a:buAutoNum type="arabicPeriod"/>
               <a:defRPr/>
             </a:pPr>
             <a:r>
-              <a:rPr lang="en-US" sz="2400" dirty="0" smtClean="0">
-                <a:latin typeface="+mj-lt"/>
-              </a:rPr>
-              <a:t>Reset the HyperLink and load the boot code for the PLL.</a:t>
-            </a:r>
-          </a:p>
-          <a:p>
-            <a:pPr marL="1085850" lvl="2" indent="-514350" eaLnBrk="1" fontAlgn="auto" hangingPunct="1">
+              <a:rPr lang="en-US" sz="1800" dirty="0" smtClean="0"/>
+              <a:t>Void	        </a:t>
+            </a:r>
+            <a:r>
+              <a:rPr lang="en-US" sz="1800" dirty="0" err="1" smtClean="0"/>
+              <a:t>hyplnkExampleEQLaneAnalysis</a:t>
+            </a:r>
+            <a:r>
+              <a:rPr lang="en-US" sz="1800" dirty="0" smtClean="0"/>
+              <a:t> (uint32_t lane, uint32_t status) </a:t>
+            </a:r>
+          </a:p>
+          <a:p>
+            <a:pPr marL="811213" lvl="1" indent="-514350" eaLnBrk="1" fontAlgn="auto" hangingPunct="1">
               <a:spcAft>
                 <a:spcPts val="0"/>
               </a:spcAft>
-              <a:buFont typeface="Arial" pitchFamily="34" charset="0"/>
-              <a:buNone/>
               <a:defRPr/>
             </a:pPr>
             <a:r>
-              <a:rPr lang="en-US" sz="1700" i="1" dirty="0" smtClean="0">
-                <a:latin typeface="+mj-lt"/>
-              </a:rPr>
-              <a:t>Write 1 to the reset field of control register (address base + 0x04)</a:t>
-            </a:r>
-          </a:p>
-          <a:p>
-            <a:pPr marL="1085850" lvl="2" indent="-514350" eaLnBrk="1" fontAlgn="auto" hangingPunct="1">
-              <a:spcAft>
-                <a:spcPts val="0"/>
-              </a:spcAft>
-              <a:buFont typeface="Arial" pitchFamily="34" charset="0"/>
-              <a:buNone/>
-              <a:defRPr/>
-            </a:pPr>
-            <a:r>
-              <a:rPr lang="en-US" sz="1700" i="1" dirty="0" err="1" smtClean="0">
-                <a:latin typeface="+mj-lt"/>
-              </a:rPr>
-              <a:t>CSL_BootCfgUnlockKicker</a:t>
-            </a:r>
-            <a:r>
-              <a:rPr lang="en-US" sz="1700" i="1" dirty="0" smtClean="0">
-                <a:latin typeface="+mj-lt"/>
-              </a:rPr>
-              <a:t>();</a:t>
-            </a:r>
-          </a:p>
-          <a:p>
-            <a:pPr marL="1085850" lvl="2" indent="-514350" eaLnBrk="1" fontAlgn="auto" hangingPunct="1">
-              <a:spcAft>
-                <a:spcPts val="0"/>
-              </a:spcAft>
-              <a:buFont typeface="Arial" pitchFamily="34" charset="0"/>
-              <a:buNone/>
-              <a:defRPr/>
-            </a:pPr>
-            <a:r>
-              <a:rPr lang="en-US" sz="1700" i="1" dirty="0" err="1" smtClean="0">
-                <a:latin typeface="+mj-lt"/>
-              </a:rPr>
-              <a:t>CSL_BootCfgSetVUSRConfigPLL</a:t>
-            </a:r>
-            <a:r>
-              <a:rPr lang="en-US" sz="1700" i="1" dirty="0" smtClean="0">
-                <a:latin typeface="+mj-lt"/>
-              </a:rPr>
-              <a:t> ()</a:t>
-            </a:r>
-            <a:endParaRPr lang="en-US" sz="1700" b="1" i="1" dirty="0" smtClean="0">
-              <a:latin typeface="+mj-lt"/>
-            </a:endParaRPr>
-          </a:p>
-          <a:p>
-            <a:pPr marL="514350" indent="-514350" eaLnBrk="1" fontAlgn="auto" hangingPunct="1">
-              <a:spcAft>
-                <a:spcPts val="0"/>
-              </a:spcAft>
-              <a:buFont typeface="Arial" pitchFamily="34" charset="0"/>
-              <a:buNone/>
-              <a:defRPr/>
-            </a:pPr>
-            <a:r>
-              <a:rPr lang="en-US" dirty="0" smtClean="0">
-                <a:latin typeface="+mj-lt"/>
-              </a:rPr>
-              <a:t>3. </a:t>
-            </a:r>
-            <a:r>
-              <a:rPr lang="en-US" sz="2400" dirty="0" smtClean="0">
-                <a:latin typeface="+mj-lt"/>
-              </a:rPr>
-              <a:t>Configure the SERDES.</a:t>
-            </a:r>
-          </a:p>
-          <a:p>
-            <a:pPr marL="1085850" lvl="2" indent="-514350" eaLnBrk="1" fontAlgn="auto" hangingPunct="1">
-              <a:spcAft>
-                <a:spcPts val="0"/>
-              </a:spcAft>
-              <a:buFont typeface="Arial" pitchFamily="34" charset="0"/>
-              <a:buNone/>
-              <a:defRPr/>
-            </a:pPr>
-            <a:r>
-              <a:rPr lang="en-US" sz="1700" i="1" dirty="0" err="1" smtClean="0"/>
-              <a:t>CSL_BootCfgVUSRRxConfig</a:t>
-            </a:r>
-            <a:r>
-              <a:rPr lang="en-US" sz="1700" i="1" dirty="0" smtClean="0"/>
-              <a:t>()</a:t>
-            </a:r>
-          </a:p>
-          <a:p>
-            <a:pPr marL="1085850" lvl="2" indent="-514350" eaLnBrk="1" fontAlgn="auto" hangingPunct="1">
-              <a:spcAft>
-                <a:spcPts val="0"/>
-              </a:spcAft>
-              <a:buFont typeface="Arial" pitchFamily="34" charset="0"/>
-              <a:buNone/>
-              <a:defRPr/>
-            </a:pPr>
-            <a:r>
-              <a:rPr lang="en-US" sz="1700" i="1" dirty="0" err="1" smtClean="0"/>
-              <a:t>CSL_BootCfgVUSRTxConfig</a:t>
-            </a:r>
-            <a:r>
-              <a:rPr lang="en-US" sz="1700" i="1" dirty="0" smtClean="0"/>
-              <a:t>()</a:t>
-            </a:r>
-          </a:p>
-          <a:p>
-            <a:pPr marL="514350" indent="-514350" eaLnBrk="1" fontAlgn="auto" hangingPunct="1">
-              <a:spcAft>
-                <a:spcPts val="0"/>
-              </a:spcAft>
-              <a:buFont typeface="Arial" pitchFamily="34" charset="0"/>
-              <a:buNone/>
-              <a:defRPr/>
-            </a:pPr>
-            <a:endParaRPr lang="en-US" dirty="0" smtClean="0">
+              <a:rPr lang="en-US" sz="1800" dirty="0" err="1" smtClean="0"/>
+              <a:t>hyplnkRet_e</a:t>
+            </a:r>
+            <a:r>
+              <a:rPr lang="en-US" sz="1800" dirty="0" smtClean="0"/>
+              <a:t>     </a:t>
+            </a:r>
+            <a:r>
+              <a:rPr lang="en-US" sz="1800" dirty="0" err="1" smtClean="0"/>
+              <a:t>hyplnkExamplePeriphSetup</a:t>
+            </a:r>
+            <a:r>
+              <a:rPr lang="en-US" sz="1800" dirty="0" smtClean="0"/>
+              <a:t> (void)</a:t>
+            </a:r>
+            <a:endParaRPr lang="en-US" sz="1800" dirty="0" smtClean="0">
               <a:latin typeface="+mj-lt"/>
             </a:endParaRPr>
           </a:p>
@@ -48536,159 +48005,393 @@
       </p:grpSpPr>
       <p:sp>
         <p:nvSpPr>
-          <p:cNvPr id="39938" name="Title 1"/>
-          <p:cNvSpPr>
-            <a:spLocks noGrp="1"/>
-          </p:cNvSpPr>
-          <p:nvPr>
-            <p:ph type="title"/>
-          </p:nvPr>
+          <p:cNvPr id="4" name="Rectangle 3"/>
+          <p:cNvSpPr/>
+          <p:nvPr/>
         </p:nvSpPr>
-        <p:spPr/>
+        <p:spPr>
+          <a:xfrm>
+            <a:off x="1066800" y="1371600"/>
+            <a:ext cx="6553200" cy="4832092"/>
+          </a:xfrm>
+          <a:prstGeom prst="rect">
+            <a:avLst/>
+          </a:prstGeom>
+        </p:spPr>
         <p:txBody>
-          <a:bodyPr/>
+          <a:bodyPr wrap="square">
+            <a:spAutoFit/>
+          </a:bodyPr>
           <a:lstStyle/>
           <a:p>
-            <a:pPr eaLnBrk="1" hangingPunct="1"/>
-            <a:r>
-              <a:rPr lang="en-US" b="0" dirty="0" smtClean="0"/>
-              <a:t>Platform Level Configuration</a:t>
-            </a:r>
+            <a:r>
+              <a:rPr lang="en-US" sz="1400" b="1" dirty="0" smtClean="0">
+                <a:latin typeface="Courier New" pitchFamily="49" charset="0"/>
+                <a:cs typeface="Courier New" pitchFamily="49" charset="0"/>
+              </a:rPr>
+              <a:t>/*****************************************************************************</a:t>
+            </a:r>
+          </a:p>
+          <a:p>
+            <a:r>
+              <a:rPr lang="en-US" sz="1400" b="1" dirty="0" smtClean="0">
+                <a:latin typeface="Courier New" pitchFamily="49" charset="0"/>
+                <a:cs typeface="Courier New" pitchFamily="49" charset="0"/>
+              </a:rPr>
+              <a:t> * Sets the SERDES configuration registers</a:t>
+            </a:r>
+          </a:p>
+          <a:p>
+            <a:r>
+              <a:rPr lang="en-US" sz="1400" b="1" dirty="0" smtClean="0">
+                <a:latin typeface="Courier New" pitchFamily="49" charset="0"/>
+                <a:cs typeface="Courier New" pitchFamily="49" charset="0"/>
+              </a:rPr>
+              <a:t> ****************************************************************************/</a:t>
+            </a:r>
+          </a:p>
+          <a:p>
+            <a:r>
+              <a:rPr lang="en-US" sz="1400" b="1" dirty="0" smtClean="0">
+                <a:latin typeface="Courier New" pitchFamily="49" charset="0"/>
+                <a:cs typeface="Courier New" pitchFamily="49" charset="0"/>
+              </a:rPr>
+              <a:t>void hyplnkExampleSerdesCfg (uint32_t rx, uint32_t tx)</a:t>
+            </a:r>
+          </a:p>
+          <a:p>
+            <a:r>
+              <a:rPr lang="en-US" sz="1400" b="1" dirty="0" smtClean="0">
+                <a:latin typeface="Courier New" pitchFamily="49" charset="0"/>
+                <a:cs typeface="Courier New" pitchFamily="49" charset="0"/>
+              </a:rPr>
+              <a:t>{</a:t>
+            </a:r>
+          </a:p>
+          <a:p>
+            <a:r>
+              <a:rPr lang="en-US" sz="1400" b="1" dirty="0" smtClean="0">
+                <a:latin typeface="Courier New" pitchFamily="49" charset="0"/>
+                <a:cs typeface="Courier New" pitchFamily="49" charset="0"/>
+              </a:rPr>
+              <a:t>  CSL_BootCfgUnlockKicker();</a:t>
+            </a:r>
+          </a:p>
+          <a:p>
+            <a:endParaRPr lang="en-US" sz="1400" b="1" dirty="0" smtClean="0">
+              <a:latin typeface="Courier New" pitchFamily="49" charset="0"/>
+              <a:cs typeface="Courier New" pitchFamily="49" charset="0"/>
+            </a:endParaRPr>
+          </a:p>
+          <a:p>
+            <a:r>
+              <a:rPr lang="en-US" sz="1400" b="1" dirty="0" smtClean="0">
+                <a:latin typeface="Courier New" pitchFamily="49" charset="0"/>
+                <a:cs typeface="Courier New" pitchFamily="49" charset="0"/>
+              </a:rPr>
+              <a:t>  </a:t>
+            </a:r>
+            <a:r>
+              <a:rPr lang="en-US" sz="1400" b="1" dirty="0" err="1" smtClean="0">
+                <a:latin typeface="Courier New" pitchFamily="49" charset="0"/>
+                <a:cs typeface="Courier New" pitchFamily="49" charset="0"/>
+              </a:rPr>
+              <a:t>CSL_BootCfgSetVUSRRxConfig</a:t>
+            </a:r>
+            <a:r>
+              <a:rPr lang="en-US" sz="1400" b="1" dirty="0" smtClean="0">
+                <a:latin typeface="Courier New" pitchFamily="49" charset="0"/>
+                <a:cs typeface="Courier New" pitchFamily="49" charset="0"/>
+              </a:rPr>
+              <a:t> (0, rx);</a:t>
+            </a:r>
+          </a:p>
+          <a:p>
+            <a:r>
+              <a:rPr lang="en-US" sz="1400" b="1" dirty="0" smtClean="0">
+                <a:latin typeface="Courier New" pitchFamily="49" charset="0"/>
+                <a:cs typeface="Courier New" pitchFamily="49" charset="0"/>
+              </a:rPr>
+              <a:t>  </a:t>
+            </a:r>
+            <a:r>
+              <a:rPr lang="en-US" sz="1400" b="1" dirty="0" err="1" smtClean="0">
+                <a:latin typeface="Courier New" pitchFamily="49" charset="0"/>
+                <a:cs typeface="Courier New" pitchFamily="49" charset="0"/>
+              </a:rPr>
+              <a:t>CSL_BootCfgSetVUSRRxConfig</a:t>
+            </a:r>
+            <a:r>
+              <a:rPr lang="en-US" sz="1400" b="1" dirty="0" smtClean="0">
+                <a:latin typeface="Courier New" pitchFamily="49" charset="0"/>
+                <a:cs typeface="Courier New" pitchFamily="49" charset="0"/>
+              </a:rPr>
+              <a:t> (1, rx);</a:t>
+            </a:r>
+          </a:p>
+          <a:p>
+            <a:r>
+              <a:rPr lang="en-US" sz="1400" b="1" dirty="0" smtClean="0">
+                <a:latin typeface="Courier New" pitchFamily="49" charset="0"/>
+                <a:cs typeface="Courier New" pitchFamily="49" charset="0"/>
+              </a:rPr>
+              <a:t>  </a:t>
+            </a:r>
+            <a:r>
+              <a:rPr lang="en-US" sz="1400" b="1" dirty="0" err="1" smtClean="0">
+                <a:latin typeface="Courier New" pitchFamily="49" charset="0"/>
+                <a:cs typeface="Courier New" pitchFamily="49" charset="0"/>
+              </a:rPr>
+              <a:t>CSL_BootCfgSetVUSRRxConfig</a:t>
+            </a:r>
+            <a:r>
+              <a:rPr lang="en-US" sz="1400" b="1" dirty="0" smtClean="0">
+                <a:latin typeface="Courier New" pitchFamily="49" charset="0"/>
+                <a:cs typeface="Courier New" pitchFamily="49" charset="0"/>
+              </a:rPr>
+              <a:t> (2, rx);</a:t>
+            </a:r>
+          </a:p>
+          <a:p>
+            <a:r>
+              <a:rPr lang="en-US" sz="1400" b="1" dirty="0" smtClean="0">
+                <a:latin typeface="Courier New" pitchFamily="49" charset="0"/>
+                <a:cs typeface="Courier New" pitchFamily="49" charset="0"/>
+              </a:rPr>
+              <a:t>  </a:t>
+            </a:r>
+            <a:r>
+              <a:rPr lang="en-US" sz="1400" b="1" dirty="0" err="1" smtClean="0">
+                <a:latin typeface="Courier New" pitchFamily="49" charset="0"/>
+                <a:cs typeface="Courier New" pitchFamily="49" charset="0"/>
+              </a:rPr>
+              <a:t>CSL_BootCfgSetVUSRRxConfig</a:t>
+            </a:r>
+            <a:r>
+              <a:rPr lang="en-US" sz="1400" b="1" dirty="0" smtClean="0">
+                <a:latin typeface="Courier New" pitchFamily="49" charset="0"/>
+                <a:cs typeface="Courier New" pitchFamily="49" charset="0"/>
+              </a:rPr>
+              <a:t> (3, rx);</a:t>
+            </a:r>
+          </a:p>
+          <a:p>
+            <a:endParaRPr lang="en-US" sz="1400" b="1" dirty="0" smtClean="0">
+              <a:latin typeface="Courier New" pitchFamily="49" charset="0"/>
+              <a:cs typeface="Courier New" pitchFamily="49" charset="0"/>
+            </a:endParaRPr>
+          </a:p>
+          <a:p>
+            <a:r>
+              <a:rPr lang="en-US" sz="1400" b="1" dirty="0" smtClean="0">
+                <a:latin typeface="Courier New" pitchFamily="49" charset="0"/>
+                <a:cs typeface="Courier New" pitchFamily="49" charset="0"/>
+              </a:rPr>
+              <a:t>  </a:t>
+            </a:r>
+            <a:r>
+              <a:rPr lang="en-US" sz="1400" b="1" dirty="0" err="1" smtClean="0">
+                <a:latin typeface="Courier New" pitchFamily="49" charset="0"/>
+                <a:cs typeface="Courier New" pitchFamily="49" charset="0"/>
+              </a:rPr>
+              <a:t>CSL_BootCfgSetVUSRTxConfig</a:t>
+            </a:r>
+            <a:r>
+              <a:rPr lang="en-US" sz="1400" b="1" dirty="0" smtClean="0">
+                <a:latin typeface="Courier New" pitchFamily="49" charset="0"/>
+                <a:cs typeface="Courier New" pitchFamily="49" charset="0"/>
+              </a:rPr>
+              <a:t> (0, tx);</a:t>
+            </a:r>
+          </a:p>
+          <a:p>
+            <a:r>
+              <a:rPr lang="en-US" sz="1400" b="1" dirty="0" smtClean="0">
+                <a:latin typeface="Courier New" pitchFamily="49" charset="0"/>
+                <a:cs typeface="Courier New" pitchFamily="49" charset="0"/>
+              </a:rPr>
+              <a:t>  </a:t>
+            </a:r>
+            <a:r>
+              <a:rPr lang="en-US" sz="1400" b="1" dirty="0" err="1" smtClean="0">
+                <a:latin typeface="Courier New" pitchFamily="49" charset="0"/>
+                <a:cs typeface="Courier New" pitchFamily="49" charset="0"/>
+              </a:rPr>
+              <a:t>CSL_BootCfgSetVUSRTxConfig</a:t>
+            </a:r>
+            <a:r>
+              <a:rPr lang="en-US" sz="1400" b="1" dirty="0" smtClean="0">
+                <a:latin typeface="Courier New" pitchFamily="49" charset="0"/>
+                <a:cs typeface="Courier New" pitchFamily="49" charset="0"/>
+              </a:rPr>
+              <a:t> (1, tx);</a:t>
+            </a:r>
+          </a:p>
+          <a:p>
+            <a:r>
+              <a:rPr lang="en-US" sz="1400" b="1" dirty="0" smtClean="0">
+                <a:latin typeface="Courier New" pitchFamily="49" charset="0"/>
+                <a:cs typeface="Courier New" pitchFamily="49" charset="0"/>
+              </a:rPr>
+              <a:t>  </a:t>
+            </a:r>
+            <a:r>
+              <a:rPr lang="en-US" sz="1400" b="1" dirty="0" err="1" smtClean="0">
+                <a:latin typeface="Courier New" pitchFamily="49" charset="0"/>
+                <a:cs typeface="Courier New" pitchFamily="49" charset="0"/>
+              </a:rPr>
+              <a:t>CSL_BootCfgSetVUSRTxConfig</a:t>
+            </a:r>
+            <a:r>
+              <a:rPr lang="en-US" sz="1400" b="1" dirty="0" smtClean="0">
+                <a:latin typeface="Courier New" pitchFamily="49" charset="0"/>
+                <a:cs typeface="Courier New" pitchFamily="49" charset="0"/>
+              </a:rPr>
+              <a:t> (2, tx);</a:t>
+            </a:r>
+          </a:p>
+          <a:p>
+            <a:r>
+              <a:rPr lang="en-US" sz="1400" b="1" dirty="0" smtClean="0">
+                <a:latin typeface="Courier New" pitchFamily="49" charset="0"/>
+                <a:cs typeface="Courier New" pitchFamily="49" charset="0"/>
+              </a:rPr>
+              <a:t>  </a:t>
+            </a:r>
+            <a:r>
+              <a:rPr lang="en-US" sz="1400" b="1" dirty="0" err="1" smtClean="0">
+                <a:latin typeface="Courier New" pitchFamily="49" charset="0"/>
+                <a:cs typeface="Courier New" pitchFamily="49" charset="0"/>
+              </a:rPr>
+              <a:t>CSL_BootCfgSetVUSRTxConfig</a:t>
+            </a:r>
+            <a:r>
+              <a:rPr lang="en-US" sz="1400" b="1" dirty="0" smtClean="0">
+                <a:latin typeface="Courier New" pitchFamily="49" charset="0"/>
+                <a:cs typeface="Courier New" pitchFamily="49" charset="0"/>
+              </a:rPr>
+              <a:t> (3, tx);</a:t>
+            </a:r>
+          </a:p>
+          <a:p>
+            <a:endParaRPr lang="en-US" sz="1400" b="1" dirty="0" smtClean="0">
+              <a:latin typeface="Courier New" pitchFamily="49" charset="0"/>
+              <a:cs typeface="Courier New" pitchFamily="49" charset="0"/>
+            </a:endParaRPr>
+          </a:p>
+          <a:p>
+            <a:r>
+              <a:rPr lang="en-US" sz="1400" b="1" dirty="0" smtClean="0">
+                <a:latin typeface="Courier New" pitchFamily="49" charset="0"/>
+                <a:cs typeface="Courier New" pitchFamily="49" charset="0"/>
+              </a:rPr>
+              <a:t>  </a:t>
+            </a:r>
+          </a:p>
+          <a:p>
+            <a:r>
+              <a:rPr lang="en-US" sz="1400" b="1" dirty="0" smtClean="0">
+                <a:latin typeface="Courier New" pitchFamily="49" charset="0"/>
+                <a:cs typeface="Courier New" pitchFamily="49" charset="0"/>
+              </a:rPr>
+              <a:t>} /* hyplnkExampleSerdesCfg */</a:t>
+            </a:r>
+            <a:endParaRPr lang="en-US" sz="1400" b="1" dirty="0">
+              <a:latin typeface="Courier New" pitchFamily="49" charset="0"/>
+              <a:cs typeface="Courier New" pitchFamily="49" charset="0"/>
+            </a:endParaRPr>
           </a:p>
         </p:txBody>
       </p:sp>
       <p:sp>
         <p:nvSpPr>
-          <p:cNvPr id="3" name="Subtitle 2"/>
-          <p:cNvSpPr>
-            <a:spLocks noGrp="1"/>
+          <p:cNvPr id="5" name="Title 1"/>
+          <p:cNvSpPr txBox="1">
+            <a:spLocks/>
           </p:cNvSpPr>
-          <p:nvPr>
-            <p:ph idx="1"/>
-          </p:nvPr>
+          <p:nvPr/>
         </p:nvSpPr>
         <p:spPr>
           <a:xfrm>
-            <a:off x="457200" y="990600"/>
-            <a:ext cx="8229600" cy="5029200"/>
+            <a:off x="457200" y="152400"/>
+            <a:ext cx="8229600" cy="685800"/>
           </a:xfrm>
+          <a:prstGeom prst="rect">
+            <a:avLst/>
+          </a:prstGeom>
         </p:spPr>
         <p:txBody>
-          <a:bodyPr rtlCol="0">
-            <a:normAutofit/>
-          </a:bodyPr>
+          <a:bodyPr/>
           <a:lstStyle/>
           <a:p>
-            <a:pPr marL="514350" indent="-514350" eaLnBrk="1" fontAlgn="auto" hangingPunct="1">
+            <a:pPr marL="0" marR="0" lvl="0" indent="0" algn="ctr" defTabSz="914400" rtl="0" eaLnBrk="1" fontAlgn="base" latinLnBrk="0" hangingPunct="1">
+              <a:lnSpc>
+                <a:spcPct val="100000"/>
+              </a:lnSpc>
+              <a:spcBef>
+                <a:spcPct val="0"/>
+              </a:spcBef>
               <a:spcAft>
-                <a:spcPts val="0"/>
+                <a:spcPct val="0"/>
               </a:spcAft>
-              <a:buFont typeface="+mj-lt"/>
-              <a:buAutoNum type="arabicPeriod"/>
+              <a:buClrTx/>
+              <a:buSzTx/>
+              <a:buFontTx/>
+              <a:buNone/>
+              <a:tabLst/>
               <a:defRPr/>
             </a:pPr>
             <a:r>
-              <a:rPr lang="en-US" sz="2400" dirty="0" smtClean="0">
-                <a:latin typeface="+mj-lt"/>
-              </a:rPr>
-              <a:t>HyperLink Control registers</a:t>
-            </a:r>
-          </a:p>
-          <a:p>
-            <a:pPr marL="514350" indent="-514350" eaLnBrk="1" fontAlgn="auto" hangingPunct="1">
-              <a:spcAft>
-                <a:spcPts val="0"/>
-              </a:spcAft>
-              <a:buFont typeface="+mj-lt"/>
-              <a:buAutoNum type="arabicPeriod"/>
-              <a:defRPr/>
-            </a:pPr>
-            <a:r>
-              <a:rPr lang="en-US" sz="2400" dirty="0" smtClean="0">
-                <a:latin typeface="+mj-lt"/>
-              </a:rPr>
-              <a:t>Interrupt registers</a:t>
-            </a:r>
-          </a:p>
-          <a:p>
-            <a:pPr marL="514350" indent="-514350" eaLnBrk="1" fontAlgn="auto" hangingPunct="1">
-              <a:spcAft>
-                <a:spcPts val="0"/>
-              </a:spcAft>
-              <a:buFont typeface="+mj-lt"/>
-              <a:buAutoNum type="arabicPeriod"/>
-              <a:defRPr/>
-            </a:pPr>
-            <a:r>
-              <a:rPr lang="en-US" sz="2400" dirty="0" smtClean="0">
-                <a:latin typeface="+mj-lt"/>
-              </a:rPr>
-              <a:t>Lane Power Management registers</a:t>
-            </a:r>
-          </a:p>
-          <a:p>
-            <a:pPr marL="514350" indent="-514350" eaLnBrk="1" fontAlgn="auto" hangingPunct="1">
-              <a:spcAft>
-                <a:spcPts val="0"/>
-              </a:spcAft>
-              <a:buFont typeface="+mj-lt"/>
-              <a:buAutoNum type="arabicPeriod"/>
-              <a:defRPr/>
-            </a:pPr>
-            <a:r>
-              <a:rPr lang="en-US" sz="2400" dirty="0" smtClean="0">
-                <a:latin typeface="+mj-lt"/>
-              </a:rPr>
-              <a:t>Error Detection registers</a:t>
-            </a:r>
-          </a:p>
-          <a:p>
-            <a:pPr marL="514350" indent="-514350" eaLnBrk="1" fontAlgn="auto" hangingPunct="1">
-              <a:spcAft>
-                <a:spcPts val="0"/>
-              </a:spcAft>
-              <a:buFont typeface="+mj-lt"/>
-              <a:buAutoNum type="arabicPeriod"/>
-              <a:defRPr/>
-            </a:pPr>
-            <a:r>
-              <a:rPr lang="en-US" sz="2400" dirty="0" smtClean="0">
-                <a:latin typeface="+mj-lt"/>
-              </a:rPr>
-              <a:t>SerDes operation configuration</a:t>
-            </a:r>
-          </a:p>
-          <a:p>
-            <a:pPr marL="514350" indent="-514350" eaLnBrk="1" fontAlgn="auto" hangingPunct="1">
-              <a:spcAft>
-                <a:spcPts val="0"/>
-              </a:spcAft>
-              <a:buFont typeface="+mj-lt"/>
-              <a:buAutoNum type="arabicPeriod"/>
-              <a:defRPr/>
-            </a:pPr>
-            <a:r>
-              <a:rPr lang="en-US" sz="2400" dirty="0" smtClean="0">
-                <a:latin typeface="+mj-lt"/>
-              </a:rPr>
-              <a:t>Address Translation registers</a:t>
-            </a:r>
-            <a:endParaRPr lang="en-US" dirty="0" smtClean="0">
-              <a:latin typeface="+mj-lt"/>
-            </a:endParaRPr>
-          </a:p>
-          <a:p>
-            <a:pPr marL="514350" indent="-514350" eaLnBrk="1" fontAlgn="auto" hangingPunct="1">
-              <a:spcAft>
-                <a:spcPts val="0"/>
-              </a:spcAft>
-              <a:buFont typeface="+mj-lt"/>
-              <a:buAutoNum type="arabicPeriod"/>
-              <a:defRPr/>
-            </a:pPr>
-            <a:endParaRPr lang="en-US" sz="2400" dirty="0" smtClean="0">
-              <a:latin typeface="+mj-lt"/>
-            </a:endParaRPr>
+              <a:rPr kumimoji="0" lang="en-US" sz="4400" b="0" i="0" u="none" strike="noStrike" kern="0" cap="none" spc="0" normalizeH="0" baseline="0" noProof="0" dirty="0" smtClean="0">
+                <a:ln>
+                  <a:noFill/>
+                </a:ln>
+                <a:solidFill>
+                  <a:schemeClr val="tx1"/>
+                </a:solidFill>
+                <a:effectLst/>
+                <a:uLnTx/>
+                <a:uFillTx/>
+                <a:latin typeface="+mj-lt"/>
+                <a:ea typeface="+mj-ea"/>
+                <a:cs typeface="+mj-cs"/>
+              </a:rPr>
+              <a:t>Example:</a:t>
+            </a:r>
+            <a:r>
+              <a:rPr kumimoji="0" lang="en-US" sz="4400" b="0" i="0" u="none" strike="noStrike" kern="0" cap="none" spc="0" normalizeH="0" noProof="0" dirty="0" smtClean="0">
+                <a:ln>
+                  <a:noFill/>
+                </a:ln>
+                <a:solidFill>
+                  <a:schemeClr val="tx1"/>
+                </a:solidFill>
+                <a:effectLst/>
+                <a:uLnTx/>
+                <a:uFillTx/>
+                <a:latin typeface="+mj-lt"/>
+                <a:ea typeface="+mj-ea"/>
+                <a:cs typeface="+mj-cs"/>
+              </a:rPr>
+              <a:t> </a:t>
+            </a:r>
+            <a:r>
+              <a:rPr kumimoji="0" lang="en-US" sz="4400" b="0" i="0" u="none" strike="noStrike" kern="0" cap="none" spc="0" normalizeH="0" baseline="0" noProof="0" dirty="0" smtClean="0">
+                <a:ln>
+                  <a:noFill/>
+                </a:ln>
+                <a:solidFill>
+                  <a:schemeClr val="tx1"/>
+                </a:solidFill>
+                <a:effectLst/>
+                <a:uLnTx/>
+                <a:uFillTx/>
+                <a:latin typeface="+mj-lt"/>
+                <a:ea typeface="+mj-ea"/>
+                <a:cs typeface="+mj-cs"/>
+              </a:rPr>
+              <a:t>Configuration Function</a:t>
+            </a:r>
           </a:p>
         </p:txBody>
       </p:sp>
@@ -48726,7 +48429,7 @@
       </p:grpSpPr>
       <p:sp>
         <p:nvSpPr>
-          <p:cNvPr id="40962" name="Title 1"/>
+          <p:cNvPr id="43010" name="Title 1"/>
           <p:cNvSpPr>
             <a:spLocks noGrp="1"/>
           </p:cNvSpPr>
@@ -48742,7 +48445,7 @@
             <a:pPr eaLnBrk="1" hangingPunct="1"/>
             <a:r>
               <a:rPr lang="en-US" b="0" dirty="0" smtClean="0"/>
-              <a:t>Basic HyperLink LLD Functions</a:t>
+              <a:t>Agenda</a:t>
             </a:r>
           </a:p>
         </p:txBody>
@@ -48759,396 +48462,78 @@
         </p:nvSpPr>
         <p:spPr>
           <a:xfrm>
-            <a:off x="381000" y="762000"/>
-            <a:ext cx="8229600" cy="5638800"/>
+            <a:off x="457200" y="990600"/>
+            <a:ext cx="8229600" cy="3429000"/>
           </a:xfrm>
         </p:spPr>
         <p:txBody>
           <a:bodyPr rtlCol="0">
-            <a:noAutofit/>
+            <a:normAutofit/>
           </a:bodyPr>
           <a:lstStyle/>
           <a:p>
-            <a:pPr>
-              <a:buNone/>
+            <a:pPr marL="514350" indent="-514350" eaLnBrk="1" fontAlgn="auto" hangingPunct="1">
+              <a:spcAft>
+                <a:spcPts val="0"/>
+              </a:spcAft>
+              <a:buFont typeface="+mj-lt"/>
+              <a:buAutoNum type="arabicPeriod"/>
               <a:defRPr/>
             </a:pPr>
             <a:r>
-              <a:rPr lang="en-US" sz="1400" dirty="0" smtClean="0">
-                <a:hlinkClick r:id="rId3" action="ppaction://hlinkfile"/>
-              </a:rPr>
-              <a:t>hyplnkRet_e</a:t>
-            </a:r>
-            <a:r>
-              <a:rPr lang="en-US" sz="1400" dirty="0" smtClean="0"/>
-              <a:t>  </a:t>
-            </a:r>
-            <a:r>
-              <a:rPr lang="en-US" sz="1400" dirty="0" smtClean="0">
-                <a:hlinkClick r:id="rId4" action="ppaction://hlinkfile"/>
-              </a:rPr>
-              <a:t>Hyplnk_open</a:t>
-            </a:r>
-            <a:r>
-              <a:rPr lang="en-US" sz="1400" dirty="0" smtClean="0"/>
-              <a:t> (int portNum, </a:t>
-            </a:r>
-            <a:r>
-              <a:rPr lang="en-US" sz="1400" dirty="0" smtClean="0">
-                <a:hlinkClick r:id="rId5" action="ppaction://hlinkfile"/>
-              </a:rPr>
-              <a:t>Hyplnk_Handle</a:t>
-            </a:r>
-            <a:r>
-              <a:rPr lang="en-US" sz="1400" dirty="0" smtClean="0"/>
-              <a:t> *pHandle)   </a:t>
-            </a:r>
-          </a:p>
-          <a:p>
-            <a:pPr>
-              <a:buNone/>
+              <a:rPr lang="en-US" dirty="0" smtClean="0">
+                <a:latin typeface="+mj-lt"/>
+              </a:rPr>
+              <a:t>HyperLink Overview</a:t>
+            </a:r>
+          </a:p>
+          <a:p>
+            <a:pPr marL="514350" indent="-514350" eaLnBrk="1" fontAlgn="auto" hangingPunct="1">
+              <a:spcAft>
+                <a:spcPts val="0"/>
+              </a:spcAft>
+              <a:buFont typeface="+mj-lt"/>
+              <a:buAutoNum type="arabicPeriod"/>
               <a:defRPr/>
             </a:pPr>
             <a:r>
-              <a:rPr lang="en-US" sz="1400" dirty="0" smtClean="0"/>
-              <a:t>		Hyplnk_open creates/opens a HyperLink instance. </a:t>
-            </a:r>
-          </a:p>
-          <a:p>
-            <a:pPr>
-              <a:buNone/>
+              <a:rPr lang="en-US" dirty="0" smtClean="0">
+                <a:latin typeface="+mj-lt"/>
+              </a:rPr>
+              <a:t>Address Translation</a:t>
+            </a:r>
+          </a:p>
+          <a:p>
+            <a:pPr marL="514350" indent="-514350" eaLnBrk="1" fontAlgn="auto" hangingPunct="1">
+              <a:spcAft>
+                <a:spcPts val="0"/>
+              </a:spcAft>
+              <a:buFont typeface="+mj-lt"/>
+              <a:buAutoNum type="arabicPeriod"/>
               <a:defRPr/>
             </a:pPr>
-            <a:endParaRPr lang="en-US" sz="1400" dirty="0" smtClean="0"/>
-          </a:p>
-          <a:p>
-            <a:pPr>
-              <a:buNone/>
+            <a:r>
+              <a:rPr lang="en-US" dirty="0" smtClean="0">
+                <a:latin typeface="+mj-lt"/>
+              </a:rPr>
+              <a:t>Configuration</a:t>
+            </a:r>
+          </a:p>
+          <a:p>
+            <a:pPr marL="514350" indent="-514350" eaLnBrk="1" fontAlgn="auto" hangingPunct="1">
+              <a:spcAft>
+                <a:spcPts val="0"/>
+              </a:spcAft>
+              <a:buFont typeface="+mj-lt"/>
+              <a:buAutoNum type="arabicPeriod"/>
               <a:defRPr/>
             </a:pPr>
             <a:r>
-              <a:rPr lang="en-US" sz="1400" dirty="0" smtClean="0">
-                <a:hlinkClick r:id="rId3" action="ppaction://hlinkfile"/>
-              </a:rPr>
-              <a:t>hyplnkRet_e</a:t>
-            </a:r>
-            <a:r>
-              <a:rPr lang="en-US" sz="1400" dirty="0" smtClean="0"/>
-              <a:t>  </a:t>
-            </a:r>
-            <a:r>
-              <a:rPr lang="en-US" sz="1400" dirty="0" smtClean="0">
-                <a:hlinkClick r:id="rId4" action="ppaction://hlinkfile"/>
-              </a:rPr>
-              <a:t>Hyplnk_close</a:t>
-            </a:r>
-            <a:r>
-              <a:rPr lang="en-US" sz="1400" dirty="0" smtClean="0"/>
-              <a:t> (</a:t>
-            </a:r>
-            <a:r>
-              <a:rPr lang="en-US" sz="1400" dirty="0" smtClean="0">
-                <a:hlinkClick r:id="rId5" action="ppaction://hlinkfile"/>
-              </a:rPr>
-              <a:t>Hyplnk_Handle</a:t>
-            </a:r>
-            <a:r>
-              <a:rPr lang="en-US" sz="1400" dirty="0" smtClean="0"/>
-              <a:t> *pHandle)   </a:t>
-            </a:r>
-          </a:p>
-          <a:p>
-            <a:pPr>
-              <a:buNone/>
-              <a:defRPr/>
-            </a:pPr>
-            <a:r>
-              <a:rPr lang="en-US" sz="1400" dirty="0" smtClean="0"/>
-              <a:t>		Hyplnk_close Closes (frees) the driver handle. </a:t>
-            </a:r>
-          </a:p>
-          <a:p>
-            <a:pPr>
-              <a:buNone/>
-              <a:defRPr/>
-            </a:pPr>
-            <a:endParaRPr lang="en-US" sz="1400" dirty="0" smtClean="0"/>
-          </a:p>
-          <a:p>
-            <a:pPr>
-              <a:buNone/>
-              <a:defRPr/>
-            </a:pPr>
-            <a:r>
-              <a:rPr lang="en-US" sz="1400" dirty="0" smtClean="0">
-                <a:hlinkClick r:id="rId3" action="ppaction://hlinkfile"/>
-              </a:rPr>
-              <a:t>hyplnkRet_e</a:t>
-            </a:r>
-            <a:r>
-              <a:rPr lang="en-US" sz="1400" dirty="0" smtClean="0"/>
-              <a:t>  </a:t>
-            </a:r>
-            <a:r>
-              <a:rPr lang="en-US" sz="1400" dirty="0" smtClean="0">
-                <a:hlinkClick r:id="rId4" action="ppaction://hlinkfile"/>
-              </a:rPr>
-              <a:t>Hyplnk_readRegs</a:t>
-            </a:r>
-            <a:r>
-              <a:rPr lang="en-US" sz="1400" dirty="0" smtClean="0"/>
-              <a:t> (</a:t>
-            </a:r>
-            <a:r>
-              <a:rPr lang="en-US" sz="1400" dirty="0" smtClean="0">
-                <a:hlinkClick r:id="rId5" action="ppaction://hlinkfile"/>
-              </a:rPr>
-              <a:t>Hyplnk_Handle</a:t>
-            </a:r>
-            <a:r>
-              <a:rPr lang="en-US" sz="1400" dirty="0" smtClean="0"/>
-              <a:t> handle, </a:t>
-            </a:r>
-            <a:r>
-              <a:rPr lang="en-US" sz="1400" dirty="0" smtClean="0">
-                <a:hlinkClick r:id="rId6" action="ppaction://hlinkfile"/>
-              </a:rPr>
-              <a:t>hyplnkLocation_e</a:t>
-            </a:r>
-            <a:r>
-              <a:rPr lang="en-US" sz="1400" dirty="0" smtClean="0"/>
-              <a:t> location, </a:t>
-            </a:r>
-            <a:r>
-              <a:rPr lang="en-US" sz="1400" dirty="0" smtClean="0">
-                <a:hlinkClick r:id="rId7" action="ppaction://hlinkfile"/>
-              </a:rPr>
-              <a:t>hyplnkRegisters_t</a:t>
-            </a:r>
-            <a:r>
-              <a:rPr lang="en-US" sz="1400" dirty="0" smtClean="0"/>
-              <a:t> *readRegs)   </a:t>
-            </a:r>
-          </a:p>
-          <a:p>
-            <a:pPr>
-              <a:buNone/>
-              <a:defRPr/>
-            </a:pPr>
-            <a:r>
-              <a:rPr lang="en-US" sz="1400" dirty="0" smtClean="0"/>
-              <a:t>		Performs a configuration read. </a:t>
-            </a:r>
-          </a:p>
-          <a:p>
-            <a:pPr>
-              <a:buNone/>
-              <a:defRPr/>
-            </a:pPr>
-            <a:endParaRPr lang="en-US" sz="1400" dirty="0" smtClean="0">
-              <a:hlinkClick r:id="rId3" action="ppaction://hlinkfile"/>
-            </a:endParaRPr>
-          </a:p>
-          <a:p>
-            <a:pPr>
-              <a:buNone/>
-              <a:defRPr/>
-            </a:pPr>
-            <a:r>
-              <a:rPr lang="en-US" sz="1400" dirty="0" smtClean="0">
-                <a:hlinkClick r:id="rId3" action="ppaction://hlinkfile"/>
-              </a:rPr>
-              <a:t>hyplnkRet_e</a:t>
-            </a:r>
-            <a:r>
-              <a:rPr lang="en-US" sz="1400" dirty="0" smtClean="0"/>
-              <a:t>  </a:t>
-            </a:r>
-            <a:r>
-              <a:rPr lang="en-US" sz="1400" dirty="0" smtClean="0">
-                <a:hlinkClick r:id="rId4" action="ppaction://hlinkfile"/>
-              </a:rPr>
-              <a:t>Hyplnk_writeRegs</a:t>
-            </a:r>
-            <a:r>
-              <a:rPr lang="en-US" sz="1400" dirty="0" smtClean="0"/>
-              <a:t> (</a:t>
-            </a:r>
-            <a:r>
-              <a:rPr lang="en-US" sz="1400" dirty="0" smtClean="0">
-                <a:hlinkClick r:id="rId5" action="ppaction://hlinkfile"/>
-              </a:rPr>
-              <a:t>Hyplnk_Handle</a:t>
-            </a:r>
-            <a:r>
-              <a:rPr lang="en-US" sz="1400" dirty="0" smtClean="0"/>
-              <a:t> handle, </a:t>
-            </a:r>
-            <a:r>
-              <a:rPr lang="en-US" sz="1400" dirty="0" smtClean="0">
-                <a:hlinkClick r:id="rId6" action="ppaction://hlinkfile"/>
-              </a:rPr>
-              <a:t>hyplnkLocation_e</a:t>
-            </a:r>
-            <a:r>
-              <a:rPr lang="en-US" sz="1400" dirty="0" smtClean="0"/>
-              <a:t> location, </a:t>
-            </a:r>
-            <a:r>
-              <a:rPr lang="en-US" sz="1400" dirty="0" smtClean="0">
-                <a:hlinkClick r:id="rId7" action="ppaction://hlinkfile"/>
-              </a:rPr>
-              <a:t>hyplnkRegisters_t</a:t>
-            </a:r>
-            <a:r>
-              <a:rPr lang="en-US" sz="1400" dirty="0" smtClean="0"/>
-              <a:t> *writeRegs)   </a:t>
-            </a:r>
-          </a:p>
-          <a:p>
-            <a:pPr>
-              <a:buNone/>
-              <a:defRPr/>
-            </a:pPr>
-            <a:r>
-              <a:rPr lang="en-US" sz="1400" dirty="0" smtClean="0"/>
-              <a:t>		Performs a configuration write. </a:t>
-            </a:r>
-          </a:p>
-          <a:p>
-            <a:pPr>
-              <a:buNone/>
-              <a:defRPr/>
-            </a:pPr>
-            <a:endParaRPr lang="en-US" sz="1400" dirty="0" smtClean="0">
-              <a:hlinkClick r:id="rId3" action="ppaction://hlinkfile"/>
-            </a:endParaRPr>
-          </a:p>
-          <a:p>
-            <a:pPr>
-              <a:buNone/>
-              <a:defRPr/>
-            </a:pPr>
-            <a:r>
-              <a:rPr lang="en-US" sz="1400" dirty="0" smtClean="0">
-                <a:hlinkClick r:id="rId3" action="ppaction://hlinkfile"/>
-              </a:rPr>
-              <a:t>hyplnkRet_e</a:t>
-            </a:r>
-            <a:r>
-              <a:rPr lang="en-US" sz="1400" dirty="0" smtClean="0"/>
-              <a:t>  </a:t>
-            </a:r>
-            <a:r>
-              <a:rPr lang="en-US" sz="1400" dirty="0" smtClean="0">
-                <a:hlinkClick r:id="rId4" action="ppaction://hlinkfile"/>
-              </a:rPr>
-              <a:t>Hyplnk_getWindow</a:t>
-            </a:r>
-            <a:r>
-              <a:rPr lang="en-US" sz="1400" dirty="0" smtClean="0"/>
-              <a:t> (</a:t>
-            </a:r>
-            <a:r>
-              <a:rPr lang="en-US" sz="1400" dirty="0" smtClean="0">
-                <a:hlinkClick r:id="rId5" action="ppaction://hlinkfile"/>
-              </a:rPr>
-              <a:t>Hyplnk_Handle</a:t>
-            </a:r>
-            <a:r>
-              <a:rPr lang="en-US" sz="1400" dirty="0" smtClean="0"/>
-              <a:t> handle, void **base, uint32_t *size)   </a:t>
-            </a:r>
-          </a:p>
-          <a:p>
-            <a:pPr>
-              <a:buNone/>
-              <a:defRPr/>
-            </a:pPr>
-            <a:r>
-              <a:rPr lang="en-US" sz="1400" dirty="0" smtClean="0"/>
-              <a:t>		Hyplnk_getWindow returns the address and size of the local memory window.</a:t>
-            </a:r>
-          </a:p>
-          <a:p>
-            <a:pPr>
-              <a:buNone/>
-              <a:defRPr/>
-            </a:pPr>
-            <a:endParaRPr lang="en-US" sz="1400" dirty="0" smtClean="0"/>
-          </a:p>
-          <a:p>
-            <a:pPr>
-              <a:buNone/>
-              <a:defRPr/>
-            </a:pPr>
-            <a:r>
-              <a:rPr lang="en-US" sz="1400" dirty="0" smtClean="0"/>
-              <a:t>uint32_t  </a:t>
-            </a:r>
-            <a:r>
-              <a:rPr lang="en-US" sz="1400" dirty="0" smtClean="0">
-                <a:hlinkClick r:id="rId4" action="ppaction://hlinkfile"/>
-              </a:rPr>
-              <a:t>Hyplnk_getVersion</a:t>
-            </a:r>
-            <a:r>
-              <a:rPr lang="en-US" sz="1400" dirty="0" smtClean="0"/>
-              <a:t> (void)   Hyplnk_getVersion </a:t>
-            </a:r>
-          </a:p>
-          <a:p>
-            <a:pPr>
-              <a:buNone/>
-              <a:defRPr/>
-            </a:pPr>
-            <a:r>
-              <a:rPr lang="en-US" sz="1400" dirty="0" smtClean="0"/>
-              <a:t>		returns the HYPLNK LLD version information. </a:t>
-            </a:r>
-          </a:p>
-          <a:p>
-            <a:pPr>
-              <a:buNone/>
-              <a:defRPr/>
-            </a:pPr>
-            <a:endParaRPr lang="en-US" sz="1400" dirty="0" smtClean="0"/>
-          </a:p>
-          <a:p>
-            <a:pPr>
-              <a:buNone/>
-              <a:defRPr/>
-            </a:pPr>
-            <a:r>
-              <a:rPr lang="en-US" sz="1400" dirty="0" smtClean="0"/>
-              <a:t>const char *  </a:t>
-            </a:r>
-            <a:r>
-              <a:rPr lang="en-US" sz="1400" dirty="0" smtClean="0">
-                <a:hlinkClick r:id="rId4" action="ppaction://hlinkfile"/>
-              </a:rPr>
-              <a:t>Hyplnk_getVersionStr</a:t>
-            </a:r>
-            <a:r>
-              <a:rPr lang="en-US" sz="1400" dirty="0" smtClean="0"/>
-              <a:t> (void)   Hyplnk_getVersionStr </a:t>
-            </a:r>
-          </a:p>
-          <a:p>
-            <a:pPr>
-              <a:buNone/>
-              <a:defRPr/>
-            </a:pPr>
-            <a:r>
-              <a:rPr lang="en-US" sz="1400" dirty="0" smtClean="0"/>
-              <a:t>		returns the HYPLNK LLD version string. </a:t>
-            </a:r>
-            <a:br>
-              <a:rPr lang="en-US" sz="1400" dirty="0" smtClean="0"/>
-            </a:br>
-            <a:endParaRPr lang="en-US" sz="1400" dirty="0" smtClean="0">
-              <a:latin typeface="+mj-lt"/>
-            </a:endParaRPr>
+              <a:rPr lang="en-US" b="1" dirty="0" smtClean="0">
+                <a:latin typeface="+mj-lt"/>
+              </a:rPr>
+              <a:t>Example and Demo</a:t>
+            </a:r>
           </a:p>
         </p:txBody>
       </p:sp>
@@ -49186,906 +48571,6 @@
       </p:grpSpPr>
       <p:sp>
         <p:nvSpPr>
-          <p:cNvPr id="41986" name="Title 1"/>
-          <p:cNvSpPr>
-            <a:spLocks noGrp="1"/>
-          </p:cNvSpPr>
-          <p:nvPr>
-            <p:ph type="title"/>
-          </p:nvPr>
-        </p:nvSpPr>
-        <p:spPr>
-          <a:xfrm>
-            <a:off x="457200" y="152400"/>
-            <a:ext cx="8229600" cy="685800"/>
-          </a:xfrm>
-        </p:spPr>
-        <p:txBody>
-          <a:bodyPr/>
-          <a:lstStyle/>
-          <a:p>
-            <a:pPr eaLnBrk="1" hangingPunct="1"/>
-            <a:r>
-              <a:rPr lang="en-US" b="0" dirty="0" smtClean="0"/>
-              <a:t>Configuration Functions</a:t>
-            </a:r>
-          </a:p>
-        </p:txBody>
-      </p:sp>
-      <p:sp>
-        <p:nvSpPr>
-          <p:cNvPr id="3" name="Subtitle 2"/>
-          <p:cNvSpPr>
-            <a:spLocks noGrp="1"/>
-          </p:cNvSpPr>
-          <p:nvPr>
-            <p:ph idx="1"/>
-          </p:nvPr>
-        </p:nvSpPr>
-        <p:spPr>
-          <a:xfrm>
-            <a:off x="381000" y="990600"/>
-            <a:ext cx="8382000" cy="5029200"/>
-          </a:xfrm>
-        </p:spPr>
-        <p:txBody>
-          <a:bodyPr rtlCol="0">
-            <a:normAutofit/>
-          </a:bodyPr>
-          <a:lstStyle/>
-          <a:p>
-            <a:pPr marL="514350" indent="-514350" eaLnBrk="1" fontAlgn="auto" hangingPunct="1">
-              <a:spcAft>
-                <a:spcPts val="0"/>
-              </a:spcAft>
-              <a:defRPr/>
-            </a:pPr>
-            <a:r>
-              <a:rPr lang="en-US" sz="2600" dirty="0" smtClean="0">
-                <a:latin typeface="+mj-lt"/>
-              </a:rPr>
-              <a:t>Configuration functions are part of the HyperLink example in the PDK release and can be used “as is” or be modified by users.</a:t>
-            </a:r>
-          </a:p>
-          <a:p>
-            <a:pPr marL="514350" indent="-514350" eaLnBrk="1" fontAlgn="auto" hangingPunct="1">
-              <a:spcAft>
-                <a:spcPts val="0"/>
-              </a:spcAft>
-              <a:buNone/>
-              <a:defRPr/>
-            </a:pPr>
-            <a:endParaRPr lang="en-US" sz="1500" i="1" dirty="0" smtClean="0">
-              <a:latin typeface="+mj-lt"/>
-            </a:endParaRPr>
-          </a:p>
-          <a:p>
-            <a:pPr marL="514350" indent="-514350" eaLnBrk="1" fontAlgn="auto" hangingPunct="1">
-              <a:spcAft>
-                <a:spcPts val="0"/>
-              </a:spcAft>
-              <a:buNone/>
-              <a:defRPr/>
-            </a:pPr>
-            <a:r>
-              <a:rPr lang="en-US" sz="1500" i="1" dirty="0" smtClean="0">
-                <a:latin typeface="+mj-lt"/>
-              </a:rPr>
-              <a:t>                       </a:t>
-            </a:r>
-            <a:r>
-              <a:rPr lang="en-US" sz="1500" b="1" dirty="0" smtClean="0">
-                <a:latin typeface="Courier New" pitchFamily="49" charset="0"/>
-                <a:cs typeface="Courier New" pitchFamily="49" charset="0"/>
-              </a:rPr>
-              <a:t>PDK_INSTALL_PATH\</a:t>
-            </a:r>
-            <a:r>
-              <a:rPr lang="en-US" sz="1500" b="1" dirty="0" err="1" smtClean="0">
-                <a:latin typeface="Courier New" pitchFamily="49" charset="0"/>
-                <a:cs typeface="Courier New" pitchFamily="49" charset="0"/>
-              </a:rPr>
-              <a:t>ti</a:t>
-            </a:r>
-            <a:r>
-              <a:rPr lang="en-US" sz="1500" b="1" dirty="0" smtClean="0">
-                <a:latin typeface="Courier New" pitchFamily="49" charset="0"/>
-                <a:cs typeface="Courier New" pitchFamily="49" charset="0"/>
-              </a:rPr>
-              <a:t>\</a:t>
-            </a:r>
-            <a:r>
-              <a:rPr lang="en-US" sz="1500" b="1" dirty="0" err="1" smtClean="0">
-                <a:latin typeface="Courier New" pitchFamily="49" charset="0"/>
-                <a:cs typeface="Courier New" pitchFamily="49" charset="0"/>
-              </a:rPr>
-              <a:t>drv</a:t>
-            </a:r>
-            <a:r>
-              <a:rPr lang="en-US" sz="1500" b="1" dirty="0" smtClean="0">
-                <a:latin typeface="Courier New" pitchFamily="49" charset="0"/>
-                <a:cs typeface="Courier New" pitchFamily="49" charset="0"/>
-              </a:rPr>
-              <a:t>\</a:t>
-            </a:r>
-            <a:r>
-              <a:rPr lang="en-US" sz="1500" b="1" dirty="0" err="1" smtClean="0">
-                <a:latin typeface="Courier New" pitchFamily="49" charset="0"/>
-                <a:cs typeface="Courier New" pitchFamily="49" charset="0"/>
-              </a:rPr>
-              <a:t>hyplnk</a:t>
-            </a:r>
-            <a:r>
-              <a:rPr lang="en-US" sz="1500" b="1" dirty="0" smtClean="0">
-                <a:latin typeface="Courier New" pitchFamily="49" charset="0"/>
-                <a:cs typeface="Courier New" pitchFamily="49" charset="0"/>
-              </a:rPr>
-              <a:t>\example\common\</a:t>
-            </a:r>
-            <a:r>
-              <a:rPr lang="en-US" sz="1500" b="1" dirty="0" err="1" smtClean="0">
-                <a:latin typeface="Courier New" pitchFamily="49" charset="0"/>
-                <a:cs typeface="Courier New" pitchFamily="49" charset="0"/>
-              </a:rPr>
-              <a:t>hyplnkLLDIFace.c</a:t>
-            </a:r>
-            <a:endParaRPr lang="en-US" sz="1500" b="1" dirty="0" smtClean="0">
-              <a:latin typeface="Courier New" pitchFamily="49" charset="0"/>
-              <a:cs typeface="Courier New" pitchFamily="49" charset="0"/>
-            </a:endParaRPr>
-          </a:p>
-          <a:p>
-            <a:pPr marL="811213" lvl="1" indent="-514350" eaLnBrk="1" fontAlgn="auto" hangingPunct="1">
-              <a:spcAft>
-                <a:spcPts val="0"/>
-              </a:spcAft>
-              <a:buFont typeface="Arial" pitchFamily="34" charset="0"/>
-              <a:buNone/>
-              <a:defRPr/>
-            </a:pPr>
-            <a:endParaRPr lang="en-US" sz="2600" dirty="0" smtClean="0">
-              <a:latin typeface="+mj-lt"/>
-            </a:endParaRPr>
-          </a:p>
-          <a:p>
-            <a:pPr marL="514350" lvl="1" indent="-514350" eaLnBrk="1" fontAlgn="auto" hangingPunct="1">
-              <a:spcAft>
-                <a:spcPts val="0"/>
-              </a:spcAft>
-              <a:buFont typeface="Arial" charset="0"/>
-              <a:buChar char="•"/>
-              <a:defRPr/>
-            </a:pPr>
-            <a:r>
-              <a:rPr lang="en-US" sz="2600" dirty="0" smtClean="0">
-                <a:latin typeface="+mj-lt"/>
-                <a:ea typeface="+mn-ea"/>
-                <a:cs typeface="+mn-cs"/>
-              </a:rPr>
-              <a:t>Some of the configuration functions are:</a:t>
-            </a:r>
-          </a:p>
-          <a:p>
-            <a:pPr marL="811213" lvl="1" indent="-514350" eaLnBrk="1" fontAlgn="auto" hangingPunct="1">
-              <a:spcAft>
-                <a:spcPts val="0"/>
-              </a:spcAft>
-              <a:defRPr/>
-            </a:pPr>
-            <a:r>
-              <a:rPr lang="en-US" sz="1800" dirty="0" err="1" smtClean="0"/>
-              <a:t>hyplnkRet_e</a:t>
-            </a:r>
-            <a:r>
-              <a:rPr lang="en-US" sz="1800" dirty="0" smtClean="0"/>
-              <a:t>     </a:t>
-            </a:r>
-            <a:r>
-              <a:rPr lang="en-US" sz="1800" dirty="0" err="1" smtClean="0"/>
-              <a:t>hyplnkExampleAssertReset</a:t>
-            </a:r>
-            <a:r>
-              <a:rPr lang="en-US" sz="1800" dirty="0" smtClean="0"/>
-              <a:t> (int </a:t>
-            </a:r>
-            <a:r>
-              <a:rPr lang="en-US" sz="1800" u="sng" dirty="0" smtClean="0"/>
-              <a:t>val)</a:t>
-            </a:r>
-          </a:p>
-          <a:p>
-            <a:pPr marL="811213" lvl="1" indent="-514350" eaLnBrk="1" fontAlgn="auto" hangingPunct="1">
-              <a:spcAft>
-                <a:spcPts val="0"/>
-              </a:spcAft>
-              <a:defRPr/>
-            </a:pPr>
-            <a:r>
-              <a:rPr lang="en-US" sz="1800" dirty="0" smtClean="0"/>
-              <a:t>Void	        </a:t>
-            </a:r>
-            <a:r>
-              <a:rPr lang="en-US" sz="1800" dirty="0" err="1" smtClean="0"/>
-              <a:t>hyplnkExampleSerdesCfg</a:t>
-            </a:r>
-            <a:r>
-              <a:rPr lang="en-US" sz="1800" dirty="0" smtClean="0"/>
-              <a:t> (uint32_t rx, uint32_t tx)</a:t>
-            </a:r>
-          </a:p>
-          <a:p>
-            <a:pPr marL="811213" lvl="1" indent="-514350" eaLnBrk="1" fontAlgn="auto" hangingPunct="1">
-              <a:spcAft>
-                <a:spcPts val="0"/>
-              </a:spcAft>
-              <a:defRPr/>
-            </a:pPr>
-            <a:r>
-              <a:rPr lang="en-US" sz="1800" dirty="0" err="1" smtClean="0"/>
-              <a:t>hyplnkRet_e</a:t>
-            </a:r>
-            <a:r>
-              <a:rPr lang="en-US" sz="1800" dirty="0" smtClean="0"/>
-              <a:t>     </a:t>
-            </a:r>
-            <a:r>
-              <a:rPr lang="en-US" sz="1800" dirty="0" err="1" smtClean="0"/>
-              <a:t>hyplnkExampleSysSetup</a:t>
-            </a:r>
-            <a:r>
-              <a:rPr lang="en-US" sz="1800" dirty="0" smtClean="0"/>
-              <a:t> (void)</a:t>
-            </a:r>
-          </a:p>
-          <a:p>
-            <a:pPr marL="811213" lvl="1" indent="-514350" eaLnBrk="1" fontAlgn="auto" hangingPunct="1">
-              <a:spcAft>
-                <a:spcPts val="0"/>
-              </a:spcAft>
-              <a:defRPr/>
-            </a:pPr>
-            <a:r>
-              <a:rPr lang="en-US" sz="1800" dirty="0" smtClean="0"/>
-              <a:t>Void	        </a:t>
-            </a:r>
-            <a:r>
-              <a:rPr lang="en-US" sz="1800" dirty="0" err="1" smtClean="0"/>
-              <a:t>hyplnkExampleEQLaneAnalysis</a:t>
-            </a:r>
-            <a:r>
-              <a:rPr lang="en-US" sz="1800" dirty="0" smtClean="0"/>
-              <a:t> (uint32_t lane, uint32_t status) </a:t>
-            </a:r>
-          </a:p>
-          <a:p>
-            <a:pPr marL="811213" lvl="1" indent="-514350" eaLnBrk="1" fontAlgn="auto" hangingPunct="1">
-              <a:spcAft>
-                <a:spcPts val="0"/>
-              </a:spcAft>
-              <a:defRPr/>
-            </a:pPr>
-            <a:r>
-              <a:rPr lang="en-US" sz="1800" dirty="0" err="1" smtClean="0"/>
-              <a:t>hyplnkRet_e</a:t>
-            </a:r>
-            <a:r>
-              <a:rPr lang="en-US" sz="1800" dirty="0" smtClean="0"/>
-              <a:t>     </a:t>
-            </a:r>
-            <a:r>
-              <a:rPr lang="en-US" sz="1800" dirty="0" err="1" smtClean="0"/>
-              <a:t>hyplnkExamplePeriphSetup</a:t>
-            </a:r>
-            <a:r>
-              <a:rPr lang="en-US" sz="1800" dirty="0" smtClean="0"/>
-              <a:t> (void)</a:t>
-            </a:r>
-            <a:endParaRPr lang="en-US" sz="1800" dirty="0" smtClean="0">
-              <a:latin typeface="+mj-lt"/>
-            </a:endParaRPr>
-          </a:p>
-        </p:txBody>
-      </p:sp>
-    </p:spTree>
-  </p:cSld>
-  <p:clrMapOvr>
-    <a:masterClrMapping/>
-  </p:clrMapOvr>
-  <p:timing>
-    <p:tnLst>
-      <p:par>
-        <p:cTn id="1" dur="indefinite" restart="never" nodeType="tmRoot"/>
-      </p:par>
-    </p:tnLst>
-  </p:timing>
-</p:sld>
-</file>
-
-<file path=ppt/slides/slide46.xml><?xml version="1.0" encoding="utf-8"?>
-<p:sld xmlns:a="http://schemas.openxmlformats.org/drawingml/2006/main" xmlns:r="http://schemas.openxmlformats.org/officeDocument/2006/relationships" xmlns:p="http://schemas.openxmlformats.org/presentationml/2006/main">
-  <p:cSld>
-    <p:spTree>
-      <p:nvGrpSpPr>
-        <p:cNvPr id="1" name=""/>
-        <p:cNvGrpSpPr/>
-        <p:nvPr/>
-      </p:nvGrpSpPr>
-      <p:grpSpPr>
-        <a:xfrm>
-          <a:off x="0" y="0"/>
-          <a:ext cx="0" cy="0"/>
-          <a:chOff x="0" y="0"/>
-          <a:chExt cx="0" cy="0"/>
-        </a:xfrm>
-      </p:grpSpPr>
-      <p:sp>
-        <p:nvSpPr>
-          <p:cNvPr id="4" name="Rectangle 3"/>
-          <p:cNvSpPr/>
-          <p:nvPr/>
-        </p:nvSpPr>
-        <p:spPr>
-          <a:xfrm>
-            <a:off x="1066800" y="1371600"/>
-            <a:ext cx="6553200" cy="4832092"/>
-          </a:xfrm>
-          <a:prstGeom prst="rect">
-            <a:avLst/>
-          </a:prstGeom>
-        </p:spPr>
-        <p:txBody>
-          <a:bodyPr wrap="square">
-            <a:spAutoFit/>
-          </a:bodyPr>
-          <a:lstStyle/>
-          <a:p>
-            <a:r>
-              <a:rPr lang="en-US" sz="1400" b="1" dirty="0" smtClean="0">
-                <a:latin typeface="Courier New" pitchFamily="49" charset="0"/>
-                <a:cs typeface="Courier New" pitchFamily="49" charset="0"/>
-              </a:rPr>
-              <a:t>/*****************************************************************************</a:t>
-            </a:r>
-          </a:p>
-          <a:p>
-            <a:r>
-              <a:rPr lang="en-US" sz="1400" b="1" dirty="0" smtClean="0">
-                <a:latin typeface="Courier New" pitchFamily="49" charset="0"/>
-                <a:cs typeface="Courier New" pitchFamily="49" charset="0"/>
-              </a:rPr>
-              <a:t> * Sets the SERDES configuration registers</a:t>
-            </a:r>
-          </a:p>
-          <a:p>
-            <a:r>
-              <a:rPr lang="en-US" sz="1400" b="1" dirty="0" smtClean="0">
-                <a:latin typeface="Courier New" pitchFamily="49" charset="0"/>
-                <a:cs typeface="Courier New" pitchFamily="49" charset="0"/>
-              </a:rPr>
-              <a:t> ****************************************************************************/</a:t>
-            </a:r>
-          </a:p>
-          <a:p>
-            <a:r>
-              <a:rPr lang="en-US" sz="1400" b="1" dirty="0" smtClean="0">
-                <a:latin typeface="Courier New" pitchFamily="49" charset="0"/>
-                <a:cs typeface="Courier New" pitchFamily="49" charset="0"/>
-              </a:rPr>
-              <a:t>void hyplnkExampleSerdesCfg (uint32_t rx, uint32_t tx)</a:t>
-            </a:r>
-          </a:p>
-          <a:p>
-            <a:r>
-              <a:rPr lang="en-US" sz="1400" b="1" dirty="0" smtClean="0">
-                <a:latin typeface="Courier New" pitchFamily="49" charset="0"/>
-                <a:cs typeface="Courier New" pitchFamily="49" charset="0"/>
-              </a:rPr>
-              <a:t>{</a:t>
-            </a:r>
-          </a:p>
-          <a:p>
-            <a:r>
-              <a:rPr lang="en-US" sz="1400" b="1" dirty="0" smtClean="0">
-                <a:latin typeface="Courier New" pitchFamily="49" charset="0"/>
-                <a:cs typeface="Courier New" pitchFamily="49" charset="0"/>
-              </a:rPr>
-              <a:t>  CSL_BootCfgUnlockKicker();</a:t>
-            </a:r>
-          </a:p>
-          <a:p>
-            <a:endParaRPr lang="en-US" sz="1400" b="1" dirty="0" smtClean="0">
-              <a:latin typeface="Courier New" pitchFamily="49" charset="0"/>
-              <a:cs typeface="Courier New" pitchFamily="49" charset="0"/>
-            </a:endParaRPr>
-          </a:p>
-          <a:p>
-            <a:r>
-              <a:rPr lang="en-US" sz="1400" b="1" dirty="0" smtClean="0">
-                <a:latin typeface="Courier New" pitchFamily="49" charset="0"/>
-                <a:cs typeface="Courier New" pitchFamily="49" charset="0"/>
-              </a:rPr>
-              <a:t>  </a:t>
-            </a:r>
-            <a:r>
-              <a:rPr lang="en-US" sz="1400" b="1" dirty="0" err="1" smtClean="0">
-                <a:latin typeface="Courier New" pitchFamily="49" charset="0"/>
-                <a:cs typeface="Courier New" pitchFamily="49" charset="0"/>
-              </a:rPr>
-              <a:t>CSL_BootCfgSetVUSRRxConfig</a:t>
-            </a:r>
-            <a:r>
-              <a:rPr lang="en-US" sz="1400" b="1" dirty="0" smtClean="0">
-                <a:latin typeface="Courier New" pitchFamily="49" charset="0"/>
-                <a:cs typeface="Courier New" pitchFamily="49" charset="0"/>
-              </a:rPr>
-              <a:t> (0, rx);</a:t>
-            </a:r>
-          </a:p>
-          <a:p>
-            <a:r>
-              <a:rPr lang="en-US" sz="1400" b="1" dirty="0" smtClean="0">
-                <a:latin typeface="Courier New" pitchFamily="49" charset="0"/>
-                <a:cs typeface="Courier New" pitchFamily="49" charset="0"/>
-              </a:rPr>
-              <a:t>  </a:t>
-            </a:r>
-            <a:r>
-              <a:rPr lang="en-US" sz="1400" b="1" dirty="0" err="1" smtClean="0">
-                <a:latin typeface="Courier New" pitchFamily="49" charset="0"/>
-                <a:cs typeface="Courier New" pitchFamily="49" charset="0"/>
-              </a:rPr>
-              <a:t>CSL_BootCfgSetVUSRRxConfig</a:t>
-            </a:r>
-            <a:r>
-              <a:rPr lang="en-US" sz="1400" b="1" dirty="0" smtClean="0">
-                <a:latin typeface="Courier New" pitchFamily="49" charset="0"/>
-                <a:cs typeface="Courier New" pitchFamily="49" charset="0"/>
-              </a:rPr>
-              <a:t> (1, rx);</a:t>
-            </a:r>
-          </a:p>
-          <a:p>
-            <a:r>
-              <a:rPr lang="en-US" sz="1400" b="1" dirty="0" smtClean="0">
-                <a:latin typeface="Courier New" pitchFamily="49" charset="0"/>
-                <a:cs typeface="Courier New" pitchFamily="49" charset="0"/>
-              </a:rPr>
-              <a:t>  </a:t>
-            </a:r>
-            <a:r>
-              <a:rPr lang="en-US" sz="1400" b="1" dirty="0" err="1" smtClean="0">
-                <a:latin typeface="Courier New" pitchFamily="49" charset="0"/>
-                <a:cs typeface="Courier New" pitchFamily="49" charset="0"/>
-              </a:rPr>
-              <a:t>CSL_BootCfgSetVUSRRxConfig</a:t>
-            </a:r>
-            <a:r>
-              <a:rPr lang="en-US" sz="1400" b="1" dirty="0" smtClean="0">
-                <a:latin typeface="Courier New" pitchFamily="49" charset="0"/>
-                <a:cs typeface="Courier New" pitchFamily="49" charset="0"/>
-              </a:rPr>
-              <a:t> (2, rx);</a:t>
-            </a:r>
-          </a:p>
-          <a:p>
-            <a:r>
-              <a:rPr lang="en-US" sz="1400" b="1" dirty="0" smtClean="0">
-                <a:latin typeface="Courier New" pitchFamily="49" charset="0"/>
-                <a:cs typeface="Courier New" pitchFamily="49" charset="0"/>
-              </a:rPr>
-              <a:t>  </a:t>
-            </a:r>
-            <a:r>
-              <a:rPr lang="en-US" sz="1400" b="1" dirty="0" err="1" smtClean="0">
-                <a:latin typeface="Courier New" pitchFamily="49" charset="0"/>
-                <a:cs typeface="Courier New" pitchFamily="49" charset="0"/>
-              </a:rPr>
-              <a:t>CSL_BootCfgSetVUSRRxConfig</a:t>
-            </a:r>
-            <a:r>
-              <a:rPr lang="en-US" sz="1400" b="1" dirty="0" smtClean="0">
-                <a:latin typeface="Courier New" pitchFamily="49" charset="0"/>
-                <a:cs typeface="Courier New" pitchFamily="49" charset="0"/>
-              </a:rPr>
-              <a:t> (3, rx);</a:t>
-            </a:r>
-          </a:p>
-          <a:p>
-            <a:endParaRPr lang="en-US" sz="1400" b="1" dirty="0" smtClean="0">
-              <a:latin typeface="Courier New" pitchFamily="49" charset="0"/>
-              <a:cs typeface="Courier New" pitchFamily="49" charset="0"/>
-            </a:endParaRPr>
-          </a:p>
-          <a:p>
-            <a:r>
-              <a:rPr lang="en-US" sz="1400" b="1" dirty="0" smtClean="0">
-                <a:latin typeface="Courier New" pitchFamily="49" charset="0"/>
-                <a:cs typeface="Courier New" pitchFamily="49" charset="0"/>
-              </a:rPr>
-              <a:t>  </a:t>
-            </a:r>
-            <a:r>
-              <a:rPr lang="en-US" sz="1400" b="1" dirty="0" err="1" smtClean="0">
-                <a:latin typeface="Courier New" pitchFamily="49" charset="0"/>
-                <a:cs typeface="Courier New" pitchFamily="49" charset="0"/>
-              </a:rPr>
-              <a:t>CSL_BootCfgSetVUSRTxConfig</a:t>
-            </a:r>
-            <a:r>
-              <a:rPr lang="en-US" sz="1400" b="1" dirty="0" smtClean="0">
-                <a:latin typeface="Courier New" pitchFamily="49" charset="0"/>
-                <a:cs typeface="Courier New" pitchFamily="49" charset="0"/>
-              </a:rPr>
-              <a:t> (0, tx);</a:t>
-            </a:r>
-          </a:p>
-          <a:p>
-            <a:r>
-              <a:rPr lang="en-US" sz="1400" b="1" dirty="0" smtClean="0">
-                <a:latin typeface="Courier New" pitchFamily="49" charset="0"/>
-                <a:cs typeface="Courier New" pitchFamily="49" charset="0"/>
-              </a:rPr>
-              <a:t>  </a:t>
-            </a:r>
-            <a:r>
-              <a:rPr lang="en-US" sz="1400" b="1" dirty="0" err="1" smtClean="0">
-                <a:latin typeface="Courier New" pitchFamily="49" charset="0"/>
-                <a:cs typeface="Courier New" pitchFamily="49" charset="0"/>
-              </a:rPr>
-              <a:t>CSL_BootCfgSetVUSRTxConfig</a:t>
-            </a:r>
-            <a:r>
-              <a:rPr lang="en-US" sz="1400" b="1" dirty="0" smtClean="0">
-                <a:latin typeface="Courier New" pitchFamily="49" charset="0"/>
-                <a:cs typeface="Courier New" pitchFamily="49" charset="0"/>
-              </a:rPr>
-              <a:t> (1, tx);</a:t>
-            </a:r>
-          </a:p>
-          <a:p>
-            <a:r>
-              <a:rPr lang="en-US" sz="1400" b="1" dirty="0" smtClean="0">
-                <a:latin typeface="Courier New" pitchFamily="49" charset="0"/>
-                <a:cs typeface="Courier New" pitchFamily="49" charset="0"/>
-              </a:rPr>
-              <a:t>  </a:t>
-            </a:r>
-            <a:r>
-              <a:rPr lang="en-US" sz="1400" b="1" dirty="0" err="1" smtClean="0">
-                <a:latin typeface="Courier New" pitchFamily="49" charset="0"/>
-                <a:cs typeface="Courier New" pitchFamily="49" charset="0"/>
-              </a:rPr>
-              <a:t>CSL_BootCfgSetVUSRTxConfig</a:t>
-            </a:r>
-            <a:r>
-              <a:rPr lang="en-US" sz="1400" b="1" dirty="0" smtClean="0">
-                <a:latin typeface="Courier New" pitchFamily="49" charset="0"/>
-                <a:cs typeface="Courier New" pitchFamily="49" charset="0"/>
-              </a:rPr>
-              <a:t> (2, tx);</a:t>
-            </a:r>
-          </a:p>
-          <a:p>
-            <a:r>
-              <a:rPr lang="en-US" sz="1400" b="1" dirty="0" smtClean="0">
-                <a:latin typeface="Courier New" pitchFamily="49" charset="0"/>
-                <a:cs typeface="Courier New" pitchFamily="49" charset="0"/>
-              </a:rPr>
-              <a:t>  </a:t>
-            </a:r>
-            <a:r>
-              <a:rPr lang="en-US" sz="1400" b="1" dirty="0" err="1" smtClean="0">
-                <a:latin typeface="Courier New" pitchFamily="49" charset="0"/>
-                <a:cs typeface="Courier New" pitchFamily="49" charset="0"/>
-              </a:rPr>
-              <a:t>CSL_BootCfgSetVUSRTxConfig</a:t>
-            </a:r>
-            <a:r>
-              <a:rPr lang="en-US" sz="1400" b="1" dirty="0" smtClean="0">
-                <a:latin typeface="Courier New" pitchFamily="49" charset="0"/>
-                <a:cs typeface="Courier New" pitchFamily="49" charset="0"/>
-              </a:rPr>
-              <a:t> (3, tx);</a:t>
-            </a:r>
-          </a:p>
-          <a:p>
-            <a:endParaRPr lang="en-US" sz="1400" b="1" dirty="0" smtClean="0">
-              <a:latin typeface="Courier New" pitchFamily="49" charset="0"/>
-              <a:cs typeface="Courier New" pitchFamily="49" charset="0"/>
-            </a:endParaRPr>
-          </a:p>
-          <a:p>
-            <a:r>
-              <a:rPr lang="en-US" sz="1400" b="1" dirty="0" smtClean="0">
-                <a:latin typeface="Courier New" pitchFamily="49" charset="0"/>
-                <a:cs typeface="Courier New" pitchFamily="49" charset="0"/>
-              </a:rPr>
-              <a:t>  </a:t>
-            </a:r>
-          </a:p>
-          <a:p>
-            <a:r>
-              <a:rPr lang="en-US" sz="1400" b="1" dirty="0" smtClean="0">
-                <a:latin typeface="Courier New" pitchFamily="49" charset="0"/>
-                <a:cs typeface="Courier New" pitchFamily="49" charset="0"/>
-              </a:rPr>
-              <a:t>} /* hyplnkExampleSerdesCfg */</a:t>
-            </a:r>
-            <a:endParaRPr lang="en-US" sz="1400" b="1" dirty="0">
-              <a:latin typeface="Courier New" pitchFamily="49" charset="0"/>
-              <a:cs typeface="Courier New" pitchFamily="49" charset="0"/>
-            </a:endParaRPr>
-          </a:p>
-        </p:txBody>
-      </p:sp>
-      <p:sp>
-        <p:nvSpPr>
-          <p:cNvPr id="5" name="Title 1"/>
-          <p:cNvSpPr txBox="1">
-            <a:spLocks/>
-          </p:cNvSpPr>
-          <p:nvPr/>
-        </p:nvSpPr>
-        <p:spPr>
-          <a:xfrm>
-            <a:off x="457200" y="152400"/>
-            <a:ext cx="8229600" cy="685800"/>
-          </a:xfrm>
-          <a:prstGeom prst="rect">
-            <a:avLst/>
-          </a:prstGeom>
-        </p:spPr>
-        <p:txBody>
-          <a:bodyPr/>
-          <a:lstStyle/>
-          <a:p>
-            <a:pPr marL="0" marR="0" lvl="0" indent="0" algn="ctr" defTabSz="914400" rtl="0" eaLnBrk="1" fontAlgn="base" latinLnBrk="0" hangingPunct="1">
-              <a:lnSpc>
-                <a:spcPct val="100000"/>
-              </a:lnSpc>
-              <a:spcBef>
-                <a:spcPct val="0"/>
-              </a:spcBef>
-              <a:spcAft>
-                <a:spcPct val="0"/>
-              </a:spcAft>
-              <a:buClrTx/>
-              <a:buSzTx/>
-              <a:buFontTx/>
-              <a:buNone/>
-              <a:tabLst/>
-              <a:defRPr/>
-            </a:pPr>
-            <a:r>
-              <a:rPr kumimoji="0" lang="en-US" sz="4400" b="0" i="0" u="none" strike="noStrike" kern="0" cap="none" spc="0" normalizeH="0" baseline="0" noProof="0" dirty="0" smtClean="0">
-                <a:ln>
-                  <a:noFill/>
-                </a:ln>
-                <a:solidFill>
-                  <a:schemeClr val="tx1"/>
-                </a:solidFill>
-                <a:effectLst/>
-                <a:uLnTx/>
-                <a:uFillTx/>
-                <a:latin typeface="+mj-lt"/>
-                <a:ea typeface="+mj-ea"/>
-                <a:cs typeface="+mj-cs"/>
-              </a:rPr>
-              <a:t>Example:</a:t>
-            </a:r>
-            <a:r>
-              <a:rPr kumimoji="0" lang="en-US" sz="4400" b="0" i="0" u="none" strike="noStrike" kern="0" cap="none" spc="0" normalizeH="0" noProof="0" dirty="0" smtClean="0">
-                <a:ln>
-                  <a:noFill/>
-                </a:ln>
-                <a:solidFill>
-                  <a:schemeClr val="tx1"/>
-                </a:solidFill>
-                <a:effectLst/>
-                <a:uLnTx/>
-                <a:uFillTx/>
-                <a:latin typeface="+mj-lt"/>
-                <a:ea typeface="+mj-ea"/>
-                <a:cs typeface="+mj-cs"/>
-              </a:rPr>
-              <a:t> </a:t>
-            </a:r>
-            <a:r>
-              <a:rPr kumimoji="0" lang="en-US" sz="4400" b="0" i="0" u="none" strike="noStrike" kern="0" cap="none" spc="0" normalizeH="0" baseline="0" noProof="0" dirty="0" smtClean="0">
-                <a:ln>
-                  <a:noFill/>
-                </a:ln>
-                <a:solidFill>
-                  <a:schemeClr val="tx1"/>
-                </a:solidFill>
-                <a:effectLst/>
-                <a:uLnTx/>
-                <a:uFillTx/>
-                <a:latin typeface="+mj-lt"/>
-                <a:ea typeface="+mj-ea"/>
-                <a:cs typeface="+mj-cs"/>
-              </a:rPr>
-              <a:t>Configuration Function</a:t>
-            </a:r>
-          </a:p>
-        </p:txBody>
-      </p:sp>
-    </p:spTree>
-  </p:cSld>
-  <p:clrMapOvr>
-    <a:masterClrMapping/>
-  </p:clrMapOvr>
-  <p:timing>
-    <p:tnLst>
-      <p:par>
-        <p:cTn id="1" dur="indefinite" restart="never" nodeType="tmRoot"/>
-      </p:par>
-    </p:tnLst>
-  </p:timing>
-</p:sld>
-</file>
-
-<file path=ppt/slides/slide47.xml><?xml version="1.0" encoding="utf-8"?>
-<p:sld xmlns:a="http://schemas.openxmlformats.org/drawingml/2006/main" xmlns:r="http://schemas.openxmlformats.org/officeDocument/2006/relationships" xmlns:p="http://schemas.openxmlformats.org/presentationml/2006/main">
-  <p:cSld>
-    <p:spTree>
-      <p:nvGrpSpPr>
-        <p:cNvPr id="1" name=""/>
-        <p:cNvGrpSpPr/>
-        <p:nvPr/>
-      </p:nvGrpSpPr>
-      <p:grpSpPr>
-        <a:xfrm>
-          <a:off x="0" y="0"/>
-          <a:ext cx="0" cy="0"/>
-          <a:chOff x="0" y="0"/>
-          <a:chExt cx="0" cy="0"/>
-        </a:xfrm>
-      </p:grpSpPr>
-      <p:sp>
-        <p:nvSpPr>
-          <p:cNvPr id="43010" name="Title 1"/>
-          <p:cNvSpPr>
-            <a:spLocks noGrp="1"/>
-          </p:cNvSpPr>
-          <p:nvPr>
-            <p:ph type="title"/>
-          </p:nvPr>
-        </p:nvSpPr>
-        <p:spPr/>
-        <p:txBody>
-          <a:bodyPr/>
-          <a:lstStyle/>
-          <a:p>
-            <a:pPr eaLnBrk="1" hangingPunct="1"/>
-            <a:r>
-              <a:rPr lang="en-US" b="0" dirty="0" smtClean="0"/>
-              <a:t>Agenda</a:t>
-            </a:r>
-          </a:p>
-        </p:txBody>
-      </p:sp>
-      <p:sp>
-        <p:nvSpPr>
-          <p:cNvPr id="3" name="Subtitle 2"/>
-          <p:cNvSpPr>
-            <a:spLocks noGrp="1"/>
-          </p:cNvSpPr>
-          <p:nvPr>
-            <p:ph idx="1"/>
-          </p:nvPr>
-        </p:nvSpPr>
-        <p:spPr>
-          <a:xfrm>
-            <a:off x="457200" y="990600"/>
-            <a:ext cx="8229600" cy="3429000"/>
-          </a:xfrm>
-        </p:spPr>
-        <p:txBody>
-          <a:bodyPr rtlCol="0">
-            <a:normAutofit/>
-          </a:bodyPr>
-          <a:lstStyle/>
-          <a:p>
-            <a:pPr marL="514350" indent="-514350" eaLnBrk="1" fontAlgn="auto" hangingPunct="1">
-              <a:spcAft>
-                <a:spcPts val="0"/>
-              </a:spcAft>
-              <a:buFont typeface="+mj-lt"/>
-              <a:buAutoNum type="arabicPeriod"/>
-              <a:defRPr/>
-            </a:pPr>
-            <a:r>
-              <a:rPr lang="en-US" dirty="0" smtClean="0">
-                <a:latin typeface="+mj-lt"/>
-              </a:rPr>
-              <a:t>HyperLink Overview</a:t>
-            </a:r>
-          </a:p>
-          <a:p>
-            <a:pPr marL="514350" indent="-514350" eaLnBrk="1" fontAlgn="auto" hangingPunct="1">
-              <a:spcAft>
-                <a:spcPts val="0"/>
-              </a:spcAft>
-              <a:buFont typeface="+mj-lt"/>
-              <a:buAutoNum type="arabicPeriod"/>
-              <a:defRPr/>
-            </a:pPr>
-            <a:r>
-              <a:rPr lang="en-US" dirty="0" smtClean="0">
-                <a:latin typeface="+mj-lt"/>
-              </a:rPr>
-              <a:t>Address Translation</a:t>
-            </a:r>
-          </a:p>
-          <a:p>
-            <a:pPr marL="514350" indent="-514350" eaLnBrk="1" fontAlgn="auto" hangingPunct="1">
-              <a:spcAft>
-                <a:spcPts val="0"/>
-              </a:spcAft>
-              <a:buFont typeface="+mj-lt"/>
-              <a:buAutoNum type="arabicPeriod"/>
-              <a:defRPr/>
-            </a:pPr>
-            <a:r>
-              <a:rPr lang="en-US" dirty="0" smtClean="0">
-                <a:latin typeface="+mj-lt"/>
-              </a:rPr>
-              <a:t>Configuration</a:t>
-            </a:r>
-          </a:p>
-          <a:p>
-            <a:pPr marL="514350" indent="-514350" eaLnBrk="1" fontAlgn="auto" hangingPunct="1">
-              <a:spcAft>
-                <a:spcPts val="0"/>
-              </a:spcAft>
-              <a:buFont typeface="+mj-lt"/>
-              <a:buAutoNum type="arabicPeriod"/>
-              <a:defRPr/>
-            </a:pPr>
-            <a:r>
-              <a:rPr lang="en-US" b="1" dirty="0" smtClean="0">
-                <a:latin typeface="+mj-lt"/>
-              </a:rPr>
-              <a:t>Example and Demo</a:t>
-            </a:r>
-          </a:p>
-        </p:txBody>
-      </p:sp>
-    </p:spTree>
-  </p:cSld>
-  <p:clrMapOvr>
-    <a:masterClrMapping/>
-  </p:clrMapOvr>
-  <p:timing>
-    <p:tnLst>
-      <p:par>
-        <p:cTn id="1" dur="indefinite" restart="never" nodeType="tmRoot"/>
-      </p:par>
-    </p:tnLst>
-  </p:timing>
-</p:sld>
-</file>
-
-<file path=ppt/slides/slide48.xml><?xml version="1.0" encoding="utf-8"?>
-<p:sld xmlns:a="http://schemas.openxmlformats.org/drawingml/2006/main" xmlns:r="http://schemas.openxmlformats.org/officeDocument/2006/relationships" xmlns:p="http://schemas.openxmlformats.org/presentationml/2006/main">
-  <p:cSld>
-    <p:spTree>
-      <p:nvGrpSpPr>
-        <p:cNvPr id="1" name=""/>
-        <p:cNvGrpSpPr/>
-        <p:nvPr/>
-      </p:nvGrpSpPr>
-      <p:grpSpPr>
-        <a:xfrm>
-          <a:off x="0" y="0"/>
-          <a:ext cx="0" cy="0"/>
-          <a:chOff x="0" y="0"/>
-          <a:chExt cx="0" cy="0"/>
-        </a:xfrm>
-      </p:grpSpPr>
-      <p:sp>
-        <p:nvSpPr>
           <p:cNvPr id="44034" name="Title 1"/>
           <p:cNvSpPr>
             <a:spLocks noGrp="1"/>
@@ -50202,10 +48687,6 @@
               </a:rPr>
               <a:t>pdk_C6678_1_0_0_19\packages\ti\drv\exampleProjects\hyplnk_exampleProject</a:t>
             </a:r>
-            <a:endParaRPr lang="en-US" sz="1400" b="1" dirty="0" smtClean="0">
-              <a:latin typeface="Courier New" pitchFamily="49" charset="0"/>
-              <a:cs typeface="Courier New" pitchFamily="49" charset="0"/>
-            </a:endParaRPr>
           </a:p>
           <a:p>
             <a:pPr marL="514350" indent="-514350" eaLnBrk="1" fontAlgn="auto" hangingPunct="1">
@@ -50272,7 +48753,7 @@
 </p:sld>
 </file>
 
-<file path=ppt/slides/slide49.xml><?xml version="1.0" encoding="utf-8"?>
+<file path=ppt/slides/slide46.xml><?xml version="1.0" encoding="utf-8"?>
 <p:sld xmlns:a="http://schemas.openxmlformats.org/drawingml/2006/main" xmlns:r="http://schemas.openxmlformats.org/officeDocument/2006/relationships" xmlns:p="http://schemas.openxmlformats.org/presentationml/2006/main">
   <p:cSld>
     <p:spTree>

--- a/slides/Intro to Hyperlink.pptx
+++ b/slides/Intro to Hyperlink.pptx
@@ -5,7 +5,7 @@
     <p:sldMasterId id="2147483660" r:id="rId1"/>
   </p:sldMasterIdLst>
   <p:notesMasterIdLst>
-    <p:notesMasterId r:id="rId48"/>
+    <p:notesMasterId r:id="rId49"/>
   </p:notesMasterIdLst>
   <p:sldIdLst>
     <p:sldId id="291" r:id="rId2"/>
@@ -20,45 +20,46 @@
     <p:sldId id="294" r:id="rId11"/>
     <p:sldId id="344" r:id="rId12"/>
     <p:sldId id="320" r:id="rId13"/>
-    <p:sldId id="338" r:id="rId14"/>
-    <p:sldId id="321" r:id="rId15"/>
-    <p:sldId id="309" r:id="rId16"/>
-    <p:sldId id="314" r:id="rId17"/>
-    <p:sldId id="316" r:id="rId18"/>
-    <p:sldId id="358" r:id="rId19"/>
-    <p:sldId id="359" r:id="rId20"/>
-    <p:sldId id="318" r:id="rId21"/>
-    <p:sldId id="317" r:id="rId22"/>
-    <p:sldId id="356" r:id="rId23"/>
-    <p:sldId id="322" r:id="rId24"/>
-    <p:sldId id="323" r:id="rId25"/>
-    <p:sldId id="325" r:id="rId26"/>
-    <p:sldId id="326" r:id="rId27"/>
-    <p:sldId id="353" r:id="rId28"/>
-    <p:sldId id="354" r:id="rId29"/>
-    <p:sldId id="328" r:id="rId30"/>
-    <p:sldId id="364" r:id="rId31"/>
-    <p:sldId id="332" r:id="rId32"/>
-    <p:sldId id="365" r:id="rId33"/>
-    <p:sldId id="369" r:id="rId34"/>
-    <p:sldId id="366" r:id="rId35"/>
-    <p:sldId id="329" r:id="rId36"/>
-    <p:sldId id="367" r:id="rId37"/>
-    <p:sldId id="330" r:id="rId38"/>
-    <p:sldId id="339" r:id="rId39"/>
-    <p:sldId id="340" r:id="rId40"/>
-    <p:sldId id="352" r:id="rId41"/>
-    <p:sldId id="341" r:id="rId42"/>
-    <p:sldId id="347" r:id="rId43"/>
-    <p:sldId id="363" r:id="rId44"/>
-    <p:sldId id="343" r:id="rId45"/>
-    <p:sldId id="348" r:id="rId46"/>
-    <p:sldId id="293" r:id="rId47"/>
+    <p:sldId id="370" r:id="rId14"/>
+    <p:sldId id="338" r:id="rId15"/>
+    <p:sldId id="321" r:id="rId16"/>
+    <p:sldId id="309" r:id="rId17"/>
+    <p:sldId id="314" r:id="rId18"/>
+    <p:sldId id="316" r:id="rId19"/>
+    <p:sldId id="358" r:id="rId20"/>
+    <p:sldId id="359" r:id="rId21"/>
+    <p:sldId id="318" r:id="rId22"/>
+    <p:sldId id="317" r:id="rId23"/>
+    <p:sldId id="356" r:id="rId24"/>
+    <p:sldId id="322" r:id="rId25"/>
+    <p:sldId id="323" r:id="rId26"/>
+    <p:sldId id="325" r:id="rId27"/>
+    <p:sldId id="326" r:id="rId28"/>
+    <p:sldId id="353" r:id="rId29"/>
+    <p:sldId id="354" r:id="rId30"/>
+    <p:sldId id="328" r:id="rId31"/>
+    <p:sldId id="364" r:id="rId32"/>
+    <p:sldId id="332" r:id="rId33"/>
+    <p:sldId id="365" r:id="rId34"/>
+    <p:sldId id="369" r:id="rId35"/>
+    <p:sldId id="366" r:id="rId36"/>
+    <p:sldId id="329" r:id="rId37"/>
+    <p:sldId id="367" r:id="rId38"/>
+    <p:sldId id="330" r:id="rId39"/>
+    <p:sldId id="339" r:id="rId40"/>
+    <p:sldId id="340" r:id="rId41"/>
+    <p:sldId id="352" r:id="rId42"/>
+    <p:sldId id="341" r:id="rId43"/>
+    <p:sldId id="347" r:id="rId44"/>
+    <p:sldId id="363" r:id="rId45"/>
+    <p:sldId id="343" r:id="rId46"/>
+    <p:sldId id="348" r:id="rId47"/>
+    <p:sldId id="293" r:id="rId48"/>
   </p:sldIdLst>
   <p:sldSz cx="9144000" cy="6858000" type="screen4x3"/>
   <p:notesSz cx="7010400" cy="9296400"/>
   <p:custDataLst>
-    <p:tags r:id="rId49"/>
+    <p:tags r:id="rId50"/>
   </p:custDataLst>
   <p:defaultTextStyle>
     <a:defPPr>
@@ -295,7 +296,7 @@
               <a:pPr>
                 <a:defRPr/>
               </a:pPr>
-              <a:t>4/23/2012</a:t>
+              <a:t>5/9/2012</a:t>
             </a:fld>
             <a:endParaRPr lang="en-US" dirty="0"/>
           </a:p>
@@ -4293,6 +4294,93 @@
                 <a:defRPr/>
               </a:pPr>
               <a:t>46</a:t>
+            </a:fld>
+            <a:endParaRPr lang="en-US" dirty="0"/>
+          </a:p>
+        </p:txBody>
+      </p:sp>
+    </p:spTree>
+  </p:cSld>
+  <p:clrMapOvr>
+    <a:masterClrMapping/>
+  </p:clrMapOvr>
+</p:notes>
+</file>
+
+<file path=ppt/notesSlides/notesSlide47.xml><?xml version="1.0" encoding="utf-8"?>
+<p:notes xmlns:a="http://schemas.openxmlformats.org/drawingml/2006/main" xmlns:r="http://schemas.openxmlformats.org/officeDocument/2006/relationships" xmlns:p="http://schemas.openxmlformats.org/presentationml/2006/main">
+  <p:cSld>
+    <p:spTree>
+      <p:nvGrpSpPr>
+        <p:cNvPr id="1" name=""/>
+        <p:cNvGrpSpPr/>
+        <p:nvPr/>
+      </p:nvGrpSpPr>
+      <p:grpSpPr>
+        <a:xfrm>
+          <a:off x="0" y="0"/>
+          <a:ext cx="0" cy="0"/>
+          <a:chOff x="0" y="0"/>
+          <a:chExt cx="0" cy="0"/>
+        </a:xfrm>
+      </p:grpSpPr>
+      <p:sp>
+        <p:nvSpPr>
+          <p:cNvPr id="2" name="Slide Image Placeholder 1"/>
+          <p:cNvSpPr>
+            <a:spLocks noGrp="1" noRot="1" noChangeAspect="1"/>
+          </p:cNvSpPr>
+          <p:nvPr>
+            <p:ph type="sldImg"/>
+          </p:nvPr>
+        </p:nvSpPr>
+        <p:spPr/>
+      </p:sp>
+      <p:sp>
+        <p:nvSpPr>
+          <p:cNvPr id="3" name="Notes Placeholder 2"/>
+          <p:cNvSpPr>
+            <a:spLocks noGrp="1"/>
+          </p:cNvSpPr>
+          <p:nvPr>
+            <p:ph type="body" idx="1"/>
+          </p:nvPr>
+        </p:nvSpPr>
+        <p:spPr/>
+        <p:txBody>
+          <a:bodyPr>
+            <a:normAutofit/>
+          </a:bodyPr>
+          <a:lstStyle/>
+          <a:p>
+            <a:endParaRPr lang="en-US"/>
+          </a:p>
+        </p:txBody>
+      </p:sp>
+      <p:sp>
+        <p:nvSpPr>
+          <p:cNvPr id="4" name="Slide Number Placeholder 3"/>
+          <p:cNvSpPr>
+            <a:spLocks noGrp="1"/>
+          </p:cNvSpPr>
+          <p:nvPr>
+            <p:ph type="sldNum" sz="quarter" idx="10"/>
+          </p:nvPr>
+        </p:nvSpPr>
+        <p:spPr/>
+        <p:txBody>
+          <a:bodyPr/>
+          <a:lstStyle/>
+          <a:p>
+            <a:pPr>
+              <a:defRPr/>
+            </a:pPr>
+            <a:fld id="{8B2AE985-CEB1-47DB-AC87-FA613AA66B3B}" type="slidenum">
+              <a:rPr lang="en-US" smtClean="0"/>
+              <a:pPr>
+                <a:defRPr/>
+              </a:pPr>
+              <a:t>47</a:t>
             </a:fld>
             <a:endParaRPr lang="en-US" dirty="0"/>
           </a:p>
@@ -6443,6 +6531,162 @@
       </p:grpSpPr>
       <p:sp>
         <p:nvSpPr>
+          <p:cNvPr id="18434" name="Title 1"/>
+          <p:cNvSpPr>
+            <a:spLocks noGrp="1"/>
+          </p:cNvSpPr>
+          <p:nvPr>
+            <p:ph type="title"/>
+          </p:nvPr>
+        </p:nvSpPr>
+        <p:spPr>
+          <a:xfrm>
+            <a:off x="457200" y="228600"/>
+            <a:ext cx="8229600" cy="838200"/>
+          </a:xfrm>
+        </p:spPr>
+        <p:txBody>
+          <a:bodyPr/>
+          <a:lstStyle/>
+          <a:p>
+            <a:pPr eaLnBrk="1" hangingPunct="1"/>
+            <a:r>
+              <a:rPr lang="en-US" sz="3600" b="0" dirty="0" smtClean="0"/>
+              <a:t>HyperLink Interrupts Features</a:t>
+            </a:r>
+            <a:endParaRPr lang="en-US" sz="3600" b="0" dirty="0" smtClean="0"/>
+          </a:p>
+        </p:txBody>
+      </p:sp>
+      <p:sp>
+        <p:nvSpPr>
+          <p:cNvPr id="3" name="Subtitle 2"/>
+          <p:cNvSpPr>
+            <a:spLocks noGrp="1"/>
+          </p:cNvSpPr>
+          <p:nvPr>
+            <p:ph idx="1"/>
+          </p:nvPr>
+        </p:nvSpPr>
+        <p:spPr>
+          <a:xfrm>
+            <a:off x="457200" y="1371600"/>
+            <a:ext cx="8229600" cy="3581400"/>
+          </a:xfrm>
+        </p:spPr>
+        <p:txBody>
+          <a:bodyPr rtlCol="0">
+            <a:normAutofit/>
+          </a:bodyPr>
+          <a:lstStyle/>
+          <a:p>
+            <a:pPr marL="514350" indent="-514350" eaLnBrk="1" fontAlgn="auto" hangingPunct="1">
+              <a:spcAft>
+                <a:spcPts val="0"/>
+              </a:spcAft>
+              <a:defRPr/>
+            </a:pPr>
+            <a:r>
+              <a:rPr lang="en-US" sz="2400" dirty="0" smtClean="0">
+                <a:latin typeface="+mj-lt"/>
+              </a:rPr>
+              <a:t>Detection  - detected an interrupt to the HyperLink local device that was generated either as software interrupt (writing to interrupt register) or as hardware </a:t>
+            </a:r>
+          </a:p>
+          <a:p>
+            <a:pPr marL="514350" indent="-514350" eaLnBrk="1" fontAlgn="auto" hangingPunct="1">
+              <a:spcAft>
+                <a:spcPts val="0"/>
+              </a:spcAft>
+              <a:defRPr/>
+            </a:pPr>
+            <a:r>
+              <a:rPr lang="en-US" sz="2400" dirty="0" smtClean="0">
+                <a:latin typeface="+mj-lt"/>
+              </a:rPr>
+              <a:t>Forward – generate an interrupt packet and send it to the remote unit</a:t>
+            </a:r>
+          </a:p>
+          <a:p>
+            <a:pPr marL="514350" indent="-514350" eaLnBrk="1" fontAlgn="auto" hangingPunct="1">
+              <a:spcAft>
+                <a:spcPts val="0"/>
+              </a:spcAft>
+              <a:defRPr/>
+            </a:pPr>
+            <a:r>
+              <a:rPr lang="en-US" sz="2400" dirty="0" smtClean="0">
+                <a:latin typeface="+mj-lt"/>
+              </a:rPr>
+              <a:t>Mapping – receive an interrupt packet from the remote and forward it to the configure location in the local device</a:t>
+            </a:r>
+          </a:p>
+          <a:p>
+            <a:pPr marL="514350" indent="-514350" eaLnBrk="1" fontAlgn="auto" hangingPunct="1">
+              <a:spcAft>
+                <a:spcPts val="0"/>
+              </a:spcAft>
+              <a:defRPr/>
+            </a:pPr>
+            <a:r>
+              <a:rPr lang="en-US" sz="2400" dirty="0" smtClean="0">
+                <a:latin typeface="+mj-lt"/>
+              </a:rPr>
+              <a:t>Generating – generate an interrupt in the local device</a:t>
+            </a:r>
+            <a:endParaRPr lang="en-US" sz="2400" dirty="0" smtClean="0">
+              <a:latin typeface="+mj-lt"/>
+            </a:endParaRPr>
+          </a:p>
+          <a:p>
+            <a:pPr marL="514350" indent="-514350" eaLnBrk="1" fontAlgn="auto" hangingPunct="1">
+              <a:spcAft>
+                <a:spcPts val="0"/>
+              </a:spcAft>
+              <a:buFont typeface="Arial" pitchFamily="34" charset="0"/>
+              <a:buAutoNum type="arabicPeriod"/>
+              <a:defRPr/>
+            </a:pPr>
+            <a:endParaRPr lang="en-US" sz="2400" dirty="0" smtClean="0">
+              <a:latin typeface="+mj-lt"/>
+            </a:endParaRPr>
+          </a:p>
+        </p:txBody>
+      </p:sp>
+    </p:spTree>
+  </p:cSld>
+  <p:clrMapOvr>
+    <a:masterClrMapping/>
+  </p:clrMapOvr>
+  <p:timing>
+    <p:tnLst>
+      <p:par>
+        <p:cTn id="1" dur="indefinite" restart="never" nodeType="tmRoot"/>
+      </p:par>
+    </p:tnLst>
+  </p:timing>
+</p:sld>
+</file>
+
+<file path=ppt/slides/slide14.xml><?xml version="1.0" encoding="utf-8"?>
+<p:sld xmlns:a="http://schemas.openxmlformats.org/drawingml/2006/main" xmlns:r="http://schemas.openxmlformats.org/officeDocument/2006/relationships" xmlns:p="http://schemas.openxmlformats.org/presentationml/2006/main">
+  <p:cSld>
+    <p:spTree>
+      <p:nvGrpSpPr>
+        <p:cNvPr id="1" name=""/>
+        <p:cNvGrpSpPr/>
+        <p:nvPr/>
+      </p:nvGrpSpPr>
+      <p:grpSpPr>
+        <a:xfrm>
+          <a:off x="0" y="0"/>
+          <a:ext cx="0" cy="0"/>
+          <a:chOff x="0" y="0"/>
+          <a:chExt cx="0" cy="0"/>
+        </a:xfrm>
+      </p:grpSpPr>
+      <p:sp>
+        <p:nvSpPr>
           <p:cNvPr id="20482" name="Title 1"/>
           <p:cNvSpPr>
             <a:spLocks noGrp="1"/>
@@ -6572,7 +6816,7 @@
 </p:sld>
 </file>
 
-<file path=ppt/slides/slide14.xml><?xml version="1.0" encoding="utf-8"?>
+<file path=ppt/slides/slide15.xml><?xml version="1.0" encoding="utf-8"?>
 <p:sld xmlns:a="http://schemas.openxmlformats.org/drawingml/2006/main" xmlns:r="http://schemas.openxmlformats.org/officeDocument/2006/relationships" xmlns:p="http://schemas.openxmlformats.org/presentationml/2006/main">
   <p:cSld>
     <p:spTree>
@@ -6933,7 +7177,7 @@
 </p:sld>
 </file>
 
-<file path=ppt/slides/slide15.xml><?xml version="1.0" encoding="utf-8"?>
+<file path=ppt/slides/slide16.xml><?xml version="1.0" encoding="utf-8"?>
 <p:sld xmlns:a="http://schemas.openxmlformats.org/drawingml/2006/main" xmlns:r="http://schemas.openxmlformats.org/officeDocument/2006/relationships" xmlns:p="http://schemas.openxmlformats.org/presentationml/2006/main">
   <p:cSld>
     <p:spTree>
@@ -9202,7 +9446,7 @@
 </p:sld>
 </file>
 
-<file path=ppt/slides/slide16.xml><?xml version="1.0" encoding="utf-8"?>
+<file path=ppt/slides/slide17.xml><?xml version="1.0" encoding="utf-8"?>
 <p:sld xmlns:a="http://schemas.openxmlformats.org/drawingml/2006/main" xmlns:r="http://schemas.openxmlformats.org/officeDocument/2006/relationships" xmlns:p="http://schemas.openxmlformats.org/presentationml/2006/main">
   <p:cSld>
     <p:spTree>
@@ -9505,7 +9749,7 @@
 </p:sld>
 </file>
 
-<file path=ppt/slides/slide17.xml><?xml version="1.0" encoding="utf-8"?>
+<file path=ppt/slides/slide18.xml><?xml version="1.0" encoding="utf-8"?>
 <p:sld xmlns:a="http://schemas.openxmlformats.org/drawingml/2006/main" xmlns:r="http://schemas.openxmlformats.org/officeDocument/2006/relationships" xmlns:p="http://schemas.openxmlformats.org/presentationml/2006/main">
   <p:cSld>
     <p:spTree>
@@ -9901,7 +10145,7 @@
 </p:sld>
 </file>
 
-<file path=ppt/slides/slide18.xml><?xml version="1.0" encoding="utf-8"?>
+<file path=ppt/slides/slide19.xml><?xml version="1.0" encoding="utf-8"?>
 <p:sld xmlns:a="http://schemas.openxmlformats.org/drawingml/2006/main" xmlns:r="http://schemas.openxmlformats.org/officeDocument/2006/relationships" xmlns:p="http://schemas.openxmlformats.org/presentationml/2006/main">
   <p:cSld>
     <p:spTree>
@@ -10479,7 +10723,155 @@
 </p:sld>
 </file>
 
-<file path=ppt/slides/slide19.xml><?xml version="1.0" encoding="utf-8"?>
+<file path=ppt/slides/slide2.xml><?xml version="1.0" encoding="utf-8"?>
+<p:sld xmlns:a="http://schemas.openxmlformats.org/drawingml/2006/main" xmlns:r="http://schemas.openxmlformats.org/officeDocument/2006/relationships" xmlns:p="http://schemas.openxmlformats.org/presentationml/2006/main">
+  <p:cSld>
+    <p:spTree>
+      <p:nvGrpSpPr>
+        <p:cNvPr id="1" name=""/>
+        <p:cNvGrpSpPr/>
+        <p:nvPr/>
+      </p:nvGrpSpPr>
+      <p:grpSpPr>
+        <a:xfrm>
+          <a:off x="0" y="0"/>
+          <a:ext cx="0" cy="0"/>
+          <a:chOff x="0" y="0"/>
+          <a:chExt cx="0" cy="0"/>
+        </a:xfrm>
+      </p:grpSpPr>
+      <p:sp>
+        <p:nvSpPr>
+          <p:cNvPr id="11266" name="Title 1"/>
+          <p:cNvSpPr>
+            <a:spLocks noGrp="1"/>
+          </p:cNvSpPr>
+          <p:nvPr>
+            <p:ph type="title"/>
+          </p:nvPr>
+        </p:nvSpPr>
+        <p:spPr/>
+        <p:txBody>
+          <a:bodyPr/>
+          <a:lstStyle/>
+          <a:p>
+            <a:pPr eaLnBrk="1" hangingPunct="1"/>
+            <a:r>
+              <a:rPr lang="en-US" b="0" dirty="0" smtClean="0"/>
+              <a:t>Agenda</a:t>
+            </a:r>
+          </a:p>
+        </p:txBody>
+      </p:sp>
+      <p:sp>
+        <p:nvSpPr>
+          <p:cNvPr id="3" name="Subtitle 2"/>
+          <p:cNvSpPr>
+            <a:spLocks noGrp="1"/>
+          </p:cNvSpPr>
+          <p:nvPr>
+            <p:ph idx="1"/>
+          </p:nvPr>
+        </p:nvSpPr>
+        <p:spPr/>
+        <p:txBody>
+          <a:bodyPr rtlCol="0">
+            <a:normAutofit/>
+          </a:bodyPr>
+          <a:lstStyle/>
+          <a:p>
+            <a:pPr marL="514350" indent="-514350" eaLnBrk="1" fontAlgn="auto" hangingPunct="1">
+              <a:spcAft>
+                <a:spcPts val="0"/>
+              </a:spcAft>
+              <a:buFont typeface="+mj-lt"/>
+              <a:buAutoNum type="arabicPeriod"/>
+              <a:defRPr/>
+            </a:pPr>
+            <a:r>
+              <a:rPr lang="en-US" dirty="0" smtClean="0">
+                <a:latin typeface="+mj-lt"/>
+              </a:rPr>
+              <a:t>HyperLink Overview</a:t>
+            </a:r>
+          </a:p>
+          <a:p>
+            <a:pPr marL="514350" indent="-514350" eaLnBrk="1" fontAlgn="auto" hangingPunct="1">
+              <a:spcAft>
+                <a:spcPts val="0"/>
+              </a:spcAft>
+              <a:buFont typeface="+mj-lt"/>
+              <a:buAutoNum type="arabicPeriod"/>
+              <a:defRPr/>
+            </a:pPr>
+            <a:r>
+              <a:rPr lang="en-US" dirty="0" smtClean="0">
+                <a:latin typeface="+mj-lt"/>
+              </a:rPr>
+              <a:t>Address Translation</a:t>
+            </a:r>
+          </a:p>
+          <a:p>
+            <a:pPr marL="514350" indent="-514350" eaLnBrk="1" fontAlgn="auto" hangingPunct="1">
+              <a:spcAft>
+                <a:spcPts val="0"/>
+              </a:spcAft>
+              <a:buFont typeface="+mj-lt"/>
+              <a:buAutoNum type="arabicPeriod"/>
+              <a:defRPr/>
+            </a:pPr>
+            <a:r>
+              <a:rPr lang="en-US" dirty="0" smtClean="0">
+                <a:latin typeface="+mj-lt"/>
+              </a:rPr>
+              <a:t>Configuration</a:t>
+            </a:r>
+          </a:p>
+          <a:p>
+            <a:pPr marL="514350" indent="-514350" eaLnBrk="1" fontAlgn="auto" hangingPunct="1">
+              <a:spcAft>
+                <a:spcPts val="0"/>
+              </a:spcAft>
+              <a:buFont typeface="+mj-lt"/>
+              <a:buAutoNum type="arabicPeriod"/>
+              <a:defRPr/>
+            </a:pPr>
+            <a:r>
+              <a:rPr lang="en-US" dirty="0" smtClean="0"/>
+              <a:t>Example and Demo</a:t>
+            </a:r>
+          </a:p>
+          <a:p>
+            <a:pPr marL="514350" indent="-514350" eaLnBrk="1" fontAlgn="auto" hangingPunct="1">
+              <a:spcAft>
+                <a:spcPts val="0"/>
+              </a:spcAft>
+              <a:buFont typeface="Arial" pitchFamily="34" charset="0"/>
+              <a:buNone/>
+              <a:defRPr/>
+            </a:pPr>
+            <a:endParaRPr lang="en-US" b="1" dirty="0" smtClean="0">
+              <a:latin typeface="+mj-lt"/>
+            </a:endParaRPr>
+          </a:p>
+        </p:txBody>
+      </p:sp>
+    </p:spTree>
+  </p:cSld>
+  <p:clrMapOvr>
+    <a:masterClrMapping/>
+  </p:clrMapOvr>
+  <p:timing>
+    <p:tnLst>
+      <p:par>
+        <p:cTn id="1" dur="indefinite" restart="never" nodeType="tmRoot"/>
+      </p:par>
+    </p:tnLst>
+  </p:timing>
+</p:sld>
+</file>
+
+<file path=ppt/slides/slide20.xml><?xml version="1.0" encoding="utf-8"?>
 <p:sld xmlns:a="http://schemas.openxmlformats.org/drawingml/2006/main" xmlns:r="http://schemas.openxmlformats.org/officeDocument/2006/relationships" xmlns:p="http://schemas.openxmlformats.org/presentationml/2006/main">
   <p:cSld>
     <p:spTree>
@@ -10582,155 +10974,7 @@
 </p:sld>
 </file>
 
-<file path=ppt/slides/slide2.xml><?xml version="1.0" encoding="utf-8"?>
-<p:sld xmlns:a="http://schemas.openxmlformats.org/drawingml/2006/main" xmlns:r="http://schemas.openxmlformats.org/officeDocument/2006/relationships" xmlns:p="http://schemas.openxmlformats.org/presentationml/2006/main">
-  <p:cSld>
-    <p:spTree>
-      <p:nvGrpSpPr>
-        <p:cNvPr id="1" name=""/>
-        <p:cNvGrpSpPr/>
-        <p:nvPr/>
-      </p:nvGrpSpPr>
-      <p:grpSpPr>
-        <a:xfrm>
-          <a:off x="0" y="0"/>
-          <a:ext cx="0" cy="0"/>
-          <a:chOff x="0" y="0"/>
-          <a:chExt cx="0" cy="0"/>
-        </a:xfrm>
-      </p:grpSpPr>
-      <p:sp>
-        <p:nvSpPr>
-          <p:cNvPr id="11266" name="Title 1"/>
-          <p:cNvSpPr>
-            <a:spLocks noGrp="1"/>
-          </p:cNvSpPr>
-          <p:nvPr>
-            <p:ph type="title"/>
-          </p:nvPr>
-        </p:nvSpPr>
-        <p:spPr/>
-        <p:txBody>
-          <a:bodyPr/>
-          <a:lstStyle/>
-          <a:p>
-            <a:pPr eaLnBrk="1" hangingPunct="1"/>
-            <a:r>
-              <a:rPr lang="en-US" b="0" dirty="0" smtClean="0"/>
-              <a:t>Agenda</a:t>
-            </a:r>
-          </a:p>
-        </p:txBody>
-      </p:sp>
-      <p:sp>
-        <p:nvSpPr>
-          <p:cNvPr id="3" name="Subtitle 2"/>
-          <p:cNvSpPr>
-            <a:spLocks noGrp="1"/>
-          </p:cNvSpPr>
-          <p:nvPr>
-            <p:ph idx="1"/>
-          </p:nvPr>
-        </p:nvSpPr>
-        <p:spPr/>
-        <p:txBody>
-          <a:bodyPr rtlCol="0">
-            <a:normAutofit/>
-          </a:bodyPr>
-          <a:lstStyle/>
-          <a:p>
-            <a:pPr marL="514350" indent="-514350" eaLnBrk="1" fontAlgn="auto" hangingPunct="1">
-              <a:spcAft>
-                <a:spcPts val="0"/>
-              </a:spcAft>
-              <a:buFont typeface="+mj-lt"/>
-              <a:buAutoNum type="arabicPeriod"/>
-              <a:defRPr/>
-            </a:pPr>
-            <a:r>
-              <a:rPr lang="en-US" dirty="0" smtClean="0">
-                <a:latin typeface="+mj-lt"/>
-              </a:rPr>
-              <a:t>HyperLink Overview</a:t>
-            </a:r>
-          </a:p>
-          <a:p>
-            <a:pPr marL="514350" indent="-514350" eaLnBrk="1" fontAlgn="auto" hangingPunct="1">
-              <a:spcAft>
-                <a:spcPts val="0"/>
-              </a:spcAft>
-              <a:buFont typeface="+mj-lt"/>
-              <a:buAutoNum type="arabicPeriod"/>
-              <a:defRPr/>
-            </a:pPr>
-            <a:r>
-              <a:rPr lang="en-US" dirty="0" smtClean="0">
-                <a:latin typeface="+mj-lt"/>
-              </a:rPr>
-              <a:t>Address Translation</a:t>
-            </a:r>
-          </a:p>
-          <a:p>
-            <a:pPr marL="514350" indent="-514350" eaLnBrk="1" fontAlgn="auto" hangingPunct="1">
-              <a:spcAft>
-                <a:spcPts val="0"/>
-              </a:spcAft>
-              <a:buFont typeface="+mj-lt"/>
-              <a:buAutoNum type="arabicPeriod"/>
-              <a:defRPr/>
-            </a:pPr>
-            <a:r>
-              <a:rPr lang="en-US" dirty="0" smtClean="0">
-                <a:latin typeface="+mj-lt"/>
-              </a:rPr>
-              <a:t>Configuration</a:t>
-            </a:r>
-          </a:p>
-          <a:p>
-            <a:pPr marL="514350" indent="-514350" eaLnBrk="1" fontAlgn="auto" hangingPunct="1">
-              <a:spcAft>
-                <a:spcPts val="0"/>
-              </a:spcAft>
-              <a:buFont typeface="+mj-lt"/>
-              <a:buAutoNum type="arabicPeriod"/>
-              <a:defRPr/>
-            </a:pPr>
-            <a:r>
-              <a:rPr lang="en-US" dirty="0" smtClean="0"/>
-              <a:t>Example and Demo</a:t>
-            </a:r>
-          </a:p>
-          <a:p>
-            <a:pPr marL="514350" indent="-514350" eaLnBrk="1" fontAlgn="auto" hangingPunct="1">
-              <a:spcAft>
-                <a:spcPts val="0"/>
-              </a:spcAft>
-              <a:buFont typeface="Arial" pitchFamily="34" charset="0"/>
-              <a:buNone/>
-              <a:defRPr/>
-            </a:pPr>
-            <a:endParaRPr lang="en-US" b="1" dirty="0" smtClean="0">
-              <a:latin typeface="+mj-lt"/>
-            </a:endParaRPr>
-          </a:p>
-        </p:txBody>
-      </p:sp>
-    </p:spTree>
-  </p:cSld>
-  <p:clrMapOvr>
-    <a:masterClrMapping/>
-  </p:clrMapOvr>
-  <p:timing>
-    <p:tnLst>
-      <p:par>
-        <p:cTn id="1" dur="indefinite" restart="never" nodeType="tmRoot"/>
-      </p:par>
-    </p:tnLst>
-  </p:timing>
-</p:sld>
-</file>
-
-<file path=ppt/slides/slide20.xml><?xml version="1.0" encoding="utf-8"?>
+<file path=ppt/slides/slide21.xml><?xml version="1.0" encoding="utf-8"?>
 <p:sld xmlns:a="http://schemas.openxmlformats.org/drawingml/2006/main" xmlns:r="http://schemas.openxmlformats.org/officeDocument/2006/relationships" xmlns:p="http://schemas.openxmlformats.org/presentationml/2006/main">
   <p:cSld>
     <p:spTree>
@@ -11069,7 +11313,7 @@
 </p:sld>
 </file>
 
-<file path=ppt/slides/slide21.xml><?xml version="1.0" encoding="utf-8"?>
+<file path=ppt/slides/slide22.xml><?xml version="1.0" encoding="utf-8"?>
 <p:sld xmlns:a="http://schemas.openxmlformats.org/drawingml/2006/main" xmlns:r="http://schemas.openxmlformats.org/officeDocument/2006/relationships" xmlns:p="http://schemas.openxmlformats.org/presentationml/2006/main">
   <p:cSld>
     <p:spTree>
@@ -12275,7 +12519,7 @@
 </p:sld>
 </file>
 
-<file path=ppt/slides/slide22.xml><?xml version="1.0" encoding="utf-8"?>
+<file path=ppt/slides/slide23.xml><?xml version="1.0" encoding="utf-8"?>
 <p:sld xmlns:a="http://schemas.openxmlformats.org/drawingml/2006/main" xmlns:r="http://schemas.openxmlformats.org/officeDocument/2006/relationships" xmlns:p="http://schemas.openxmlformats.org/presentationml/2006/main">
   <p:cSld>
     <p:spTree>
@@ -12649,7 +12893,7 @@
 </p:sld>
 </file>
 
-<file path=ppt/slides/slide23.xml><?xml version="1.0" encoding="utf-8"?>
+<file path=ppt/slides/slide24.xml><?xml version="1.0" encoding="utf-8"?>
 <p:sld xmlns:a="http://schemas.openxmlformats.org/drawingml/2006/main" xmlns:r="http://schemas.openxmlformats.org/officeDocument/2006/relationships" xmlns:p="http://schemas.openxmlformats.org/presentationml/2006/main">
   <p:cSld>
     <p:spTree>
@@ -13011,7 +13255,7 @@
 </p:sld>
 </file>
 
-<file path=ppt/slides/slide24.xml><?xml version="1.0" encoding="utf-8"?>
+<file path=ppt/slides/slide25.xml><?xml version="1.0" encoding="utf-8"?>
 <p:sld xmlns:a="http://schemas.openxmlformats.org/drawingml/2006/main" xmlns:r="http://schemas.openxmlformats.org/officeDocument/2006/relationships" xmlns:p="http://schemas.openxmlformats.org/presentationml/2006/main">
   <p:cSld>
     <p:spTree>
@@ -13476,7 +13720,7 @@
 </p:sld>
 </file>
 
-<file path=ppt/slides/slide25.xml><?xml version="1.0" encoding="utf-8"?>
+<file path=ppt/slides/slide26.xml><?xml version="1.0" encoding="utf-8"?>
 <p:sld xmlns:a="http://schemas.openxmlformats.org/drawingml/2006/main" xmlns:r="http://schemas.openxmlformats.org/officeDocument/2006/relationships" xmlns:p="http://schemas.openxmlformats.org/presentationml/2006/main">
   <p:cSld>
     <p:spTree>
@@ -13828,7 +14072,7 @@
 </p:sld>
 </file>
 
-<file path=ppt/slides/slide26.xml><?xml version="1.0" encoding="utf-8"?>
+<file path=ppt/slides/slide27.xml><?xml version="1.0" encoding="utf-8"?>
 <p:sld xmlns:a="http://schemas.openxmlformats.org/drawingml/2006/main" xmlns:r="http://schemas.openxmlformats.org/officeDocument/2006/relationships" xmlns:p="http://schemas.openxmlformats.org/presentationml/2006/main">
   <p:cSld>
     <p:spTree>
@@ -15303,7 +15547,7 @@
 </p:sld>
 </file>
 
-<file path=ppt/slides/slide27.xml><?xml version="1.0" encoding="utf-8"?>
+<file path=ppt/slides/slide28.xml><?xml version="1.0" encoding="utf-8"?>
 <p:sld xmlns:a="http://schemas.openxmlformats.org/drawingml/2006/main" xmlns:r="http://schemas.openxmlformats.org/officeDocument/2006/relationships" xmlns:p="http://schemas.openxmlformats.org/presentationml/2006/main">
   <p:cSld>
     <p:spTree>
@@ -15776,7 +16020,7 @@
 </p:sld>
 </file>
 
-<file path=ppt/slides/slide28.xml><?xml version="1.0" encoding="utf-8"?>
+<file path=ppt/slides/slide29.xml><?xml version="1.0" encoding="utf-8"?>
 <p:sld xmlns:a="http://schemas.openxmlformats.org/drawingml/2006/main" xmlns:r="http://schemas.openxmlformats.org/officeDocument/2006/relationships" xmlns:p="http://schemas.openxmlformats.org/presentationml/2006/main">
   <p:cSld>
     <p:spTree>
@@ -18488,7 +18732,155 @@
 </p:sld>
 </file>
 
-<file path=ppt/slides/slide29.xml><?xml version="1.0" encoding="utf-8"?>
+<file path=ppt/slides/slide3.xml><?xml version="1.0" encoding="utf-8"?>
+<p:sld xmlns:a="http://schemas.openxmlformats.org/drawingml/2006/main" xmlns:r="http://schemas.openxmlformats.org/officeDocument/2006/relationships" xmlns:p="http://schemas.openxmlformats.org/presentationml/2006/main">
+  <p:cSld>
+    <p:spTree>
+      <p:nvGrpSpPr>
+        <p:cNvPr id="1" name=""/>
+        <p:cNvGrpSpPr/>
+        <p:nvPr/>
+      </p:nvGrpSpPr>
+      <p:grpSpPr>
+        <a:xfrm>
+          <a:off x="0" y="0"/>
+          <a:ext cx="0" cy="0"/>
+          <a:chOff x="0" y="0"/>
+          <a:chExt cx="0" cy="0"/>
+        </a:xfrm>
+      </p:grpSpPr>
+      <p:sp>
+        <p:nvSpPr>
+          <p:cNvPr id="12290" name="Title 1"/>
+          <p:cNvSpPr>
+            <a:spLocks noGrp="1"/>
+          </p:cNvSpPr>
+          <p:nvPr>
+            <p:ph type="title"/>
+          </p:nvPr>
+        </p:nvSpPr>
+        <p:spPr/>
+        <p:txBody>
+          <a:bodyPr/>
+          <a:lstStyle/>
+          <a:p>
+            <a:pPr eaLnBrk="1" hangingPunct="1"/>
+            <a:r>
+              <a:rPr lang="en-US" b="0" dirty="0" smtClean="0"/>
+              <a:t>Agenda</a:t>
+            </a:r>
+          </a:p>
+        </p:txBody>
+      </p:sp>
+      <p:sp>
+        <p:nvSpPr>
+          <p:cNvPr id="3" name="Subtitle 2"/>
+          <p:cNvSpPr>
+            <a:spLocks noGrp="1"/>
+          </p:cNvSpPr>
+          <p:nvPr>
+            <p:ph idx="1"/>
+          </p:nvPr>
+        </p:nvSpPr>
+        <p:spPr/>
+        <p:txBody>
+          <a:bodyPr rtlCol="0">
+            <a:normAutofit/>
+          </a:bodyPr>
+          <a:lstStyle/>
+          <a:p>
+            <a:pPr marL="514350" indent="-514350" eaLnBrk="1" fontAlgn="auto" hangingPunct="1">
+              <a:spcAft>
+                <a:spcPts val="0"/>
+              </a:spcAft>
+              <a:buFont typeface="+mj-lt"/>
+              <a:buAutoNum type="arabicPeriod"/>
+              <a:defRPr/>
+            </a:pPr>
+            <a:r>
+              <a:rPr lang="en-US" b="1" dirty="0" smtClean="0">
+                <a:latin typeface="+mj-lt"/>
+              </a:rPr>
+              <a:t>HyperLink Overview</a:t>
+            </a:r>
+          </a:p>
+          <a:p>
+            <a:pPr marL="514350" indent="-514350" eaLnBrk="1" fontAlgn="auto" hangingPunct="1">
+              <a:spcAft>
+                <a:spcPts val="0"/>
+              </a:spcAft>
+              <a:buFont typeface="+mj-lt"/>
+              <a:buAutoNum type="arabicPeriod"/>
+              <a:defRPr/>
+            </a:pPr>
+            <a:r>
+              <a:rPr lang="en-US" dirty="0" smtClean="0">
+                <a:latin typeface="+mj-lt"/>
+              </a:rPr>
+              <a:t>Address Translation</a:t>
+            </a:r>
+          </a:p>
+          <a:p>
+            <a:pPr marL="514350" indent="-514350" eaLnBrk="1" fontAlgn="auto" hangingPunct="1">
+              <a:spcAft>
+                <a:spcPts val="0"/>
+              </a:spcAft>
+              <a:buFont typeface="+mj-lt"/>
+              <a:buAutoNum type="arabicPeriod"/>
+              <a:defRPr/>
+            </a:pPr>
+            <a:r>
+              <a:rPr lang="en-US" dirty="0" smtClean="0">
+                <a:latin typeface="+mj-lt"/>
+              </a:rPr>
+              <a:t>Configuration</a:t>
+            </a:r>
+          </a:p>
+          <a:p>
+            <a:pPr marL="514350" indent="-514350" eaLnBrk="1" fontAlgn="auto" hangingPunct="1">
+              <a:spcAft>
+                <a:spcPts val="0"/>
+              </a:spcAft>
+              <a:buFont typeface="+mj-lt"/>
+              <a:buAutoNum type="arabicPeriod"/>
+              <a:defRPr/>
+            </a:pPr>
+            <a:r>
+              <a:rPr lang="en-US" dirty="0" smtClean="0"/>
+              <a:t>Example and Demo</a:t>
+            </a:r>
+          </a:p>
+          <a:p>
+            <a:pPr marL="514350" indent="-514350" eaLnBrk="1" fontAlgn="auto" hangingPunct="1">
+              <a:spcAft>
+                <a:spcPts val="0"/>
+              </a:spcAft>
+              <a:buFont typeface="Arial" pitchFamily="34" charset="0"/>
+              <a:buNone/>
+              <a:defRPr/>
+            </a:pPr>
+            <a:endParaRPr lang="en-US" b="1" dirty="0" smtClean="0">
+              <a:latin typeface="+mj-lt"/>
+            </a:endParaRPr>
+          </a:p>
+        </p:txBody>
+      </p:sp>
+    </p:spTree>
+  </p:cSld>
+  <p:clrMapOvr>
+    <a:masterClrMapping/>
+  </p:clrMapOvr>
+  <p:timing>
+    <p:tnLst>
+      <p:par>
+        <p:cTn id="1" dur="indefinite" restart="never" nodeType="tmRoot"/>
+      </p:par>
+    </p:tnLst>
+  </p:timing>
+</p:sld>
+</file>
+
+<file path=ppt/slides/slide30.xml><?xml version="1.0" encoding="utf-8"?>
 <p:sld xmlns:a="http://schemas.openxmlformats.org/drawingml/2006/main" xmlns:r="http://schemas.openxmlformats.org/officeDocument/2006/relationships" xmlns:p="http://schemas.openxmlformats.org/presentationml/2006/main">
   <p:cSld>
     <p:spTree>
@@ -18767,155 +19159,7 @@
 </p:sld>
 </file>
 
-<file path=ppt/slides/slide3.xml><?xml version="1.0" encoding="utf-8"?>
-<p:sld xmlns:a="http://schemas.openxmlformats.org/drawingml/2006/main" xmlns:r="http://schemas.openxmlformats.org/officeDocument/2006/relationships" xmlns:p="http://schemas.openxmlformats.org/presentationml/2006/main">
-  <p:cSld>
-    <p:spTree>
-      <p:nvGrpSpPr>
-        <p:cNvPr id="1" name=""/>
-        <p:cNvGrpSpPr/>
-        <p:nvPr/>
-      </p:nvGrpSpPr>
-      <p:grpSpPr>
-        <a:xfrm>
-          <a:off x="0" y="0"/>
-          <a:ext cx="0" cy="0"/>
-          <a:chOff x="0" y="0"/>
-          <a:chExt cx="0" cy="0"/>
-        </a:xfrm>
-      </p:grpSpPr>
-      <p:sp>
-        <p:nvSpPr>
-          <p:cNvPr id="12290" name="Title 1"/>
-          <p:cNvSpPr>
-            <a:spLocks noGrp="1"/>
-          </p:cNvSpPr>
-          <p:nvPr>
-            <p:ph type="title"/>
-          </p:nvPr>
-        </p:nvSpPr>
-        <p:spPr/>
-        <p:txBody>
-          <a:bodyPr/>
-          <a:lstStyle/>
-          <a:p>
-            <a:pPr eaLnBrk="1" hangingPunct="1"/>
-            <a:r>
-              <a:rPr lang="en-US" b="0" dirty="0" smtClean="0"/>
-              <a:t>Agenda</a:t>
-            </a:r>
-          </a:p>
-        </p:txBody>
-      </p:sp>
-      <p:sp>
-        <p:nvSpPr>
-          <p:cNvPr id="3" name="Subtitle 2"/>
-          <p:cNvSpPr>
-            <a:spLocks noGrp="1"/>
-          </p:cNvSpPr>
-          <p:nvPr>
-            <p:ph idx="1"/>
-          </p:nvPr>
-        </p:nvSpPr>
-        <p:spPr/>
-        <p:txBody>
-          <a:bodyPr rtlCol="0">
-            <a:normAutofit/>
-          </a:bodyPr>
-          <a:lstStyle/>
-          <a:p>
-            <a:pPr marL="514350" indent="-514350" eaLnBrk="1" fontAlgn="auto" hangingPunct="1">
-              <a:spcAft>
-                <a:spcPts val="0"/>
-              </a:spcAft>
-              <a:buFont typeface="+mj-lt"/>
-              <a:buAutoNum type="arabicPeriod"/>
-              <a:defRPr/>
-            </a:pPr>
-            <a:r>
-              <a:rPr lang="en-US" b="1" dirty="0" smtClean="0">
-                <a:latin typeface="+mj-lt"/>
-              </a:rPr>
-              <a:t>HyperLink Overview</a:t>
-            </a:r>
-          </a:p>
-          <a:p>
-            <a:pPr marL="514350" indent="-514350" eaLnBrk="1" fontAlgn="auto" hangingPunct="1">
-              <a:spcAft>
-                <a:spcPts val="0"/>
-              </a:spcAft>
-              <a:buFont typeface="+mj-lt"/>
-              <a:buAutoNum type="arabicPeriod"/>
-              <a:defRPr/>
-            </a:pPr>
-            <a:r>
-              <a:rPr lang="en-US" dirty="0" smtClean="0">
-                <a:latin typeface="+mj-lt"/>
-              </a:rPr>
-              <a:t>Address Translation</a:t>
-            </a:r>
-          </a:p>
-          <a:p>
-            <a:pPr marL="514350" indent="-514350" eaLnBrk="1" fontAlgn="auto" hangingPunct="1">
-              <a:spcAft>
-                <a:spcPts val="0"/>
-              </a:spcAft>
-              <a:buFont typeface="+mj-lt"/>
-              <a:buAutoNum type="arabicPeriod"/>
-              <a:defRPr/>
-            </a:pPr>
-            <a:r>
-              <a:rPr lang="en-US" dirty="0" smtClean="0">
-                <a:latin typeface="+mj-lt"/>
-              </a:rPr>
-              <a:t>Configuration</a:t>
-            </a:r>
-          </a:p>
-          <a:p>
-            <a:pPr marL="514350" indent="-514350" eaLnBrk="1" fontAlgn="auto" hangingPunct="1">
-              <a:spcAft>
-                <a:spcPts val="0"/>
-              </a:spcAft>
-              <a:buFont typeface="+mj-lt"/>
-              <a:buAutoNum type="arabicPeriod"/>
-              <a:defRPr/>
-            </a:pPr>
-            <a:r>
-              <a:rPr lang="en-US" dirty="0" smtClean="0"/>
-              <a:t>Example and Demo</a:t>
-            </a:r>
-          </a:p>
-          <a:p>
-            <a:pPr marL="514350" indent="-514350" eaLnBrk="1" fontAlgn="auto" hangingPunct="1">
-              <a:spcAft>
-                <a:spcPts val="0"/>
-              </a:spcAft>
-              <a:buFont typeface="Arial" pitchFamily="34" charset="0"/>
-              <a:buNone/>
-              <a:defRPr/>
-            </a:pPr>
-            <a:endParaRPr lang="en-US" b="1" dirty="0" smtClean="0">
-              <a:latin typeface="+mj-lt"/>
-            </a:endParaRPr>
-          </a:p>
-        </p:txBody>
-      </p:sp>
-    </p:spTree>
-  </p:cSld>
-  <p:clrMapOvr>
-    <a:masterClrMapping/>
-  </p:clrMapOvr>
-  <p:timing>
-    <p:tnLst>
-      <p:par>
-        <p:cTn id="1" dur="indefinite" restart="never" nodeType="tmRoot"/>
-      </p:par>
-    </p:tnLst>
-  </p:timing>
-</p:sld>
-</file>
-
-<file path=ppt/slides/slide30.xml><?xml version="1.0" encoding="utf-8"?>
+<file path=ppt/slides/slide31.xml><?xml version="1.0" encoding="utf-8"?>
 <p:sld xmlns:a="http://schemas.openxmlformats.org/drawingml/2006/main" xmlns:r="http://schemas.openxmlformats.org/officeDocument/2006/relationships" xmlns:p="http://schemas.openxmlformats.org/presentationml/2006/main">
   <p:cSld>
     <p:spTree>
@@ -19173,7 +19417,7 @@
 </p:sld>
 </file>
 
-<file path=ppt/slides/slide31.xml><?xml version="1.0" encoding="utf-8"?>
+<file path=ppt/slides/slide32.xml><?xml version="1.0" encoding="utf-8"?>
 <p:sld xmlns:a="http://schemas.openxmlformats.org/drawingml/2006/main" xmlns:r="http://schemas.openxmlformats.org/officeDocument/2006/relationships" xmlns:p="http://schemas.openxmlformats.org/presentationml/2006/main">
   <p:cSld>
     <p:spTree>
@@ -19510,7 +19754,7 @@
 </p:sld>
 </file>
 
-<file path=ppt/slides/slide32.xml><?xml version="1.0" encoding="utf-8"?>
+<file path=ppt/slides/slide33.xml><?xml version="1.0" encoding="utf-8"?>
 <p:sld xmlns:a="http://schemas.openxmlformats.org/drawingml/2006/main" xmlns:r="http://schemas.openxmlformats.org/officeDocument/2006/relationships" xmlns:p="http://schemas.openxmlformats.org/presentationml/2006/main">
   <p:cSld>
     <p:spTree>
@@ -19875,7 +20119,7 @@
 </p:sld>
 </file>
 
-<file path=ppt/slides/slide33.xml><?xml version="1.0" encoding="utf-8"?>
+<file path=ppt/slides/slide34.xml><?xml version="1.0" encoding="utf-8"?>
 <p:sld xmlns:a="http://schemas.openxmlformats.org/drawingml/2006/main" xmlns:r="http://schemas.openxmlformats.org/officeDocument/2006/relationships" xmlns:p="http://schemas.openxmlformats.org/presentationml/2006/main">
   <p:cSld>
     <p:spTree>
@@ -20125,7 +20369,7 @@
 </p:sld>
 </file>
 
-<file path=ppt/slides/slide34.xml><?xml version="1.0" encoding="utf-8"?>
+<file path=ppt/slides/slide35.xml><?xml version="1.0" encoding="utf-8"?>
 <p:sld xmlns:a="http://schemas.openxmlformats.org/drawingml/2006/main" xmlns:r="http://schemas.openxmlformats.org/officeDocument/2006/relationships" xmlns:p="http://schemas.openxmlformats.org/presentationml/2006/main">
   <p:cSld>
     <p:spTree>
@@ -20472,7 +20716,7 @@
 </p:sld>
 </file>
 
-<file path=ppt/slides/slide35.xml><?xml version="1.0" encoding="utf-8"?>
+<file path=ppt/slides/slide36.xml><?xml version="1.0" encoding="utf-8"?>
 <p:sld xmlns:a="http://schemas.openxmlformats.org/drawingml/2006/main" xmlns:r="http://schemas.openxmlformats.org/officeDocument/2006/relationships" xmlns:p="http://schemas.openxmlformats.org/presentationml/2006/main">
   <p:cSld>
     <p:spTree>
@@ -20771,7 +21015,7 @@
 </p:sld>
 </file>
 
-<file path=ppt/slides/slide36.xml><?xml version="1.0" encoding="utf-8"?>
+<file path=ppt/slides/slide37.xml><?xml version="1.0" encoding="utf-8"?>
 <p:sld xmlns:a="http://schemas.openxmlformats.org/drawingml/2006/main" xmlns:r="http://schemas.openxmlformats.org/officeDocument/2006/relationships" xmlns:p="http://schemas.openxmlformats.org/presentationml/2006/main">
   <p:cSld>
     <p:spTree>
@@ -21236,7 +21480,7 @@
 </p:sld>
 </file>
 
-<file path=ppt/slides/slide37.xml><?xml version="1.0" encoding="utf-8"?>
+<file path=ppt/slides/slide38.xml><?xml version="1.0" encoding="utf-8"?>
 <p:sld xmlns:a="http://schemas.openxmlformats.org/drawingml/2006/main" xmlns:r="http://schemas.openxmlformats.org/officeDocument/2006/relationships" xmlns:p="http://schemas.openxmlformats.org/presentationml/2006/main">
   <p:cSld>
     <p:spTree>
@@ -21586,7 +21830,7 @@
 </p:sld>
 </file>
 
-<file path=ppt/slides/slide38.xml><?xml version="1.0" encoding="utf-8"?>
+<file path=ppt/slides/slide39.xml><?xml version="1.0" encoding="utf-8"?>
 <p:sld xmlns:a="http://schemas.openxmlformats.org/drawingml/2006/main" xmlns:r="http://schemas.openxmlformats.org/officeDocument/2006/relationships" xmlns:p="http://schemas.openxmlformats.org/presentationml/2006/main">
   <p:cSld>
     <p:spTree>
@@ -21708,342 +21952,6 @@
               <a:rPr lang="en-US" dirty="0" smtClean="0"/>
               <a:t>Examples and Demo</a:t>
             </a:r>
-          </a:p>
-        </p:txBody>
-      </p:sp>
-    </p:spTree>
-  </p:cSld>
-  <p:clrMapOvr>
-    <a:masterClrMapping/>
-  </p:clrMapOvr>
-  <p:timing>
-    <p:tnLst>
-      <p:par>
-        <p:cTn id="1" dur="indefinite" restart="never" nodeType="tmRoot"/>
-      </p:par>
-    </p:tnLst>
-  </p:timing>
-</p:sld>
-</file>
-
-<file path=ppt/slides/slide39.xml><?xml version="1.0" encoding="utf-8"?>
-<p:sld xmlns:a="http://schemas.openxmlformats.org/drawingml/2006/main" xmlns:r="http://schemas.openxmlformats.org/officeDocument/2006/relationships" xmlns:p="http://schemas.openxmlformats.org/presentationml/2006/main">
-  <p:cSld>
-    <p:spTree>
-      <p:nvGrpSpPr>
-        <p:cNvPr id="1" name=""/>
-        <p:cNvGrpSpPr/>
-        <p:nvPr/>
-      </p:nvGrpSpPr>
-      <p:grpSpPr>
-        <a:xfrm>
-          <a:off x="0" y="0"/>
-          <a:ext cx="0" cy="0"/>
-          <a:chOff x="0" y="0"/>
-          <a:chExt cx="0" cy="0"/>
-        </a:xfrm>
-      </p:grpSpPr>
-      <p:sp>
-        <p:nvSpPr>
-          <p:cNvPr id="38914" name="Title 1"/>
-          <p:cNvSpPr>
-            <a:spLocks noGrp="1"/>
-          </p:cNvSpPr>
-          <p:nvPr>
-            <p:ph type="title"/>
-          </p:nvPr>
-        </p:nvSpPr>
-        <p:spPr/>
-        <p:txBody>
-          <a:bodyPr/>
-          <a:lstStyle/>
-          <a:p>
-            <a:pPr eaLnBrk="1" hangingPunct="1"/>
-            <a:r>
-              <a:rPr lang="en-US" b="0" dirty="0" smtClean="0"/>
-              <a:t>Chip Level Configuration</a:t>
-            </a:r>
-          </a:p>
-        </p:txBody>
-      </p:sp>
-      <p:sp>
-        <p:nvSpPr>
-          <p:cNvPr id="3" name="Subtitle 2"/>
-          <p:cNvSpPr>
-            <a:spLocks noGrp="1"/>
-          </p:cNvSpPr>
-          <p:nvPr>
-            <p:ph idx="1"/>
-          </p:nvPr>
-        </p:nvSpPr>
-        <p:spPr>
-          <a:xfrm>
-            <a:off x="304800" y="990600"/>
-            <a:ext cx="8686800" cy="5029200"/>
-          </a:xfrm>
-        </p:spPr>
-        <p:txBody>
-          <a:bodyPr rtlCol="0">
-            <a:normAutofit/>
-          </a:bodyPr>
-          <a:lstStyle/>
-          <a:p>
-            <a:pPr marL="514350" indent="-514350" eaLnBrk="1" fontAlgn="auto" hangingPunct="1">
-              <a:spcAft>
-                <a:spcPts val="0"/>
-              </a:spcAft>
-              <a:buFont typeface="+mj-lt"/>
-              <a:buAutoNum type="arabicPeriod"/>
-              <a:defRPr/>
-            </a:pPr>
-            <a:r>
-              <a:rPr lang="en-US" sz="2400" dirty="0" smtClean="0">
-                <a:latin typeface="+mj-lt"/>
-              </a:rPr>
-              <a:t>Enable power domain for peripherals using CSL routines.</a:t>
-            </a:r>
-          </a:p>
-          <a:p>
-            <a:pPr marL="1085850" lvl="2" indent="-514350" eaLnBrk="1" fontAlgn="auto" hangingPunct="1">
-              <a:spcAft>
-                <a:spcPts val="0"/>
-              </a:spcAft>
-              <a:buFont typeface="Arial" pitchFamily="34" charset="0"/>
-              <a:buNone/>
-              <a:defRPr/>
-            </a:pPr>
-            <a:r>
-              <a:rPr lang="en-US" sz="1900" i="1" dirty="0" smtClean="0">
-                <a:latin typeface="+mj-lt"/>
-              </a:rPr>
-              <a:t>Enabling power to peripherals involves the following four functions:</a:t>
-            </a:r>
-          </a:p>
-          <a:p>
-            <a:pPr marL="1062037" lvl="3" indent="-514350" eaLnBrk="1" fontAlgn="auto" hangingPunct="1">
-              <a:spcAft>
-                <a:spcPts val="0"/>
-              </a:spcAft>
-              <a:buNone/>
-              <a:defRPr/>
-            </a:pPr>
-            <a:r>
-              <a:rPr lang="en-US" sz="1700" i="1" dirty="0" err="1" smtClean="0">
-                <a:latin typeface="+mj-lt"/>
-                <a:ea typeface="+mn-ea"/>
-                <a:cs typeface="+mn-cs"/>
-              </a:rPr>
-              <a:t>CSL_PSC_enablePowerDomain</a:t>
-            </a:r>
-            <a:r>
-              <a:rPr lang="en-US" sz="1700" i="1" dirty="0" smtClean="0">
-                <a:latin typeface="+mj-lt"/>
-                <a:ea typeface="+mn-ea"/>
-                <a:cs typeface="+mn-cs"/>
-              </a:rPr>
-              <a:t>()</a:t>
-            </a:r>
-          </a:p>
-          <a:p>
-            <a:pPr marL="1062037" lvl="3" indent="-514350" eaLnBrk="1" fontAlgn="auto" hangingPunct="1">
-              <a:spcAft>
-                <a:spcPts val="0"/>
-              </a:spcAft>
-              <a:buNone/>
-              <a:defRPr/>
-            </a:pPr>
-            <a:r>
-              <a:rPr lang="en-US" sz="1700" i="1" dirty="0" smtClean="0">
-                <a:latin typeface="+mj-lt"/>
-                <a:ea typeface="+mn-ea"/>
-                <a:cs typeface="+mn-cs"/>
-              </a:rPr>
-              <a:t>CSL_PSC_setMosuleNextState()</a:t>
-            </a:r>
-          </a:p>
-          <a:p>
-            <a:pPr marL="1062037" lvl="3" indent="-514350" eaLnBrk="1" fontAlgn="auto" hangingPunct="1">
-              <a:spcAft>
-                <a:spcPts val="0"/>
-              </a:spcAft>
-              <a:buNone/>
-              <a:defRPr/>
-            </a:pPr>
-            <a:r>
-              <a:rPr lang="en-US" sz="1700" i="1" dirty="0" smtClean="0">
-                <a:latin typeface="+mj-lt"/>
-                <a:ea typeface="+mn-ea"/>
-                <a:cs typeface="+mn-cs"/>
-              </a:rPr>
-              <a:t>CSL_PSC_startStateTransition()</a:t>
-            </a:r>
-          </a:p>
-          <a:p>
-            <a:pPr marL="1062037" lvl="3" indent="-514350" eaLnBrk="1" fontAlgn="auto" hangingPunct="1">
-              <a:spcAft>
-                <a:spcPts val="0"/>
-              </a:spcAft>
-              <a:buNone/>
-              <a:defRPr/>
-            </a:pPr>
-            <a:r>
-              <a:rPr lang="en-US" sz="1700" i="1" dirty="0" smtClean="0">
-                <a:latin typeface="+mj-lt"/>
-                <a:ea typeface="+mn-ea"/>
-                <a:cs typeface="+mn-cs"/>
-              </a:rPr>
-              <a:t>CSL_PSC_isStateTransitionDone()</a:t>
-            </a:r>
-          </a:p>
-          <a:p>
-            <a:pPr marL="514350" indent="-514350" eaLnBrk="1" fontAlgn="auto" hangingPunct="1">
-              <a:spcAft>
-                <a:spcPts val="0"/>
-              </a:spcAft>
-              <a:buFont typeface="+mj-lt"/>
-              <a:buAutoNum type="arabicPeriod"/>
-              <a:defRPr/>
-            </a:pPr>
-            <a:r>
-              <a:rPr lang="en-US" sz="2400" dirty="0" smtClean="0">
-                <a:latin typeface="+mj-lt"/>
-              </a:rPr>
-              <a:t>Reset the HyperLink and load the boot code for the PLL.</a:t>
-            </a:r>
-          </a:p>
-          <a:p>
-            <a:pPr marL="1085850" lvl="2" indent="-514350" eaLnBrk="1" fontAlgn="auto" hangingPunct="1">
-              <a:spcAft>
-                <a:spcPts val="0"/>
-              </a:spcAft>
-              <a:buFont typeface="Arial" pitchFamily="34" charset="0"/>
-              <a:buNone/>
-              <a:defRPr/>
-            </a:pPr>
-            <a:r>
-              <a:rPr lang="en-US" sz="1700" i="1" dirty="0" smtClean="0">
-                <a:latin typeface="+mj-lt"/>
-              </a:rPr>
-              <a:t>Write 1 to the reset field of control register (address base + 0x04)</a:t>
-            </a:r>
-          </a:p>
-          <a:p>
-            <a:pPr marL="1085850" lvl="2" indent="-514350" eaLnBrk="1" fontAlgn="auto" hangingPunct="1">
-              <a:spcAft>
-                <a:spcPts val="0"/>
-              </a:spcAft>
-              <a:buFont typeface="Arial" pitchFamily="34" charset="0"/>
-              <a:buNone/>
-              <a:defRPr/>
-            </a:pPr>
-            <a:r>
-              <a:rPr lang="en-US" sz="1700" i="1" dirty="0" err="1" smtClean="0">
-                <a:latin typeface="+mj-lt"/>
-              </a:rPr>
-              <a:t>CSL_BootCfgUnlockKicker</a:t>
-            </a:r>
-            <a:r>
-              <a:rPr lang="en-US" sz="1700" i="1" dirty="0" smtClean="0">
-                <a:latin typeface="+mj-lt"/>
-              </a:rPr>
-              <a:t>();</a:t>
-            </a:r>
-          </a:p>
-          <a:p>
-            <a:pPr marL="1085850" lvl="2" indent="-514350" eaLnBrk="1" fontAlgn="auto" hangingPunct="1">
-              <a:spcAft>
-                <a:spcPts val="0"/>
-              </a:spcAft>
-              <a:buFont typeface="Arial" pitchFamily="34" charset="0"/>
-              <a:buNone/>
-              <a:defRPr/>
-            </a:pPr>
-            <a:r>
-              <a:rPr lang="en-US" sz="1700" i="1" dirty="0" err="1" smtClean="0">
-                <a:latin typeface="+mj-lt"/>
-              </a:rPr>
-              <a:t>CSL_BootCfgSetVUSRConfigPLL</a:t>
-            </a:r>
-            <a:r>
-              <a:rPr lang="en-US" sz="1700" i="1" dirty="0" smtClean="0">
-                <a:latin typeface="+mj-lt"/>
-              </a:rPr>
-              <a:t> ()</a:t>
-            </a:r>
-            <a:endParaRPr lang="en-US" sz="1700" b="1" i="1" dirty="0" smtClean="0">
-              <a:latin typeface="+mj-lt"/>
-            </a:endParaRPr>
-          </a:p>
-          <a:p>
-            <a:pPr marL="514350" indent="-514350" eaLnBrk="1" fontAlgn="auto" hangingPunct="1">
-              <a:spcAft>
-                <a:spcPts val="0"/>
-              </a:spcAft>
-              <a:buFont typeface="Arial" pitchFamily="34" charset="0"/>
-              <a:buNone/>
-              <a:defRPr/>
-            </a:pPr>
-            <a:r>
-              <a:rPr lang="en-US" dirty="0" smtClean="0">
-                <a:latin typeface="+mj-lt"/>
-              </a:rPr>
-              <a:t>3. </a:t>
-            </a:r>
-            <a:r>
-              <a:rPr lang="en-US" sz="2400" dirty="0" smtClean="0">
-                <a:latin typeface="+mj-lt"/>
-              </a:rPr>
-              <a:t>Configure the SERDES.</a:t>
-            </a:r>
-          </a:p>
-          <a:p>
-            <a:pPr marL="1085850" lvl="2" indent="-514350" eaLnBrk="1" fontAlgn="auto" hangingPunct="1">
-              <a:spcAft>
-                <a:spcPts val="0"/>
-              </a:spcAft>
-              <a:buFont typeface="Arial" pitchFamily="34" charset="0"/>
-              <a:buNone/>
-              <a:defRPr/>
-            </a:pPr>
-            <a:r>
-              <a:rPr lang="en-US" sz="1700" i="1" dirty="0" err="1" smtClean="0"/>
-              <a:t>CSL_BootCfgVUSRRxConfig</a:t>
-            </a:r>
-            <a:r>
-              <a:rPr lang="en-US" sz="1700" i="1" dirty="0" smtClean="0"/>
-              <a:t>()</a:t>
-            </a:r>
-          </a:p>
-          <a:p>
-            <a:pPr marL="1085850" lvl="2" indent="-514350" eaLnBrk="1" fontAlgn="auto" hangingPunct="1">
-              <a:spcAft>
-                <a:spcPts val="0"/>
-              </a:spcAft>
-              <a:buFont typeface="Arial" pitchFamily="34" charset="0"/>
-              <a:buNone/>
-              <a:defRPr/>
-            </a:pPr>
-            <a:r>
-              <a:rPr lang="en-US" sz="1700" i="1" dirty="0" err="1" smtClean="0"/>
-              <a:t>CSL_BootCfgVUSRTxConfig</a:t>
-            </a:r>
-            <a:r>
-              <a:rPr lang="en-US" sz="1700" i="1" dirty="0" smtClean="0"/>
-              <a:t>()</a:t>
-            </a:r>
-          </a:p>
-          <a:p>
-            <a:pPr marL="514350" indent="-514350" eaLnBrk="1" fontAlgn="auto" hangingPunct="1">
-              <a:spcAft>
-                <a:spcPts val="0"/>
-              </a:spcAft>
-              <a:buFont typeface="Arial" pitchFamily="34" charset="0"/>
-              <a:buNone/>
-              <a:defRPr/>
-            </a:pPr>
-            <a:endParaRPr lang="en-US" dirty="0" smtClean="0">
-              <a:latin typeface="+mj-lt"/>
-            </a:endParaRPr>
           </a:p>
         </p:txBody>
       </p:sp>
@@ -47021,7 +46929,7 @@
       </p:grpSpPr>
       <p:sp>
         <p:nvSpPr>
-          <p:cNvPr id="39938" name="Title 1"/>
+          <p:cNvPr id="38914" name="Title 1"/>
           <p:cNvSpPr>
             <a:spLocks noGrp="1"/>
           </p:cNvSpPr>
@@ -47037,7 +46945,7 @@
             <a:pPr eaLnBrk="1" hangingPunct="1"/>
             <a:r>
               <a:rPr lang="en-US" b="0" dirty="0" smtClean="0"/>
-              <a:t>Platform Level Configuration</a:t>
+              <a:t>Chip Level Configuration</a:t>
             </a:r>
           </a:p>
         </p:txBody>
@@ -47054,8 +46962,8 @@
         </p:nvSpPr>
         <p:spPr>
           <a:xfrm>
-            <a:off x="457200" y="990600"/>
-            <a:ext cx="8229600" cy="5029200"/>
+            <a:off x="304800" y="990600"/>
+            <a:ext cx="8686800" cy="5029200"/>
           </a:xfrm>
         </p:spPr>
         <p:txBody>
@@ -47076,7 +46984,99 @@
               <a:rPr lang="en-US" sz="2400" dirty="0" smtClean="0">
                 <a:latin typeface="+mj-lt"/>
               </a:rPr>
-              <a:t>HyperLink Control registers</a:t>
+              <a:t>Enable power domain for peripherals using CSL routines.</a:t>
+            </a:r>
+          </a:p>
+          <a:p>
+            <a:pPr marL="1085850" lvl="2" indent="-514350" eaLnBrk="1" fontAlgn="auto" hangingPunct="1">
+              <a:spcAft>
+                <a:spcPts val="0"/>
+              </a:spcAft>
+              <a:buFont typeface="Arial" pitchFamily="34" charset="0"/>
+              <a:buNone/>
+              <a:defRPr/>
+            </a:pPr>
+            <a:r>
+              <a:rPr lang="en-US" sz="1900" i="1" dirty="0" smtClean="0">
+                <a:latin typeface="+mj-lt"/>
+              </a:rPr>
+              <a:t>Enabling power to peripherals involves the following four functions:</a:t>
+            </a:r>
+          </a:p>
+          <a:p>
+            <a:pPr marL="1062037" lvl="3" indent="-514350" eaLnBrk="1" fontAlgn="auto" hangingPunct="1">
+              <a:spcAft>
+                <a:spcPts val="0"/>
+              </a:spcAft>
+              <a:buNone/>
+              <a:defRPr/>
+            </a:pPr>
+            <a:r>
+              <a:rPr lang="en-US" sz="1700" i="1" dirty="0" err="1" smtClean="0">
+                <a:latin typeface="+mj-lt"/>
+                <a:ea typeface="+mn-ea"/>
+                <a:cs typeface="+mn-cs"/>
+              </a:rPr>
+              <a:t>CSL_PSC_enablePowerDomain</a:t>
+            </a:r>
+            <a:r>
+              <a:rPr lang="en-US" sz="1700" i="1" dirty="0" smtClean="0">
+                <a:latin typeface="+mj-lt"/>
+                <a:ea typeface="+mn-ea"/>
+                <a:cs typeface="+mn-cs"/>
+              </a:rPr>
+              <a:t>()</a:t>
+            </a:r>
+          </a:p>
+          <a:p>
+            <a:pPr marL="1062037" lvl="3" indent="-514350" eaLnBrk="1" fontAlgn="auto" hangingPunct="1">
+              <a:spcAft>
+                <a:spcPts val="0"/>
+              </a:spcAft>
+              <a:buNone/>
+              <a:defRPr/>
+            </a:pPr>
+            <a:r>
+              <a:rPr lang="en-US" sz="1700" i="1" dirty="0" smtClean="0">
+                <a:latin typeface="+mj-lt"/>
+                <a:ea typeface="+mn-ea"/>
+                <a:cs typeface="+mn-cs"/>
+              </a:rPr>
+              <a:t>CSL_PSC_setMosuleNextState()</a:t>
+            </a:r>
+          </a:p>
+          <a:p>
+            <a:pPr marL="1062037" lvl="3" indent="-514350" eaLnBrk="1" fontAlgn="auto" hangingPunct="1">
+              <a:spcAft>
+                <a:spcPts val="0"/>
+              </a:spcAft>
+              <a:buNone/>
+              <a:defRPr/>
+            </a:pPr>
+            <a:r>
+              <a:rPr lang="en-US" sz="1700" i="1" dirty="0" smtClean="0">
+                <a:latin typeface="+mj-lt"/>
+                <a:ea typeface="+mn-ea"/>
+                <a:cs typeface="+mn-cs"/>
+              </a:rPr>
+              <a:t>CSL_PSC_startStateTransition()</a:t>
+            </a:r>
+          </a:p>
+          <a:p>
+            <a:pPr marL="1062037" lvl="3" indent="-514350" eaLnBrk="1" fontAlgn="auto" hangingPunct="1">
+              <a:spcAft>
+                <a:spcPts val="0"/>
+              </a:spcAft>
+              <a:buNone/>
+              <a:defRPr/>
+            </a:pPr>
+            <a:r>
+              <a:rPr lang="en-US" sz="1700" i="1" dirty="0" smtClean="0">
+                <a:latin typeface="+mj-lt"/>
+                <a:ea typeface="+mn-ea"/>
+                <a:cs typeface="+mn-cs"/>
+              </a:rPr>
+              <a:t>CSL_PSC_isStateTransitionDone()</a:t>
             </a:r>
           </a:p>
           <a:p>
@@ -47092,23 +47092,128 @@
               <a:rPr lang="en-US" sz="2400" dirty="0" smtClean="0">
                 <a:latin typeface="+mj-lt"/>
               </a:rPr>
-              <a:t>Interrupt registers</a:t>
-            </a:r>
+              <a:t>Reset the HyperLink and load the boot code for the PLL.</a:t>
+            </a:r>
+          </a:p>
+          <a:p>
+            <a:pPr marL="1085850" lvl="2" indent="-514350" eaLnBrk="1" fontAlgn="auto" hangingPunct="1">
+              <a:spcAft>
+                <a:spcPts val="0"/>
+              </a:spcAft>
+              <a:buFont typeface="Arial" pitchFamily="34" charset="0"/>
+              <a:buNone/>
+              <a:defRPr/>
+            </a:pPr>
+            <a:r>
+              <a:rPr lang="en-US" sz="1700" i="1" dirty="0" smtClean="0">
+                <a:latin typeface="+mj-lt"/>
+              </a:rPr>
+              <a:t>Write 1 to the reset field of control register (address base + 0x04)</a:t>
+            </a:r>
+          </a:p>
+          <a:p>
+            <a:pPr marL="1085850" lvl="2" indent="-514350" eaLnBrk="1" fontAlgn="auto" hangingPunct="1">
+              <a:spcAft>
+                <a:spcPts val="0"/>
+              </a:spcAft>
+              <a:buFont typeface="Arial" pitchFamily="34" charset="0"/>
+              <a:buNone/>
+              <a:defRPr/>
+            </a:pPr>
+            <a:r>
+              <a:rPr lang="en-US" sz="1700" i="1" dirty="0" err="1" smtClean="0">
+                <a:latin typeface="+mj-lt"/>
+              </a:rPr>
+              <a:t>CSL_BootCfgUnlockKicker</a:t>
+            </a:r>
+            <a:r>
+              <a:rPr lang="en-US" sz="1700" i="1" dirty="0" smtClean="0">
+                <a:latin typeface="+mj-lt"/>
+              </a:rPr>
+              <a:t>();</a:t>
+            </a:r>
+          </a:p>
+          <a:p>
+            <a:pPr marL="1085850" lvl="2" indent="-514350" eaLnBrk="1" fontAlgn="auto" hangingPunct="1">
+              <a:spcAft>
+                <a:spcPts val="0"/>
+              </a:spcAft>
+              <a:buFont typeface="Arial" pitchFamily="34" charset="0"/>
+              <a:buNone/>
+              <a:defRPr/>
+            </a:pPr>
+            <a:r>
+              <a:rPr lang="en-US" sz="1700" i="1" dirty="0" err="1" smtClean="0">
+                <a:latin typeface="+mj-lt"/>
+              </a:rPr>
+              <a:t>CSL_BootCfgSetVUSRConfigPLL</a:t>
+            </a:r>
+            <a:r>
+              <a:rPr lang="en-US" sz="1700" i="1" dirty="0" smtClean="0">
+                <a:latin typeface="+mj-lt"/>
+              </a:rPr>
+              <a:t> ()</a:t>
+            </a:r>
+            <a:endParaRPr lang="en-US" sz="1700" b="1" i="1" dirty="0" smtClean="0">
+              <a:latin typeface="+mj-lt"/>
+            </a:endParaRPr>
           </a:p>
           <a:p>
             <a:pPr marL="514350" indent="-514350" eaLnBrk="1" fontAlgn="auto" hangingPunct="1">
               <a:spcAft>
                 <a:spcPts val="0"/>
               </a:spcAft>
-              <a:buFont typeface="+mj-lt"/>
-              <a:buAutoNum type="arabicPeriod"/>
+              <a:buFont typeface="Arial" pitchFamily="34" charset="0"/>
+              <a:buNone/>
               <a:defRPr/>
             </a:pPr>
             <a:r>
+              <a:rPr lang="en-US" dirty="0" smtClean="0">
+                <a:latin typeface="+mj-lt"/>
+              </a:rPr>
+              <a:t>3. </a:t>
+            </a:r>
+            <a:r>
               <a:rPr lang="en-US" sz="2400" dirty="0" smtClean="0">
                 <a:latin typeface="+mj-lt"/>
               </a:rPr>
-              <a:t>Lane Power Management registers</a:t>
+              <a:t>Configure the SERDES.</a:t>
+            </a:r>
+          </a:p>
+          <a:p>
+            <a:pPr marL="1085850" lvl="2" indent="-514350" eaLnBrk="1" fontAlgn="auto" hangingPunct="1">
+              <a:spcAft>
+                <a:spcPts val="0"/>
+              </a:spcAft>
+              <a:buFont typeface="Arial" pitchFamily="34" charset="0"/>
+              <a:buNone/>
+              <a:defRPr/>
+            </a:pPr>
+            <a:r>
+              <a:rPr lang="en-US" sz="1700" i="1" dirty="0" err="1" smtClean="0"/>
+              <a:t>CSL_BootCfgVUSRRxConfig</a:t>
+            </a:r>
+            <a:r>
+              <a:rPr lang="en-US" sz="1700" i="1" dirty="0" smtClean="0"/>
+              <a:t>()</a:t>
+            </a:r>
+          </a:p>
+          <a:p>
+            <a:pPr marL="1085850" lvl="2" indent="-514350" eaLnBrk="1" fontAlgn="auto" hangingPunct="1">
+              <a:spcAft>
+                <a:spcPts val="0"/>
+              </a:spcAft>
+              <a:buFont typeface="Arial" pitchFamily="34" charset="0"/>
+              <a:buNone/>
+              <a:defRPr/>
+            </a:pPr>
+            <a:r>
+              <a:rPr lang="en-US" sz="1700" i="1" dirty="0" err="1" smtClean="0"/>
+              <a:t>CSL_BootCfgVUSRTxConfig</a:t>
+            </a:r>
+            <a:r>
+              <a:rPr lang="en-US" sz="1700" i="1" dirty="0" smtClean="0"/>
+              <a:t>()</a:t>
             </a:r>
           </a:p>
           <a:p>
@@ -47116,62 +47221,11 @@
               <a:spcAft>
                 <a:spcPts val="0"/>
               </a:spcAft>
-              <a:buFont typeface="+mj-lt"/>
-              <a:buAutoNum type="arabicPeriod"/>
+              <a:buFont typeface="Arial" pitchFamily="34" charset="0"/>
+              <a:buNone/>
               <a:defRPr/>
             </a:pPr>
-            <a:r>
-              <a:rPr lang="en-US" sz="2400" dirty="0" smtClean="0">
-                <a:latin typeface="+mj-lt"/>
-              </a:rPr>
-              <a:t>Error Detection registers</a:t>
-            </a:r>
-          </a:p>
-          <a:p>
-            <a:pPr marL="514350" indent="-514350" eaLnBrk="1" fontAlgn="auto" hangingPunct="1">
-              <a:spcAft>
-                <a:spcPts val="0"/>
-              </a:spcAft>
-              <a:buFont typeface="+mj-lt"/>
-              <a:buAutoNum type="arabicPeriod"/>
-              <a:defRPr/>
-            </a:pPr>
-            <a:r>
-              <a:rPr lang="en-US" sz="2400" dirty="0" smtClean="0">
-                <a:latin typeface="+mj-lt"/>
-              </a:rPr>
-              <a:t>SerDes operation configuration</a:t>
-            </a:r>
-          </a:p>
-          <a:p>
-            <a:pPr marL="514350" indent="-514350" eaLnBrk="1" fontAlgn="auto" hangingPunct="1">
-              <a:spcAft>
-                <a:spcPts val="0"/>
-              </a:spcAft>
-              <a:buFont typeface="+mj-lt"/>
-              <a:buAutoNum type="arabicPeriod"/>
-              <a:defRPr/>
-            </a:pPr>
-            <a:r>
-              <a:rPr lang="en-US" sz="2400" dirty="0" smtClean="0">
-                <a:latin typeface="+mj-lt"/>
-              </a:rPr>
-              <a:t>Address Translation registers</a:t>
-            </a:r>
             <a:endParaRPr lang="en-US" dirty="0" smtClean="0">
-              <a:latin typeface="+mj-lt"/>
-            </a:endParaRPr>
-          </a:p>
-          <a:p>
-            <a:pPr marL="514350" indent="-514350" eaLnBrk="1" fontAlgn="auto" hangingPunct="1">
-              <a:spcAft>
-                <a:spcPts val="0"/>
-              </a:spcAft>
-              <a:buFont typeface="+mj-lt"/>
-              <a:buAutoNum type="arabicPeriod"/>
-              <a:defRPr/>
-            </a:pPr>
-            <a:endParaRPr lang="en-US" sz="2400" dirty="0" smtClean="0">
               <a:latin typeface="+mj-lt"/>
             </a:endParaRPr>
           </a:p>
@@ -47211,7 +47265,7 @@
       </p:grpSpPr>
       <p:sp>
         <p:nvSpPr>
-          <p:cNvPr id="40962" name="Title 1"/>
+          <p:cNvPr id="39938" name="Title 1"/>
           <p:cNvSpPr>
             <a:spLocks noGrp="1"/>
           </p:cNvSpPr>
@@ -47227,7 +47281,7 @@
             <a:pPr eaLnBrk="1" hangingPunct="1"/>
             <a:r>
               <a:rPr lang="en-US" b="0" dirty="0" smtClean="0"/>
-              <a:t>Basic HyperLink LLD Functions</a:t>
+              <a:t>Platform Level Configuration</a:t>
             </a:r>
           </a:p>
         </p:txBody>
@@ -47244,394 +47298,124 @@
         </p:nvSpPr>
         <p:spPr>
           <a:xfrm>
-            <a:off x="381000" y="762000"/>
-            <a:ext cx="8229600" cy="5638800"/>
+            <a:off x="457200" y="990600"/>
+            <a:ext cx="8229600" cy="5029200"/>
           </a:xfrm>
         </p:spPr>
         <p:txBody>
           <a:bodyPr rtlCol="0">
-            <a:noAutofit/>
+            <a:normAutofit/>
           </a:bodyPr>
           <a:lstStyle/>
           <a:p>
-            <a:pPr>
-              <a:buNone/>
+            <a:pPr marL="514350" indent="-514350" eaLnBrk="1" fontAlgn="auto" hangingPunct="1">
+              <a:spcAft>
+                <a:spcPts val="0"/>
+              </a:spcAft>
+              <a:buFont typeface="+mj-lt"/>
+              <a:buAutoNum type="arabicPeriod"/>
               <a:defRPr/>
             </a:pPr>
             <a:r>
-              <a:rPr lang="en-US" sz="1400" dirty="0" smtClean="0">
-                <a:hlinkClick r:id="rId3" action="ppaction://hlinkfile"/>
-              </a:rPr>
-              <a:t>hyplnkRet_e</a:t>
-            </a:r>
-            <a:r>
-              <a:rPr lang="en-US" sz="1400" dirty="0" smtClean="0"/>
-              <a:t>  </a:t>
-            </a:r>
-            <a:r>
-              <a:rPr lang="en-US" sz="1400" dirty="0" smtClean="0">
-                <a:hlinkClick r:id="rId4" action="ppaction://hlinkfile"/>
-              </a:rPr>
-              <a:t>Hyplnk_open</a:t>
-            </a:r>
-            <a:r>
-              <a:rPr lang="en-US" sz="1400" dirty="0" smtClean="0"/>
-              <a:t> (int portNum, </a:t>
-            </a:r>
-            <a:r>
-              <a:rPr lang="en-US" sz="1400" dirty="0" smtClean="0">
-                <a:hlinkClick r:id="rId5" action="ppaction://hlinkfile"/>
-              </a:rPr>
-              <a:t>Hyplnk_Handle</a:t>
-            </a:r>
-            <a:r>
-              <a:rPr lang="en-US" sz="1400" dirty="0" smtClean="0"/>
-              <a:t> *pHandle)   </a:t>
-            </a:r>
-          </a:p>
-          <a:p>
-            <a:pPr>
-              <a:buNone/>
+              <a:rPr lang="en-US" sz="2400" dirty="0" smtClean="0">
+                <a:latin typeface="+mj-lt"/>
+              </a:rPr>
+              <a:t>HyperLink Control registers</a:t>
+            </a:r>
+          </a:p>
+          <a:p>
+            <a:pPr marL="514350" indent="-514350" eaLnBrk="1" fontAlgn="auto" hangingPunct="1">
+              <a:spcAft>
+                <a:spcPts val="0"/>
+              </a:spcAft>
+              <a:buFont typeface="+mj-lt"/>
+              <a:buAutoNum type="arabicPeriod"/>
               <a:defRPr/>
             </a:pPr>
             <a:r>
-              <a:rPr lang="en-US" sz="1400" dirty="0" smtClean="0"/>
-              <a:t>		Hyplnk_open creates/opens a HyperLink instance. </a:t>
-            </a:r>
-          </a:p>
-          <a:p>
-            <a:pPr>
-              <a:buNone/>
+              <a:rPr lang="en-US" sz="2400" dirty="0" smtClean="0">
+                <a:latin typeface="+mj-lt"/>
+              </a:rPr>
+              <a:t>Interrupt registers</a:t>
+            </a:r>
+          </a:p>
+          <a:p>
+            <a:pPr marL="514350" indent="-514350" eaLnBrk="1" fontAlgn="auto" hangingPunct="1">
+              <a:spcAft>
+                <a:spcPts val="0"/>
+              </a:spcAft>
+              <a:buFont typeface="+mj-lt"/>
+              <a:buAutoNum type="arabicPeriod"/>
               <a:defRPr/>
             </a:pPr>
-            <a:endParaRPr lang="en-US" sz="1400" dirty="0" smtClean="0"/>
-          </a:p>
-          <a:p>
-            <a:pPr>
-              <a:buNone/>
+            <a:r>
+              <a:rPr lang="en-US" sz="2400" dirty="0" smtClean="0">
+                <a:latin typeface="+mj-lt"/>
+              </a:rPr>
+              <a:t>Lane Power Management registers</a:t>
+            </a:r>
+          </a:p>
+          <a:p>
+            <a:pPr marL="514350" indent="-514350" eaLnBrk="1" fontAlgn="auto" hangingPunct="1">
+              <a:spcAft>
+                <a:spcPts val="0"/>
+              </a:spcAft>
+              <a:buFont typeface="+mj-lt"/>
+              <a:buAutoNum type="arabicPeriod"/>
               <a:defRPr/>
             </a:pPr>
             <a:r>
-              <a:rPr lang="en-US" sz="1400" dirty="0" smtClean="0">
-                <a:hlinkClick r:id="rId3" action="ppaction://hlinkfile"/>
-              </a:rPr>
-              <a:t>hyplnkRet_e</a:t>
-            </a:r>
-            <a:r>
-              <a:rPr lang="en-US" sz="1400" dirty="0" smtClean="0"/>
-              <a:t>  </a:t>
-            </a:r>
-            <a:r>
-              <a:rPr lang="en-US" sz="1400" dirty="0" smtClean="0">
-                <a:hlinkClick r:id="rId4" action="ppaction://hlinkfile"/>
-              </a:rPr>
-              <a:t>Hyplnk_close</a:t>
-            </a:r>
-            <a:r>
-              <a:rPr lang="en-US" sz="1400" dirty="0" smtClean="0"/>
-              <a:t> (</a:t>
-            </a:r>
-            <a:r>
-              <a:rPr lang="en-US" sz="1400" dirty="0" smtClean="0">
-                <a:hlinkClick r:id="rId5" action="ppaction://hlinkfile"/>
-              </a:rPr>
-              <a:t>Hyplnk_Handle</a:t>
-            </a:r>
-            <a:r>
-              <a:rPr lang="en-US" sz="1400" dirty="0" smtClean="0"/>
-              <a:t> *pHandle)   </a:t>
-            </a:r>
-          </a:p>
-          <a:p>
-            <a:pPr>
-              <a:buNone/>
+              <a:rPr lang="en-US" sz="2400" dirty="0" smtClean="0">
+                <a:latin typeface="+mj-lt"/>
+              </a:rPr>
+              <a:t>Error Detection registers</a:t>
+            </a:r>
+          </a:p>
+          <a:p>
+            <a:pPr marL="514350" indent="-514350" eaLnBrk="1" fontAlgn="auto" hangingPunct="1">
+              <a:spcAft>
+                <a:spcPts val="0"/>
+              </a:spcAft>
+              <a:buFont typeface="+mj-lt"/>
+              <a:buAutoNum type="arabicPeriod"/>
               <a:defRPr/>
             </a:pPr>
             <a:r>
-              <a:rPr lang="en-US" sz="1400" dirty="0" smtClean="0"/>
-              <a:t>		Hyplnk_close Closes (frees) the driver handle. </a:t>
-            </a:r>
-          </a:p>
-          <a:p>
-            <a:pPr>
-              <a:buNone/>
+              <a:rPr lang="en-US" sz="2400" dirty="0" smtClean="0">
+                <a:latin typeface="+mj-lt"/>
+              </a:rPr>
+              <a:t>SerDes operation configuration</a:t>
+            </a:r>
+          </a:p>
+          <a:p>
+            <a:pPr marL="514350" indent="-514350" eaLnBrk="1" fontAlgn="auto" hangingPunct="1">
+              <a:spcAft>
+                <a:spcPts val="0"/>
+              </a:spcAft>
+              <a:buFont typeface="+mj-lt"/>
+              <a:buAutoNum type="arabicPeriod"/>
               <a:defRPr/>
             </a:pPr>
-            <a:endParaRPr lang="en-US" sz="1400" dirty="0" smtClean="0"/>
-          </a:p>
-          <a:p>
-            <a:pPr>
-              <a:buNone/>
+            <a:r>
+              <a:rPr lang="en-US" sz="2400" dirty="0" smtClean="0">
+                <a:latin typeface="+mj-lt"/>
+              </a:rPr>
+              <a:t>Address Translation registers</a:t>
+            </a:r>
+            <a:endParaRPr lang="en-US" dirty="0" smtClean="0">
+              <a:latin typeface="+mj-lt"/>
+            </a:endParaRPr>
+          </a:p>
+          <a:p>
+            <a:pPr marL="514350" indent="-514350" eaLnBrk="1" fontAlgn="auto" hangingPunct="1">
+              <a:spcAft>
+                <a:spcPts val="0"/>
+              </a:spcAft>
+              <a:buFont typeface="+mj-lt"/>
+              <a:buAutoNum type="arabicPeriod"/>
               <a:defRPr/>
             </a:pPr>
-            <a:r>
-              <a:rPr lang="en-US" sz="1400" dirty="0" smtClean="0">
-                <a:hlinkClick r:id="rId3" action="ppaction://hlinkfile"/>
-              </a:rPr>
-              <a:t>hyplnkRet_e</a:t>
-            </a:r>
-            <a:r>
-              <a:rPr lang="en-US" sz="1400" dirty="0" smtClean="0"/>
-              <a:t>  </a:t>
-            </a:r>
-            <a:r>
-              <a:rPr lang="en-US" sz="1400" dirty="0" smtClean="0">
-                <a:hlinkClick r:id="rId4" action="ppaction://hlinkfile"/>
-              </a:rPr>
-              <a:t>Hyplnk_readRegs</a:t>
-            </a:r>
-            <a:r>
-              <a:rPr lang="en-US" sz="1400" dirty="0" smtClean="0"/>
-              <a:t> (</a:t>
-            </a:r>
-            <a:r>
-              <a:rPr lang="en-US" sz="1400" dirty="0" smtClean="0">
-                <a:hlinkClick r:id="rId5" action="ppaction://hlinkfile"/>
-              </a:rPr>
-              <a:t>Hyplnk_Handle</a:t>
-            </a:r>
-            <a:r>
-              <a:rPr lang="en-US" sz="1400" dirty="0" smtClean="0"/>
-              <a:t> handle, </a:t>
-            </a:r>
-            <a:r>
-              <a:rPr lang="en-US" sz="1400" dirty="0" smtClean="0">
-                <a:hlinkClick r:id="rId6" action="ppaction://hlinkfile"/>
-              </a:rPr>
-              <a:t>hyplnkLocation_e</a:t>
-            </a:r>
-            <a:r>
-              <a:rPr lang="en-US" sz="1400" dirty="0" smtClean="0"/>
-              <a:t> location, </a:t>
-            </a:r>
-            <a:r>
-              <a:rPr lang="en-US" sz="1400" dirty="0" smtClean="0">
-                <a:hlinkClick r:id="rId7" action="ppaction://hlinkfile"/>
-              </a:rPr>
-              <a:t>hyplnkRegisters_t</a:t>
-            </a:r>
-            <a:r>
-              <a:rPr lang="en-US" sz="1400" dirty="0" smtClean="0"/>
-              <a:t> *readRegs)   </a:t>
-            </a:r>
-          </a:p>
-          <a:p>
-            <a:pPr>
-              <a:buNone/>
-              <a:defRPr/>
-            </a:pPr>
-            <a:r>
-              <a:rPr lang="en-US" sz="1400" dirty="0" smtClean="0"/>
-              <a:t>		Performs a configuration read. </a:t>
-            </a:r>
-          </a:p>
-          <a:p>
-            <a:pPr>
-              <a:buNone/>
-              <a:defRPr/>
-            </a:pPr>
-            <a:endParaRPr lang="en-US" sz="1400" dirty="0" smtClean="0">
-              <a:hlinkClick r:id="rId3" action="ppaction://hlinkfile"/>
-            </a:endParaRPr>
-          </a:p>
-          <a:p>
-            <a:pPr>
-              <a:buNone/>
-              <a:defRPr/>
-            </a:pPr>
-            <a:r>
-              <a:rPr lang="en-US" sz="1400" dirty="0" smtClean="0">
-                <a:hlinkClick r:id="rId3" action="ppaction://hlinkfile"/>
-              </a:rPr>
-              <a:t>hyplnkRet_e</a:t>
-            </a:r>
-            <a:r>
-              <a:rPr lang="en-US" sz="1400" dirty="0" smtClean="0"/>
-              <a:t>  </a:t>
-            </a:r>
-            <a:r>
-              <a:rPr lang="en-US" sz="1400" dirty="0" smtClean="0">
-                <a:hlinkClick r:id="rId4" action="ppaction://hlinkfile"/>
-              </a:rPr>
-              <a:t>Hyplnk_writeRegs</a:t>
-            </a:r>
-            <a:r>
-              <a:rPr lang="en-US" sz="1400" dirty="0" smtClean="0"/>
-              <a:t> (</a:t>
-            </a:r>
-            <a:r>
-              <a:rPr lang="en-US" sz="1400" dirty="0" smtClean="0">
-                <a:hlinkClick r:id="rId5" action="ppaction://hlinkfile"/>
-              </a:rPr>
-              <a:t>Hyplnk_Handle</a:t>
-            </a:r>
-            <a:r>
-              <a:rPr lang="en-US" sz="1400" dirty="0" smtClean="0"/>
-              <a:t> handle, </a:t>
-            </a:r>
-            <a:r>
-              <a:rPr lang="en-US" sz="1400" dirty="0" smtClean="0">
-                <a:hlinkClick r:id="rId6" action="ppaction://hlinkfile"/>
-              </a:rPr>
-              <a:t>hyplnkLocation_e</a:t>
-            </a:r>
-            <a:r>
-              <a:rPr lang="en-US" sz="1400" dirty="0" smtClean="0"/>
-              <a:t> location, </a:t>
-            </a:r>
-            <a:r>
-              <a:rPr lang="en-US" sz="1400" dirty="0" smtClean="0">
-                <a:hlinkClick r:id="rId7" action="ppaction://hlinkfile"/>
-              </a:rPr>
-              <a:t>hyplnkRegisters_t</a:t>
-            </a:r>
-            <a:r>
-              <a:rPr lang="en-US" sz="1400" dirty="0" smtClean="0"/>
-              <a:t> *writeRegs)   </a:t>
-            </a:r>
-          </a:p>
-          <a:p>
-            <a:pPr>
-              <a:buNone/>
-              <a:defRPr/>
-            </a:pPr>
-            <a:r>
-              <a:rPr lang="en-US" sz="1400" dirty="0" smtClean="0"/>
-              <a:t>		Performs a configuration write. </a:t>
-            </a:r>
-          </a:p>
-          <a:p>
-            <a:pPr>
-              <a:buNone/>
-              <a:defRPr/>
-            </a:pPr>
-            <a:endParaRPr lang="en-US" sz="1400" dirty="0" smtClean="0">
-              <a:hlinkClick r:id="rId3" action="ppaction://hlinkfile"/>
-            </a:endParaRPr>
-          </a:p>
-          <a:p>
-            <a:pPr>
-              <a:buNone/>
-              <a:defRPr/>
-            </a:pPr>
-            <a:r>
-              <a:rPr lang="en-US" sz="1400" dirty="0" smtClean="0">
-                <a:hlinkClick r:id="rId3" action="ppaction://hlinkfile"/>
-              </a:rPr>
-              <a:t>hyplnkRet_e</a:t>
-            </a:r>
-            <a:r>
-              <a:rPr lang="en-US" sz="1400" dirty="0" smtClean="0"/>
-              <a:t>  </a:t>
-            </a:r>
-            <a:r>
-              <a:rPr lang="en-US" sz="1400" dirty="0" smtClean="0">
-                <a:hlinkClick r:id="rId4" action="ppaction://hlinkfile"/>
-              </a:rPr>
-              <a:t>Hyplnk_getWindow</a:t>
-            </a:r>
-            <a:r>
-              <a:rPr lang="en-US" sz="1400" dirty="0" smtClean="0"/>
-              <a:t> (</a:t>
-            </a:r>
-            <a:r>
-              <a:rPr lang="en-US" sz="1400" dirty="0" smtClean="0">
-                <a:hlinkClick r:id="rId5" action="ppaction://hlinkfile"/>
-              </a:rPr>
-              <a:t>Hyplnk_Handle</a:t>
-            </a:r>
-            <a:r>
-              <a:rPr lang="en-US" sz="1400" dirty="0" smtClean="0"/>
-              <a:t> handle, void **base, uint32_t *size)   </a:t>
-            </a:r>
-          </a:p>
-          <a:p>
-            <a:pPr>
-              <a:buNone/>
-              <a:defRPr/>
-            </a:pPr>
-            <a:r>
-              <a:rPr lang="en-US" sz="1400" dirty="0" smtClean="0"/>
-              <a:t>		Hyplnk_getWindow returns the address and size of the local memory window.</a:t>
-            </a:r>
-          </a:p>
-          <a:p>
-            <a:pPr>
-              <a:buNone/>
-              <a:defRPr/>
-            </a:pPr>
-            <a:endParaRPr lang="en-US" sz="1400" dirty="0" smtClean="0"/>
-          </a:p>
-          <a:p>
-            <a:pPr>
-              <a:buNone/>
-              <a:defRPr/>
-            </a:pPr>
-            <a:r>
-              <a:rPr lang="en-US" sz="1400" dirty="0" smtClean="0"/>
-              <a:t>uint32_t  </a:t>
-            </a:r>
-            <a:r>
-              <a:rPr lang="en-US" sz="1400" dirty="0" smtClean="0">
-                <a:hlinkClick r:id="rId4" action="ppaction://hlinkfile"/>
-              </a:rPr>
-              <a:t>Hyplnk_getVersion</a:t>
-            </a:r>
-            <a:r>
-              <a:rPr lang="en-US" sz="1400" dirty="0" smtClean="0"/>
-              <a:t> (void)   Hyplnk_getVersion </a:t>
-            </a:r>
-          </a:p>
-          <a:p>
-            <a:pPr>
-              <a:buNone/>
-              <a:defRPr/>
-            </a:pPr>
-            <a:r>
-              <a:rPr lang="en-US" sz="1400" dirty="0" smtClean="0"/>
-              <a:t>		returns the HYPLNK LLD version information. </a:t>
-            </a:r>
-          </a:p>
-          <a:p>
-            <a:pPr>
-              <a:buNone/>
-              <a:defRPr/>
-            </a:pPr>
-            <a:endParaRPr lang="en-US" sz="1400" dirty="0" smtClean="0"/>
-          </a:p>
-          <a:p>
-            <a:pPr>
-              <a:buNone/>
-              <a:defRPr/>
-            </a:pPr>
-            <a:r>
-              <a:rPr lang="en-US" sz="1400" dirty="0" smtClean="0"/>
-              <a:t>const char *  </a:t>
-            </a:r>
-            <a:r>
-              <a:rPr lang="en-US" sz="1400" dirty="0" smtClean="0">
-                <a:hlinkClick r:id="rId4" action="ppaction://hlinkfile"/>
-              </a:rPr>
-              <a:t>Hyplnk_getVersionStr</a:t>
-            </a:r>
-            <a:r>
-              <a:rPr lang="en-US" sz="1400" dirty="0" smtClean="0"/>
-              <a:t> (void)   Hyplnk_getVersionStr </a:t>
-            </a:r>
-          </a:p>
-          <a:p>
-            <a:pPr>
-              <a:buNone/>
-              <a:defRPr/>
-            </a:pPr>
-            <a:r>
-              <a:rPr lang="en-US" sz="1400" dirty="0" smtClean="0"/>
-              <a:t>		returns the HYPLNK LLD version string. </a:t>
-            </a:r>
-            <a:br>
-              <a:rPr lang="en-US" sz="1400" dirty="0" smtClean="0"/>
-            </a:br>
-            <a:endParaRPr lang="en-US" sz="1400" dirty="0" smtClean="0">
+            <a:endParaRPr lang="en-US" sz="2400" dirty="0" smtClean="0">
               <a:latin typeface="+mj-lt"/>
             </a:endParaRPr>
           </a:p>
@@ -47671,7 +47455,7 @@
       </p:grpSpPr>
       <p:sp>
         <p:nvSpPr>
-          <p:cNvPr id="41986" name="Title 1"/>
+          <p:cNvPr id="40962" name="Title 1"/>
           <p:cNvSpPr>
             <a:spLocks noGrp="1"/>
           </p:cNvSpPr>
@@ -47679,12 +47463,7 @@
             <p:ph type="title"/>
           </p:nvPr>
         </p:nvSpPr>
-        <p:spPr>
-          <a:xfrm>
-            <a:off x="457200" y="152400"/>
-            <a:ext cx="8229600" cy="685800"/>
-          </a:xfrm>
-        </p:spPr>
+        <p:spPr/>
         <p:txBody>
           <a:bodyPr/>
           <a:lstStyle/>
@@ -47692,7 +47471,7 @@
             <a:pPr eaLnBrk="1" hangingPunct="1"/>
             <a:r>
               <a:rPr lang="en-US" b="0" dirty="0" smtClean="0"/>
-              <a:t>Configuration Functions</a:t>
+              <a:t>Basic HyperLink LLD Functions</a:t>
             </a:r>
           </a:p>
         </p:txBody>
@@ -47709,263 +47488,394 @@
         </p:nvSpPr>
         <p:spPr>
           <a:xfrm>
-            <a:off x="381000" y="990600"/>
-            <a:ext cx="8382000" cy="5029200"/>
+            <a:off x="381000" y="762000"/>
+            <a:ext cx="8229600" cy="5638800"/>
           </a:xfrm>
         </p:spPr>
         <p:txBody>
           <a:bodyPr rtlCol="0">
-            <a:normAutofit/>
+            <a:noAutofit/>
           </a:bodyPr>
           <a:lstStyle/>
           <a:p>
-            <a:pPr marL="514350" indent="-514350" eaLnBrk="1" fontAlgn="auto" hangingPunct="1">
-              <a:spcAft>
-                <a:spcPts val="0"/>
-              </a:spcAft>
-              <a:defRPr/>
-            </a:pPr>
-            <a:r>
-              <a:rPr lang="en-US" sz="2600" dirty="0" smtClean="0">
-                <a:latin typeface="+mj-lt"/>
-              </a:rPr>
-              <a:t>Configuration functions are part of the HyperLink example in the PDK release and can be used “as is” or be modified by users.</a:t>
-            </a:r>
-          </a:p>
-          <a:p>
-            <a:pPr marL="514350" indent="-514350" eaLnBrk="1" fontAlgn="auto" hangingPunct="1">
-              <a:spcAft>
-                <a:spcPts val="0"/>
-              </a:spcAft>
+            <a:pPr>
               <a:buNone/>
               <a:defRPr/>
             </a:pPr>
-            <a:endParaRPr lang="en-US" sz="1500" i="1" dirty="0" smtClean="0">
-              <a:latin typeface="+mj-lt"/>
-            </a:endParaRPr>
-          </a:p>
-          <a:p>
-            <a:pPr marL="514350" indent="-514350" eaLnBrk="1" fontAlgn="auto" hangingPunct="1">
-              <a:spcAft>
-                <a:spcPts val="0"/>
-              </a:spcAft>
+            <a:r>
+              <a:rPr lang="en-US" sz="1400" dirty="0" smtClean="0">
+                <a:hlinkClick r:id="rId3" action="ppaction://hlinkfile"/>
+              </a:rPr>
+              <a:t>hyplnkRet_e</a:t>
+            </a:r>
+            <a:r>
+              <a:rPr lang="en-US" sz="1400" dirty="0" smtClean="0"/>
+              <a:t>  </a:t>
+            </a:r>
+            <a:r>
+              <a:rPr lang="en-US" sz="1400" dirty="0" smtClean="0">
+                <a:hlinkClick r:id="rId4" action="ppaction://hlinkfile"/>
+              </a:rPr>
+              <a:t>Hyplnk_open</a:t>
+            </a:r>
+            <a:r>
+              <a:rPr lang="en-US" sz="1400" dirty="0" smtClean="0"/>
+              <a:t> (int portNum, </a:t>
+            </a:r>
+            <a:r>
+              <a:rPr lang="en-US" sz="1400" dirty="0" smtClean="0">
+                <a:hlinkClick r:id="rId5" action="ppaction://hlinkfile"/>
+              </a:rPr>
+              <a:t>Hyplnk_Handle</a:t>
+            </a:r>
+            <a:r>
+              <a:rPr lang="en-US" sz="1400" dirty="0" smtClean="0"/>
+              <a:t> *pHandle)   </a:t>
+            </a:r>
+          </a:p>
+          <a:p>
+            <a:pPr>
               <a:buNone/>
               <a:defRPr/>
             </a:pPr>
             <a:r>
-              <a:rPr lang="en-US" sz="1500" i="1" dirty="0" smtClean="0">
-                <a:latin typeface="+mj-lt"/>
-              </a:rPr>
-              <a:t>                       </a:t>
-            </a:r>
-            <a:r>
-              <a:rPr lang="en-US" sz="1500" b="1" dirty="0" smtClean="0">
-                <a:latin typeface="Courier New" pitchFamily="49" charset="0"/>
-                <a:cs typeface="Courier New" pitchFamily="49" charset="0"/>
-              </a:rPr>
-              <a:t>PDK_INSTALL_PATH\</a:t>
-            </a:r>
-            <a:r>
-              <a:rPr lang="en-US" sz="1500" b="1" dirty="0" err="1" smtClean="0">
-                <a:latin typeface="Courier New" pitchFamily="49" charset="0"/>
-                <a:cs typeface="Courier New" pitchFamily="49" charset="0"/>
-              </a:rPr>
-              <a:t>ti</a:t>
-            </a:r>
-            <a:r>
-              <a:rPr lang="en-US" sz="1500" b="1" dirty="0" smtClean="0">
-                <a:latin typeface="Courier New" pitchFamily="49" charset="0"/>
-                <a:cs typeface="Courier New" pitchFamily="49" charset="0"/>
-              </a:rPr>
-              <a:t>\</a:t>
-            </a:r>
-            <a:r>
-              <a:rPr lang="en-US" sz="1500" b="1" dirty="0" err="1" smtClean="0">
-                <a:latin typeface="Courier New" pitchFamily="49" charset="0"/>
-                <a:cs typeface="Courier New" pitchFamily="49" charset="0"/>
-              </a:rPr>
-              <a:t>drv</a:t>
-            </a:r>
-            <a:r>
-              <a:rPr lang="en-US" sz="1500" b="1" dirty="0" smtClean="0">
-                <a:latin typeface="Courier New" pitchFamily="49" charset="0"/>
-                <a:cs typeface="Courier New" pitchFamily="49" charset="0"/>
-              </a:rPr>
-              <a:t>\</a:t>
-            </a:r>
-            <a:r>
-              <a:rPr lang="en-US" sz="1500" b="1" dirty="0" err="1" smtClean="0">
-                <a:latin typeface="Courier New" pitchFamily="49" charset="0"/>
-                <a:cs typeface="Courier New" pitchFamily="49" charset="0"/>
-              </a:rPr>
-              <a:t>hyplnk</a:t>
-            </a:r>
-            <a:r>
-              <a:rPr lang="en-US" sz="1500" b="1" dirty="0" smtClean="0">
-                <a:latin typeface="Courier New" pitchFamily="49" charset="0"/>
-                <a:cs typeface="Courier New" pitchFamily="49" charset="0"/>
-              </a:rPr>
-              <a:t>\example\common\</a:t>
-            </a:r>
-            <a:r>
-              <a:rPr lang="en-US" sz="1500" b="1" dirty="0" err="1" smtClean="0">
-                <a:latin typeface="Courier New" pitchFamily="49" charset="0"/>
-                <a:cs typeface="Courier New" pitchFamily="49" charset="0"/>
-              </a:rPr>
-              <a:t>hyplnkLLDIFace.c</a:t>
-            </a:r>
-            <a:endParaRPr lang="en-US" sz="1500" b="1" dirty="0" smtClean="0">
-              <a:latin typeface="Courier New" pitchFamily="49" charset="0"/>
-              <a:cs typeface="Courier New" pitchFamily="49" charset="0"/>
-            </a:endParaRPr>
-          </a:p>
-          <a:p>
-            <a:pPr marL="811213" lvl="1" indent="-514350" eaLnBrk="1" fontAlgn="auto" hangingPunct="1">
-              <a:spcAft>
-                <a:spcPts val="0"/>
-              </a:spcAft>
-              <a:buFont typeface="Arial" pitchFamily="34" charset="0"/>
+              <a:rPr lang="en-US" sz="1400" dirty="0" smtClean="0"/>
+              <a:t>		Hyplnk_open creates/opens a HyperLink instance. </a:t>
+            </a:r>
+          </a:p>
+          <a:p>
+            <a:pPr>
               <a:buNone/>
               <a:defRPr/>
             </a:pPr>
-            <a:endParaRPr lang="en-US" sz="2600" dirty="0" smtClean="0">
-              <a:latin typeface="+mj-lt"/>
-            </a:endParaRPr>
-          </a:p>
-          <a:p>
-            <a:pPr marL="514350" lvl="1" indent="-514350" eaLnBrk="1" fontAlgn="auto" hangingPunct="1">
-              <a:spcAft>
-                <a:spcPts val="0"/>
-              </a:spcAft>
-              <a:buFont typeface="Arial" charset="0"/>
-              <a:buChar char="•"/>
+            <a:endParaRPr lang="en-US" sz="1400" dirty="0" smtClean="0"/>
+          </a:p>
+          <a:p>
+            <a:pPr>
+              <a:buNone/>
               <a:defRPr/>
             </a:pPr>
             <a:r>
-              <a:rPr lang="en-US" sz="2600" dirty="0" smtClean="0">
-                <a:latin typeface="+mj-lt"/>
-                <a:ea typeface="+mn-ea"/>
-                <a:cs typeface="+mn-cs"/>
-              </a:rPr>
-              <a:t>Some of the configuration functions are:</a:t>
-            </a:r>
-          </a:p>
-          <a:p>
-            <a:pPr marL="811213" lvl="1" indent="-514350" eaLnBrk="1" fontAlgn="auto" hangingPunct="1">
-              <a:spcAft>
-                <a:spcPts val="0"/>
-              </a:spcAft>
+              <a:rPr lang="en-US" sz="1400" dirty="0" smtClean="0">
+                <a:hlinkClick r:id="rId3" action="ppaction://hlinkfile"/>
+              </a:rPr>
+              <a:t>hyplnkRet_e</a:t>
+            </a:r>
+            <a:r>
+              <a:rPr lang="en-US" sz="1400" dirty="0" smtClean="0"/>
+              <a:t>  </a:t>
+            </a:r>
+            <a:r>
+              <a:rPr lang="en-US" sz="1400" dirty="0" smtClean="0">
+                <a:hlinkClick r:id="rId4" action="ppaction://hlinkfile"/>
+              </a:rPr>
+              <a:t>Hyplnk_close</a:t>
+            </a:r>
+            <a:r>
+              <a:rPr lang="en-US" sz="1400" dirty="0" smtClean="0"/>
+              <a:t> (</a:t>
+            </a:r>
+            <a:r>
+              <a:rPr lang="en-US" sz="1400" dirty="0" smtClean="0">
+                <a:hlinkClick r:id="rId5" action="ppaction://hlinkfile"/>
+              </a:rPr>
+              <a:t>Hyplnk_Handle</a:t>
+            </a:r>
+            <a:r>
+              <a:rPr lang="en-US" sz="1400" dirty="0" smtClean="0"/>
+              <a:t> *pHandle)   </a:t>
+            </a:r>
+          </a:p>
+          <a:p>
+            <a:pPr>
+              <a:buNone/>
               <a:defRPr/>
             </a:pPr>
             <a:r>
-              <a:rPr lang="en-US" sz="1800" dirty="0" err="1" smtClean="0"/>
-              <a:t>hyplnkRet_e</a:t>
-            </a:r>
-            <a:r>
-              <a:rPr lang="en-US" sz="1800" dirty="0" smtClean="0"/>
-              <a:t>     </a:t>
-            </a:r>
-            <a:r>
-              <a:rPr lang="en-US" sz="1800" dirty="0" err="1" smtClean="0"/>
-              <a:t>hyplnkExampleAssertReset</a:t>
-            </a:r>
-            <a:r>
-              <a:rPr lang="en-US" sz="1800" dirty="0" smtClean="0"/>
-              <a:t> (int </a:t>
-            </a:r>
-            <a:r>
-              <a:rPr lang="en-US" sz="1800" u="sng" dirty="0" smtClean="0"/>
-              <a:t>val)</a:t>
-            </a:r>
-          </a:p>
-          <a:p>
-            <a:pPr marL="811213" lvl="1" indent="-514350" eaLnBrk="1" fontAlgn="auto" hangingPunct="1">
-              <a:spcAft>
-                <a:spcPts val="0"/>
-              </a:spcAft>
+              <a:rPr lang="en-US" sz="1400" dirty="0" smtClean="0"/>
+              <a:t>		Hyplnk_close Closes (frees) the driver handle. </a:t>
+            </a:r>
+          </a:p>
+          <a:p>
+            <a:pPr>
+              <a:buNone/>
               <a:defRPr/>
             </a:pPr>
-            <a:r>
-              <a:rPr lang="en-US" sz="1800" dirty="0" smtClean="0"/>
-              <a:t>Void	        </a:t>
-            </a:r>
-            <a:r>
-              <a:rPr lang="en-US" sz="1800" dirty="0" err="1" smtClean="0"/>
-              <a:t>hyplnkExampleSerdesCfg</a:t>
-            </a:r>
-            <a:r>
-              <a:rPr lang="en-US" sz="1800" dirty="0" smtClean="0"/>
-              <a:t> (uint32_t rx, uint32_t tx)</a:t>
-            </a:r>
-          </a:p>
-          <a:p>
-            <a:pPr marL="811213" lvl="1" indent="-514350" eaLnBrk="1" fontAlgn="auto" hangingPunct="1">
-              <a:spcAft>
-                <a:spcPts val="0"/>
-              </a:spcAft>
+            <a:endParaRPr lang="en-US" sz="1400" dirty="0" smtClean="0"/>
+          </a:p>
+          <a:p>
+            <a:pPr>
+              <a:buNone/>
               <a:defRPr/>
             </a:pPr>
             <a:r>
-              <a:rPr lang="en-US" sz="1800" dirty="0" err="1" smtClean="0"/>
+              <a:rPr lang="en-US" sz="1400" dirty="0" smtClean="0">
+                <a:hlinkClick r:id="rId3" action="ppaction://hlinkfile"/>
+              </a:rPr>
               <a:t>hyplnkRet_e</a:t>
             </a:r>
             <a:r>
-              <a:rPr lang="en-US" sz="1800" dirty="0" smtClean="0"/>
-              <a:t>     </a:t>
-            </a:r>
-            <a:r>
-              <a:rPr lang="en-US" sz="1800" dirty="0" err="1" smtClean="0"/>
-              <a:t>hyplnkExampleSysSetup</a:t>
-            </a:r>
-            <a:r>
-              <a:rPr lang="en-US" sz="1800" dirty="0" smtClean="0"/>
-              <a:t> (void)</a:t>
-            </a:r>
-          </a:p>
-          <a:p>
-            <a:pPr marL="811213" lvl="1" indent="-514350" eaLnBrk="1" fontAlgn="auto" hangingPunct="1">
-              <a:spcAft>
-                <a:spcPts val="0"/>
-              </a:spcAft>
+              <a:rPr lang="en-US" sz="1400" dirty="0" smtClean="0"/>
+              <a:t>  </a:t>
+            </a:r>
+            <a:r>
+              <a:rPr lang="en-US" sz="1400" dirty="0" smtClean="0">
+                <a:hlinkClick r:id="rId4" action="ppaction://hlinkfile"/>
+              </a:rPr>
+              <a:t>Hyplnk_readRegs</a:t>
+            </a:r>
+            <a:r>
+              <a:rPr lang="en-US" sz="1400" dirty="0" smtClean="0"/>
+              <a:t> (</a:t>
+            </a:r>
+            <a:r>
+              <a:rPr lang="en-US" sz="1400" dirty="0" smtClean="0">
+                <a:hlinkClick r:id="rId5" action="ppaction://hlinkfile"/>
+              </a:rPr>
+              <a:t>Hyplnk_Handle</a:t>
+            </a:r>
+            <a:r>
+              <a:rPr lang="en-US" sz="1400" dirty="0" smtClean="0"/>
+              <a:t> handle, </a:t>
+            </a:r>
+            <a:r>
+              <a:rPr lang="en-US" sz="1400" dirty="0" smtClean="0">
+                <a:hlinkClick r:id="rId6" action="ppaction://hlinkfile"/>
+              </a:rPr>
+              <a:t>hyplnkLocation_e</a:t>
+            </a:r>
+            <a:r>
+              <a:rPr lang="en-US" sz="1400" dirty="0" smtClean="0"/>
+              <a:t> location, </a:t>
+            </a:r>
+            <a:r>
+              <a:rPr lang="en-US" sz="1400" dirty="0" smtClean="0">
+                <a:hlinkClick r:id="rId7" action="ppaction://hlinkfile"/>
+              </a:rPr>
+              <a:t>hyplnkRegisters_t</a:t>
+            </a:r>
+            <a:r>
+              <a:rPr lang="en-US" sz="1400" dirty="0" smtClean="0"/>
+              <a:t> *readRegs)   </a:t>
+            </a:r>
+          </a:p>
+          <a:p>
+            <a:pPr>
+              <a:buNone/>
               <a:defRPr/>
             </a:pPr>
             <a:r>
-              <a:rPr lang="en-US" sz="1800" dirty="0" smtClean="0"/>
-              <a:t>Void	        </a:t>
-            </a:r>
-            <a:r>
-              <a:rPr lang="en-US" sz="1800" dirty="0" err="1" smtClean="0"/>
-              <a:t>hyplnkExampleEQLaneAnalysis</a:t>
-            </a:r>
-            <a:r>
-              <a:rPr lang="en-US" sz="1800" dirty="0" smtClean="0"/>
-              <a:t> (uint32_t lane, uint32_t status) </a:t>
-            </a:r>
-          </a:p>
-          <a:p>
-            <a:pPr marL="811213" lvl="1" indent="-514350" eaLnBrk="1" fontAlgn="auto" hangingPunct="1">
-              <a:spcAft>
-                <a:spcPts val="0"/>
-              </a:spcAft>
+              <a:rPr lang="en-US" sz="1400" dirty="0" smtClean="0"/>
+              <a:t>		Performs a configuration read. </a:t>
+            </a:r>
+          </a:p>
+          <a:p>
+            <a:pPr>
+              <a:buNone/>
               <a:defRPr/>
             </a:pPr>
-            <a:r>
-              <a:rPr lang="en-US" sz="1800" dirty="0" err="1" smtClean="0"/>
+            <a:endParaRPr lang="en-US" sz="1400" dirty="0" smtClean="0">
+              <a:hlinkClick r:id="rId3" action="ppaction://hlinkfile"/>
+            </a:endParaRPr>
+          </a:p>
+          <a:p>
+            <a:pPr>
+              <a:buNone/>
+              <a:defRPr/>
+            </a:pPr>
+            <a:r>
+              <a:rPr lang="en-US" sz="1400" dirty="0" smtClean="0">
+                <a:hlinkClick r:id="rId3" action="ppaction://hlinkfile"/>
+              </a:rPr>
               <a:t>hyplnkRet_e</a:t>
             </a:r>
             <a:r>
-              <a:rPr lang="en-US" sz="1800" dirty="0" smtClean="0"/>
-              <a:t>     </a:t>
-            </a:r>
-            <a:r>
-              <a:rPr lang="en-US" sz="1800" dirty="0" err="1" smtClean="0"/>
-              <a:t>hyplnkExamplePeriphSetup</a:t>
-            </a:r>
-            <a:r>
-              <a:rPr lang="en-US" sz="1800" dirty="0" smtClean="0"/>
-              <a:t> (void)</a:t>
-            </a:r>
-            <a:endParaRPr lang="en-US" sz="1800" dirty="0" smtClean="0">
+              <a:rPr lang="en-US" sz="1400" dirty="0" smtClean="0"/>
+              <a:t>  </a:t>
+            </a:r>
+            <a:r>
+              <a:rPr lang="en-US" sz="1400" dirty="0" smtClean="0">
+                <a:hlinkClick r:id="rId4" action="ppaction://hlinkfile"/>
+              </a:rPr>
+              <a:t>Hyplnk_writeRegs</a:t>
+            </a:r>
+            <a:r>
+              <a:rPr lang="en-US" sz="1400" dirty="0" smtClean="0"/>
+              <a:t> (</a:t>
+            </a:r>
+            <a:r>
+              <a:rPr lang="en-US" sz="1400" dirty="0" smtClean="0">
+                <a:hlinkClick r:id="rId5" action="ppaction://hlinkfile"/>
+              </a:rPr>
+              <a:t>Hyplnk_Handle</a:t>
+            </a:r>
+            <a:r>
+              <a:rPr lang="en-US" sz="1400" dirty="0" smtClean="0"/>
+              <a:t> handle, </a:t>
+            </a:r>
+            <a:r>
+              <a:rPr lang="en-US" sz="1400" dirty="0" smtClean="0">
+                <a:hlinkClick r:id="rId6" action="ppaction://hlinkfile"/>
+              </a:rPr>
+              <a:t>hyplnkLocation_e</a:t>
+            </a:r>
+            <a:r>
+              <a:rPr lang="en-US" sz="1400" dirty="0" smtClean="0"/>
+              <a:t> location, </a:t>
+            </a:r>
+            <a:r>
+              <a:rPr lang="en-US" sz="1400" dirty="0" smtClean="0">
+                <a:hlinkClick r:id="rId7" action="ppaction://hlinkfile"/>
+              </a:rPr>
+              <a:t>hyplnkRegisters_t</a:t>
+            </a:r>
+            <a:r>
+              <a:rPr lang="en-US" sz="1400" dirty="0" smtClean="0"/>
+              <a:t> *writeRegs)   </a:t>
+            </a:r>
+          </a:p>
+          <a:p>
+            <a:pPr>
+              <a:buNone/>
+              <a:defRPr/>
+            </a:pPr>
+            <a:r>
+              <a:rPr lang="en-US" sz="1400" dirty="0" smtClean="0"/>
+              <a:t>		Performs a configuration write. </a:t>
+            </a:r>
+          </a:p>
+          <a:p>
+            <a:pPr>
+              <a:buNone/>
+              <a:defRPr/>
+            </a:pPr>
+            <a:endParaRPr lang="en-US" sz="1400" dirty="0" smtClean="0">
+              <a:hlinkClick r:id="rId3" action="ppaction://hlinkfile"/>
+            </a:endParaRPr>
+          </a:p>
+          <a:p>
+            <a:pPr>
+              <a:buNone/>
+              <a:defRPr/>
+            </a:pPr>
+            <a:r>
+              <a:rPr lang="en-US" sz="1400" dirty="0" smtClean="0">
+                <a:hlinkClick r:id="rId3" action="ppaction://hlinkfile"/>
+              </a:rPr>
+              <a:t>hyplnkRet_e</a:t>
+            </a:r>
+            <a:r>
+              <a:rPr lang="en-US" sz="1400" dirty="0" smtClean="0"/>
+              <a:t>  </a:t>
+            </a:r>
+            <a:r>
+              <a:rPr lang="en-US" sz="1400" dirty="0" smtClean="0">
+                <a:hlinkClick r:id="rId4" action="ppaction://hlinkfile"/>
+              </a:rPr>
+              <a:t>Hyplnk_getWindow</a:t>
+            </a:r>
+            <a:r>
+              <a:rPr lang="en-US" sz="1400" dirty="0" smtClean="0"/>
+              <a:t> (</a:t>
+            </a:r>
+            <a:r>
+              <a:rPr lang="en-US" sz="1400" dirty="0" smtClean="0">
+                <a:hlinkClick r:id="rId5" action="ppaction://hlinkfile"/>
+              </a:rPr>
+              <a:t>Hyplnk_Handle</a:t>
+            </a:r>
+            <a:r>
+              <a:rPr lang="en-US" sz="1400" dirty="0" smtClean="0"/>
+              <a:t> handle, void **base, uint32_t *size)   </a:t>
+            </a:r>
+          </a:p>
+          <a:p>
+            <a:pPr>
+              <a:buNone/>
+              <a:defRPr/>
+            </a:pPr>
+            <a:r>
+              <a:rPr lang="en-US" sz="1400" dirty="0" smtClean="0"/>
+              <a:t>		Hyplnk_getWindow returns the address and size of the local memory window.</a:t>
+            </a:r>
+          </a:p>
+          <a:p>
+            <a:pPr>
+              <a:buNone/>
+              <a:defRPr/>
+            </a:pPr>
+            <a:endParaRPr lang="en-US" sz="1400" dirty="0" smtClean="0"/>
+          </a:p>
+          <a:p>
+            <a:pPr>
+              <a:buNone/>
+              <a:defRPr/>
+            </a:pPr>
+            <a:r>
+              <a:rPr lang="en-US" sz="1400" dirty="0" smtClean="0"/>
+              <a:t>uint32_t  </a:t>
+            </a:r>
+            <a:r>
+              <a:rPr lang="en-US" sz="1400" dirty="0" smtClean="0">
+                <a:hlinkClick r:id="rId4" action="ppaction://hlinkfile"/>
+              </a:rPr>
+              <a:t>Hyplnk_getVersion</a:t>
+            </a:r>
+            <a:r>
+              <a:rPr lang="en-US" sz="1400" dirty="0" smtClean="0"/>
+              <a:t> (void)   Hyplnk_getVersion </a:t>
+            </a:r>
+          </a:p>
+          <a:p>
+            <a:pPr>
+              <a:buNone/>
+              <a:defRPr/>
+            </a:pPr>
+            <a:r>
+              <a:rPr lang="en-US" sz="1400" dirty="0" smtClean="0"/>
+              <a:t>		returns the HYPLNK LLD version information. </a:t>
+            </a:r>
+          </a:p>
+          <a:p>
+            <a:pPr>
+              <a:buNone/>
+              <a:defRPr/>
+            </a:pPr>
+            <a:endParaRPr lang="en-US" sz="1400" dirty="0" smtClean="0"/>
+          </a:p>
+          <a:p>
+            <a:pPr>
+              <a:buNone/>
+              <a:defRPr/>
+            </a:pPr>
+            <a:r>
+              <a:rPr lang="en-US" sz="1400" dirty="0" smtClean="0"/>
+              <a:t>const char *  </a:t>
+            </a:r>
+            <a:r>
+              <a:rPr lang="en-US" sz="1400" dirty="0" smtClean="0">
+                <a:hlinkClick r:id="rId4" action="ppaction://hlinkfile"/>
+              </a:rPr>
+              <a:t>Hyplnk_getVersionStr</a:t>
+            </a:r>
+            <a:r>
+              <a:rPr lang="en-US" sz="1400" dirty="0" smtClean="0"/>
+              <a:t> (void)   Hyplnk_getVersionStr </a:t>
+            </a:r>
+          </a:p>
+          <a:p>
+            <a:pPr>
+              <a:buNone/>
+              <a:defRPr/>
+            </a:pPr>
+            <a:r>
+              <a:rPr lang="en-US" sz="1400" dirty="0" smtClean="0"/>
+              <a:t>		returns the HYPLNK LLD version string. </a:t>
+            </a:r>
+            <a:br>
+              <a:rPr lang="en-US" sz="1400" dirty="0" smtClean="0"/>
+            </a:br>
+            <a:endParaRPr lang="en-US" sz="1400" dirty="0" smtClean="0">
               <a:latin typeface="+mj-lt"/>
             </a:endParaRPr>
           </a:p>
@@ -48005,393 +47915,303 @@
       </p:grpSpPr>
       <p:sp>
         <p:nvSpPr>
-          <p:cNvPr id="4" name="Rectangle 3"/>
-          <p:cNvSpPr/>
-          <p:nvPr/>
-        </p:nvSpPr>
-        <p:spPr>
-          <a:xfrm>
-            <a:off x="1066800" y="1371600"/>
-            <a:ext cx="6553200" cy="4832092"/>
-          </a:xfrm>
-          <a:prstGeom prst="rect">
-            <a:avLst/>
-          </a:prstGeom>
-        </p:spPr>
-        <p:txBody>
-          <a:bodyPr wrap="square">
-            <a:spAutoFit/>
-          </a:bodyPr>
-          <a:lstStyle/>
-          <a:p>
-            <a:r>
-              <a:rPr lang="en-US" sz="1400" b="1" dirty="0" smtClean="0">
-                <a:latin typeface="Courier New" pitchFamily="49" charset="0"/>
-                <a:cs typeface="Courier New" pitchFamily="49" charset="0"/>
-              </a:rPr>
-              <a:t>/*****************************************************************************</a:t>
-            </a:r>
-          </a:p>
-          <a:p>
-            <a:r>
-              <a:rPr lang="en-US" sz="1400" b="1" dirty="0" smtClean="0">
-                <a:latin typeface="Courier New" pitchFamily="49" charset="0"/>
-                <a:cs typeface="Courier New" pitchFamily="49" charset="0"/>
-              </a:rPr>
-              <a:t> * Sets the SERDES configuration registers</a:t>
-            </a:r>
-          </a:p>
-          <a:p>
-            <a:r>
-              <a:rPr lang="en-US" sz="1400" b="1" dirty="0" smtClean="0">
-                <a:latin typeface="Courier New" pitchFamily="49" charset="0"/>
-                <a:cs typeface="Courier New" pitchFamily="49" charset="0"/>
-              </a:rPr>
-              <a:t> ****************************************************************************/</a:t>
-            </a:r>
-          </a:p>
-          <a:p>
-            <a:r>
-              <a:rPr lang="en-US" sz="1400" b="1" dirty="0" smtClean="0">
-                <a:latin typeface="Courier New" pitchFamily="49" charset="0"/>
-                <a:cs typeface="Courier New" pitchFamily="49" charset="0"/>
-              </a:rPr>
-              <a:t>void hyplnkExampleSerdesCfg (uint32_t rx, uint32_t tx)</a:t>
-            </a:r>
-          </a:p>
-          <a:p>
-            <a:r>
-              <a:rPr lang="en-US" sz="1400" b="1" dirty="0" smtClean="0">
-                <a:latin typeface="Courier New" pitchFamily="49" charset="0"/>
-                <a:cs typeface="Courier New" pitchFamily="49" charset="0"/>
-              </a:rPr>
-              <a:t>{</a:t>
-            </a:r>
-          </a:p>
-          <a:p>
-            <a:r>
-              <a:rPr lang="en-US" sz="1400" b="1" dirty="0" smtClean="0">
-                <a:latin typeface="Courier New" pitchFamily="49" charset="0"/>
-                <a:cs typeface="Courier New" pitchFamily="49" charset="0"/>
-              </a:rPr>
-              <a:t>  CSL_BootCfgUnlockKicker();</a:t>
-            </a:r>
-          </a:p>
-          <a:p>
-            <a:endParaRPr lang="en-US" sz="1400" b="1" dirty="0" smtClean="0">
-              <a:latin typeface="Courier New" pitchFamily="49" charset="0"/>
-              <a:cs typeface="Courier New" pitchFamily="49" charset="0"/>
-            </a:endParaRPr>
-          </a:p>
-          <a:p>
-            <a:r>
-              <a:rPr lang="en-US" sz="1400" b="1" dirty="0" smtClean="0">
-                <a:latin typeface="Courier New" pitchFamily="49" charset="0"/>
-                <a:cs typeface="Courier New" pitchFamily="49" charset="0"/>
-              </a:rPr>
-              <a:t>  </a:t>
-            </a:r>
-            <a:r>
-              <a:rPr lang="en-US" sz="1400" b="1" dirty="0" err="1" smtClean="0">
-                <a:latin typeface="Courier New" pitchFamily="49" charset="0"/>
-                <a:cs typeface="Courier New" pitchFamily="49" charset="0"/>
-              </a:rPr>
-              <a:t>CSL_BootCfgSetVUSRRxConfig</a:t>
-            </a:r>
-            <a:r>
-              <a:rPr lang="en-US" sz="1400" b="1" dirty="0" smtClean="0">
-                <a:latin typeface="Courier New" pitchFamily="49" charset="0"/>
-                <a:cs typeface="Courier New" pitchFamily="49" charset="0"/>
-              </a:rPr>
-              <a:t> (0, rx);</a:t>
-            </a:r>
-          </a:p>
-          <a:p>
-            <a:r>
-              <a:rPr lang="en-US" sz="1400" b="1" dirty="0" smtClean="0">
-                <a:latin typeface="Courier New" pitchFamily="49" charset="0"/>
-                <a:cs typeface="Courier New" pitchFamily="49" charset="0"/>
-              </a:rPr>
-              <a:t>  </a:t>
-            </a:r>
-            <a:r>
-              <a:rPr lang="en-US" sz="1400" b="1" dirty="0" err="1" smtClean="0">
-                <a:latin typeface="Courier New" pitchFamily="49" charset="0"/>
-                <a:cs typeface="Courier New" pitchFamily="49" charset="0"/>
-              </a:rPr>
-              <a:t>CSL_BootCfgSetVUSRRxConfig</a:t>
-            </a:r>
-            <a:r>
-              <a:rPr lang="en-US" sz="1400" b="1" dirty="0" smtClean="0">
-                <a:latin typeface="Courier New" pitchFamily="49" charset="0"/>
-                <a:cs typeface="Courier New" pitchFamily="49" charset="0"/>
-              </a:rPr>
-              <a:t> (1, rx);</a:t>
-            </a:r>
-          </a:p>
-          <a:p>
-            <a:r>
-              <a:rPr lang="en-US" sz="1400" b="1" dirty="0" smtClean="0">
-                <a:latin typeface="Courier New" pitchFamily="49" charset="0"/>
-                <a:cs typeface="Courier New" pitchFamily="49" charset="0"/>
-              </a:rPr>
-              <a:t>  </a:t>
-            </a:r>
-            <a:r>
-              <a:rPr lang="en-US" sz="1400" b="1" dirty="0" err="1" smtClean="0">
-                <a:latin typeface="Courier New" pitchFamily="49" charset="0"/>
-                <a:cs typeface="Courier New" pitchFamily="49" charset="0"/>
-              </a:rPr>
-              <a:t>CSL_BootCfgSetVUSRRxConfig</a:t>
-            </a:r>
-            <a:r>
-              <a:rPr lang="en-US" sz="1400" b="1" dirty="0" smtClean="0">
-                <a:latin typeface="Courier New" pitchFamily="49" charset="0"/>
-                <a:cs typeface="Courier New" pitchFamily="49" charset="0"/>
-              </a:rPr>
-              <a:t> (2, rx);</a:t>
-            </a:r>
-          </a:p>
-          <a:p>
-            <a:r>
-              <a:rPr lang="en-US" sz="1400" b="1" dirty="0" smtClean="0">
-                <a:latin typeface="Courier New" pitchFamily="49" charset="0"/>
-                <a:cs typeface="Courier New" pitchFamily="49" charset="0"/>
-              </a:rPr>
-              <a:t>  </a:t>
-            </a:r>
-            <a:r>
-              <a:rPr lang="en-US" sz="1400" b="1" dirty="0" err="1" smtClean="0">
-                <a:latin typeface="Courier New" pitchFamily="49" charset="0"/>
-                <a:cs typeface="Courier New" pitchFamily="49" charset="0"/>
-              </a:rPr>
-              <a:t>CSL_BootCfgSetVUSRRxConfig</a:t>
-            </a:r>
-            <a:r>
-              <a:rPr lang="en-US" sz="1400" b="1" dirty="0" smtClean="0">
-                <a:latin typeface="Courier New" pitchFamily="49" charset="0"/>
-                <a:cs typeface="Courier New" pitchFamily="49" charset="0"/>
-              </a:rPr>
-              <a:t> (3, rx);</a:t>
-            </a:r>
-          </a:p>
-          <a:p>
-            <a:endParaRPr lang="en-US" sz="1400" b="1" dirty="0" smtClean="0">
-              <a:latin typeface="Courier New" pitchFamily="49" charset="0"/>
-              <a:cs typeface="Courier New" pitchFamily="49" charset="0"/>
-            </a:endParaRPr>
-          </a:p>
-          <a:p>
-            <a:r>
-              <a:rPr lang="en-US" sz="1400" b="1" dirty="0" smtClean="0">
-                <a:latin typeface="Courier New" pitchFamily="49" charset="0"/>
-                <a:cs typeface="Courier New" pitchFamily="49" charset="0"/>
-              </a:rPr>
-              <a:t>  </a:t>
-            </a:r>
-            <a:r>
-              <a:rPr lang="en-US" sz="1400" b="1" dirty="0" err="1" smtClean="0">
-                <a:latin typeface="Courier New" pitchFamily="49" charset="0"/>
-                <a:cs typeface="Courier New" pitchFamily="49" charset="0"/>
-              </a:rPr>
-              <a:t>CSL_BootCfgSetVUSRTxConfig</a:t>
-            </a:r>
-            <a:r>
-              <a:rPr lang="en-US" sz="1400" b="1" dirty="0" smtClean="0">
-                <a:latin typeface="Courier New" pitchFamily="49" charset="0"/>
-                <a:cs typeface="Courier New" pitchFamily="49" charset="0"/>
-              </a:rPr>
-              <a:t> (0, tx);</a:t>
-            </a:r>
-          </a:p>
-          <a:p>
-            <a:r>
-              <a:rPr lang="en-US" sz="1400" b="1" dirty="0" smtClean="0">
-                <a:latin typeface="Courier New" pitchFamily="49" charset="0"/>
-                <a:cs typeface="Courier New" pitchFamily="49" charset="0"/>
-              </a:rPr>
-              <a:t>  </a:t>
-            </a:r>
-            <a:r>
-              <a:rPr lang="en-US" sz="1400" b="1" dirty="0" err="1" smtClean="0">
-                <a:latin typeface="Courier New" pitchFamily="49" charset="0"/>
-                <a:cs typeface="Courier New" pitchFamily="49" charset="0"/>
-              </a:rPr>
-              <a:t>CSL_BootCfgSetVUSRTxConfig</a:t>
-            </a:r>
-            <a:r>
-              <a:rPr lang="en-US" sz="1400" b="1" dirty="0" smtClean="0">
-                <a:latin typeface="Courier New" pitchFamily="49" charset="0"/>
-                <a:cs typeface="Courier New" pitchFamily="49" charset="0"/>
-              </a:rPr>
-              <a:t> (1, tx);</a:t>
-            </a:r>
-          </a:p>
-          <a:p>
-            <a:r>
-              <a:rPr lang="en-US" sz="1400" b="1" dirty="0" smtClean="0">
-                <a:latin typeface="Courier New" pitchFamily="49" charset="0"/>
-                <a:cs typeface="Courier New" pitchFamily="49" charset="0"/>
-              </a:rPr>
-              <a:t>  </a:t>
-            </a:r>
-            <a:r>
-              <a:rPr lang="en-US" sz="1400" b="1" dirty="0" err="1" smtClean="0">
-                <a:latin typeface="Courier New" pitchFamily="49" charset="0"/>
-                <a:cs typeface="Courier New" pitchFamily="49" charset="0"/>
-              </a:rPr>
-              <a:t>CSL_BootCfgSetVUSRTxConfig</a:t>
-            </a:r>
-            <a:r>
-              <a:rPr lang="en-US" sz="1400" b="1" dirty="0" smtClean="0">
-                <a:latin typeface="Courier New" pitchFamily="49" charset="0"/>
-                <a:cs typeface="Courier New" pitchFamily="49" charset="0"/>
-              </a:rPr>
-              <a:t> (2, tx);</a:t>
-            </a:r>
-          </a:p>
-          <a:p>
-            <a:r>
-              <a:rPr lang="en-US" sz="1400" b="1" dirty="0" smtClean="0">
-                <a:latin typeface="Courier New" pitchFamily="49" charset="0"/>
-                <a:cs typeface="Courier New" pitchFamily="49" charset="0"/>
-              </a:rPr>
-              <a:t>  </a:t>
-            </a:r>
-            <a:r>
-              <a:rPr lang="en-US" sz="1400" b="1" dirty="0" err="1" smtClean="0">
-                <a:latin typeface="Courier New" pitchFamily="49" charset="0"/>
-                <a:cs typeface="Courier New" pitchFamily="49" charset="0"/>
-              </a:rPr>
-              <a:t>CSL_BootCfgSetVUSRTxConfig</a:t>
-            </a:r>
-            <a:r>
-              <a:rPr lang="en-US" sz="1400" b="1" dirty="0" smtClean="0">
-                <a:latin typeface="Courier New" pitchFamily="49" charset="0"/>
-                <a:cs typeface="Courier New" pitchFamily="49" charset="0"/>
-              </a:rPr>
-              <a:t> (3, tx);</a:t>
-            </a:r>
-          </a:p>
-          <a:p>
-            <a:endParaRPr lang="en-US" sz="1400" b="1" dirty="0" smtClean="0">
-              <a:latin typeface="Courier New" pitchFamily="49" charset="0"/>
-              <a:cs typeface="Courier New" pitchFamily="49" charset="0"/>
-            </a:endParaRPr>
-          </a:p>
-          <a:p>
-            <a:r>
-              <a:rPr lang="en-US" sz="1400" b="1" dirty="0" smtClean="0">
-                <a:latin typeface="Courier New" pitchFamily="49" charset="0"/>
-                <a:cs typeface="Courier New" pitchFamily="49" charset="0"/>
-              </a:rPr>
-              <a:t>  </a:t>
-            </a:r>
-          </a:p>
-          <a:p>
-            <a:r>
-              <a:rPr lang="en-US" sz="1400" b="1" dirty="0" smtClean="0">
-                <a:latin typeface="Courier New" pitchFamily="49" charset="0"/>
-                <a:cs typeface="Courier New" pitchFamily="49" charset="0"/>
-              </a:rPr>
-              <a:t>} /* hyplnkExampleSerdesCfg */</a:t>
-            </a:r>
-            <a:endParaRPr lang="en-US" sz="1400" b="1" dirty="0">
-              <a:latin typeface="Courier New" pitchFamily="49" charset="0"/>
-              <a:cs typeface="Courier New" pitchFamily="49" charset="0"/>
-            </a:endParaRPr>
-          </a:p>
-        </p:txBody>
-      </p:sp>
-      <p:sp>
-        <p:nvSpPr>
-          <p:cNvPr id="5" name="Title 1"/>
-          <p:cNvSpPr txBox="1">
-            <a:spLocks/>
+          <p:cNvPr id="41986" name="Title 1"/>
+          <p:cNvSpPr>
+            <a:spLocks noGrp="1"/>
           </p:cNvSpPr>
-          <p:nvPr/>
+          <p:nvPr>
+            <p:ph type="title"/>
+          </p:nvPr>
         </p:nvSpPr>
         <p:spPr>
           <a:xfrm>
             <a:off x="457200" y="152400"/>
             <a:ext cx="8229600" cy="685800"/>
           </a:xfrm>
-          <a:prstGeom prst="rect">
-            <a:avLst/>
-          </a:prstGeom>
         </p:spPr>
         <p:txBody>
           <a:bodyPr/>
           <a:lstStyle/>
           <a:p>
-            <a:pPr marL="0" marR="0" lvl="0" indent="0" algn="ctr" defTabSz="914400" rtl="0" eaLnBrk="1" fontAlgn="base" latinLnBrk="0" hangingPunct="1">
-              <a:lnSpc>
-                <a:spcPct val="100000"/>
-              </a:lnSpc>
-              <a:spcBef>
-                <a:spcPct val="0"/>
-              </a:spcBef>
+            <a:pPr eaLnBrk="1" hangingPunct="1"/>
+            <a:r>
+              <a:rPr lang="en-US" b="0" dirty="0" smtClean="0"/>
+              <a:t>Configuration Functions</a:t>
+            </a:r>
+          </a:p>
+        </p:txBody>
+      </p:sp>
+      <p:sp>
+        <p:nvSpPr>
+          <p:cNvPr id="3" name="Subtitle 2"/>
+          <p:cNvSpPr>
+            <a:spLocks noGrp="1"/>
+          </p:cNvSpPr>
+          <p:nvPr>
+            <p:ph idx="1"/>
+          </p:nvPr>
+        </p:nvSpPr>
+        <p:spPr>
+          <a:xfrm>
+            <a:off x="381000" y="990600"/>
+            <a:ext cx="8382000" cy="5029200"/>
+          </a:xfrm>
+        </p:spPr>
+        <p:txBody>
+          <a:bodyPr rtlCol="0">
+            <a:normAutofit/>
+          </a:bodyPr>
+          <a:lstStyle/>
+          <a:p>
+            <a:pPr marL="514350" indent="-514350" eaLnBrk="1" fontAlgn="auto" hangingPunct="1">
               <a:spcAft>
-                <a:spcPct val="0"/>
+                <a:spcPts val="0"/>
               </a:spcAft>
-              <a:buClrTx/>
-              <a:buSzTx/>
-              <a:buFontTx/>
-              <a:buNone/>
-              <a:tabLst/>
               <a:defRPr/>
             </a:pPr>
             <a:r>
-              <a:rPr kumimoji="0" lang="en-US" sz="4400" b="0" i="0" u="none" strike="noStrike" kern="0" cap="none" spc="0" normalizeH="0" baseline="0" noProof="0" dirty="0" smtClean="0">
-                <a:ln>
-                  <a:noFill/>
-                </a:ln>
-                <a:solidFill>
-                  <a:schemeClr val="tx1"/>
-                </a:solidFill>
-                <a:effectLst/>
-                <a:uLnTx/>
-                <a:uFillTx/>
-                <a:latin typeface="+mj-lt"/>
-                <a:ea typeface="+mj-ea"/>
-                <a:cs typeface="+mj-cs"/>
-              </a:rPr>
-              <a:t>Example:</a:t>
-            </a:r>
-            <a:r>
-              <a:rPr kumimoji="0" lang="en-US" sz="4400" b="0" i="0" u="none" strike="noStrike" kern="0" cap="none" spc="0" normalizeH="0" noProof="0" dirty="0" smtClean="0">
-                <a:ln>
-                  <a:noFill/>
-                </a:ln>
-                <a:solidFill>
-                  <a:schemeClr val="tx1"/>
-                </a:solidFill>
-                <a:effectLst/>
-                <a:uLnTx/>
-                <a:uFillTx/>
-                <a:latin typeface="+mj-lt"/>
-                <a:ea typeface="+mj-ea"/>
-                <a:cs typeface="+mj-cs"/>
-              </a:rPr>
-              <a:t> </a:t>
-            </a:r>
-            <a:r>
-              <a:rPr kumimoji="0" lang="en-US" sz="4400" b="0" i="0" u="none" strike="noStrike" kern="0" cap="none" spc="0" normalizeH="0" baseline="0" noProof="0" dirty="0" smtClean="0">
-                <a:ln>
-                  <a:noFill/>
-                </a:ln>
-                <a:solidFill>
-                  <a:schemeClr val="tx1"/>
-                </a:solidFill>
-                <a:effectLst/>
-                <a:uLnTx/>
-                <a:uFillTx/>
-                <a:latin typeface="+mj-lt"/>
-                <a:ea typeface="+mj-ea"/>
-                <a:cs typeface="+mj-cs"/>
-              </a:rPr>
-              <a:t>Configuration Function</a:t>
-            </a:r>
+              <a:rPr lang="en-US" sz="2600" dirty="0" smtClean="0">
+                <a:latin typeface="+mj-lt"/>
+              </a:rPr>
+              <a:t>Configuration functions are part of the HyperLink example in the PDK release and can be used “as is” or be modified by users.</a:t>
+            </a:r>
+          </a:p>
+          <a:p>
+            <a:pPr marL="514350" indent="-514350" eaLnBrk="1" fontAlgn="auto" hangingPunct="1">
+              <a:spcAft>
+                <a:spcPts val="0"/>
+              </a:spcAft>
+              <a:buNone/>
+              <a:defRPr/>
+            </a:pPr>
+            <a:endParaRPr lang="en-US" sz="1500" i="1" dirty="0" smtClean="0">
+              <a:latin typeface="+mj-lt"/>
+            </a:endParaRPr>
+          </a:p>
+          <a:p>
+            <a:pPr marL="514350" indent="-514350" eaLnBrk="1" fontAlgn="auto" hangingPunct="1">
+              <a:spcAft>
+                <a:spcPts val="0"/>
+              </a:spcAft>
+              <a:buNone/>
+              <a:defRPr/>
+            </a:pPr>
+            <a:r>
+              <a:rPr lang="en-US" sz="1500" i="1" dirty="0" smtClean="0">
+                <a:latin typeface="+mj-lt"/>
+              </a:rPr>
+              <a:t>                       </a:t>
+            </a:r>
+            <a:r>
+              <a:rPr lang="en-US" sz="1500" b="1" dirty="0" smtClean="0">
+                <a:latin typeface="Courier New" pitchFamily="49" charset="0"/>
+                <a:cs typeface="Courier New" pitchFamily="49" charset="0"/>
+              </a:rPr>
+              <a:t>PDK_INSTALL_PATH\</a:t>
+            </a:r>
+            <a:r>
+              <a:rPr lang="en-US" sz="1500" b="1" dirty="0" err="1" smtClean="0">
+                <a:latin typeface="Courier New" pitchFamily="49" charset="0"/>
+                <a:cs typeface="Courier New" pitchFamily="49" charset="0"/>
+              </a:rPr>
+              <a:t>ti</a:t>
+            </a:r>
+            <a:r>
+              <a:rPr lang="en-US" sz="1500" b="1" dirty="0" smtClean="0">
+                <a:latin typeface="Courier New" pitchFamily="49" charset="0"/>
+                <a:cs typeface="Courier New" pitchFamily="49" charset="0"/>
+              </a:rPr>
+              <a:t>\</a:t>
+            </a:r>
+            <a:r>
+              <a:rPr lang="en-US" sz="1500" b="1" dirty="0" err="1" smtClean="0">
+                <a:latin typeface="Courier New" pitchFamily="49" charset="0"/>
+                <a:cs typeface="Courier New" pitchFamily="49" charset="0"/>
+              </a:rPr>
+              <a:t>drv</a:t>
+            </a:r>
+            <a:r>
+              <a:rPr lang="en-US" sz="1500" b="1" dirty="0" smtClean="0">
+                <a:latin typeface="Courier New" pitchFamily="49" charset="0"/>
+                <a:cs typeface="Courier New" pitchFamily="49" charset="0"/>
+              </a:rPr>
+              <a:t>\</a:t>
+            </a:r>
+            <a:r>
+              <a:rPr lang="en-US" sz="1500" b="1" dirty="0" err="1" smtClean="0">
+                <a:latin typeface="Courier New" pitchFamily="49" charset="0"/>
+                <a:cs typeface="Courier New" pitchFamily="49" charset="0"/>
+              </a:rPr>
+              <a:t>hyplnk</a:t>
+            </a:r>
+            <a:r>
+              <a:rPr lang="en-US" sz="1500" b="1" dirty="0" smtClean="0">
+                <a:latin typeface="Courier New" pitchFamily="49" charset="0"/>
+                <a:cs typeface="Courier New" pitchFamily="49" charset="0"/>
+              </a:rPr>
+              <a:t>\example\common\</a:t>
+            </a:r>
+            <a:r>
+              <a:rPr lang="en-US" sz="1500" b="1" dirty="0" err="1" smtClean="0">
+                <a:latin typeface="Courier New" pitchFamily="49" charset="0"/>
+                <a:cs typeface="Courier New" pitchFamily="49" charset="0"/>
+              </a:rPr>
+              <a:t>hyplnkLLDIFace.c</a:t>
+            </a:r>
+            <a:endParaRPr lang="en-US" sz="1500" b="1" dirty="0" smtClean="0">
+              <a:latin typeface="Courier New" pitchFamily="49" charset="0"/>
+              <a:cs typeface="Courier New" pitchFamily="49" charset="0"/>
+            </a:endParaRPr>
+          </a:p>
+          <a:p>
+            <a:pPr marL="811213" lvl="1" indent="-514350" eaLnBrk="1" fontAlgn="auto" hangingPunct="1">
+              <a:spcAft>
+                <a:spcPts val="0"/>
+              </a:spcAft>
+              <a:buFont typeface="Arial" pitchFamily="34" charset="0"/>
+              <a:buNone/>
+              <a:defRPr/>
+            </a:pPr>
+            <a:endParaRPr lang="en-US" sz="2600" dirty="0" smtClean="0">
+              <a:latin typeface="+mj-lt"/>
+            </a:endParaRPr>
+          </a:p>
+          <a:p>
+            <a:pPr marL="514350" lvl="1" indent="-514350" eaLnBrk="1" fontAlgn="auto" hangingPunct="1">
+              <a:spcAft>
+                <a:spcPts val="0"/>
+              </a:spcAft>
+              <a:buFont typeface="Arial" charset="0"/>
+              <a:buChar char="•"/>
+              <a:defRPr/>
+            </a:pPr>
+            <a:r>
+              <a:rPr lang="en-US" sz="2600" dirty="0" smtClean="0">
+                <a:latin typeface="+mj-lt"/>
+                <a:ea typeface="+mn-ea"/>
+                <a:cs typeface="+mn-cs"/>
+              </a:rPr>
+              <a:t>Some of the configuration functions are:</a:t>
+            </a:r>
+          </a:p>
+          <a:p>
+            <a:pPr marL="811213" lvl="1" indent="-514350" eaLnBrk="1" fontAlgn="auto" hangingPunct="1">
+              <a:spcAft>
+                <a:spcPts val="0"/>
+              </a:spcAft>
+              <a:defRPr/>
+            </a:pPr>
+            <a:r>
+              <a:rPr lang="en-US" sz="1800" dirty="0" err="1" smtClean="0"/>
+              <a:t>hyplnkRet_e</a:t>
+            </a:r>
+            <a:r>
+              <a:rPr lang="en-US" sz="1800" dirty="0" smtClean="0"/>
+              <a:t>     </a:t>
+            </a:r>
+            <a:r>
+              <a:rPr lang="en-US" sz="1800" dirty="0" err="1" smtClean="0"/>
+              <a:t>hyplnkExampleAssertReset</a:t>
+            </a:r>
+            <a:r>
+              <a:rPr lang="en-US" sz="1800" dirty="0" smtClean="0"/>
+              <a:t> (int </a:t>
+            </a:r>
+            <a:r>
+              <a:rPr lang="en-US" sz="1800" u="sng" dirty="0" smtClean="0"/>
+              <a:t>val)</a:t>
+            </a:r>
+          </a:p>
+          <a:p>
+            <a:pPr marL="811213" lvl="1" indent="-514350" eaLnBrk="1" fontAlgn="auto" hangingPunct="1">
+              <a:spcAft>
+                <a:spcPts val="0"/>
+              </a:spcAft>
+              <a:defRPr/>
+            </a:pPr>
+            <a:r>
+              <a:rPr lang="en-US" sz="1800" dirty="0" smtClean="0"/>
+              <a:t>Void	        </a:t>
+            </a:r>
+            <a:r>
+              <a:rPr lang="en-US" sz="1800" dirty="0" err="1" smtClean="0"/>
+              <a:t>hyplnkExampleSerdesCfg</a:t>
+            </a:r>
+            <a:r>
+              <a:rPr lang="en-US" sz="1800" dirty="0" smtClean="0"/>
+              <a:t> (uint32_t rx, uint32_t tx)</a:t>
+            </a:r>
+          </a:p>
+          <a:p>
+            <a:pPr marL="811213" lvl="1" indent="-514350" eaLnBrk="1" fontAlgn="auto" hangingPunct="1">
+              <a:spcAft>
+                <a:spcPts val="0"/>
+              </a:spcAft>
+              <a:defRPr/>
+            </a:pPr>
+            <a:r>
+              <a:rPr lang="en-US" sz="1800" dirty="0" err="1" smtClean="0"/>
+              <a:t>hyplnkRet_e</a:t>
+            </a:r>
+            <a:r>
+              <a:rPr lang="en-US" sz="1800" dirty="0" smtClean="0"/>
+              <a:t>     </a:t>
+            </a:r>
+            <a:r>
+              <a:rPr lang="en-US" sz="1800" dirty="0" err="1" smtClean="0"/>
+              <a:t>hyplnkExampleSysSetup</a:t>
+            </a:r>
+            <a:r>
+              <a:rPr lang="en-US" sz="1800" dirty="0" smtClean="0"/>
+              <a:t> (void)</a:t>
+            </a:r>
+          </a:p>
+          <a:p>
+            <a:pPr marL="811213" lvl="1" indent="-514350" eaLnBrk="1" fontAlgn="auto" hangingPunct="1">
+              <a:spcAft>
+                <a:spcPts val="0"/>
+              </a:spcAft>
+              <a:defRPr/>
+            </a:pPr>
+            <a:r>
+              <a:rPr lang="en-US" sz="1800" dirty="0" smtClean="0"/>
+              <a:t>Void	        </a:t>
+            </a:r>
+            <a:r>
+              <a:rPr lang="en-US" sz="1800" dirty="0" err="1" smtClean="0"/>
+              <a:t>hyplnkExampleEQLaneAnalysis</a:t>
+            </a:r>
+            <a:r>
+              <a:rPr lang="en-US" sz="1800" dirty="0" smtClean="0"/>
+              <a:t> (uint32_t lane, uint32_t status) </a:t>
+            </a:r>
+          </a:p>
+          <a:p>
+            <a:pPr marL="811213" lvl="1" indent="-514350" eaLnBrk="1" fontAlgn="auto" hangingPunct="1">
+              <a:spcAft>
+                <a:spcPts val="0"/>
+              </a:spcAft>
+              <a:defRPr/>
+            </a:pPr>
+            <a:r>
+              <a:rPr lang="en-US" sz="1800" dirty="0" err="1" smtClean="0"/>
+              <a:t>hyplnkRet_e</a:t>
+            </a:r>
+            <a:r>
+              <a:rPr lang="en-US" sz="1800" dirty="0" smtClean="0"/>
+              <a:t>     </a:t>
+            </a:r>
+            <a:r>
+              <a:rPr lang="en-US" sz="1800" dirty="0" err="1" smtClean="0"/>
+              <a:t>hyplnkExamplePeriphSetup</a:t>
+            </a:r>
+            <a:r>
+              <a:rPr lang="en-US" sz="1800" dirty="0" smtClean="0"/>
+              <a:t> (void)</a:t>
+            </a:r>
+            <a:endParaRPr lang="en-US" sz="1800" dirty="0" smtClean="0">
+              <a:latin typeface="+mj-lt"/>
+            </a:endParaRPr>
           </a:p>
         </p:txBody>
       </p:sp>
@@ -48429,110 +48249,392 @@
       </p:grpSpPr>
       <p:sp>
         <p:nvSpPr>
-          <p:cNvPr id="43010" name="Title 1"/>
-          <p:cNvSpPr>
-            <a:spLocks noGrp="1"/>
-          </p:cNvSpPr>
-          <p:nvPr>
-            <p:ph type="title"/>
-          </p:nvPr>
+          <p:cNvPr id="4" name="Rectangle 3"/>
+          <p:cNvSpPr/>
+          <p:nvPr/>
         </p:nvSpPr>
-        <p:spPr/>
+        <p:spPr>
+          <a:xfrm>
+            <a:off x="1066800" y="1371600"/>
+            <a:ext cx="6553200" cy="4832092"/>
+          </a:xfrm>
+          <a:prstGeom prst="rect">
+            <a:avLst/>
+          </a:prstGeom>
+        </p:spPr>
         <p:txBody>
-          <a:bodyPr/>
+          <a:bodyPr wrap="square">
+            <a:spAutoFit/>
+          </a:bodyPr>
           <a:lstStyle/>
           <a:p>
-            <a:pPr eaLnBrk="1" hangingPunct="1"/>
-            <a:r>
-              <a:rPr lang="en-US" b="0" dirty="0" smtClean="0"/>
-              <a:t>Agenda</a:t>
-            </a:r>
+            <a:r>
+              <a:rPr lang="en-US" sz="1400" b="1" dirty="0" smtClean="0">
+                <a:latin typeface="Courier New" pitchFamily="49" charset="0"/>
+                <a:cs typeface="Courier New" pitchFamily="49" charset="0"/>
+              </a:rPr>
+              <a:t>/*****************************************************************************</a:t>
+            </a:r>
+          </a:p>
+          <a:p>
+            <a:r>
+              <a:rPr lang="en-US" sz="1400" b="1" dirty="0" smtClean="0">
+                <a:latin typeface="Courier New" pitchFamily="49" charset="0"/>
+                <a:cs typeface="Courier New" pitchFamily="49" charset="0"/>
+              </a:rPr>
+              <a:t> * Sets the SERDES configuration registers</a:t>
+            </a:r>
+          </a:p>
+          <a:p>
+            <a:r>
+              <a:rPr lang="en-US" sz="1400" b="1" dirty="0" smtClean="0">
+                <a:latin typeface="Courier New" pitchFamily="49" charset="0"/>
+                <a:cs typeface="Courier New" pitchFamily="49" charset="0"/>
+              </a:rPr>
+              <a:t> ****************************************************************************/</a:t>
+            </a:r>
+          </a:p>
+          <a:p>
+            <a:r>
+              <a:rPr lang="en-US" sz="1400" b="1" dirty="0" smtClean="0">
+                <a:latin typeface="Courier New" pitchFamily="49" charset="0"/>
+                <a:cs typeface="Courier New" pitchFamily="49" charset="0"/>
+              </a:rPr>
+              <a:t>void hyplnkExampleSerdesCfg (uint32_t rx, uint32_t tx)</a:t>
+            </a:r>
+          </a:p>
+          <a:p>
+            <a:r>
+              <a:rPr lang="en-US" sz="1400" b="1" dirty="0" smtClean="0">
+                <a:latin typeface="Courier New" pitchFamily="49" charset="0"/>
+                <a:cs typeface="Courier New" pitchFamily="49" charset="0"/>
+              </a:rPr>
+              <a:t>{</a:t>
+            </a:r>
+          </a:p>
+          <a:p>
+            <a:r>
+              <a:rPr lang="en-US" sz="1400" b="1" dirty="0" smtClean="0">
+                <a:latin typeface="Courier New" pitchFamily="49" charset="0"/>
+                <a:cs typeface="Courier New" pitchFamily="49" charset="0"/>
+              </a:rPr>
+              <a:t>  CSL_BootCfgUnlockKicker();</a:t>
+            </a:r>
+          </a:p>
+          <a:p>
+            <a:endParaRPr lang="en-US" sz="1400" b="1" dirty="0" smtClean="0">
+              <a:latin typeface="Courier New" pitchFamily="49" charset="0"/>
+              <a:cs typeface="Courier New" pitchFamily="49" charset="0"/>
+            </a:endParaRPr>
+          </a:p>
+          <a:p>
+            <a:r>
+              <a:rPr lang="en-US" sz="1400" b="1" dirty="0" smtClean="0">
+                <a:latin typeface="Courier New" pitchFamily="49" charset="0"/>
+                <a:cs typeface="Courier New" pitchFamily="49" charset="0"/>
+              </a:rPr>
+              <a:t>  </a:t>
+            </a:r>
+            <a:r>
+              <a:rPr lang="en-US" sz="1400" b="1" dirty="0" err="1" smtClean="0">
+                <a:latin typeface="Courier New" pitchFamily="49" charset="0"/>
+                <a:cs typeface="Courier New" pitchFamily="49" charset="0"/>
+              </a:rPr>
+              <a:t>CSL_BootCfgSetVUSRRxConfig</a:t>
+            </a:r>
+            <a:r>
+              <a:rPr lang="en-US" sz="1400" b="1" dirty="0" smtClean="0">
+                <a:latin typeface="Courier New" pitchFamily="49" charset="0"/>
+                <a:cs typeface="Courier New" pitchFamily="49" charset="0"/>
+              </a:rPr>
+              <a:t> (0, rx);</a:t>
+            </a:r>
+          </a:p>
+          <a:p>
+            <a:r>
+              <a:rPr lang="en-US" sz="1400" b="1" dirty="0" smtClean="0">
+                <a:latin typeface="Courier New" pitchFamily="49" charset="0"/>
+                <a:cs typeface="Courier New" pitchFamily="49" charset="0"/>
+              </a:rPr>
+              <a:t>  </a:t>
+            </a:r>
+            <a:r>
+              <a:rPr lang="en-US" sz="1400" b="1" dirty="0" err="1" smtClean="0">
+                <a:latin typeface="Courier New" pitchFamily="49" charset="0"/>
+                <a:cs typeface="Courier New" pitchFamily="49" charset="0"/>
+              </a:rPr>
+              <a:t>CSL_BootCfgSetVUSRRxConfig</a:t>
+            </a:r>
+            <a:r>
+              <a:rPr lang="en-US" sz="1400" b="1" dirty="0" smtClean="0">
+                <a:latin typeface="Courier New" pitchFamily="49" charset="0"/>
+                <a:cs typeface="Courier New" pitchFamily="49" charset="0"/>
+              </a:rPr>
+              <a:t> (1, rx);</a:t>
+            </a:r>
+          </a:p>
+          <a:p>
+            <a:r>
+              <a:rPr lang="en-US" sz="1400" b="1" dirty="0" smtClean="0">
+                <a:latin typeface="Courier New" pitchFamily="49" charset="0"/>
+                <a:cs typeface="Courier New" pitchFamily="49" charset="0"/>
+              </a:rPr>
+              <a:t>  </a:t>
+            </a:r>
+            <a:r>
+              <a:rPr lang="en-US" sz="1400" b="1" dirty="0" err="1" smtClean="0">
+                <a:latin typeface="Courier New" pitchFamily="49" charset="0"/>
+                <a:cs typeface="Courier New" pitchFamily="49" charset="0"/>
+              </a:rPr>
+              <a:t>CSL_BootCfgSetVUSRRxConfig</a:t>
+            </a:r>
+            <a:r>
+              <a:rPr lang="en-US" sz="1400" b="1" dirty="0" smtClean="0">
+                <a:latin typeface="Courier New" pitchFamily="49" charset="0"/>
+                <a:cs typeface="Courier New" pitchFamily="49" charset="0"/>
+              </a:rPr>
+              <a:t> (2, rx);</a:t>
+            </a:r>
+          </a:p>
+          <a:p>
+            <a:r>
+              <a:rPr lang="en-US" sz="1400" b="1" dirty="0" smtClean="0">
+                <a:latin typeface="Courier New" pitchFamily="49" charset="0"/>
+                <a:cs typeface="Courier New" pitchFamily="49" charset="0"/>
+              </a:rPr>
+              <a:t>  </a:t>
+            </a:r>
+            <a:r>
+              <a:rPr lang="en-US" sz="1400" b="1" dirty="0" err="1" smtClean="0">
+                <a:latin typeface="Courier New" pitchFamily="49" charset="0"/>
+                <a:cs typeface="Courier New" pitchFamily="49" charset="0"/>
+              </a:rPr>
+              <a:t>CSL_BootCfgSetVUSRRxConfig</a:t>
+            </a:r>
+            <a:r>
+              <a:rPr lang="en-US" sz="1400" b="1" dirty="0" smtClean="0">
+                <a:latin typeface="Courier New" pitchFamily="49" charset="0"/>
+                <a:cs typeface="Courier New" pitchFamily="49" charset="0"/>
+              </a:rPr>
+              <a:t> (3, rx);</a:t>
+            </a:r>
+          </a:p>
+          <a:p>
+            <a:endParaRPr lang="en-US" sz="1400" b="1" dirty="0" smtClean="0">
+              <a:latin typeface="Courier New" pitchFamily="49" charset="0"/>
+              <a:cs typeface="Courier New" pitchFamily="49" charset="0"/>
+            </a:endParaRPr>
+          </a:p>
+          <a:p>
+            <a:r>
+              <a:rPr lang="en-US" sz="1400" b="1" dirty="0" smtClean="0">
+                <a:latin typeface="Courier New" pitchFamily="49" charset="0"/>
+                <a:cs typeface="Courier New" pitchFamily="49" charset="0"/>
+              </a:rPr>
+              <a:t>  </a:t>
+            </a:r>
+            <a:r>
+              <a:rPr lang="en-US" sz="1400" b="1" dirty="0" err="1" smtClean="0">
+                <a:latin typeface="Courier New" pitchFamily="49" charset="0"/>
+                <a:cs typeface="Courier New" pitchFamily="49" charset="0"/>
+              </a:rPr>
+              <a:t>CSL_BootCfgSetVUSRTxConfig</a:t>
+            </a:r>
+            <a:r>
+              <a:rPr lang="en-US" sz="1400" b="1" dirty="0" smtClean="0">
+                <a:latin typeface="Courier New" pitchFamily="49" charset="0"/>
+                <a:cs typeface="Courier New" pitchFamily="49" charset="0"/>
+              </a:rPr>
+              <a:t> (0, tx);</a:t>
+            </a:r>
+          </a:p>
+          <a:p>
+            <a:r>
+              <a:rPr lang="en-US" sz="1400" b="1" dirty="0" smtClean="0">
+                <a:latin typeface="Courier New" pitchFamily="49" charset="0"/>
+                <a:cs typeface="Courier New" pitchFamily="49" charset="0"/>
+              </a:rPr>
+              <a:t>  </a:t>
+            </a:r>
+            <a:r>
+              <a:rPr lang="en-US" sz="1400" b="1" dirty="0" err="1" smtClean="0">
+                <a:latin typeface="Courier New" pitchFamily="49" charset="0"/>
+                <a:cs typeface="Courier New" pitchFamily="49" charset="0"/>
+              </a:rPr>
+              <a:t>CSL_BootCfgSetVUSRTxConfig</a:t>
+            </a:r>
+            <a:r>
+              <a:rPr lang="en-US" sz="1400" b="1" dirty="0" smtClean="0">
+                <a:latin typeface="Courier New" pitchFamily="49" charset="0"/>
+                <a:cs typeface="Courier New" pitchFamily="49" charset="0"/>
+              </a:rPr>
+              <a:t> (1, tx);</a:t>
+            </a:r>
+          </a:p>
+          <a:p>
+            <a:r>
+              <a:rPr lang="en-US" sz="1400" b="1" dirty="0" smtClean="0">
+                <a:latin typeface="Courier New" pitchFamily="49" charset="0"/>
+                <a:cs typeface="Courier New" pitchFamily="49" charset="0"/>
+              </a:rPr>
+              <a:t>  </a:t>
+            </a:r>
+            <a:r>
+              <a:rPr lang="en-US" sz="1400" b="1" dirty="0" err="1" smtClean="0">
+                <a:latin typeface="Courier New" pitchFamily="49" charset="0"/>
+                <a:cs typeface="Courier New" pitchFamily="49" charset="0"/>
+              </a:rPr>
+              <a:t>CSL_BootCfgSetVUSRTxConfig</a:t>
+            </a:r>
+            <a:r>
+              <a:rPr lang="en-US" sz="1400" b="1" dirty="0" smtClean="0">
+                <a:latin typeface="Courier New" pitchFamily="49" charset="0"/>
+                <a:cs typeface="Courier New" pitchFamily="49" charset="0"/>
+              </a:rPr>
+              <a:t> (2, tx);</a:t>
+            </a:r>
+          </a:p>
+          <a:p>
+            <a:r>
+              <a:rPr lang="en-US" sz="1400" b="1" dirty="0" smtClean="0">
+                <a:latin typeface="Courier New" pitchFamily="49" charset="0"/>
+                <a:cs typeface="Courier New" pitchFamily="49" charset="0"/>
+              </a:rPr>
+              <a:t>  </a:t>
+            </a:r>
+            <a:r>
+              <a:rPr lang="en-US" sz="1400" b="1" dirty="0" err="1" smtClean="0">
+                <a:latin typeface="Courier New" pitchFamily="49" charset="0"/>
+                <a:cs typeface="Courier New" pitchFamily="49" charset="0"/>
+              </a:rPr>
+              <a:t>CSL_BootCfgSetVUSRTxConfig</a:t>
+            </a:r>
+            <a:r>
+              <a:rPr lang="en-US" sz="1400" b="1" dirty="0" smtClean="0">
+                <a:latin typeface="Courier New" pitchFamily="49" charset="0"/>
+                <a:cs typeface="Courier New" pitchFamily="49" charset="0"/>
+              </a:rPr>
+              <a:t> (3, tx);</a:t>
+            </a:r>
+          </a:p>
+          <a:p>
+            <a:endParaRPr lang="en-US" sz="1400" b="1" dirty="0" smtClean="0">
+              <a:latin typeface="Courier New" pitchFamily="49" charset="0"/>
+              <a:cs typeface="Courier New" pitchFamily="49" charset="0"/>
+            </a:endParaRPr>
+          </a:p>
+          <a:p>
+            <a:r>
+              <a:rPr lang="en-US" sz="1400" b="1" dirty="0" smtClean="0">
+                <a:latin typeface="Courier New" pitchFamily="49" charset="0"/>
+                <a:cs typeface="Courier New" pitchFamily="49" charset="0"/>
+              </a:rPr>
+              <a:t>  </a:t>
+            </a:r>
+          </a:p>
+          <a:p>
+            <a:r>
+              <a:rPr lang="en-US" sz="1400" b="1" dirty="0" smtClean="0">
+                <a:latin typeface="Courier New" pitchFamily="49" charset="0"/>
+                <a:cs typeface="Courier New" pitchFamily="49" charset="0"/>
+              </a:rPr>
+              <a:t>} /* hyplnkExampleSerdesCfg */</a:t>
+            </a:r>
+            <a:endParaRPr lang="en-US" sz="1400" b="1" dirty="0">
+              <a:latin typeface="Courier New" pitchFamily="49" charset="0"/>
+              <a:cs typeface="Courier New" pitchFamily="49" charset="0"/>
+            </a:endParaRPr>
           </a:p>
         </p:txBody>
       </p:sp>
       <p:sp>
         <p:nvSpPr>
-          <p:cNvPr id="3" name="Subtitle 2"/>
-          <p:cNvSpPr>
-            <a:spLocks noGrp="1"/>
+          <p:cNvPr id="5" name="Title 1"/>
+          <p:cNvSpPr txBox="1">
+            <a:spLocks/>
           </p:cNvSpPr>
-          <p:nvPr>
-            <p:ph idx="1"/>
-          </p:nvPr>
+          <p:nvPr/>
         </p:nvSpPr>
         <p:spPr>
           <a:xfrm>
-            <a:off x="457200" y="990600"/>
-            <a:ext cx="8229600" cy="3429000"/>
+            <a:off x="457200" y="152400"/>
+            <a:ext cx="8229600" cy="685800"/>
           </a:xfrm>
+          <a:prstGeom prst="rect">
+            <a:avLst/>
+          </a:prstGeom>
         </p:spPr>
         <p:txBody>
-          <a:bodyPr rtlCol="0">
-            <a:normAutofit/>
-          </a:bodyPr>
+          <a:bodyPr/>
           <a:lstStyle/>
           <a:p>
-            <a:pPr marL="514350" indent="-514350" eaLnBrk="1" fontAlgn="auto" hangingPunct="1">
+            <a:pPr marL="0" marR="0" lvl="0" indent="0" algn="ctr" defTabSz="914400" rtl="0" eaLnBrk="1" fontAlgn="base" latinLnBrk="0" hangingPunct="1">
+              <a:lnSpc>
+                <a:spcPct val="100000"/>
+              </a:lnSpc>
+              <a:spcBef>
+                <a:spcPct val="0"/>
+              </a:spcBef>
               <a:spcAft>
-                <a:spcPts val="0"/>
+                <a:spcPct val="0"/>
               </a:spcAft>
-              <a:buFont typeface="+mj-lt"/>
-              <a:buAutoNum type="arabicPeriod"/>
+              <a:buClrTx/>
+              <a:buSzTx/>
+              <a:buFontTx/>
+              <a:buNone/>
+              <a:tabLst/>
               <a:defRPr/>
             </a:pPr>
             <a:r>
-              <a:rPr lang="en-US" dirty="0" smtClean="0">
-                <a:latin typeface="+mj-lt"/>
-              </a:rPr>
-              <a:t>HyperLink Overview</a:t>
-            </a:r>
-          </a:p>
-          <a:p>
-            <a:pPr marL="514350" indent="-514350" eaLnBrk="1" fontAlgn="auto" hangingPunct="1">
-              <a:spcAft>
-                <a:spcPts val="0"/>
-              </a:spcAft>
-              <a:buFont typeface="+mj-lt"/>
-              <a:buAutoNum type="arabicPeriod"/>
-              <a:defRPr/>
-            </a:pPr>
-            <a:r>
-              <a:rPr lang="en-US" dirty="0" smtClean="0">
-                <a:latin typeface="+mj-lt"/>
-              </a:rPr>
-              <a:t>Address Translation</a:t>
-            </a:r>
-          </a:p>
-          <a:p>
-            <a:pPr marL="514350" indent="-514350" eaLnBrk="1" fontAlgn="auto" hangingPunct="1">
-              <a:spcAft>
-                <a:spcPts val="0"/>
-              </a:spcAft>
-              <a:buFont typeface="+mj-lt"/>
-              <a:buAutoNum type="arabicPeriod"/>
-              <a:defRPr/>
-            </a:pPr>
-            <a:r>
-              <a:rPr lang="en-US" dirty="0" smtClean="0">
-                <a:latin typeface="+mj-lt"/>
-              </a:rPr>
-              <a:t>Configuration</a:t>
-            </a:r>
-          </a:p>
-          <a:p>
-            <a:pPr marL="514350" indent="-514350" eaLnBrk="1" fontAlgn="auto" hangingPunct="1">
-              <a:spcAft>
-                <a:spcPts val="0"/>
-              </a:spcAft>
-              <a:buFont typeface="+mj-lt"/>
-              <a:buAutoNum type="arabicPeriod"/>
-              <a:defRPr/>
-            </a:pPr>
-            <a:r>
-              <a:rPr lang="en-US" b="1" dirty="0" smtClean="0">
-                <a:latin typeface="+mj-lt"/>
-              </a:rPr>
-              <a:t>Example and Demo</a:t>
+              <a:rPr kumimoji="0" lang="en-US" sz="4400" b="0" i="0" u="none" strike="noStrike" kern="0" cap="none" spc="0" normalizeH="0" baseline="0" noProof="0" dirty="0" smtClean="0">
+                <a:ln>
+                  <a:noFill/>
+                </a:ln>
+                <a:solidFill>
+                  <a:schemeClr val="tx1"/>
+                </a:solidFill>
+                <a:effectLst/>
+                <a:uLnTx/>
+                <a:uFillTx/>
+                <a:latin typeface="+mj-lt"/>
+                <a:ea typeface="+mj-ea"/>
+                <a:cs typeface="+mj-cs"/>
+              </a:rPr>
+              <a:t>Example:</a:t>
+            </a:r>
+            <a:r>
+              <a:rPr kumimoji="0" lang="en-US" sz="4400" b="0" i="0" u="none" strike="noStrike" kern="0" cap="none" spc="0" normalizeH="0" noProof="0" dirty="0" smtClean="0">
+                <a:ln>
+                  <a:noFill/>
+                </a:ln>
+                <a:solidFill>
+                  <a:schemeClr val="tx1"/>
+                </a:solidFill>
+                <a:effectLst/>
+                <a:uLnTx/>
+                <a:uFillTx/>
+                <a:latin typeface="+mj-lt"/>
+                <a:ea typeface="+mj-ea"/>
+                <a:cs typeface="+mj-cs"/>
+              </a:rPr>
+              <a:t> </a:t>
+            </a:r>
+            <a:r>
+              <a:rPr kumimoji="0" lang="en-US" sz="4400" b="0" i="0" u="none" strike="noStrike" kern="0" cap="none" spc="0" normalizeH="0" baseline="0" noProof="0" dirty="0" smtClean="0">
+                <a:ln>
+                  <a:noFill/>
+                </a:ln>
+                <a:solidFill>
+                  <a:schemeClr val="tx1"/>
+                </a:solidFill>
+                <a:effectLst/>
+                <a:uLnTx/>
+                <a:uFillTx/>
+                <a:latin typeface="+mj-lt"/>
+                <a:ea typeface="+mj-ea"/>
+                <a:cs typeface="+mj-cs"/>
+              </a:rPr>
+              <a:t>Configuration Function</a:t>
             </a:r>
           </a:p>
         </p:txBody>
@@ -48571,6 +48673,148 @@
       </p:grpSpPr>
       <p:sp>
         <p:nvSpPr>
+          <p:cNvPr id="43010" name="Title 1"/>
+          <p:cNvSpPr>
+            <a:spLocks noGrp="1"/>
+          </p:cNvSpPr>
+          <p:nvPr>
+            <p:ph type="title"/>
+          </p:nvPr>
+        </p:nvSpPr>
+        <p:spPr/>
+        <p:txBody>
+          <a:bodyPr/>
+          <a:lstStyle/>
+          <a:p>
+            <a:pPr eaLnBrk="1" hangingPunct="1"/>
+            <a:r>
+              <a:rPr lang="en-US" b="0" dirty="0" smtClean="0"/>
+              <a:t>Agenda</a:t>
+            </a:r>
+          </a:p>
+        </p:txBody>
+      </p:sp>
+      <p:sp>
+        <p:nvSpPr>
+          <p:cNvPr id="3" name="Subtitle 2"/>
+          <p:cNvSpPr>
+            <a:spLocks noGrp="1"/>
+          </p:cNvSpPr>
+          <p:nvPr>
+            <p:ph idx="1"/>
+          </p:nvPr>
+        </p:nvSpPr>
+        <p:spPr>
+          <a:xfrm>
+            <a:off x="457200" y="990600"/>
+            <a:ext cx="8229600" cy="3429000"/>
+          </a:xfrm>
+        </p:spPr>
+        <p:txBody>
+          <a:bodyPr rtlCol="0">
+            <a:normAutofit/>
+          </a:bodyPr>
+          <a:lstStyle/>
+          <a:p>
+            <a:pPr marL="514350" indent="-514350" eaLnBrk="1" fontAlgn="auto" hangingPunct="1">
+              <a:spcAft>
+                <a:spcPts val="0"/>
+              </a:spcAft>
+              <a:buFont typeface="+mj-lt"/>
+              <a:buAutoNum type="arabicPeriod"/>
+              <a:defRPr/>
+            </a:pPr>
+            <a:r>
+              <a:rPr lang="en-US" dirty="0" smtClean="0">
+                <a:latin typeface="+mj-lt"/>
+              </a:rPr>
+              <a:t>HyperLink Overview</a:t>
+            </a:r>
+          </a:p>
+          <a:p>
+            <a:pPr marL="514350" indent="-514350" eaLnBrk="1" fontAlgn="auto" hangingPunct="1">
+              <a:spcAft>
+                <a:spcPts val="0"/>
+              </a:spcAft>
+              <a:buFont typeface="+mj-lt"/>
+              <a:buAutoNum type="arabicPeriod"/>
+              <a:defRPr/>
+            </a:pPr>
+            <a:r>
+              <a:rPr lang="en-US" dirty="0" smtClean="0">
+                <a:latin typeface="+mj-lt"/>
+              </a:rPr>
+              <a:t>Address Translation</a:t>
+            </a:r>
+          </a:p>
+          <a:p>
+            <a:pPr marL="514350" indent="-514350" eaLnBrk="1" fontAlgn="auto" hangingPunct="1">
+              <a:spcAft>
+                <a:spcPts val="0"/>
+              </a:spcAft>
+              <a:buFont typeface="+mj-lt"/>
+              <a:buAutoNum type="arabicPeriod"/>
+              <a:defRPr/>
+            </a:pPr>
+            <a:r>
+              <a:rPr lang="en-US" dirty="0" smtClean="0">
+                <a:latin typeface="+mj-lt"/>
+              </a:rPr>
+              <a:t>Configuration</a:t>
+            </a:r>
+          </a:p>
+          <a:p>
+            <a:pPr marL="514350" indent="-514350" eaLnBrk="1" fontAlgn="auto" hangingPunct="1">
+              <a:spcAft>
+                <a:spcPts val="0"/>
+              </a:spcAft>
+              <a:buFont typeface="+mj-lt"/>
+              <a:buAutoNum type="arabicPeriod"/>
+              <a:defRPr/>
+            </a:pPr>
+            <a:r>
+              <a:rPr lang="en-US" b="1" dirty="0" smtClean="0">
+                <a:latin typeface="+mj-lt"/>
+              </a:rPr>
+              <a:t>Example and Demo</a:t>
+            </a:r>
+          </a:p>
+        </p:txBody>
+      </p:sp>
+    </p:spTree>
+  </p:cSld>
+  <p:clrMapOvr>
+    <a:masterClrMapping/>
+  </p:clrMapOvr>
+  <p:timing>
+    <p:tnLst>
+      <p:par>
+        <p:cTn id="1" dur="indefinite" restart="never" nodeType="tmRoot"/>
+      </p:par>
+    </p:tnLst>
+  </p:timing>
+</p:sld>
+</file>
+
+<file path=ppt/slides/slide46.xml><?xml version="1.0" encoding="utf-8"?>
+<p:sld xmlns:a="http://schemas.openxmlformats.org/drawingml/2006/main" xmlns:r="http://schemas.openxmlformats.org/officeDocument/2006/relationships" xmlns:p="http://schemas.openxmlformats.org/presentationml/2006/main">
+  <p:cSld>
+    <p:spTree>
+      <p:nvGrpSpPr>
+        <p:cNvPr id="1" name=""/>
+        <p:cNvGrpSpPr/>
+        <p:nvPr/>
+      </p:nvGrpSpPr>
+      <p:grpSpPr>
+        <a:xfrm>
+          <a:off x="0" y="0"/>
+          <a:ext cx="0" cy="0"/>
+          <a:chOff x="0" y="0"/>
+          <a:chExt cx="0" cy="0"/>
+        </a:xfrm>
+      </p:grpSpPr>
+      <p:sp>
+        <p:nvSpPr>
           <p:cNvPr id="44034" name="Title 1"/>
           <p:cNvSpPr>
             <a:spLocks noGrp="1"/>
@@ -48753,7 +48997,7 @@
 </p:sld>
 </file>
 
-<file path=ppt/slides/slide46.xml><?xml version="1.0" encoding="utf-8"?>
+<file path=ppt/slides/slide47.xml><?xml version="1.0" encoding="utf-8"?>
 <p:sld xmlns:a="http://schemas.openxmlformats.org/drawingml/2006/main" xmlns:r="http://schemas.openxmlformats.org/officeDocument/2006/relationships" xmlns:p="http://schemas.openxmlformats.org/presentationml/2006/main">
   <p:cSld>
     <p:spTree>

--- a/slides/Intro to Hyperlink.pptx
+++ b/slides/Intro to Hyperlink.pptx
@@ -296,7 +296,7 @@
               <a:pPr>
                 <a:defRPr/>
               </a:pPr>
-              <a:t>5/9/2012</a:t>
+              <a:t>5/15/2012</a:t>
             </a:fld>
             <a:endParaRPr lang="en-US" dirty="0"/>
           </a:p>
@@ -6554,7 +6554,6 @@
               <a:rPr lang="en-US" sz="3600" b="0" dirty="0" smtClean="0"/>
               <a:t>HyperLink Interrupts Features</a:t>
             </a:r>
-            <a:endParaRPr lang="en-US" sz="3600" b="0" dirty="0" smtClean="0"/>
           </a:p>
         </p:txBody>
       </p:sp>
@@ -6590,8 +6589,17 @@
               <a:rPr lang="en-US" sz="2400" dirty="0" smtClean="0">
                 <a:latin typeface="+mj-lt"/>
               </a:rPr>
-              <a:t>Detection  - detected an interrupt to the HyperLink local device that was generated either as software interrupt (writing to interrupt register) or as hardware </a:t>
-            </a:r>
+              <a:t>Detection  - detected an interrupt to the HyperLink local device that was generated either as software interrupt (writing to interrupt register) or </a:t>
+            </a:r>
+            <a:r>
+              <a:rPr lang="en-US" sz="2400" smtClean="0">
+                <a:latin typeface="+mj-lt"/>
+              </a:rPr>
+              <a:t>as hardware </a:t>
+            </a:r>
+            <a:endParaRPr lang="en-US" sz="2400" dirty="0" smtClean="0">
+              <a:latin typeface="+mj-lt"/>
+            </a:endParaRPr>
           </a:p>
           <a:p>
             <a:pPr marL="514350" indent="-514350" eaLnBrk="1" fontAlgn="auto" hangingPunct="1">
@@ -6634,9 +6642,6 @@
               </a:rPr>
               <a:t>Generating – generate an interrupt in the local device</a:t>
             </a:r>
-            <a:endParaRPr lang="en-US" sz="2400" dirty="0" smtClean="0">
-              <a:latin typeface="+mj-lt"/>
-            </a:endParaRPr>
           </a:p>
           <a:p>
             <a:pPr marL="514350" indent="-514350" eaLnBrk="1" fontAlgn="auto" hangingPunct="1">

--- a/slides/Intro to Hyperlink.pptx
+++ b/slides/Intro to Hyperlink.pptx
@@ -296,7 +296,7 @@
               <a:pPr>
                 <a:defRPr/>
               </a:pPr>
-              <a:t>5/15/2012</a:t>
+              <a:t>5/9/2012</a:t>
             </a:fld>
             <a:endParaRPr lang="en-US" dirty="0"/>
           </a:p>
@@ -6554,6 +6554,7 @@
               <a:rPr lang="en-US" sz="3600" b="0" dirty="0" smtClean="0"/>
               <a:t>HyperLink Interrupts Features</a:t>
             </a:r>
+            <a:endParaRPr lang="en-US" sz="3600" b="0" dirty="0" smtClean="0"/>
           </a:p>
         </p:txBody>
       </p:sp>
@@ -6589,17 +6590,8 @@
               <a:rPr lang="en-US" sz="2400" dirty="0" smtClean="0">
                 <a:latin typeface="+mj-lt"/>
               </a:rPr>
-              <a:t>Detection  - detected an interrupt to the HyperLink local device that was generated either as software interrupt (writing to interrupt register) or </a:t>
-            </a:r>
-            <a:r>
-              <a:rPr lang="en-US" sz="2400" smtClean="0">
-                <a:latin typeface="+mj-lt"/>
-              </a:rPr>
-              <a:t>as hardware </a:t>
-            </a:r>
-            <a:endParaRPr lang="en-US" sz="2400" dirty="0" smtClean="0">
-              <a:latin typeface="+mj-lt"/>
-            </a:endParaRPr>
+              <a:t>Detection  - detected an interrupt to the HyperLink local device that was generated either as software interrupt (writing to interrupt register) or as hardware </a:t>
+            </a:r>
           </a:p>
           <a:p>
             <a:pPr marL="514350" indent="-514350" eaLnBrk="1" fontAlgn="auto" hangingPunct="1">
@@ -6642,6 +6634,9 @@
               </a:rPr>
               <a:t>Generating – generate an interrupt in the local device</a:t>
             </a:r>
+            <a:endParaRPr lang="en-US" sz="2400" dirty="0" smtClean="0">
+              <a:latin typeface="+mj-lt"/>
+            </a:endParaRPr>
           </a:p>
           <a:p>
             <a:pPr marL="514350" indent="-514350" eaLnBrk="1" fontAlgn="auto" hangingPunct="1">

--- a/slides/Intro to Hyperlink.pptx
+++ b/slides/Intro to Hyperlink.pptx
@@ -296,7 +296,7 @@
               <a:pPr>
                 <a:defRPr/>
               </a:pPr>
-              <a:t>5/9/2012</a:t>
+              <a:t>5/29/2012</a:t>
             </a:fld>
             <a:endParaRPr lang="en-US" dirty="0"/>
           </a:p>
@@ -6554,7 +6554,6 @@
               <a:rPr lang="en-US" sz="3600" b="0" dirty="0" smtClean="0"/>
               <a:t>HyperLink Interrupts Features</a:t>
             </a:r>
-            <a:endParaRPr lang="en-US" sz="3600" b="0" dirty="0" smtClean="0"/>
           </a:p>
         </p:txBody>
       </p:sp>
@@ -6590,8 +6589,17 @@
               <a:rPr lang="en-US" sz="2400" dirty="0" smtClean="0">
                 <a:latin typeface="+mj-lt"/>
               </a:rPr>
-              <a:t>Detection  - detected an interrupt to the HyperLink local device that was generated either as software interrupt (writing to interrupt register) or as hardware </a:t>
-            </a:r>
+              <a:t>Detection  - detected an interrupt to the HyperLink local device that was generated either as software interrupt (writing to interrupt register) or </a:t>
+            </a:r>
+            <a:r>
+              <a:rPr lang="en-US" sz="2400" smtClean="0">
+                <a:latin typeface="+mj-lt"/>
+              </a:rPr>
+              <a:t>as hardware </a:t>
+            </a:r>
+            <a:endParaRPr lang="en-US" sz="2400" dirty="0" smtClean="0">
+              <a:latin typeface="+mj-lt"/>
+            </a:endParaRPr>
           </a:p>
           <a:p>
             <a:pPr marL="514350" indent="-514350" eaLnBrk="1" fontAlgn="auto" hangingPunct="1">
@@ -6634,9 +6642,6 @@
               </a:rPr>
               <a:t>Generating – generate an interrupt in the local device</a:t>
             </a:r>
-            <a:endParaRPr lang="en-US" sz="2400" dirty="0" smtClean="0">
-              <a:latin typeface="+mj-lt"/>
-            </a:endParaRPr>
           </a:p>
           <a:p>
             <a:pPr marL="514350" indent="-514350" eaLnBrk="1" fontAlgn="auto" hangingPunct="1">
@@ -11053,7 +11058,7 @@
         <p:spPr bwMode="auto">
           <a:xfrm>
             <a:off x="381000" y="1371600"/>
-            <a:ext cx="8382000" cy="3970318"/>
+            <a:ext cx="8382000" cy="4247317"/>
           </a:xfrm>
           <a:prstGeom prst="rect">
             <a:avLst/>
@@ -11170,15 +11175,15 @@
             </a:r>
             <a:r>
               <a:rPr lang="en-US" dirty="0" smtClean="0"/>
-              <a:t>(but </a:t>
+              <a:t>as 28 – N, (but </a:t>
             </a:r>
             <a:r>
               <a:rPr lang="en-US" dirty="0"/>
               <a:t>no more than 6</a:t>
             </a:r>
             <a:r>
-              <a:rPr lang="en-US" dirty="0" smtClean="0"/>
-              <a:t>).</a:t>
+              <a:rPr lang="en-US" smtClean="0"/>
+              <a:t>). </a:t>
             </a:r>
             <a:endParaRPr lang="en-US" dirty="0"/>
           </a:p>
